--- a/P5Olist_Présentation_initiale.pptx
+++ b/P5Olist_Présentation_initiale.pptx
@@ -416,7 +416,7 @@
             <a:fld id="{08B9EBBA-996F-894A-B54A-D6246ED52CEA}" type="datetimeFigureOut">
               <a:rPr lang="en-US" dirty="0"/>
               <a:pPr/>
-              <a:t>9/9/2020</a:t>
+              <a:t>9/11/2020</a:t>
             </a:fld>
             <a:endParaRPr lang="en-US" dirty="0"/>
           </a:p>
@@ -731,7 +731,7 @@
             <a:fld id="{18C79C5D-2A6F-F04D-97DA-BEF2467B64E4}" type="datetimeFigureOut">
               <a:rPr lang="en-US" dirty="0"/>
               <a:pPr/>
-              <a:t>9/9/2020</a:t>
+              <a:t>9/11/2020</a:t>
             </a:fld>
             <a:endParaRPr lang="en-US" dirty="0"/>
           </a:p>
@@ -1216,7 +1216,7 @@
             <a:fld id="{8DFA1846-DA80-1C48-A609-854EA85C59AD}" type="datetimeFigureOut">
               <a:rPr lang="en-US" dirty="0"/>
               <a:pPr/>
-              <a:t>9/9/2020</a:t>
+              <a:t>9/11/2020</a:t>
             </a:fld>
             <a:endParaRPr lang="en-US" dirty="0"/>
           </a:p>
@@ -1582,7 +1582,7 @@
             <a:fld id="{FBF54567-0DE4-3F47-BF90-CB84690072F9}" type="datetimeFigureOut">
               <a:rPr lang="en-US" dirty="0"/>
               <a:pPr/>
-              <a:t>9/9/2020</a:t>
+              <a:t>9/11/2020</a:t>
             </a:fld>
             <a:endParaRPr lang="en-US" dirty="0"/>
           </a:p>
@@ -1852,7 +1852,7 @@
             <a:fld id="{C6C52C72-DE31-F449-A4ED-4C594FD91407}" type="datetimeFigureOut">
               <a:rPr lang="en-US" dirty="0"/>
               <a:pPr/>
-              <a:t>9/9/2020</a:t>
+              <a:t>9/11/2020</a:t>
             </a:fld>
             <a:endParaRPr lang="en-US" dirty="0"/>
           </a:p>
@@ -2134,7 +2134,7 @@
             <a:fld id="{ED62726E-379B-B349-9EED-81ED093FA806}" type="datetimeFigureOut">
               <a:rPr lang="en-US" dirty="0"/>
               <a:pPr/>
-              <a:t>9/9/2020</a:t>
+              <a:t>9/11/2020</a:t>
             </a:fld>
             <a:endParaRPr lang="en-US" dirty="0"/>
           </a:p>
@@ -2414,7 +2414,7 @@
             <a:fld id="{9B3A1323-8D79-1946-B0D7-40001CF92E9D}" type="datetimeFigureOut">
               <a:rPr lang="en-US" dirty="0"/>
               <a:pPr/>
-              <a:t>9/9/2020</a:t>
+              <a:t>9/11/2020</a:t>
             </a:fld>
             <a:endParaRPr lang="en-US" dirty="0"/>
           </a:p>
@@ -2754,7 +2754,7 @@
             <a:fld id="{8DFA1846-DA80-1C48-A609-854EA85C59AD}" type="datetimeFigureOut">
               <a:rPr lang="en-US" dirty="0"/>
               <a:pPr/>
-              <a:t>9/9/2020</a:t>
+              <a:t>9/11/2020</a:t>
             </a:fld>
             <a:endParaRPr lang="en-US" dirty="0"/>
           </a:p>
@@ -3090,7 +3090,7 @@
             <a:fld id="{57302355-E14B-8545-A8F8-0FE83CC9D524}" type="datetimeFigureOut">
               <a:rPr lang="en-US" dirty="0"/>
               <a:pPr/>
-              <a:t>9/9/2020</a:t>
+              <a:t>9/11/2020</a:t>
             </a:fld>
             <a:endParaRPr lang="en-US" dirty="0"/>
           </a:p>
@@ -3569,7 +3569,7 @@
             <a:fld id="{02640F58-564D-2B4F-AE67-E407BA4FCF45}" type="datetimeFigureOut">
               <a:rPr lang="en-US" dirty="0"/>
               <a:pPr/>
-              <a:t>9/9/2020</a:t>
+              <a:t>9/11/2020</a:t>
             </a:fld>
             <a:endParaRPr lang="en-US" dirty="0"/>
           </a:p>
@@ -3792,7 +3792,7 @@
             <a:fld id="{F13A34C8-038E-2045-AF43-DF7DBB8E0E9E}" type="datetimeFigureOut">
               <a:rPr lang="en-US" dirty="0"/>
               <a:pPr/>
-              <a:t>9/9/2020</a:t>
+              <a:t>9/11/2020</a:t>
             </a:fld>
             <a:endParaRPr lang="en-US" dirty="0"/>
           </a:p>
@@ -3884,7 +3884,7 @@
             <a:fld id="{8818C68F-D26B-8F47-958C-23B49CF8A634}" type="datetimeFigureOut">
               <a:rPr lang="en-US" dirty="0"/>
               <a:pPr/>
-              <a:t>9/9/2020</a:t>
+              <a:t>9/11/2020</a:t>
             </a:fld>
             <a:endParaRPr lang="en-US" dirty="0"/>
           </a:p>
@@ -4348,7 +4348,7 @@
             <a:fld id="{D0DF5E60-9974-AC48-9591-99C2BB44B7CF}" type="datetimeFigureOut">
               <a:rPr lang="en-US" dirty="0"/>
               <a:pPr/>
-              <a:t>9/9/2020</a:t>
+              <a:t>9/11/2020</a:t>
             </a:fld>
             <a:endParaRPr lang="en-US" dirty="0"/>
           </a:p>
@@ -4658,7 +4658,7 @@
             <a:fld id="{18C79C5D-2A6F-F04D-97DA-BEF2467B64E4}" type="datetimeFigureOut">
               <a:rPr lang="en-US" dirty="0"/>
               <a:pPr/>
-              <a:t>9/9/2020</a:t>
+              <a:t>9/11/2020</a:t>
             </a:fld>
             <a:endParaRPr lang="en-US" dirty="0"/>
           </a:p>
@@ -4925,7 +4925,7 @@
             <a:fld id="{09B482E8-6E0E-1B4F-B1FD-C69DB9E858D9}" type="datetimeFigureOut">
               <a:rPr lang="en-US" dirty="0"/>
               <a:pPr/>
-              <a:t>9/9/2020</a:t>
+              <a:t>9/11/2020</a:t>
             </a:fld>
             <a:endParaRPr lang="en-US" dirty="0"/>
           </a:p>
@@ -12106,7 +12106,7 @@
             </a:r>
             <a:r>
               <a:rPr lang="fr-FR" sz="1400" b="1" dirty="0" err="1"/>
-              <a:t>rational_category</a:t>
+              <a:t>category</a:t>
             </a:r>
             <a:r>
               <a:rPr lang="fr-FR" sz="1400" b="1" dirty="0"/>
@@ -13875,7 +13875,15 @@
             </a:r>
             <a:r>
               <a:rPr lang="fr-FR" dirty="0"/>
-              <a:t> help to </a:t>
+              <a:t> </a:t>
+            </a:r>
+            <a:r>
+              <a:rPr lang="fr-FR" dirty="0" err="1"/>
+              <a:t>provide</a:t>
+            </a:r>
+            <a:r>
+              <a:rPr lang="fr-FR" dirty="0"/>
+              <a:t> to </a:t>
             </a:r>
             <a:r>
               <a:rPr lang="fr-FR" dirty="0" err="1"/>
@@ -13958,7 +13966,7 @@
             </a:r>
             <a:r>
               <a:rPr lang="fr-FR" i="1" dirty="0"/>
-              <a:t>(M </a:t>
+              <a:t>(the M </a:t>
             </a:r>
             <a:r>
               <a:rPr lang="fr-FR" i="1" dirty="0" err="1"/>
@@ -14456,10 +14464,10 @@
         </p:nvGrpSpPr>
         <p:grpSpPr>
           <a:xfrm>
-            <a:off x="-108397" y="2988494"/>
-            <a:ext cx="5430496" cy="1461166"/>
-            <a:chOff x="-89013" y="3035998"/>
-            <a:chExt cx="5430496" cy="1461166"/>
+            <a:off x="-97654" y="2988494"/>
+            <a:ext cx="5419753" cy="1461166"/>
+            <a:chOff x="-78270" y="3035998"/>
+            <a:chExt cx="5419753" cy="1461166"/>
           </a:xfrm>
         </p:grpSpPr>
         <p:sp>
@@ -14604,8 +14612,8 @@
           </p:nvSpPr>
           <p:spPr>
             <a:xfrm>
-              <a:off x="-89013" y="3112169"/>
-              <a:ext cx="3345623" cy="1384995"/>
+              <a:off x="-78270" y="3112169"/>
+              <a:ext cx="3334880" cy="1384995"/>
             </a:xfrm>
             <a:prstGeom prst="rect">
               <a:avLst/>
@@ -15448,13 +15456,16 @@
                     <a:srgbClr val="788896"/>
                   </a:solidFill>
                 </a:rPr>
-                <a:t>main_payment_type_cat</a:t>
+                <a:t>main_payment_type</a:t>
               </a:r>
-              <a:endParaRPr lang="en-US" sz="1400" b="1" u="sng" dirty="0">
-                <a:solidFill>
-                  <a:srgbClr val="788896"/>
-                </a:solidFill>
-              </a:endParaRPr>
+              <a:r>
+                <a:rPr lang="en-US" sz="1400" b="1" u="sng" dirty="0">
+                  <a:solidFill>
+                    <a:srgbClr val="788896"/>
+                  </a:solidFill>
+                </a:rPr>
+                <a:t>(_cat)</a:t>
+              </a:r>
             </a:p>
             <a:p>
               <a:pPr algn="r"/>
@@ -15464,13 +15475,16 @@
                     <a:srgbClr val="788896"/>
                   </a:solidFill>
                 </a:rPr>
-                <a:t>payment_installments_size_cat</a:t>
+                <a:t>payment_installments_size</a:t>
               </a:r>
-              <a:endParaRPr lang="en-US" sz="1400" b="1" u="sng" dirty="0">
-                <a:solidFill>
-                  <a:srgbClr val="788896"/>
-                </a:solidFill>
-              </a:endParaRPr>
+              <a:r>
+                <a:rPr lang="en-US" sz="1400" b="1" u="sng" dirty="0">
+                  <a:solidFill>
+                    <a:srgbClr val="788896"/>
+                  </a:solidFill>
+                </a:rPr>
+                <a:t>(_cat)</a:t>
+              </a:r>
             </a:p>
             <a:p>
               <a:pPr algn="r"/>
@@ -15480,13 +15494,16 @@
                     <a:srgbClr val="788896"/>
                   </a:solidFill>
                 </a:rPr>
-                <a:t>payment_sequence_size_cat</a:t>
+                <a:t>payment_sequence_size</a:t>
               </a:r>
-              <a:endParaRPr lang="en-US" sz="1400" b="1" dirty="0">
-                <a:solidFill>
-                  <a:srgbClr val="788896"/>
-                </a:solidFill>
-              </a:endParaRPr>
+              <a:r>
+                <a:rPr lang="en-US" sz="1400" b="1" dirty="0">
+                  <a:solidFill>
+                    <a:srgbClr val="788896"/>
+                  </a:solidFill>
+                </a:rPr>
+                <a:t>(_cat)</a:t>
+              </a:r>
             </a:p>
             <a:p>
               <a:pPr algn="r"/>
@@ -15552,10 +15569,10 @@
         </p:nvGrpSpPr>
         <p:grpSpPr>
           <a:xfrm>
-            <a:off x="6071757" y="2231869"/>
-            <a:ext cx="4533453" cy="1598151"/>
-            <a:chOff x="6072352" y="2125561"/>
-            <a:chExt cx="4533453" cy="1598151"/>
+            <a:off x="6071757" y="2232430"/>
+            <a:ext cx="4441117" cy="1600438"/>
+            <a:chOff x="6072352" y="2126122"/>
+            <a:chExt cx="4441117" cy="1600438"/>
           </a:xfrm>
         </p:grpSpPr>
         <p:sp>
@@ -15726,8 +15743,8 @@
           </p:nvSpPr>
           <p:spPr>
             <a:xfrm>
-              <a:off x="7952337" y="2125561"/>
-              <a:ext cx="2653468" cy="1384995"/>
+              <a:off x="7860001" y="2126122"/>
+              <a:ext cx="2653468" cy="1600438"/>
             </a:xfrm>
             <a:prstGeom prst="rect">
               <a:avLst/>
@@ -15834,6 +15851,30 @@
                   </a:solidFill>
                 </a:rPr>
                 <a:t>product_size</a:t>
+              </a:r>
+              <a:endParaRPr lang="en-US" sz="1400" i="1" dirty="0">
+                <a:solidFill>
+                  <a:srgbClr val="FFC000"/>
+                </a:solidFill>
+              </a:endParaRPr>
+            </a:p>
+            <a:p>
+              <a:pPr algn="r"/>
+              <a:r>
+                <a:rPr lang="en-US" sz="1400" i="1" dirty="0">
+                  <a:solidFill>
+                    <a:srgbClr val="FFC000"/>
+                  </a:solidFill>
+                </a:rPr>
+                <a:t>? </a:t>
+              </a:r>
+              <a:r>
+                <a:rPr lang="en-US" sz="1400" i="1" dirty="0" err="1">
+                  <a:solidFill>
+                    <a:srgbClr val="FFC000"/>
+                  </a:solidFill>
+                </a:rPr>
+                <a:t>product_density</a:t>
               </a:r>
               <a:endParaRPr lang="en-US" sz="1400" i="1" dirty="0">
                 <a:solidFill>
@@ -16086,13 +16127,16 @@
                     <a:srgbClr val="E8833A"/>
                   </a:solidFill>
                 </a:rPr>
-                <a:t>charmed_price_cat</a:t>
+                <a:t>charmed_price</a:t>
               </a:r>
-              <a:endParaRPr lang="en-US" sz="1400" b="1" u="sng" dirty="0">
-                <a:solidFill>
-                  <a:srgbClr val="E8833A"/>
-                </a:solidFill>
-              </a:endParaRPr>
+              <a:r>
+                <a:rPr lang="en-US" sz="1400" b="1" u="sng" dirty="0">
+                  <a:solidFill>
+                    <a:srgbClr val="E8833A"/>
+                  </a:solidFill>
+                </a:rPr>
+                <a:t>(_cat)</a:t>
+              </a:r>
             </a:p>
             <a:p>
               <a:pPr algn="r"/>
@@ -16327,6 +16371,350 @@
           </p:txBody>
         </p:sp>
       </p:grpSp>
+      <p:sp>
+        <p:nvSpPr>
+          <p:cNvPr id="6" name="ZoneTexte 5">
+            <a:extLst>
+              <a:ext uri="{FF2B5EF4-FFF2-40B4-BE49-F238E27FC236}">
+                <a16:creationId xmlns:a16="http://schemas.microsoft.com/office/drawing/2014/main" id="{54D4C0DC-1FD0-45D3-9729-1297CDC3FAD2}"/>
+              </a:ext>
+            </a:extLst>
+          </p:cNvPr>
+          <p:cNvSpPr txBox="1"/>
+          <p:nvPr/>
+        </p:nvSpPr>
+        <p:spPr>
+          <a:xfrm>
+            <a:off x="7845030" y="6470413"/>
+            <a:ext cx="4257897" cy="307777"/>
+          </a:xfrm>
+          <a:prstGeom prst="rect">
+            <a:avLst/>
+          </a:prstGeom>
+          <a:noFill/>
+        </p:spPr>
+        <p:txBody>
+          <a:bodyPr wrap="none" rtlCol="0">
+            <a:spAutoFit/>
+          </a:bodyPr>
+          <a:lstStyle/>
+          <a:p>
+            <a:r>
+              <a:rPr lang="fr-FR" sz="1400" i="1" dirty="0"/>
+              <a:t>* : </a:t>
+            </a:r>
+            <a:r>
+              <a:rPr lang="fr-FR" sz="1400" i="1" dirty="0" err="1"/>
+              <a:t>Also</a:t>
+            </a:r>
+            <a:r>
+              <a:rPr lang="fr-FR" sz="1400" i="1" dirty="0"/>
+              <a:t> </a:t>
+            </a:r>
+            <a:r>
+              <a:rPr lang="fr-FR" sz="1400" i="1" dirty="0" err="1"/>
+              <a:t>described</a:t>
+            </a:r>
+            <a:r>
+              <a:rPr lang="fr-FR" sz="1400" i="1" dirty="0"/>
+              <a:t> as an ordinal « </a:t>
+            </a:r>
+            <a:r>
+              <a:rPr lang="fr-FR" sz="1400" b="1" i="1" dirty="0" err="1"/>
+              <a:t>level</a:t>
+            </a:r>
+            <a:r>
+              <a:rPr lang="fr-FR" sz="1400" i="1" dirty="0"/>
+              <a:t> » </a:t>
+            </a:r>
+            <a:r>
+              <a:rPr lang="fr-FR" sz="1400" i="1" dirty="0" err="1"/>
+              <a:t>feature</a:t>
+            </a:r>
+            <a:endParaRPr lang="en-US" sz="1400" i="1" dirty="0"/>
+          </a:p>
+        </p:txBody>
+      </p:sp>
+      <p:sp>
+        <p:nvSpPr>
+          <p:cNvPr id="7" name="Accolade fermante 6">
+            <a:extLst>
+              <a:ext uri="{FF2B5EF4-FFF2-40B4-BE49-F238E27FC236}">
+                <a16:creationId xmlns:a16="http://schemas.microsoft.com/office/drawing/2014/main" id="{65CFD7AB-7030-486C-8798-50341CABC602}"/>
+              </a:ext>
+            </a:extLst>
+          </p:cNvPr>
+          <p:cNvSpPr/>
+          <p:nvPr/>
+        </p:nvSpPr>
+        <p:spPr>
+          <a:xfrm>
+            <a:off x="10435747" y="2562840"/>
+            <a:ext cx="183005" cy="511202"/>
+          </a:xfrm>
+          <a:prstGeom prst="rightBrace">
+            <a:avLst/>
+          </a:prstGeom>
+        </p:spPr>
+        <p:style>
+          <a:lnRef idx="1">
+            <a:schemeClr val="accent1"/>
+          </a:lnRef>
+          <a:fillRef idx="0">
+            <a:schemeClr val="accent1"/>
+          </a:fillRef>
+          <a:effectRef idx="0">
+            <a:schemeClr val="accent1"/>
+          </a:effectRef>
+          <a:fontRef idx="minor">
+            <a:schemeClr val="tx1"/>
+          </a:fontRef>
+        </p:style>
+        <p:txBody>
+          <a:bodyPr rtlCol="0" anchor="ctr"/>
+          <a:lstStyle/>
+          <a:p>
+            <a:pPr algn="ctr"/>
+            <a:endParaRPr lang="en-US"/>
+          </a:p>
+        </p:txBody>
+      </p:sp>
+      <p:sp>
+        <p:nvSpPr>
+          <p:cNvPr id="44" name="ZoneTexte 43">
+            <a:extLst>
+              <a:ext uri="{FF2B5EF4-FFF2-40B4-BE49-F238E27FC236}">
+                <a16:creationId xmlns:a16="http://schemas.microsoft.com/office/drawing/2014/main" id="{C02D18DD-D698-4128-B5D2-A6BF2BC833C1}"/>
+              </a:ext>
+            </a:extLst>
+          </p:cNvPr>
+          <p:cNvSpPr txBox="1"/>
+          <p:nvPr/>
+        </p:nvSpPr>
+        <p:spPr>
+          <a:xfrm>
+            <a:off x="9729325" y="2665628"/>
+            <a:ext cx="2474464" cy="276999"/>
+          </a:xfrm>
+          <a:prstGeom prst="rect">
+            <a:avLst/>
+          </a:prstGeom>
+          <a:noFill/>
+        </p:spPr>
+        <p:txBody>
+          <a:bodyPr wrap="square">
+            <a:spAutoFit/>
+          </a:bodyPr>
+          <a:lstStyle/>
+          <a:p>
+            <a:pPr algn="r"/>
+            <a:r>
+              <a:rPr lang="en-US" sz="1200" i="1" dirty="0" err="1">
+                <a:solidFill>
+                  <a:srgbClr val="FFC000"/>
+                </a:solidFill>
+              </a:rPr>
+              <a:t>description_quality</a:t>
+            </a:r>
+            <a:r>
+              <a:rPr lang="en-US" sz="1200" i="1" dirty="0">
+                <a:solidFill>
+                  <a:srgbClr val="FFC000"/>
+                </a:solidFill>
+              </a:rPr>
+              <a:t>?</a:t>
+            </a:r>
+          </a:p>
+        </p:txBody>
+      </p:sp>
+      <p:sp>
+        <p:nvSpPr>
+          <p:cNvPr id="45" name="Accolade fermante 44">
+            <a:extLst>
+              <a:ext uri="{FF2B5EF4-FFF2-40B4-BE49-F238E27FC236}">
+                <a16:creationId xmlns:a16="http://schemas.microsoft.com/office/drawing/2014/main" id="{DC52BA71-D0DE-4E83-B605-BF8F38E389C8}"/>
+              </a:ext>
+            </a:extLst>
+          </p:cNvPr>
+          <p:cNvSpPr/>
+          <p:nvPr/>
+        </p:nvSpPr>
+        <p:spPr>
+          <a:xfrm>
+            <a:off x="10500571" y="3181078"/>
+            <a:ext cx="183005" cy="511202"/>
+          </a:xfrm>
+          <a:prstGeom prst="rightBrace">
+            <a:avLst/>
+          </a:prstGeom>
+        </p:spPr>
+        <p:style>
+          <a:lnRef idx="1">
+            <a:schemeClr val="accent1"/>
+          </a:lnRef>
+          <a:fillRef idx="0">
+            <a:schemeClr val="accent1"/>
+          </a:fillRef>
+          <a:effectRef idx="0">
+            <a:schemeClr val="accent1"/>
+          </a:effectRef>
+          <a:fontRef idx="minor">
+            <a:schemeClr val="tx1"/>
+          </a:fontRef>
+        </p:style>
+        <p:txBody>
+          <a:bodyPr rtlCol="0" anchor="ctr"/>
+          <a:lstStyle/>
+          <a:p>
+            <a:pPr algn="ctr"/>
+            <a:endParaRPr lang="en-US"/>
+          </a:p>
+        </p:txBody>
+      </p:sp>
+      <p:sp>
+        <p:nvSpPr>
+          <p:cNvPr id="46" name="ZoneTexte 45">
+            <a:extLst>
+              <a:ext uri="{FF2B5EF4-FFF2-40B4-BE49-F238E27FC236}">
+                <a16:creationId xmlns:a16="http://schemas.microsoft.com/office/drawing/2014/main" id="{707209AA-A1D2-4BB5-9950-57CF87F16AB0}"/>
+              </a:ext>
+            </a:extLst>
+          </p:cNvPr>
+          <p:cNvSpPr txBox="1"/>
+          <p:nvPr/>
+        </p:nvSpPr>
+        <p:spPr>
+          <a:xfrm>
+            <a:off x="9794149" y="3283866"/>
+            <a:ext cx="1622534" cy="276999"/>
+          </a:xfrm>
+          <a:prstGeom prst="rect">
+            <a:avLst/>
+          </a:prstGeom>
+          <a:noFill/>
+        </p:spPr>
+        <p:txBody>
+          <a:bodyPr wrap="square">
+            <a:spAutoFit/>
+          </a:bodyPr>
+          <a:lstStyle/>
+          <a:p>
+            <a:pPr algn="r"/>
+            <a:r>
+              <a:rPr lang="en-US" sz="1200" i="1" dirty="0"/>
+              <a:t>freight ?</a:t>
+            </a:r>
+          </a:p>
+        </p:txBody>
+      </p:sp>
+      <p:sp>
+        <p:nvSpPr>
+          <p:cNvPr id="47" name="ZoneTexte 46">
+            <a:extLst>
+              <a:ext uri="{FF2B5EF4-FFF2-40B4-BE49-F238E27FC236}">
+                <a16:creationId xmlns:a16="http://schemas.microsoft.com/office/drawing/2014/main" id="{82B6DAAA-EF2A-4347-88AC-D913386986CC}"/>
+              </a:ext>
+            </a:extLst>
+          </p:cNvPr>
+          <p:cNvSpPr txBox="1"/>
+          <p:nvPr/>
+        </p:nvSpPr>
+        <p:spPr>
+          <a:xfrm>
+            <a:off x="9217333" y="4286926"/>
+            <a:ext cx="1622534" cy="276999"/>
+          </a:xfrm>
+          <a:prstGeom prst="rect">
+            <a:avLst/>
+          </a:prstGeom>
+          <a:noFill/>
+        </p:spPr>
+        <p:txBody>
+          <a:bodyPr wrap="square">
+            <a:spAutoFit/>
+          </a:bodyPr>
+          <a:lstStyle/>
+          <a:p>
+            <a:pPr algn="r"/>
+            <a:r>
+              <a:rPr lang="en-US" sz="1200" i="1" dirty="0"/>
+              <a:t>freight ?</a:t>
+            </a:r>
+          </a:p>
+        </p:txBody>
+      </p:sp>
+      <p:sp>
+        <p:nvSpPr>
+          <p:cNvPr id="48" name="ZoneTexte 47">
+            <a:extLst>
+              <a:ext uri="{FF2B5EF4-FFF2-40B4-BE49-F238E27FC236}">
+                <a16:creationId xmlns:a16="http://schemas.microsoft.com/office/drawing/2014/main" id="{35BC936F-959D-4F4E-910E-8E17E63B144F}"/>
+              </a:ext>
+            </a:extLst>
+          </p:cNvPr>
+          <p:cNvSpPr txBox="1"/>
+          <p:nvPr/>
+        </p:nvSpPr>
+        <p:spPr>
+          <a:xfrm>
+            <a:off x="-499444" y="3700861"/>
+            <a:ext cx="1622534" cy="276999"/>
+          </a:xfrm>
+          <a:prstGeom prst="rect">
+            <a:avLst/>
+          </a:prstGeom>
+          <a:noFill/>
+        </p:spPr>
+        <p:txBody>
+          <a:bodyPr wrap="square">
+            <a:spAutoFit/>
+          </a:bodyPr>
+          <a:lstStyle/>
+          <a:p>
+            <a:pPr algn="r"/>
+            <a:r>
+              <a:rPr lang="en-US" sz="1200" i="1" dirty="0"/>
+              <a:t>freight ?</a:t>
+            </a:r>
+          </a:p>
+        </p:txBody>
+      </p:sp>
+      <p:sp>
+        <p:nvSpPr>
+          <p:cNvPr id="49" name="ZoneTexte 48">
+            <a:extLst>
+              <a:ext uri="{FF2B5EF4-FFF2-40B4-BE49-F238E27FC236}">
+                <a16:creationId xmlns:a16="http://schemas.microsoft.com/office/drawing/2014/main" id="{A774448D-1AE7-4143-89C9-DD2BE14C3D11}"/>
+              </a:ext>
+            </a:extLst>
+          </p:cNvPr>
+          <p:cNvSpPr txBox="1"/>
+          <p:nvPr/>
+        </p:nvSpPr>
+        <p:spPr>
+          <a:xfrm>
+            <a:off x="7940387" y="5644399"/>
+            <a:ext cx="1622534" cy="276999"/>
+          </a:xfrm>
+          <a:prstGeom prst="rect">
+            <a:avLst/>
+          </a:prstGeom>
+          <a:noFill/>
+        </p:spPr>
+        <p:txBody>
+          <a:bodyPr wrap="square">
+            <a:spAutoFit/>
+          </a:bodyPr>
+          <a:lstStyle/>
+          <a:p>
+            <a:pPr algn="r"/>
+            <a:r>
+              <a:rPr lang="en-US" sz="1200" i="1" dirty="0"/>
+              <a:t>freight ?</a:t>
+            </a:r>
+          </a:p>
+        </p:txBody>
+      </p:sp>
     </p:spTree>
     <p:extLst>
       <p:ext uri="{BB962C8B-B14F-4D97-AF65-F5344CB8AC3E}">
@@ -17004,11 +17392,11 @@
           <a:p>
             <a:r>
               <a:rPr lang="fr-FR" dirty="0" err="1"/>
-              <a:t>Purchase</a:t>
-            </a:r>
-            <a:r>
-              <a:rPr lang="fr-FR" dirty="0"/>
-              <a:t> Time Zone</a:t>
+              <a:t>Feature</a:t>
+            </a:r>
+            <a:r>
+              <a:rPr lang="fr-FR" dirty="0"/>
+              <a:t> engineering : </a:t>
             </a:r>
             <a:endParaRPr lang="en-US" dirty="0"/>
           </a:p>
@@ -17030,11 +17418,60 @@
             <p:ph idx="1"/>
           </p:nvPr>
         </p:nvSpPr>
-        <p:spPr/>
+        <p:spPr>
+          <a:xfrm>
+            <a:off x="29619" y="1746635"/>
+            <a:ext cx="11787580" cy="499369"/>
+          </a:xfrm>
+        </p:spPr>
         <p:txBody>
           <a:bodyPr/>
           <a:lstStyle/>
           <a:p>
+            <a:r>
+              <a:rPr lang="en-US" sz="1800" b="1" u="sng" dirty="0" err="1">
+                <a:solidFill>
+                  <a:srgbClr val="D3455B"/>
+                </a:solidFill>
+              </a:rPr>
+              <a:t>purchase_time_zone_cat</a:t>
+            </a:r>
+            <a:r>
+              <a:rPr lang="en-US" sz="1800" b="1" dirty="0">
+                <a:solidFill>
+                  <a:srgbClr val="D3455B"/>
+                </a:solidFill>
+              </a:rPr>
+              <a:t> : </a:t>
+            </a:r>
+            <a:r>
+              <a:rPr lang="fr-FR" dirty="0" err="1"/>
+              <a:t>is</a:t>
+            </a:r>
+            <a:r>
+              <a:rPr lang="fr-FR" dirty="0"/>
+              <a:t> </a:t>
+            </a:r>
+            <a:r>
+              <a:rPr lang="fr-FR" dirty="0" err="1"/>
+              <a:t>built</a:t>
+            </a:r>
+            <a:r>
+              <a:rPr lang="fr-FR" dirty="0"/>
+              <a:t> out of  </a:t>
+            </a:r>
+            <a:r>
+              <a:rPr lang="en-US" dirty="0" err="1"/>
+              <a:t>order_purchase_dayofweek</a:t>
+            </a:r>
+            <a:r>
+              <a:rPr lang="en-US" dirty="0"/>
+              <a:t> &amp; </a:t>
+            </a:r>
+            <a:r>
+              <a:rPr lang="en-US" dirty="0" err="1"/>
+              <a:t>order_purchase_hour</a:t>
+            </a:r>
             <a:endParaRPr lang="en-US" dirty="0"/>
           </a:p>
         </p:txBody>
@@ -17061,7 +17498,7 @@
         </p:blipFill>
         <p:spPr>
           <a:xfrm>
-            <a:off x="280989" y="2397480"/>
+            <a:off x="405277" y="2193294"/>
             <a:ext cx="4723804" cy="1643062"/>
           </a:xfrm>
           <a:prstGeom prst="rect">
@@ -17091,7 +17528,7 @@
         </p:blipFill>
         <p:spPr>
           <a:xfrm>
-            <a:off x="7310358" y="2419492"/>
+            <a:off x="7051662" y="2193294"/>
             <a:ext cx="1757363" cy="1643063"/>
           </a:xfrm>
           <a:prstGeom prst="rect">
@@ -17121,14 +17558,1155 @@
         </p:blipFill>
         <p:spPr>
           <a:xfrm>
-            <a:off x="5396221" y="2397480"/>
-            <a:ext cx="1768617" cy="1665075"/>
+            <a:off x="5211691" y="2193292"/>
+            <a:ext cx="1745236" cy="1643063"/>
           </a:xfrm>
           <a:prstGeom prst="rect">
             <a:avLst/>
           </a:prstGeom>
         </p:spPr>
       </p:pic>
+      <p:pic>
+        <p:nvPicPr>
+          <p:cNvPr id="8" name="Image 7">
+            <a:extLst>
+              <a:ext uri="{FF2B5EF4-FFF2-40B4-BE49-F238E27FC236}">
+                <a16:creationId xmlns:a16="http://schemas.microsoft.com/office/drawing/2014/main" id="{71B287B2-4B14-4ECF-AFEB-3A8078ACC1B0}"/>
+              </a:ext>
+            </a:extLst>
+          </p:cNvPr>
+          <p:cNvPicPr>
+            <a:picLocks noChangeAspect="1"/>
+          </p:cNvPicPr>
+          <p:nvPr/>
+        </p:nvPicPr>
+        <p:blipFill>
+          <a:blip r:embed="rId5"/>
+          <a:stretch>
+            <a:fillRect/>
+          </a:stretch>
+        </p:blipFill>
+        <p:spPr>
+          <a:xfrm>
+            <a:off x="8913522" y="2193291"/>
+            <a:ext cx="2532034" cy="1643063"/>
+          </a:xfrm>
+          <a:prstGeom prst="rect">
+            <a:avLst/>
+          </a:prstGeom>
+        </p:spPr>
+      </p:pic>
+      <p:sp>
+        <p:nvSpPr>
+          <p:cNvPr id="9" name="Espace réservé du contenu 2">
+            <a:extLst>
+              <a:ext uri="{FF2B5EF4-FFF2-40B4-BE49-F238E27FC236}">
+                <a16:creationId xmlns:a16="http://schemas.microsoft.com/office/drawing/2014/main" id="{4EB9E11D-40A9-45A0-BFC6-8046B6325BBA}"/>
+              </a:ext>
+            </a:extLst>
+          </p:cNvPr>
+          <p:cNvSpPr txBox="1">
+            <a:spLocks/>
+          </p:cNvSpPr>
+          <p:nvPr/>
+        </p:nvSpPr>
+        <p:spPr>
+          <a:xfrm>
+            <a:off x="-68035" y="6239917"/>
+            <a:ext cx="11787580" cy="499369"/>
+          </a:xfrm>
+          <a:prstGeom prst="rect">
+            <a:avLst/>
+          </a:prstGeom>
+          <a:effectLst>
+            <a:outerShdw blurRad="50800" dir="14400000">
+              <a:srgbClr val="000000">
+                <a:alpha val="40000"/>
+              </a:srgbClr>
+            </a:outerShdw>
+          </a:effectLst>
+        </p:spPr>
+        <p:txBody>
+          <a:bodyPr vert="horz" lIns="91440" tIns="45720" rIns="91440" bIns="45720" rtlCol="0" anchor="ctr">
+            <a:normAutofit fontScale="85000" lnSpcReduction="10000"/>
+          </a:bodyPr>
+          <a:lstStyle>
+            <a:lvl1pPr marL="342900" indent="-342900" algn="l" defTabSz="457200" rtl="0" eaLnBrk="1" latinLnBrk="0" hangingPunct="1">
+              <a:spcBef>
+                <a:spcPct val="20000"/>
+              </a:spcBef>
+              <a:spcAft>
+                <a:spcPts val="600"/>
+              </a:spcAft>
+              <a:buClr>
+                <a:schemeClr val="accent1"/>
+              </a:buClr>
+              <a:buFont typeface="Wingdings 2" charset="2"/>
+              <a:buChar char=""/>
+              <a:defRPr sz="1800" kern="1200">
+                <a:solidFill>
+                  <a:schemeClr val="tx1"/>
+                </a:solidFill>
+                <a:latin typeface="+mn-lt"/>
+                <a:ea typeface="+mn-ea"/>
+                <a:cs typeface="+mn-cs"/>
+              </a:defRPr>
+            </a:lvl1pPr>
+            <a:lvl2pPr marL="742950" indent="-285750" algn="l" defTabSz="457200" rtl="0" eaLnBrk="1" latinLnBrk="0" hangingPunct="1">
+              <a:spcBef>
+                <a:spcPct val="20000"/>
+              </a:spcBef>
+              <a:spcAft>
+                <a:spcPts val="600"/>
+              </a:spcAft>
+              <a:buClr>
+                <a:schemeClr val="accent1"/>
+              </a:buClr>
+              <a:buFont typeface="Wingdings 2" charset="2"/>
+              <a:buChar char=""/>
+              <a:defRPr sz="1600" kern="1200">
+                <a:solidFill>
+                  <a:schemeClr val="tx1"/>
+                </a:solidFill>
+                <a:latin typeface="+mn-lt"/>
+                <a:ea typeface="+mn-ea"/>
+                <a:cs typeface="+mn-cs"/>
+              </a:defRPr>
+            </a:lvl2pPr>
+            <a:lvl3pPr marL="1143000" indent="-228600" algn="l" defTabSz="457200" rtl="0" eaLnBrk="1" latinLnBrk="0" hangingPunct="1">
+              <a:spcBef>
+                <a:spcPct val="20000"/>
+              </a:spcBef>
+              <a:spcAft>
+                <a:spcPts val="600"/>
+              </a:spcAft>
+              <a:buClr>
+                <a:schemeClr val="accent1"/>
+              </a:buClr>
+              <a:buFont typeface="Wingdings 2" charset="2"/>
+              <a:buChar char=""/>
+              <a:defRPr sz="1400" kern="1200">
+                <a:solidFill>
+                  <a:schemeClr val="tx1"/>
+                </a:solidFill>
+                <a:latin typeface="+mn-lt"/>
+                <a:ea typeface="+mn-ea"/>
+                <a:cs typeface="+mn-cs"/>
+              </a:defRPr>
+            </a:lvl3pPr>
+            <a:lvl4pPr marL="1600200" indent="-228600" algn="l" defTabSz="457200" rtl="0" eaLnBrk="1" latinLnBrk="0" hangingPunct="1">
+              <a:spcBef>
+                <a:spcPct val="20000"/>
+              </a:spcBef>
+              <a:spcAft>
+                <a:spcPts val="600"/>
+              </a:spcAft>
+              <a:buClr>
+                <a:schemeClr val="accent1"/>
+              </a:buClr>
+              <a:buFont typeface="Wingdings 2" charset="2"/>
+              <a:buChar char=""/>
+              <a:defRPr sz="1200" kern="1200">
+                <a:solidFill>
+                  <a:schemeClr val="tx1"/>
+                </a:solidFill>
+                <a:latin typeface="+mn-lt"/>
+                <a:ea typeface="+mn-ea"/>
+                <a:cs typeface="+mn-cs"/>
+              </a:defRPr>
+            </a:lvl4pPr>
+            <a:lvl5pPr marL="2057400" indent="-228600" algn="l" defTabSz="457200" rtl="0" eaLnBrk="1" latinLnBrk="0" hangingPunct="1">
+              <a:spcBef>
+                <a:spcPct val="20000"/>
+              </a:spcBef>
+              <a:spcAft>
+                <a:spcPts val="600"/>
+              </a:spcAft>
+              <a:buClr>
+                <a:schemeClr val="accent1"/>
+              </a:buClr>
+              <a:buFont typeface="Wingdings 2" charset="2"/>
+              <a:buChar char=""/>
+              <a:defRPr sz="1200" kern="1200">
+                <a:solidFill>
+                  <a:schemeClr val="tx1"/>
+                </a:solidFill>
+                <a:latin typeface="+mn-lt"/>
+                <a:ea typeface="+mn-ea"/>
+                <a:cs typeface="+mn-cs"/>
+              </a:defRPr>
+            </a:lvl5pPr>
+            <a:lvl6pPr marL="2400000" indent="-228600" algn="l" defTabSz="457200" rtl="0" eaLnBrk="1" latinLnBrk="0" hangingPunct="1">
+              <a:spcBef>
+                <a:spcPct val="20000"/>
+              </a:spcBef>
+              <a:spcAft>
+                <a:spcPts val="600"/>
+              </a:spcAft>
+              <a:buClr>
+                <a:schemeClr val="accent1"/>
+              </a:buClr>
+              <a:buFont typeface="Wingdings 2" charset="2"/>
+              <a:buChar char=""/>
+              <a:defRPr sz="1200" kern="1200">
+                <a:solidFill>
+                  <a:schemeClr val="tx1"/>
+                </a:solidFill>
+                <a:latin typeface="+mn-lt"/>
+                <a:ea typeface="+mn-ea"/>
+                <a:cs typeface="+mn-cs"/>
+              </a:defRPr>
+            </a:lvl6pPr>
+            <a:lvl7pPr marL="2800000" indent="-228600" algn="l" defTabSz="457200" rtl="0" eaLnBrk="1" latinLnBrk="0" hangingPunct="1">
+              <a:spcBef>
+                <a:spcPct val="20000"/>
+              </a:spcBef>
+              <a:spcAft>
+                <a:spcPts val="600"/>
+              </a:spcAft>
+              <a:buClr>
+                <a:schemeClr val="accent1"/>
+              </a:buClr>
+              <a:buFont typeface="Wingdings 2" charset="2"/>
+              <a:buChar char=""/>
+              <a:defRPr sz="1200" kern="1200">
+                <a:solidFill>
+                  <a:schemeClr val="tx1"/>
+                </a:solidFill>
+                <a:latin typeface="+mn-lt"/>
+                <a:ea typeface="+mn-ea"/>
+                <a:cs typeface="+mn-cs"/>
+              </a:defRPr>
+            </a:lvl7pPr>
+            <a:lvl8pPr marL="3200000" indent="-228600" algn="l" defTabSz="457200" rtl="0" eaLnBrk="1" latinLnBrk="0" hangingPunct="1">
+              <a:spcBef>
+                <a:spcPct val="20000"/>
+              </a:spcBef>
+              <a:spcAft>
+                <a:spcPts val="600"/>
+              </a:spcAft>
+              <a:buClr>
+                <a:schemeClr val="accent1"/>
+              </a:buClr>
+              <a:buFont typeface="Wingdings 2" charset="2"/>
+              <a:buChar char=""/>
+              <a:defRPr sz="1200" kern="1200">
+                <a:solidFill>
+                  <a:schemeClr val="tx1"/>
+                </a:solidFill>
+                <a:latin typeface="+mn-lt"/>
+                <a:ea typeface="+mn-ea"/>
+                <a:cs typeface="+mn-cs"/>
+              </a:defRPr>
+            </a:lvl8pPr>
+            <a:lvl9pPr marL="3600000" indent="-228600" algn="l" defTabSz="457200" rtl="0" eaLnBrk="1" latinLnBrk="0" hangingPunct="1">
+              <a:spcBef>
+                <a:spcPct val="20000"/>
+              </a:spcBef>
+              <a:spcAft>
+                <a:spcPts val="600"/>
+              </a:spcAft>
+              <a:buClr>
+                <a:schemeClr val="accent1"/>
+              </a:buClr>
+              <a:buFont typeface="Wingdings 2" charset="2"/>
+              <a:buChar char=""/>
+              <a:defRPr sz="1200" kern="1200">
+                <a:solidFill>
+                  <a:schemeClr val="tx1"/>
+                </a:solidFill>
+                <a:latin typeface="+mn-lt"/>
+                <a:ea typeface="+mn-ea"/>
+                <a:cs typeface="+mn-cs"/>
+              </a:defRPr>
+            </a:lvl9pPr>
+          </a:lstStyle>
+          <a:p>
+            <a:r>
+              <a:rPr lang="fr-FR" b="1" dirty="0"/>
+              <a:t>_</a:t>
+            </a:r>
+            <a:r>
+              <a:rPr lang="fr-FR" b="1" dirty="0" err="1"/>
+              <a:t>lvl</a:t>
+            </a:r>
+            <a:r>
+              <a:rPr lang="fr-FR" b="1" dirty="0"/>
+              <a:t> </a:t>
+            </a:r>
+            <a:r>
+              <a:rPr lang="fr-FR" dirty="0"/>
+              <a:t>are </a:t>
+            </a:r>
+            <a:r>
+              <a:rPr lang="fr-FR" dirty="0" err="1"/>
+              <a:t>qcut</a:t>
+            </a:r>
+            <a:r>
+              <a:rPr lang="fr-FR" dirty="0"/>
+              <a:t> of </a:t>
+            </a:r>
+            <a:r>
+              <a:rPr lang="fr-FR" dirty="0" err="1"/>
+              <a:t>numerical</a:t>
+            </a:r>
+            <a:r>
+              <a:rPr lang="fr-FR" dirty="0"/>
+              <a:t> : </a:t>
+            </a:r>
+            <a:r>
+              <a:rPr lang="fr-FR" dirty="0" err="1"/>
+              <a:t>valuable</a:t>
+            </a:r>
+            <a:r>
+              <a:rPr lang="fr-FR" dirty="0"/>
+              <a:t> for cluster </a:t>
+            </a:r>
+            <a:r>
+              <a:rPr lang="fr-FR" dirty="0" err="1"/>
+              <a:t>descripton</a:t>
+            </a:r>
+            <a:r>
+              <a:rPr lang="fr-FR" dirty="0"/>
+              <a:t>, for </a:t>
+            </a:r>
+            <a:r>
+              <a:rPr lang="fr-FR" dirty="0" err="1"/>
+              <a:t>Kmode</a:t>
+            </a:r>
+            <a:r>
+              <a:rPr lang="fr-FR" dirty="0"/>
+              <a:t> technique or in case of </a:t>
+            </a:r>
+            <a:r>
+              <a:rPr lang="fr-FR" dirty="0" err="1"/>
+              <a:t>highly</a:t>
+            </a:r>
+            <a:r>
+              <a:rPr lang="fr-FR" dirty="0"/>
+              <a:t> </a:t>
+            </a:r>
+            <a:r>
+              <a:rPr lang="fr-FR" dirty="0" err="1"/>
+              <a:t>unbalanced</a:t>
+            </a:r>
+            <a:r>
+              <a:rPr lang="fr-FR" dirty="0"/>
+              <a:t> values</a:t>
+            </a:r>
+            <a:endParaRPr lang="en-US" dirty="0"/>
+          </a:p>
+        </p:txBody>
+      </p:sp>
+      <p:sp>
+        <p:nvSpPr>
+          <p:cNvPr id="11" name="Espace réservé du contenu 2">
+            <a:extLst>
+              <a:ext uri="{FF2B5EF4-FFF2-40B4-BE49-F238E27FC236}">
+                <a16:creationId xmlns:a16="http://schemas.microsoft.com/office/drawing/2014/main" id="{E27E862E-2645-46A0-82ED-319AF3E94ED1}"/>
+              </a:ext>
+            </a:extLst>
+          </p:cNvPr>
+          <p:cNvSpPr txBox="1">
+            <a:spLocks/>
+          </p:cNvSpPr>
+          <p:nvPr/>
+        </p:nvSpPr>
+        <p:spPr>
+          <a:xfrm>
+            <a:off x="-8851" y="5262328"/>
+            <a:ext cx="11787580" cy="606922"/>
+          </a:xfrm>
+          <a:prstGeom prst="rect">
+            <a:avLst/>
+          </a:prstGeom>
+          <a:effectLst>
+            <a:outerShdw blurRad="50800" dir="14400000">
+              <a:srgbClr val="000000">
+                <a:alpha val="40000"/>
+              </a:srgbClr>
+            </a:outerShdw>
+          </a:effectLst>
+        </p:spPr>
+        <p:txBody>
+          <a:bodyPr vert="horz" lIns="91440" tIns="45720" rIns="91440" bIns="45720" rtlCol="0" anchor="ctr">
+            <a:normAutofit fontScale="70000" lnSpcReduction="20000"/>
+          </a:bodyPr>
+          <a:lstStyle>
+            <a:lvl1pPr marL="342900" indent="-342900" algn="l" defTabSz="457200" rtl="0" eaLnBrk="1" latinLnBrk="0" hangingPunct="1">
+              <a:spcBef>
+                <a:spcPct val="20000"/>
+              </a:spcBef>
+              <a:spcAft>
+                <a:spcPts val="600"/>
+              </a:spcAft>
+              <a:buClr>
+                <a:schemeClr val="accent1"/>
+              </a:buClr>
+              <a:buFont typeface="Wingdings 2" charset="2"/>
+              <a:buChar char=""/>
+              <a:defRPr sz="1800" kern="1200">
+                <a:solidFill>
+                  <a:schemeClr val="tx1"/>
+                </a:solidFill>
+                <a:latin typeface="+mn-lt"/>
+                <a:ea typeface="+mn-ea"/>
+                <a:cs typeface="+mn-cs"/>
+              </a:defRPr>
+            </a:lvl1pPr>
+            <a:lvl2pPr marL="742950" indent="-285750" algn="l" defTabSz="457200" rtl="0" eaLnBrk="1" latinLnBrk="0" hangingPunct="1">
+              <a:spcBef>
+                <a:spcPct val="20000"/>
+              </a:spcBef>
+              <a:spcAft>
+                <a:spcPts val="600"/>
+              </a:spcAft>
+              <a:buClr>
+                <a:schemeClr val="accent1"/>
+              </a:buClr>
+              <a:buFont typeface="Wingdings 2" charset="2"/>
+              <a:buChar char=""/>
+              <a:defRPr sz="1600" kern="1200">
+                <a:solidFill>
+                  <a:schemeClr val="tx1"/>
+                </a:solidFill>
+                <a:latin typeface="+mn-lt"/>
+                <a:ea typeface="+mn-ea"/>
+                <a:cs typeface="+mn-cs"/>
+              </a:defRPr>
+            </a:lvl2pPr>
+            <a:lvl3pPr marL="1143000" indent="-228600" algn="l" defTabSz="457200" rtl="0" eaLnBrk="1" latinLnBrk="0" hangingPunct="1">
+              <a:spcBef>
+                <a:spcPct val="20000"/>
+              </a:spcBef>
+              <a:spcAft>
+                <a:spcPts val="600"/>
+              </a:spcAft>
+              <a:buClr>
+                <a:schemeClr val="accent1"/>
+              </a:buClr>
+              <a:buFont typeface="Wingdings 2" charset="2"/>
+              <a:buChar char=""/>
+              <a:defRPr sz="1400" kern="1200">
+                <a:solidFill>
+                  <a:schemeClr val="tx1"/>
+                </a:solidFill>
+                <a:latin typeface="+mn-lt"/>
+                <a:ea typeface="+mn-ea"/>
+                <a:cs typeface="+mn-cs"/>
+              </a:defRPr>
+            </a:lvl3pPr>
+            <a:lvl4pPr marL="1600200" indent="-228600" algn="l" defTabSz="457200" rtl="0" eaLnBrk="1" latinLnBrk="0" hangingPunct="1">
+              <a:spcBef>
+                <a:spcPct val="20000"/>
+              </a:spcBef>
+              <a:spcAft>
+                <a:spcPts val="600"/>
+              </a:spcAft>
+              <a:buClr>
+                <a:schemeClr val="accent1"/>
+              </a:buClr>
+              <a:buFont typeface="Wingdings 2" charset="2"/>
+              <a:buChar char=""/>
+              <a:defRPr sz="1200" kern="1200">
+                <a:solidFill>
+                  <a:schemeClr val="tx1"/>
+                </a:solidFill>
+                <a:latin typeface="+mn-lt"/>
+                <a:ea typeface="+mn-ea"/>
+                <a:cs typeface="+mn-cs"/>
+              </a:defRPr>
+            </a:lvl4pPr>
+            <a:lvl5pPr marL="2057400" indent="-228600" algn="l" defTabSz="457200" rtl="0" eaLnBrk="1" latinLnBrk="0" hangingPunct="1">
+              <a:spcBef>
+                <a:spcPct val="20000"/>
+              </a:spcBef>
+              <a:spcAft>
+                <a:spcPts val="600"/>
+              </a:spcAft>
+              <a:buClr>
+                <a:schemeClr val="accent1"/>
+              </a:buClr>
+              <a:buFont typeface="Wingdings 2" charset="2"/>
+              <a:buChar char=""/>
+              <a:defRPr sz="1200" kern="1200">
+                <a:solidFill>
+                  <a:schemeClr val="tx1"/>
+                </a:solidFill>
+                <a:latin typeface="+mn-lt"/>
+                <a:ea typeface="+mn-ea"/>
+                <a:cs typeface="+mn-cs"/>
+              </a:defRPr>
+            </a:lvl5pPr>
+            <a:lvl6pPr marL="2400000" indent="-228600" algn="l" defTabSz="457200" rtl="0" eaLnBrk="1" latinLnBrk="0" hangingPunct="1">
+              <a:spcBef>
+                <a:spcPct val="20000"/>
+              </a:spcBef>
+              <a:spcAft>
+                <a:spcPts val="600"/>
+              </a:spcAft>
+              <a:buClr>
+                <a:schemeClr val="accent1"/>
+              </a:buClr>
+              <a:buFont typeface="Wingdings 2" charset="2"/>
+              <a:buChar char=""/>
+              <a:defRPr sz="1200" kern="1200">
+                <a:solidFill>
+                  <a:schemeClr val="tx1"/>
+                </a:solidFill>
+                <a:latin typeface="+mn-lt"/>
+                <a:ea typeface="+mn-ea"/>
+                <a:cs typeface="+mn-cs"/>
+              </a:defRPr>
+            </a:lvl6pPr>
+            <a:lvl7pPr marL="2800000" indent="-228600" algn="l" defTabSz="457200" rtl="0" eaLnBrk="1" latinLnBrk="0" hangingPunct="1">
+              <a:spcBef>
+                <a:spcPct val="20000"/>
+              </a:spcBef>
+              <a:spcAft>
+                <a:spcPts val="600"/>
+              </a:spcAft>
+              <a:buClr>
+                <a:schemeClr val="accent1"/>
+              </a:buClr>
+              <a:buFont typeface="Wingdings 2" charset="2"/>
+              <a:buChar char=""/>
+              <a:defRPr sz="1200" kern="1200">
+                <a:solidFill>
+                  <a:schemeClr val="tx1"/>
+                </a:solidFill>
+                <a:latin typeface="+mn-lt"/>
+                <a:ea typeface="+mn-ea"/>
+                <a:cs typeface="+mn-cs"/>
+              </a:defRPr>
+            </a:lvl7pPr>
+            <a:lvl8pPr marL="3200000" indent="-228600" algn="l" defTabSz="457200" rtl="0" eaLnBrk="1" latinLnBrk="0" hangingPunct="1">
+              <a:spcBef>
+                <a:spcPct val="20000"/>
+              </a:spcBef>
+              <a:spcAft>
+                <a:spcPts val="600"/>
+              </a:spcAft>
+              <a:buClr>
+                <a:schemeClr val="accent1"/>
+              </a:buClr>
+              <a:buFont typeface="Wingdings 2" charset="2"/>
+              <a:buChar char=""/>
+              <a:defRPr sz="1200" kern="1200">
+                <a:solidFill>
+                  <a:schemeClr val="tx1"/>
+                </a:solidFill>
+                <a:latin typeface="+mn-lt"/>
+                <a:ea typeface="+mn-ea"/>
+                <a:cs typeface="+mn-cs"/>
+              </a:defRPr>
+            </a:lvl8pPr>
+            <a:lvl9pPr marL="3600000" indent="-228600" algn="l" defTabSz="457200" rtl="0" eaLnBrk="1" latinLnBrk="0" hangingPunct="1">
+              <a:spcBef>
+                <a:spcPct val="20000"/>
+              </a:spcBef>
+              <a:spcAft>
+                <a:spcPts val="600"/>
+              </a:spcAft>
+              <a:buClr>
+                <a:schemeClr val="accent1"/>
+              </a:buClr>
+              <a:buFont typeface="Wingdings 2" charset="2"/>
+              <a:buChar char=""/>
+              <a:defRPr sz="1200" kern="1200">
+                <a:solidFill>
+                  <a:schemeClr val="tx1"/>
+                </a:solidFill>
+                <a:latin typeface="+mn-lt"/>
+                <a:ea typeface="+mn-ea"/>
+                <a:cs typeface="+mn-cs"/>
+              </a:defRPr>
+            </a:lvl9pPr>
+          </a:lstStyle>
+          <a:p>
+            <a:pPr marL="0" indent="0">
+              <a:buNone/>
+            </a:pPr>
+            <a:r>
+              <a:rPr lang="en-US" dirty="0"/>
+              <a:t>A few features are available a</a:t>
+            </a:r>
+            <a:r>
+              <a:rPr lang="en-US" sz="1800" dirty="0"/>
+              <a:t>bout “freight”, linked together : </a:t>
+            </a:r>
+          </a:p>
+          <a:p>
+            <a:r>
+              <a:rPr lang="en-US" sz="1800" b="1" u="sng" dirty="0" err="1">
+                <a:solidFill>
+                  <a:srgbClr val="2C88D9"/>
+                </a:solidFill>
+              </a:rPr>
+              <a:t>cust_sell_dist</a:t>
+            </a:r>
+            <a:r>
+              <a:rPr lang="en-US" sz="1800" b="1" dirty="0">
+                <a:solidFill>
+                  <a:srgbClr val="2C88D9"/>
+                </a:solidFill>
+              </a:rPr>
+              <a:t> : </a:t>
+            </a:r>
+            <a:r>
+              <a:rPr lang="fr-FR" dirty="0"/>
+              <a:t>the distance </a:t>
+            </a:r>
+            <a:r>
+              <a:rPr lang="fr-FR" dirty="0" err="1"/>
+              <a:t>computed</a:t>
+            </a:r>
+            <a:r>
+              <a:rPr lang="fr-FR" dirty="0"/>
+              <a:t> </a:t>
+            </a:r>
+            <a:r>
+              <a:rPr lang="fr-FR" dirty="0" err="1"/>
+              <a:t>from</a:t>
+            </a:r>
+            <a:r>
+              <a:rPr lang="fr-FR" dirty="0"/>
+              <a:t> </a:t>
+            </a:r>
+            <a:r>
+              <a:rPr lang="fr-FR" dirty="0" err="1"/>
+              <a:t>geolocation</a:t>
+            </a:r>
+            <a:endParaRPr lang="fr-FR" dirty="0"/>
+          </a:p>
+          <a:p>
+            <a:endParaRPr lang="fr-FR" dirty="0"/>
+          </a:p>
+          <a:p>
+            <a:endParaRPr lang="en-US" dirty="0"/>
+          </a:p>
+        </p:txBody>
+      </p:sp>
+      <p:sp>
+        <p:nvSpPr>
+          <p:cNvPr id="12" name="Espace réservé du contenu 2">
+            <a:extLst>
+              <a:ext uri="{FF2B5EF4-FFF2-40B4-BE49-F238E27FC236}">
+                <a16:creationId xmlns:a16="http://schemas.microsoft.com/office/drawing/2014/main" id="{EB9E2526-7D46-4FC0-94E7-D6F287783B84}"/>
+              </a:ext>
+            </a:extLst>
+          </p:cNvPr>
+          <p:cNvSpPr txBox="1">
+            <a:spLocks/>
+          </p:cNvSpPr>
+          <p:nvPr/>
+        </p:nvSpPr>
+        <p:spPr>
+          <a:xfrm>
+            <a:off x="-68035" y="3889068"/>
+            <a:ext cx="11787580" cy="499369"/>
+          </a:xfrm>
+          <a:prstGeom prst="rect">
+            <a:avLst/>
+          </a:prstGeom>
+          <a:effectLst>
+            <a:outerShdw blurRad="50800" dir="14400000">
+              <a:srgbClr val="000000">
+                <a:alpha val="40000"/>
+              </a:srgbClr>
+            </a:outerShdw>
+          </a:effectLst>
+        </p:spPr>
+        <p:txBody>
+          <a:bodyPr vert="horz" lIns="91440" tIns="45720" rIns="91440" bIns="45720" rtlCol="0" anchor="ctr">
+            <a:normAutofit/>
+          </a:bodyPr>
+          <a:lstStyle>
+            <a:lvl1pPr marL="342900" indent="-342900" algn="l" defTabSz="457200" rtl="0" eaLnBrk="1" latinLnBrk="0" hangingPunct="1">
+              <a:spcBef>
+                <a:spcPct val="20000"/>
+              </a:spcBef>
+              <a:spcAft>
+                <a:spcPts val="600"/>
+              </a:spcAft>
+              <a:buClr>
+                <a:schemeClr val="accent1"/>
+              </a:buClr>
+              <a:buFont typeface="Wingdings 2" charset="2"/>
+              <a:buChar char=""/>
+              <a:defRPr sz="1800" kern="1200">
+                <a:solidFill>
+                  <a:schemeClr val="tx1"/>
+                </a:solidFill>
+                <a:latin typeface="+mn-lt"/>
+                <a:ea typeface="+mn-ea"/>
+                <a:cs typeface="+mn-cs"/>
+              </a:defRPr>
+            </a:lvl1pPr>
+            <a:lvl2pPr marL="742950" indent="-285750" algn="l" defTabSz="457200" rtl="0" eaLnBrk="1" latinLnBrk="0" hangingPunct="1">
+              <a:spcBef>
+                <a:spcPct val="20000"/>
+              </a:spcBef>
+              <a:spcAft>
+                <a:spcPts val="600"/>
+              </a:spcAft>
+              <a:buClr>
+                <a:schemeClr val="accent1"/>
+              </a:buClr>
+              <a:buFont typeface="Wingdings 2" charset="2"/>
+              <a:buChar char=""/>
+              <a:defRPr sz="1600" kern="1200">
+                <a:solidFill>
+                  <a:schemeClr val="tx1"/>
+                </a:solidFill>
+                <a:latin typeface="+mn-lt"/>
+                <a:ea typeface="+mn-ea"/>
+                <a:cs typeface="+mn-cs"/>
+              </a:defRPr>
+            </a:lvl2pPr>
+            <a:lvl3pPr marL="1143000" indent="-228600" algn="l" defTabSz="457200" rtl="0" eaLnBrk="1" latinLnBrk="0" hangingPunct="1">
+              <a:spcBef>
+                <a:spcPct val="20000"/>
+              </a:spcBef>
+              <a:spcAft>
+                <a:spcPts val="600"/>
+              </a:spcAft>
+              <a:buClr>
+                <a:schemeClr val="accent1"/>
+              </a:buClr>
+              <a:buFont typeface="Wingdings 2" charset="2"/>
+              <a:buChar char=""/>
+              <a:defRPr sz="1400" kern="1200">
+                <a:solidFill>
+                  <a:schemeClr val="tx1"/>
+                </a:solidFill>
+                <a:latin typeface="+mn-lt"/>
+                <a:ea typeface="+mn-ea"/>
+                <a:cs typeface="+mn-cs"/>
+              </a:defRPr>
+            </a:lvl3pPr>
+            <a:lvl4pPr marL="1600200" indent="-228600" algn="l" defTabSz="457200" rtl="0" eaLnBrk="1" latinLnBrk="0" hangingPunct="1">
+              <a:spcBef>
+                <a:spcPct val="20000"/>
+              </a:spcBef>
+              <a:spcAft>
+                <a:spcPts val="600"/>
+              </a:spcAft>
+              <a:buClr>
+                <a:schemeClr val="accent1"/>
+              </a:buClr>
+              <a:buFont typeface="Wingdings 2" charset="2"/>
+              <a:buChar char=""/>
+              <a:defRPr sz="1200" kern="1200">
+                <a:solidFill>
+                  <a:schemeClr val="tx1"/>
+                </a:solidFill>
+                <a:latin typeface="+mn-lt"/>
+                <a:ea typeface="+mn-ea"/>
+                <a:cs typeface="+mn-cs"/>
+              </a:defRPr>
+            </a:lvl4pPr>
+            <a:lvl5pPr marL="2057400" indent="-228600" algn="l" defTabSz="457200" rtl="0" eaLnBrk="1" latinLnBrk="0" hangingPunct="1">
+              <a:spcBef>
+                <a:spcPct val="20000"/>
+              </a:spcBef>
+              <a:spcAft>
+                <a:spcPts val="600"/>
+              </a:spcAft>
+              <a:buClr>
+                <a:schemeClr val="accent1"/>
+              </a:buClr>
+              <a:buFont typeface="Wingdings 2" charset="2"/>
+              <a:buChar char=""/>
+              <a:defRPr sz="1200" kern="1200">
+                <a:solidFill>
+                  <a:schemeClr val="tx1"/>
+                </a:solidFill>
+                <a:latin typeface="+mn-lt"/>
+                <a:ea typeface="+mn-ea"/>
+                <a:cs typeface="+mn-cs"/>
+              </a:defRPr>
+            </a:lvl5pPr>
+            <a:lvl6pPr marL="2400000" indent="-228600" algn="l" defTabSz="457200" rtl="0" eaLnBrk="1" latinLnBrk="0" hangingPunct="1">
+              <a:spcBef>
+                <a:spcPct val="20000"/>
+              </a:spcBef>
+              <a:spcAft>
+                <a:spcPts val="600"/>
+              </a:spcAft>
+              <a:buClr>
+                <a:schemeClr val="accent1"/>
+              </a:buClr>
+              <a:buFont typeface="Wingdings 2" charset="2"/>
+              <a:buChar char=""/>
+              <a:defRPr sz="1200" kern="1200">
+                <a:solidFill>
+                  <a:schemeClr val="tx1"/>
+                </a:solidFill>
+                <a:latin typeface="+mn-lt"/>
+                <a:ea typeface="+mn-ea"/>
+                <a:cs typeface="+mn-cs"/>
+              </a:defRPr>
+            </a:lvl6pPr>
+            <a:lvl7pPr marL="2800000" indent="-228600" algn="l" defTabSz="457200" rtl="0" eaLnBrk="1" latinLnBrk="0" hangingPunct="1">
+              <a:spcBef>
+                <a:spcPct val="20000"/>
+              </a:spcBef>
+              <a:spcAft>
+                <a:spcPts val="600"/>
+              </a:spcAft>
+              <a:buClr>
+                <a:schemeClr val="accent1"/>
+              </a:buClr>
+              <a:buFont typeface="Wingdings 2" charset="2"/>
+              <a:buChar char=""/>
+              <a:defRPr sz="1200" kern="1200">
+                <a:solidFill>
+                  <a:schemeClr val="tx1"/>
+                </a:solidFill>
+                <a:latin typeface="+mn-lt"/>
+                <a:ea typeface="+mn-ea"/>
+                <a:cs typeface="+mn-cs"/>
+              </a:defRPr>
+            </a:lvl7pPr>
+            <a:lvl8pPr marL="3200000" indent="-228600" algn="l" defTabSz="457200" rtl="0" eaLnBrk="1" latinLnBrk="0" hangingPunct="1">
+              <a:spcBef>
+                <a:spcPct val="20000"/>
+              </a:spcBef>
+              <a:spcAft>
+                <a:spcPts val="600"/>
+              </a:spcAft>
+              <a:buClr>
+                <a:schemeClr val="accent1"/>
+              </a:buClr>
+              <a:buFont typeface="Wingdings 2" charset="2"/>
+              <a:buChar char=""/>
+              <a:defRPr sz="1200" kern="1200">
+                <a:solidFill>
+                  <a:schemeClr val="tx1"/>
+                </a:solidFill>
+                <a:latin typeface="+mn-lt"/>
+                <a:ea typeface="+mn-ea"/>
+                <a:cs typeface="+mn-cs"/>
+              </a:defRPr>
+            </a:lvl8pPr>
+            <a:lvl9pPr marL="3600000" indent="-228600" algn="l" defTabSz="457200" rtl="0" eaLnBrk="1" latinLnBrk="0" hangingPunct="1">
+              <a:spcBef>
+                <a:spcPct val="20000"/>
+              </a:spcBef>
+              <a:spcAft>
+                <a:spcPts val="600"/>
+              </a:spcAft>
+              <a:buClr>
+                <a:schemeClr val="accent1"/>
+              </a:buClr>
+              <a:buFont typeface="Wingdings 2" charset="2"/>
+              <a:buChar char=""/>
+              <a:defRPr sz="1200" kern="1200">
+                <a:solidFill>
+                  <a:schemeClr val="tx1"/>
+                </a:solidFill>
+                <a:latin typeface="+mn-lt"/>
+                <a:ea typeface="+mn-ea"/>
+                <a:cs typeface="+mn-cs"/>
+              </a:defRPr>
+            </a:lvl9pPr>
+          </a:lstStyle>
+          <a:p>
+            <a:r>
+              <a:rPr lang="en-US" sz="1800" b="1" u="sng" dirty="0" err="1">
+                <a:solidFill>
+                  <a:srgbClr val="FFC000"/>
+                </a:solidFill>
+              </a:rPr>
+              <a:t>product_cat</a:t>
+            </a:r>
+            <a:r>
+              <a:rPr lang="en-US" sz="1800" b="1" dirty="0">
+                <a:solidFill>
+                  <a:srgbClr val="FFC000"/>
+                </a:solidFill>
+              </a:rPr>
+              <a:t> : </a:t>
+            </a:r>
+            <a:r>
+              <a:rPr lang="fr-FR" dirty="0" err="1"/>
+              <a:t>rationalized</a:t>
+            </a:r>
+            <a:r>
+              <a:rPr lang="fr-FR" dirty="0"/>
+              <a:t> </a:t>
+            </a:r>
+            <a:r>
+              <a:rPr lang="fr-FR" dirty="0" err="1"/>
+              <a:t>into</a:t>
+            </a:r>
+            <a:r>
+              <a:rPr lang="fr-FR" dirty="0"/>
+              <a:t> 15 </a:t>
+            </a:r>
+            <a:r>
+              <a:rPr lang="fr-FR" dirty="0" err="1"/>
+              <a:t>categories</a:t>
+            </a:r>
+            <a:endParaRPr lang="en-US" dirty="0"/>
+          </a:p>
+        </p:txBody>
+      </p:sp>
+      <p:sp>
+        <p:nvSpPr>
+          <p:cNvPr id="13" name="Espace réservé du contenu 2">
+            <a:extLst>
+              <a:ext uri="{FF2B5EF4-FFF2-40B4-BE49-F238E27FC236}">
+                <a16:creationId xmlns:a16="http://schemas.microsoft.com/office/drawing/2014/main" id="{FEAE2A0A-2132-4887-A187-51F7F63460EB}"/>
+              </a:ext>
+            </a:extLst>
+          </p:cNvPr>
+          <p:cNvSpPr txBox="1">
+            <a:spLocks/>
+          </p:cNvSpPr>
+          <p:nvPr/>
+        </p:nvSpPr>
+        <p:spPr>
+          <a:xfrm>
+            <a:off x="-68035" y="4314574"/>
+            <a:ext cx="11787580" cy="499369"/>
+          </a:xfrm>
+          <a:prstGeom prst="rect">
+            <a:avLst/>
+          </a:prstGeom>
+          <a:effectLst>
+            <a:outerShdw blurRad="50800" dir="14400000">
+              <a:srgbClr val="000000">
+                <a:alpha val="40000"/>
+              </a:srgbClr>
+            </a:outerShdw>
+          </a:effectLst>
+        </p:spPr>
+        <p:txBody>
+          <a:bodyPr vert="horz" lIns="91440" tIns="45720" rIns="91440" bIns="45720" rtlCol="0" anchor="ctr">
+            <a:normAutofit/>
+          </a:bodyPr>
+          <a:lstStyle>
+            <a:lvl1pPr marL="342900" indent="-342900" algn="l" defTabSz="457200" rtl="0" eaLnBrk="1" latinLnBrk="0" hangingPunct="1">
+              <a:spcBef>
+                <a:spcPct val="20000"/>
+              </a:spcBef>
+              <a:spcAft>
+                <a:spcPts val="600"/>
+              </a:spcAft>
+              <a:buClr>
+                <a:schemeClr val="accent1"/>
+              </a:buClr>
+              <a:buFont typeface="Wingdings 2" charset="2"/>
+              <a:buChar char=""/>
+              <a:defRPr sz="1800" kern="1200">
+                <a:solidFill>
+                  <a:schemeClr val="tx1"/>
+                </a:solidFill>
+                <a:latin typeface="+mn-lt"/>
+                <a:ea typeface="+mn-ea"/>
+                <a:cs typeface="+mn-cs"/>
+              </a:defRPr>
+            </a:lvl1pPr>
+            <a:lvl2pPr marL="742950" indent="-285750" algn="l" defTabSz="457200" rtl="0" eaLnBrk="1" latinLnBrk="0" hangingPunct="1">
+              <a:spcBef>
+                <a:spcPct val="20000"/>
+              </a:spcBef>
+              <a:spcAft>
+                <a:spcPts val="600"/>
+              </a:spcAft>
+              <a:buClr>
+                <a:schemeClr val="accent1"/>
+              </a:buClr>
+              <a:buFont typeface="Wingdings 2" charset="2"/>
+              <a:buChar char=""/>
+              <a:defRPr sz="1600" kern="1200">
+                <a:solidFill>
+                  <a:schemeClr val="tx1"/>
+                </a:solidFill>
+                <a:latin typeface="+mn-lt"/>
+                <a:ea typeface="+mn-ea"/>
+                <a:cs typeface="+mn-cs"/>
+              </a:defRPr>
+            </a:lvl2pPr>
+            <a:lvl3pPr marL="1143000" indent="-228600" algn="l" defTabSz="457200" rtl="0" eaLnBrk="1" latinLnBrk="0" hangingPunct="1">
+              <a:spcBef>
+                <a:spcPct val="20000"/>
+              </a:spcBef>
+              <a:spcAft>
+                <a:spcPts val="600"/>
+              </a:spcAft>
+              <a:buClr>
+                <a:schemeClr val="accent1"/>
+              </a:buClr>
+              <a:buFont typeface="Wingdings 2" charset="2"/>
+              <a:buChar char=""/>
+              <a:defRPr sz="1400" kern="1200">
+                <a:solidFill>
+                  <a:schemeClr val="tx1"/>
+                </a:solidFill>
+                <a:latin typeface="+mn-lt"/>
+                <a:ea typeface="+mn-ea"/>
+                <a:cs typeface="+mn-cs"/>
+              </a:defRPr>
+            </a:lvl3pPr>
+            <a:lvl4pPr marL="1600200" indent="-228600" algn="l" defTabSz="457200" rtl="0" eaLnBrk="1" latinLnBrk="0" hangingPunct="1">
+              <a:spcBef>
+                <a:spcPct val="20000"/>
+              </a:spcBef>
+              <a:spcAft>
+                <a:spcPts val="600"/>
+              </a:spcAft>
+              <a:buClr>
+                <a:schemeClr val="accent1"/>
+              </a:buClr>
+              <a:buFont typeface="Wingdings 2" charset="2"/>
+              <a:buChar char=""/>
+              <a:defRPr sz="1200" kern="1200">
+                <a:solidFill>
+                  <a:schemeClr val="tx1"/>
+                </a:solidFill>
+                <a:latin typeface="+mn-lt"/>
+                <a:ea typeface="+mn-ea"/>
+                <a:cs typeface="+mn-cs"/>
+              </a:defRPr>
+            </a:lvl4pPr>
+            <a:lvl5pPr marL="2057400" indent="-228600" algn="l" defTabSz="457200" rtl="0" eaLnBrk="1" latinLnBrk="0" hangingPunct="1">
+              <a:spcBef>
+                <a:spcPct val="20000"/>
+              </a:spcBef>
+              <a:spcAft>
+                <a:spcPts val="600"/>
+              </a:spcAft>
+              <a:buClr>
+                <a:schemeClr val="accent1"/>
+              </a:buClr>
+              <a:buFont typeface="Wingdings 2" charset="2"/>
+              <a:buChar char=""/>
+              <a:defRPr sz="1200" kern="1200">
+                <a:solidFill>
+                  <a:schemeClr val="tx1"/>
+                </a:solidFill>
+                <a:latin typeface="+mn-lt"/>
+                <a:ea typeface="+mn-ea"/>
+                <a:cs typeface="+mn-cs"/>
+              </a:defRPr>
+            </a:lvl5pPr>
+            <a:lvl6pPr marL="2400000" indent="-228600" algn="l" defTabSz="457200" rtl="0" eaLnBrk="1" latinLnBrk="0" hangingPunct="1">
+              <a:spcBef>
+                <a:spcPct val="20000"/>
+              </a:spcBef>
+              <a:spcAft>
+                <a:spcPts val="600"/>
+              </a:spcAft>
+              <a:buClr>
+                <a:schemeClr val="accent1"/>
+              </a:buClr>
+              <a:buFont typeface="Wingdings 2" charset="2"/>
+              <a:buChar char=""/>
+              <a:defRPr sz="1200" kern="1200">
+                <a:solidFill>
+                  <a:schemeClr val="tx1"/>
+                </a:solidFill>
+                <a:latin typeface="+mn-lt"/>
+                <a:ea typeface="+mn-ea"/>
+                <a:cs typeface="+mn-cs"/>
+              </a:defRPr>
+            </a:lvl6pPr>
+            <a:lvl7pPr marL="2800000" indent="-228600" algn="l" defTabSz="457200" rtl="0" eaLnBrk="1" latinLnBrk="0" hangingPunct="1">
+              <a:spcBef>
+                <a:spcPct val="20000"/>
+              </a:spcBef>
+              <a:spcAft>
+                <a:spcPts val="600"/>
+              </a:spcAft>
+              <a:buClr>
+                <a:schemeClr val="accent1"/>
+              </a:buClr>
+              <a:buFont typeface="Wingdings 2" charset="2"/>
+              <a:buChar char=""/>
+              <a:defRPr sz="1200" kern="1200">
+                <a:solidFill>
+                  <a:schemeClr val="tx1"/>
+                </a:solidFill>
+                <a:latin typeface="+mn-lt"/>
+                <a:ea typeface="+mn-ea"/>
+                <a:cs typeface="+mn-cs"/>
+              </a:defRPr>
+            </a:lvl7pPr>
+            <a:lvl8pPr marL="3200000" indent="-228600" algn="l" defTabSz="457200" rtl="0" eaLnBrk="1" latinLnBrk="0" hangingPunct="1">
+              <a:spcBef>
+                <a:spcPct val="20000"/>
+              </a:spcBef>
+              <a:spcAft>
+                <a:spcPts val="600"/>
+              </a:spcAft>
+              <a:buClr>
+                <a:schemeClr val="accent1"/>
+              </a:buClr>
+              <a:buFont typeface="Wingdings 2" charset="2"/>
+              <a:buChar char=""/>
+              <a:defRPr sz="1200" kern="1200">
+                <a:solidFill>
+                  <a:schemeClr val="tx1"/>
+                </a:solidFill>
+                <a:latin typeface="+mn-lt"/>
+                <a:ea typeface="+mn-ea"/>
+                <a:cs typeface="+mn-cs"/>
+              </a:defRPr>
+            </a:lvl8pPr>
+            <a:lvl9pPr marL="3600000" indent="-228600" algn="l" defTabSz="457200" rtl="0" eaLnBrk="1" latinLnBrk="0" hangingPunct="1">
+              <a:spcBef>
+                <a:spcPct val="20000"/>
+              </a:spcBef>
+              <a:spcAft>
+                <a:spcPts val="600"/>
+              </a:spcAft>
+              <a:buClr>
+                <a:schemeClr val="accent1"/>
+              </a:buClr>
+              <a:buFont typeface="Wingdings 2" charset="2"/>
+              <a:buChar char=""/>
+              <a:defRPr sz="1200" kern="1200">
+                <a:solidFill>
+                  <a:schemeClr val="tx1"/>
+                </a:solidFill>
+                <a:latin typeface="+mn-lt"/>
+                <a:ea typeface="+mn-ea"/>
+                <a:cs typeface="+mn-cs"/>
+              </a:defRPr>
+            </a:lvl9pPr>
+          </a:lstStyle>
+          <a:p>
+            <a:r>
+              <a:rPr lang="en-US" sz="1800" b="1" u="sng" dirty="0" err="1">
+                <a:solidFill>
+                  <a:srgbClr val="BD34D1"/>
+                </a:solidFill>
+              </a:rPr>
+              <a:t>review_gap</a:t>
+            </a:r>
+            <a:r>
+              <a:rPr lang="en-US" sz="1800" b="1" dirty="0">
+                <a:solidFill>
+                  <a:srgbClr val="BD34D1"/>
+                </a:solidFill>
+              </a:rPr>
+              <a:t> :</a:t>
+            </a:r>
+            <a:r>
+              <a:rPr lang="en-US" sz="1800" b="1" dirty="0"/>
+              <a:t> </a:t>
+            </a:r>
+            <a:r>
+              <a:rPr lang="en-US" sz="1800" dirty="0"/>
+              <a:t>value the gap between product and customer review</a:t>
+            </a:r>
+            <a:endParaRPr lang="en-US" dirty="0"/>
+          </a:p>
+        </p:txBody>
+      </p:sp>
     </p:spTree>
     <p:extLst>
       <p:ext uri="{BB962C8B-B14F-4D97-AF65-F5344CB8AC3E}">
@@ -17192,6 +18770,14 @@
               <a:rPr lang="fr-FR" dirty="0" err="1"/>
               <a:t>features</a:t>
             </a:r>
+            <a:r>
+              <a:rPr lang="fr-FR" dirty="0"/>
+              <a:t> &amp; </a:t>
+            </a:r>
+            <a:r>
+              <a:rPr lang="fr-FR" dirty="0" err="1"/>
+              <a:t>pre-processing</a:t>
+            </a:r>
             <a:endParaRPr lang="en-US" dirty="0"/>
           </a:p>
         </p:txBody>
@@ -17212,12 +18798,354 @@
             <p:ph idx="1"/>
           </p:nvPr>
         </p:nvSpPr>
-        <p:spPr/>
+        <p:spPr>
+          <a:xfrm>
+            <a:off x="637410" y="1925106"/>
+            <a:ext cx="10554574" cy="1346536"/>
+          </a:xfrm>
+        </p:spPr>
         <p:txBody>
           <a:bodyPr/>
           <a:lstStyle/>
           <a:p>
-            <a:endParaRPr lang="en-US"/>
+            <a:r>
+              <a:rPr lang="fr-FR" dirty="0"/>
+              <a:t>Put </a:t>
+            </a:r>
+            <a:r>
+              <a:rPr lang="fr-FR" dirty="0" err="1"/>
+              <a:t>here</a:t>
+            </a:r>
+            <a:r>
+              <a:rPr lang="fr-FR" dirty="0"/>
+              <a:t> the </a:t>
+            </a:r>
+            <a:r>
+              <a:rPr lang="fr-FR" dirty="0" err="1"/>
+              <a:t>heatmap</a:t>
+            </a:r>
+            <a:endParaRPr lang="en-US" dirty="0"/>
+          </a:p>
+        </p:txBody>
+      </p:sp>
+      <p:sp>
+        <p:nvSpPr>
+          <p:cNvPr id="4" name="Espace réservé du contenu 2">
+            <a:extLst>
+              <a:ext uri="{FF2B5EF4-FFF2-40B4-BE49-F238E27FC236}">
+                <a16:creationId xmlns:a16="http://schemas.microsoft.com/office/drawing/2014/main" id="{F4169435-64E4-4CF4-BB10-01E286263E83}"/>
+              </a:ext>
+            </a:extLst>
+          </p:cNvPr>
+          <p:cNvSpPr txBox="1">
+            <a:spLocks/>
+          </p:cNvSpPr>
+          <p:nvPr/>
+        </p:nvSpPr>
+        <p:spPr>
+          <a:xfrm>
+            <a:off x="637410" y="3745029"/>
+            <a:ext cx="10554574" cy="1346536"/>
+          </a:xfrm>
+          <a:prstGeom prst="rect">
+            <a:avLst/>
+          </a:prstGeom>
+          <a:effectLst>
+            <a:outerShdw blurRad="50800" dir="14400000">
+              <a:srgbClr val="000000">
+                <a:alpha val="40000"/>
+              </a:srgbClr>
+            </a:outerShdw>
+          </a:effectLst>
+        </p:spPr>
+        <p:txBody>
+          <a:bodyPr vert="horz" lIns="91440" tIns="45720" rIns="91440" bIns="45720" rtlCol="0" anchor="ctr">
+            <a:normAutofit/>
+          </a:bodyPr>
+          <a:lstStyle>
+            <a:lvl1pPr marL="342900" indent="-342900" algn="l" defTabSz="457200" rtl="0" eaLnBrk="1" latinLnBrk="0" hangingPunct="1">
+              <a:spcBef>
+                <a:spcPct val="20000"/>
+              </a:spcBef>
+              <a:spcAft>
+                <a:spcPts val="600"/>
+              </a:spcAft>
+              <a:buClr>
+                <a:schemeClr val="accent1"/>
+              </a:buClr>
+              <a:buFont typeface="Wingdings 2" charset="2"/>
+              <a:buChar char=""/>
+              <a:defRPr sz="1800" kern="1200">
+                <a:solidFill>
+                  <a:schemeClr val="tx1"/>
+                </a:solidFill>
+                <a:latin typeface="+mn-lt"/>
+                <a:ea typeface="+mn-ea"/>
+                <a:cs typeface="+mn-cs"/>
+              </a:defRPr>
+            </a:lvl1pPr>
+            <a:lvl2pPr marL="742950" indent="-285750" algn="l" defTabSz="457200" rtl="0" eaLnBrk="1" latinLnBrk="0" hangingPunct="1">
+              <a:spcBef>
+                <a:spcPct val="20000"/>
+              </a:spcBef>
+              <a:spcAft>
+                <a:spcPts val="600"/>
+              </a:spcAft>
+              <a:buClr>
+                <a:schemeClr val="accent1"/>
+              </a:buClr>
+              <a:buFont typeface="Wingdings 2" charset="2"/>
+              <a:buChar char=""/>
+              <a:defRPr sz="1600" kern="1200">
+                <a:solidFill>
+                  <a:schemeClr val="tx1"/>
+                </a:solidFill>
+                <a:latin typeface="+mn-lt"/>
+                <a:ea typeface="+mn-ea"/>
+                <a:cs typeface="+mn-cs"/>
+              </a:defRPr>
+            </a:lvl2pPr>
+            <a:lvl3pPr marL="1143000" indent="-228600" algn="l" defTabSz="457200" rtl="0" eaLnBrk="1" latinLnBrk="0" hangingPunct="1">
+              <a:spcBef>
+                <a:spcPct val="20000"/>
+              </a:spcBef>
+              <a:spcAft>
+                <a:spcPts val="600"/>
+              </a:spcAft>
+              <a:buClr>
+                <a:schemeClr val="accent1"/>
+              </a:buClr>
+              <a:buFont typeface="Wingdings 2" charset="2"/>
+              <a:buChar char=""/>
+              <a:defRPr sz="1400" kern="1200">
+                <a:solidFill>
+                  <a:schemeClr val="tx1"/>
+                </a:solidFill>
+                <a:latin typeface="+mn-lt"/>
+                <a:ea typeface="+mn-ea"/>
+                <a:cs typeface="+mn-cs"/>
+              </a:defRPr>
+            </a:lvl3pPr>
+            <a:lvl4pPr marL="1600200" indent="-228600" algn="l" defTabSz="457200" rtl="0" eaLnBrk="1" latinLnBrk="0" hangingPunct="1">
+              <a:spcBef>
+                <a:spcPct val="20000"/>
+              </a:spcBef>
+              <a:spcAft>
+                <a:spcPts val="600"/>
+              </a:spcAft>
+              <a:buClr>
+                <a:schemeClr val="accent1"/>
+              </a:buClr>
+              <a:buFont typeface="Wingdings 2" charset="2"/>
+              <a:buChar char=""/>
+              <a:defRPr sz="1200" kern="1200">
+                <a:solidFill>
+                  <a:schemeClr val="tx1"/>
+                </a:solidFill>
+                <a:latin typeface="+mn-lt"/>
+                <a:ea typeface="+mn-ea"/>
+                <a:cs typeface="+mn-cs"/>
+              </a:defRPr>
+            </a:lvl4pPr>
+            <a:lvl5pPr marL="2057400" indent="-228600" algn="l" defTabSz="457200" rtl="0" eaLnBrk="1" latinLnBrk="0" hangingPunct="1">
+              <a:spcBef>
+                <a:spcPct val="20000"/>
+              </a:spcBef>
+              <a:spcAft>
+                <a:spcPts val="600"/>
+              </a:spcAft>
+              <a:buClr>
+                <a:schemeClr val="accent1"/>
+              </a:buClr>
+              <a:buFont typeface="Wingdings 2" charset="2"/>
+              <a:buChar char=""/>
+              <a:defRPr sz="1200" kern="1200">
+                <a:solidFill>
+                  <a:schemeClr val="tx1"/>
+                </a:solidFill>
+                <a:latin typeface="+mn-lt"/>
+                <a:ea typeface="+mn-ea"/>
+                <a:cs typeface="+mn-cs"/>
+              </a:defRPr>
+            </a:lvl5pPr>
+            <a:lvl6pPr marL="2400000" indent="-228600" algn="l" defTabSz="457200" rtl="0" eaLnBrk="1" latinLnBrk="0" hangingPunct="1">
+              <a:spcBef>
+                <a:spcPct val="20000"/>
+              </a:spcBef>
+              <a:spcAft>
+                <a:spcPts val="600"/>
+              </a:spcAft>
+              <a:buClr>
+                <a:schemeClr val="accent1"/>
+              </a:buClr>
+              <a:buFont typeface="Wingdings 2" charset="2"/>
+              <a:buChar char=""/>
+              <a:defRPr sz="1200" kern="1200">
+                <a:solidFill>
+                  <a:schemeClr val="tx1"/>
+                </a:solidFill>
+                <a:latin typeface="+mn-lt"/>
+                <a:ea typeface="+mn-ea"/>
+                <a:cs typeface="+mn-cs"/>
+              </a:defRPr>
+            </a:lvl6pPr>
+            <a:lvl7pPr marL="2800000" indent="-228600" algn="l" defTabSz="457200" rtl="0" eaLnBrk="1" latinLnBrk="0" hangingPunct="1">
+              <a:spcBef>
+                <a:spcPct val="20000"/>
+              </a:spcBef>
+              <a:spcAft>
+                <a:spcPts val="600"/>
+              </a:spcAft>
+              <a:buClr>
+                <a:schemeClr val="accent1"/>
+              </a:buClr>
+              <a:buFont typeface="Wingdings 2" charset="2"/>
+              <a:buChar char=""/>
+              <a:defRPr sz="1200" kern="1200">
+                <a:solidFill>
+                  <a:schemeClr val="tx1"/>
+                </a:solidFill>
+                <a:latin typeface="+mn-lt"/>
+                <a:ea typeface="+mn-ea"/>
+                <a:cs typeface="+mn-cs"/>
+              </a:defRPr>
+            </a:lvl7pPr>
+            <a:lvl8pPr marL="3200000" indent="-228600" algn="l" defTabSz="457200" rtl="0" eaLnBrk="1" latinLnBrk="0" hangingPunct="1">
+              <a:spcBef>
+                <a:spcPct val="20000"/>
+              </a:spcBef>
+              <a:spcAft>
+                <a:spcPts val="600"/>
+              </a:spcAft>
+              <a:buClr>
+                <a:schemeClr val="accent1"/>
+              </a:buClr>
+              <a:buFont typeface="Wingdings 2" charset="2"/>
+              <a:buChar char=""/>
+              <a:defRPr sz="1200" kern="1200">
+                <a:solidFill>
+                  <a:schemeClr val="tx1"/>
+                </a:solidFill>
+                <a:latin typeface="+mn-lt"/>
+                <a:ea typeface="+mn-ea"/>
+                <a:cs typeface="+mn-cs"/>
+              </a:defRPr>
+            </a:lvl8pPr>
+            <a:lvl9pPr marL="3600000" indent="-228600" algn="l" defTabSz="457200" rtl="0" eaLnBrk="1" latinLnBrk="0" hangingPunct="1">
+              <a:spcBef>
+                <a:spcPct val="20000"/>
+              </a:spcBef>
+              <a:spcAft>
+                <a:spcPts val="600"/>
+              </a:spcAft>
+              <a:buClr>
+                <a:schemeClr val="accent1"/>
+              </a:buClr>
+              <a:buFont typeface="Wingdings 2" charset="2"/>
+              <a:buChar char=""/>
+              <a:defRPr sz="1200" kern="1200">
+                <a:solidFill>
+                  <a:schemeClr val="tx1"/>
+                </a:solidFill>
+                <a:latin typeface="+mn-lt"/>
+                <a:ea typeface="+mn-ea"/>
+                <a:cs typeface="+mn-cs"/>
+              </a:defRPr>
+            </a:lvl9pPr>
+          </a:lstStyle>
+          <a:p>
+            <a:r>
+              <a:rPr lang="fr-FR" dirty="0" err="1"/>
+              <a:t>Discuss</a:t>
+            </a:r>
+            <a:r>
+              <a:rPr lang="fr-FR" dirty="0"/>
+              <a:t> the issues </a:t>
+            </a:r>
+            <a:r>
+              <a:rPr lang="fr-FR" dirty="0" err="1"/>
+              <a:t>raised</a:t>
+            </a:r>
+            <a:r>
+              <a:rPr lang="fr-FR" dirty="0"/>
+              <a:t> about the model </a:t>
+            </a:r>
+            <a:r>
+              <a:rPr lang="fr-FR" dirty="0" err="1"/>
+              <a:t>sensitivity</a:t>
+            </a:r>
+            <a:r>
+              <a:rPr lang="fr-FR" dirty="0"/>
+              <a:t> :</a:t>
+            </a:r>
+          </a:p>
+          <a:p>
+            <a:pPr lvl="1"/>
+            <a:r>
+              <a:rPr lang="fr-FR" dirty="0" err="1"/>
+              <a:t>Why</a:t>
+            </a:r>
+            <a:r>
+              <a:rPr lang="fr-FR" dirty="0"/>
+              <a:t> a </a:t>
+            </a:r>
+            <a:r>
+              <a:rPr lang="fr-FR" dirty="0" err="1"/>
+              <a:t>boolean</a:t>
+            </a:r>
+            <a:r>
+              <a:rPr lang="fr-FR" dirty="0"/>
+              <a:t> </a:t>
+            </a:r>
+            <a:r>
+              <a:rPr lang="fr-FR" dirty="0" err="1"/>
+              <a:t>feature</a:t>
+            </a:r>
+            <a:r>
+              <a:rPr lang="fr-FR" dirty="0"/>
+              <a:t> </a:t>
+            </a:r>
+            <a:r>
+              <a:rPr lang="fr-FR" dirty="0" err="1"/>
+              <a:t>takes</a:t>
+            </a:r>
+            <a:r>
+              <a:rPr lang="fr-FR" dirty="0"/>
+              <a:t> the lead, </a:t>
+            </a:r>
+            <a:r>
+              <a:rPr lang="fr-FR" dirty="0" err="1"/>
+              <a:t>is</a:t>
+            </a:r>
+            <a:r>
+              <a:rPr lang="fr-FR" dirty="0"/>
+              <a:t> </a:t>
+            </a:r>
+            <a:r>
+              <a:rPr lang="fr-FR" dirty="0" err="1"/>
+              <a:t>it</a:t>
+            </a:r>
+            <a:r>
+              <a:rPr lang="fr-FR" dirty="0"/>
+              <a:t> right to </a:t>
+            </a:r>
+            <a:r>
+              <a:rPr lang="fr-FR" dirty="0" err="1"/>
+              <a:t>remedy</a:t>
+            </a:r>
+            <a:r>
+              <a:rPr lang="fr-FR" dirty="0"/>
+              <a:t> </a:t>
+            </a:r>
+            <a:r>
+              <a:rPr lang="fr-FR" dirty="0" err="1"/>
+              <a:t>this</a:t>
+            </a:r>
+            <a:r>
+              <a:rPr lang="fr-FR" dirty="0"/>
+              <a:t>, and how</a:t>
+            </a:r>
+            <a:endParaRPr lang="en-US" dirty="0"/>
           </a:p>
         </p:txBody>
       </p:sp>

--- a/P5Olist_Présentation_initiale.pptx
+++ b/P5Olist_Présentation_initiale.pptx
@@ -4,24 +4,28 @@
   <p:sldMasterIdLst>
     <p:sldMasterId id="2147483648" r:id="rId1"/>
   </p:sldMasterIdLst>
+  <p:notesMasterIdLst>
+    <p:notesMasterId r:id="rId20"/>
+  </p:notesMasterIdLst>
   <p:sldIdLst>
     <p:sldId id="256" r:id="rId2"/>
     <p:sldId id="257" r:id="rId3"/>
     <p:sldId id="264" r:id="rId4"/>
-    <p:sldId id="267" r:id="rId5"/>
-    <p:sldId id="273" r:id="rId6"/>
-    <p:sldId id="274" r:id="rId7"/>
-    <p:sldId id="272" r:id="rId8"/>
+    <p:sldId id="275" r:id="rId5"/>
+    <p:sldId id="267" r:id="rId6"/>
+    <p:sldId id="273" r:id="rId7"/>
+    <p:sldId id="274" r:id="rId8"/>
     <p:sldId id="259" r:id="rId9"/>
     <p:sldId id="270" r:id="rId10"/>
     <p:sldId id="271" r:id="rId11"/>
-    <p:sldId id="261" r:id="rId12"/>
-    <p:sldId id="263" r:id="rId13"/>
-    <p:sldId id="268" r:id="rId14"/>
-    <p:sldId id="265" r:id="rId15"/>
-    <p:sldId id="269" r:id="rId16"/>
-    <p:sldId id="260" r:id="rId17"/>
-    <p:sldId id="258" r:id="rId18"/>
+    <p:sldId id="276" r:id="rId12"/>
+    <p:sldId id="261" r:id="rId13"/>
+    <p:sldId id="263" r:id="rId14"/>
+    <p:sldId id="268" r:id="rId15"/>
+    <p:sldId id="265" r:id="rId16"/>
+    <p:sldId id="269" r:id="rId17"/>
+    <p:sldId id="260" r:id="rId18"/>
+    <p:sldId id="258" r:id="rId19"/>
   </p:sldIdLst>
   <p:sldSz cx="12192000" cy="6858000"/>
   <p:notesSz cx="6858000" cy="9144000"/>
@@ -128,6 +132,739 @@
 </p:presentation>
 </file>
 
+<file path=ppt/notesMasters/notesMaster1.xml><?xml version="1.0" encoding="utf-8"?>
+<p:notesMaster xmlns:a="http://schemas.openxmlformats.org/drawingml/2006/main" xmlns:r="http://schemas.openxmlformats.org/officeDocument/2006/relationships" xmlns:p="http://schemas.openxmlformats.org/presentationml/2006/main">
+  <p:cSld>
+    <p:bg>
+      <p:bgRef idx="1001">
+        <a:schemeClr val="bg1"/>
+      </p:bgRef>
+    </p:bg>
+    <p:spTree>
+      <p:nvGrpSpPr>
+        <p:cNvPr id="1" name=""/>
+        <p:cNvGrpSpPr/>
+        <p:nvPr/>
+      </p:nvGrpSpPr>
+      <p:grpSpPr>
+        <a:xfrm>
+          <a:off x="0" y="0"/>
+          <a:ext cx="0" cy="0"/>
+          <a:chOff x="0" y="0"/>
+          <a:chExt cx="0" cy="0"/>
+        </a:xfrm>
+      </p:grpSpPr>
+      <p:sp>
+        <p:nvSpPr>
+          <p:cNvPr id="2" name="Espace réservé de l'en-tête 1"/>
+          <p:cNvSpPr>
+            <a:spLocks noGrp="1"/>
+          </p:cNvSpPr>
+          <p:nvPr>
+            <p:ph type="hdr" sz="quarter"/>
+          </p:nvPr>
+        </p:nvSpPr>
+        <p:spPr>
+          <a:xfrm>
+            <a:off x="0" y="0"/>
+            <a:ext cx="2971800" cy="458788"/>
+          </a:xfrm>
+          <a:prstGeom prst="rect">
+            <a:avLst/>
+          </a:prstGeom>
+        </p:spPr>
+        <p:txBody>
+          <a:bodyPr vert="horz" lIns="91440" tIns="45720" rIns="91440" bIns="45720" rtlCol="0"/>
+          <a:lstStyle>
+            <a:lvl1pPr algn="l">
+              <a:defRPr sz="1200"/>
+            </a:lvl1pPr>
+          </a:lstStyle>
+          <a:p>
+            <a:endParaRPr lang="en-US"/>
+          </a:p>
+        </p:txBody>
+      </p:sp>
+      <p:sp>
+        <p:nvSpPr>
+          <p:cNvPr id="3" name="Espace réservé de la date 2"/>
+          <p:cNvSpPr>
+            <a:spLocks noGrp="1"/>
+          </p:cNvSpPr>
+          <p:nvPr>
+            <p:ph type="dt" idx="1"/>
+          </p:nvPr>
+        </p:nvSpPr>
+        <p:spPr>
+          <a:xfrm>
+            <a:off x="3884613" y="0"/>
+            <a:ext cx="2971800" cy="458788"/>
+          </a:xfrm>
+          <a:prstGeom prst="rect">
+            <a:avLst/>
+          </a:prstGeom>
+        </p:spPr>
+        <p:txBody>
+          <a:bodyPr vert="horz" lIns="91440" tIns="45720" rIns="91440" bIns="45720" rtlCol="0"/>
+          <a:lstStyle>
+            <a:lvl1pPr algn="r">
+              <a:defRPr sz="1200"/>
+            </a:lvl1pPr>
+          </a:lstStyle>
+          <a:p>
+            <a:fld id="{56587C75-1698-4E99-B627-BC28AE6E7568}" type="datetimeFigureOut">
+              <a:rPr lang="en-US" smtClean="0"/>
+              <a:t>9/21/2020</a:t>
+            </a:fld>
+            <a:endParaRPr lang="en-US"/>
+          </a:p>
+        </p:txBody>
+      </p:sp>
+      <p:sp>
+        <p:nvSpPr>
+          <p:cNvPr id="4" name="Espace réservé de l'image des diapositives 3"/>
+          <p:cNvSpPr>
+            <a:spLocks noGrp="1" noRot="1" noChangeAspect="1"/>
+          </p:cNvSpPr>
+          <p:nvPr>
+            <p:ph type="sldImg" idx="2"/>
+          </p:nvPr>
+        </p:nvSpPr>
+        <p:spPr>
+          <a:xfrm>
+            <a:off x="685800" y="1143000"/>
+            <a:ext cx="5486400" cy="3086100"/>
+          </a:xfrm>
+          <a:prstGeom prst="rect">
+            <a:avLst/>
+          </a:prstGeom>
+          <a:noFill/>
+          <a:ln w="12700">
+            <a:solidFill>
+              <a:prstClr val="black"/>
+            </a:solidFill>
+          </a:ln>
+        </p:spPr>
+        <p:txBody>
+          <a:bodyPr vert="horz" lIns="91440" tIns="45720" rIns="91440" bIns="45720" rtlCol="0" anchor="ctr"/>
+          <a:lstStyle/>
+          <a:p>
+            <a:endParaRPr lang="en-US"/>
+          </a:p>
+        </p:txBody>
+      </p:sp>
+      <p:sp>
+        <p:nvSpPr>
+          <p:cNvPr id="5" name="Espace réservé des notes 4"/>
+          <p:cNvSpPr>
+            <a:spLocks noGrp="1"/>
+          </p:cNvSpPr>
+          <p:nvPr>
+            <p:ph type="body" sz="quarter" idx="3"/>
+          </p:nvPr>
+        </p:nvSpPr>
+        <p:spPr>
+          <a:xfrm>
+            <a:off x="685800" y="4400550"/>
+            <a:ext cx="5486400" cy="3600450"/>
+          </a:xfrm>
+          <a:prstGeom prst="rect">
+            <a:avLst/>
+          </a:prstGeom>
+        </p:spPr>
+        <p:txBody>
+          <a:bodyPr vert="horz" lIns="91440" tIns="45720" rIns="91440" bIns="45720" rtlCol="0"/>
+          <a:lstStyle/>
+          <a:p>
+            <a:pPr lvl="0"/>
+            <a:r>
+              <a:rPr lang="fr-FR"/>
+              <a:t>Cliquez pour modifier les styles du texte du masque</a:t>
+            </a:r>
+          </a:p>
+          <a:p>
+            <a:pPr lvl="1"/>
+            <a:r>
+              <a:rPr lang="fr-FR"/>
+              <a:t>Deuxième niveau</a:t>
+            </a:r>
+          </a:p>
+          <a:p>
+            <a:pPr lvl="2"/>
+            <a:r>
+              <a:rPr lang="fr-FR"/>
+              <a:t>Troisième niveau</a:t>
+            </a:r>
+          </a:p>
+          <a:p>
+            <a:pPr lvl="3"/>
+            <a:r>
+              <a:rPr lang="fr-FR"/>
+              <a:t>Quatrième niveau</a:t>
+            </a:r>
+          </a:p>
+          <a:p>
+            <a:pPr lvl="4"/>
+            <a:r>
+              <a:rPr lang="fr-FR"/>
+              <a:t>Cinquième niveau</a:t>
+            </a:r>
+            <a:endParaRPr lang="en-US"/>
+          </a:p>
+        </p:txBody>
+      </p:sp>
+      <p:sp>
+        <p:nvSpPr>
+          <p:cNvPr id="6" name="Espace réservé du pied de page 5"/>
+          <p:cNvSpPr>
+            <a:spLocks noGrp="1"/>
+          </p:cNvSpPr>
+          <p:nvPr>
+            <p:ph type="ftr" sz="quarter" idx="4"/>
+          </p:nvPr>
+        </p:nvSpPr>
+        <p:spPr>
+          <a:xfrm>
+            <a:off x="0" y="8685213"/>
+            <a:ext cx="2971800" cy="458787"/>
+          </a:xfrm>
+          <a:prstGeom prst="rect">
+            <a:avLst/>
+          </a:prstGeom>
+        </p:spPr>
+        <p:txBody>
+          <a:bodyPr vert="horz" lIns="91440" tIns="45720" rIns="91440" bIns="45720" rtlCol="0" anchor="b"/>
+          <a:lstStyle>
+            <a:lvl1pPr algn="l">
+              <a:defRPr sz="1200"/>
+            </a:lvl1pPr>
+          </a:lstStyle>
+          <a:p>
+            <a:endParaRPr lang="en-US"/>
+          </a:p>
+        </p:txBody>
+      </p:sp>
+      <p:sp>
+        <p:nvSpPr>
+          <p:cNvPr id="7" name="Espace réservé du numéro de diapositive 6"/>
+          <p:cNvSpPr>
+            <a:spLocks noGrp="1"/>
+          </p:cNvSpPr>
+          <p:nvPr>
+            <p:ph type="sldNum" sz="quarter" idx="5"/>
+          </p:nvPr>
+        </p:nvSpPr>
+        <p:spPr>
+          <a:xfrm>
+            <a:off x="3884613" y="8685213"/>
+            <a:ext cx="2971800" cy="458787"/>
+          </a:xfrm>
+          <a:prstGeom prst="rect">
+            <a:avLst/>
+          </a:prstGeom>
+        </p:spPr>
+        <p:txBody>
+          <a:bodyPr vert="horz" lIns="91440" tIns="45720" rIns="91440" bIns="45720" rtlCol="0" anchor="b"/>
+          <a:lstStyle>
+            <a:lvl1pPr algn="r">
+              <a:defRPr sz="1200"/>
+            </a:lvl1pPr>
+          </a:lstStyle>
+          <a:p>
+            <a:fld id="{7FC8FE4B-F9EA-429D-BEE6-C3838DC5788A}" type="slidenum">
+              <a:rPr lang="en-US" smtClean="0"/>
+              <a:t>‹N°›</a:t>
+            </a:fld>
+            <a:endParaRPr lang="en-US"/>
+          </a:p>
+        </p:txBody>
+      </p:sp>
+    </p:spTree>
+    <p:extLst>
+      <p:ext uri="{BB962C8B-B14F-4D97-AF65-F5344CB8AC3E}">
+        <p14:creationId xmlns:p14="http://schemas.microsoft.com/office/powerpoint/2010/main" val="2654218360"/>
+      </p:ext>
+    </p:extLst>
+  </p:cSld>
+  <p:clrMap bg1="lt1" tx1="dk1" bg2="lt2" tx2="dk2" accent1="accent1" accent2="accent2" accent3="accent3" accent4="accent4" accent5="accent5" accent6="accent6" hlink="hlink" folHlink="folHlink"/>
+  <p:notesStyle>
+    <a:lvl1pPr marL="0" algn="l" defTabSz="914400" rtl="0" eaLnBrk="1" latinLnBrk="0" hangingPunct="1">
+      <a:defRPr sz="1200" kern="1200">
+        <a:solidFill>
+          <a:schemeClr val="tx1"/>
+        </a:solidFill>
+        <a:latin typeface="+mn-lt"/>
+        <a:ea typeface="+mn-ea"/>
+        <a:cs typeface="+mn-cs"/>
+      </a:defRPr>
+    </a:lvl1pPr>
+    <a:lvl2pPr marL="457200" algn="l" defTabSz="914400" rtl="0" eaLnBrk="1" latinLnBrk="0" hangingPunct="1">
+      <a:defRPr sz="1200" kern="1200">
+        <a:solidFill>
+          <a:schemeClr val="tx1"/>
+        </a:solidFill>
+        <a:latin typeface="+mn-lt"/>
+        <a:ea typeface="+mn-ea"/>
+        <a:cs typeface="+mn-cs"/>
+      </a:defRPr>
+    </a:lvl2pPr>
+    <a:lvl3pPr marL="914400" algn="l" defTabSz="914400" rtl="0" eaLnBrk="1" latinLnBrk="0" hangingPunct="1">
+      <a:defRPr sz="1200" kern="1200">
+        <a:solidFill>
+          <a:schemeClr val="tx1"/>
+        </a:solidFill>
+        <a:latin typeface="+mn-lt"/>
+        <a:ea typeface="+mn-ea"/>
+        <a:cs typeface="+mn-cs"/>
+      </a:defRPr>
+    </a:lvl3pPr>
+    <a:lvl4pPr marL="1371600" algn="l" defTabSz="914400" rtl="0" eaLnBrk="1" latinLnBrk="0" hangingPunct="1">
+      <a:defRPr sz="1200" kern="1200">
+        <a:solidFill>
+          <a:schemeClr val="tx1"/>
+        </a:solidFill>
+        <a:latin typeface="+mn-lt"/>
+        <a:ea typeface="+mn-ea"/>
+        <a:cs typeface="+mn-cs"/>
+      </a:defRPr>
+    </a:lvl4pPr>
+    <a:lvl5pPr marL="1828800" algn="l" defTabSz="914400" rtl="0" eaLnBrk="1" latinLnBrk="0" hangingPunct="1">
+      <a:defRPr sz="1200" kern="1200">
+        <a:solidFill>
+          <a:schemeClr val="tx1"/>
+        </a:solidFill>
+        <a:latin typeface="+mn-lt"/>
+        <a:ea typeface="+mn-ea"/>
+        <a:cs typeface="+mn-cs"/>
+      </a:defRPr>
+    </a:lvl5pPr>
+    <a:lvl6pPr marL="2286000" algn="l" defTabSz="914400" rtl="0" eaLnBrk="1" latinLnBrk="0" hangingPunct="1">
+      <a:defRPr sz="1200" kern="1200">
+        <a:solidFill>
+          <a:schemeClr val="tx1"/>
+        </a:solidFill>
+        <a:latin typeface="+mn-lt"/>
+        <a:ea typeface="+mn-ea"/>
+        <a:cs typeface="+mn-cs"/>
+      </a:defRPr>
+    </a:lvl6pPr>
+    <a:lvl7pPr marL="2743200" algn="l" defTabSz="914400" rtl="0" eaLnBrk="1" latinLnBrk="0" hangingPunct="1">
+      <a:defRPr sz="1200" kern="1200">
+        <a:solidFill>
+          <a:schemeClr val="tx1"/>
+        </a:solidFill>
+        <a:latin typeface="+mn-lt"/>
+        <a:ea typeface="+mn-ea"/>
+        <a:cs typeface="+mn-cs"/>
+      </a:defRPr>
+    </a:lvl7pPr>
+    <a:lvl8pPr marL="3200400" algn="l" defTabSz="914400" rtl="0" eaLnBrk="1" latinLnBrk="0" hangingPunct="1">
+      <a:defRPr sz="1200" kern="1200">
+        <a:solidFill>
+          <a:schemeClr val="tx1"/>
+        </a:solidFill>
+        <a:latin typeface="+mn-lt"/>
+        <a:ea typeface="+mn-ea"/>
+        <a:cs typeface="+mn-cs"/>
+      </a:defRPr>
+    </a:lvl8pPr>
+    <a:lvl9pPr marL="3657600" algn="l" defTabSz="914400" rtl="0" eaLnBrk="1" latinLnBrk="0" hangingPunct="1">
+      <a:defRPr sz="1200" kern="1200">
+        <a:solidFill>
+          <a:schemeClr val="tx1"/>
+        </a:solidFill>
+        <a:latin typeface="+mn-lt"/>
+        <a:ea typeface="+mn-ea"/>
+        <a:cs typeface="+mn-cs"/>
+      </a:defRPr>
+    </a:lvl9pPr>
+  </p:notesStyle>
+</p:notesMaster>
+</file>
+
+<file path=ppt/notesSlides/notesSlide1.xml><?xml version="1.0" encoding="utf-8"?>
+<p:notes xmlns:a="http://schemas.openxmlformats.org/drawingml/2006/main" xmlns:r="http://schemas.openxmlformats.org/officeDocument/2006/relationships" xmlns:p="http://schemas.openxmlformats.org/presentationml/2006/main">
+  <p:cSld>
+    <p:spTree>
+      <p:nvGrpSpPr>
+        <p:cNvPr id="1" name=""/>
+        <p:cNvGrpSpPr/>
+        <p:nvPr/>
+      </p:nvGrpSpPr>
+      <p:grpSpPr>
+        <a:xfrm>
+          <a:off x="0" y="0"/>
+          <a:ext cx="0" cy="0"/>
+          <a:chOff x="0" y="0"/>
+          <a:chExt cx="0" cy="0"/>
+        </a:xfrm>
+      </p:grpSpPr>
+      <p:sp>
+        <p:nvSpPr>
+          <p:cNvPr id="2" name="Espace réservé de l'image des diapositives 1"/>
+          <p:cNvSpPr>
+            <a:spLocks noGrp="1" noRot="1" noChangeAspect="1"/>
+          </p:cNvSpPr>
+          <p:nvPr>
+            <p:ph type="sldImg"/>
+          </p:nvPr>
+        </p:nvSpPr>
+        <p:spPr/>
+      </p:sp>
+      <p:sp>
+        <p:nvSpPr>
+          <p:cNvPr id="3" name="Espace réservé des notes 2"/>
+          <p:cNvSpPr>
+            <a:spLocks noGrp="1"/>
+          </p:cNvSpPr>
+          <p:nvPr>
+            <p:ph type="body" idx="1"/>
+          </p:nvPr>
+        </p:nvSpPr>
+        <p:spPr/>
+        <p:txBody>
+          <a:bodyPr/>
+          <a:lstStyle/>
+          <a:p>
+            <a:r>
+              <a:rPr lang="fr-FR" dirty="0" err="1"/>
+              <a:t>Why</a:t>
+            </a:r>
+            <a:r>
+              <a:rPr lang="fr-FR" dirty="0"/>
+              <a:t> </a:t>
+            </a:r>
+            <a:r>
+              <a:rPr lang="fr-FR" dirty="0" err="1"/>
+              <a:t>such</a:t>
+            </a:r>
+            <a:r>
+              <a:rPr lang="fr-FR" dirty="0"/>
+              <a:t> data troncature </a:t>
+            </a:r>
+            <a:r>
+              <a:rPr lang="fr-FR" dirty="0" err="1"/>
+              <a:t>statement</a:t>
+            </a:r>
+            <a:r>
+              <a:rPr lang="fr-FR" dirty="0"/>
+              <a:t> : </a:t>
+            </a:r>
+          </a:p>
+          <a:p>
+            <a:pPr marL="171450" indent="-171450">
+              <a:buFontTx/>
+              <a:buChar char="-"/>
+            </a:pPr>
+            <a:r>
+              <a:rPr lang="fr-FR" dirty="0"/>
+              <a:t>Identification of </a:t>
+            </a:r>
+            <a:r>
+              <a:rPr lang="fr-FR" dirty="0" err="1"/>
+              <a:t>unexpectedly</a:t>
+            </a:r>
+            <a:r>
+              <a:rPr lang="fr-FR" dirty="0"/>
+              <a:t> </a:t>
+            </a:r>
+            <a:r>
+              <a:rPr lang="fr-FR" dirty="0" err="1"/>
+              <a:t>poor</a:t>
+            </a:r>
+            <a:r>
+              <a:rPr lang="fr-FR" dirty="0"/>
+              <a:t> </a:t>
+            </a:r>
+            <a:r>
+              <a:rPr lang="fr-FR" dirty="0" err="1"/>
+              <a:t>quantities</a:t>
+            </a:r>
+            <a:r>
+              <a:rPr lang="fr-FR" dirty="0"/>
+              <a:t> of a </a:t>
+            </a:r>
+            <a:r>
+              <a:rPr lang="fr-FR" dirty="0" err="1"/>
+              <a:t>given</a:t>
+            </a:r>
+            <a:r>
+              <a:rPr lang="fr-FR" dirty="0"/>
+              <a:t> type of </a:t>
+            </a:r>
+            <a:r>
+              <a:rPr lang="fr-FR" dirty="0" err="1"/>
+              <a:t>order</a:t>
+            </a:r>
+            <a:r>
+              <a:rPr lang="fr-FR" dirty="0"/>
+              <a:t> (</a:t>
+            </a:r>
+            <a:r>
+              <a:rPr lang="fr-FR" dirty="0" err="1"/>
+              <a:t>multi_orders</a:t>
+            </a:r>
+            <a:r>
+              <a:rPr lang="fr-FR" dirty="0"/>
+              <a:t>, </a:t>
+            </a:r>
+            <a:r>
+              <a:rPr lang="fr-FR" dirty="0" err="1"/>
+              <a:t>multi_products</a:t>
+            </a:r>
+            <a:r>
+              <a:rPr lang="fr-FR" dirty="0"/>
+              <a:t>) </a:t>
+            </a:r>
+          </a:p>
+          <a:p>
+            <a:pPr marL="0" indent="0">
+              <a:buFontTx/>
+              <a:buNone/>
+            </a:pPr>
+            <a:r>
+              <a:rPr lang="fr-FR" dirty="0" err="1"/>
+              <a:t>Consequence</a:t>
+            </a:r>
+            <a:r>
+              <a:rPr lang="fr-FR" dirty="0"/>
+              <a:t> for the </a:t>
+            </a:r>
+            <a:r>
+              <a:rPr lang="fr-FR" dirty="0" err="1"/>
+              <a:t>study</a:t>
+            </a:r>
+            <a:r>
+              <a:rPr lang="fr-FR" dirty="0"/>
+              <a:t> :</a:t>
+            </a:r>
+          </a:p>
+          <a:p>
+            <a:pPr marL="171450" indent="-171450">
+              <a:buFontTx/>
+              <a:buChar char="-"/>
+            </a:pPr>
+            <a:r>
+              <a:rPr lang="fr-FR" dirty="0" err="1"/>
+              <a:t>Rebuild</a:t>
+            </a:r>
+            <a:r>
+              <a:rPr lang="fr-FR" dirty="0"/>
+              <a:t> a </a:t>
+            </a:r>
+            <a:r>
+              <a:rPr lang="fr-FR" dirty="0" err="1"/>
+              <a:t>balanced</a:t>
+            </a:r>
+            <a:r>
+              <a:rPr lang="fr-FR" dirty="0"/>
+              <a:t> </a:t>
+            </a:r>
+            <a:r>
+              <a:rPr lang="fr-FR" dirty="0" err="1"/>
+              <a:t>dataset</a:t>
+            </a:r>
+            <a:r>
+              <a:rPr lang="fr-FR" dirty="0"/>
+              <a:t> </a:t>
+            </a:r>
+            <a:r>
+              <a:rPr lang="fr-FR" dirty="0" err="1"/>
+              <a:t>would</a:t>
+            </a:r>
+            <a:r>
+              <a:rPr lang="fr-FR" dirty="0"/>
+              <a:t> </a:t>
+            </a:r>
+            <a:r>
+              <a:rPr lang="fr-FR" dirty="0" err="1"/>
+              <a:t>imply</a:t>
+            </a:r>
+            <a:r>
+              <a:rPr lang="fr-FR" dirty="0"/>
+              <a:t> to </a:t>
+            </a:r>
+            <a:r>
+              <a:rPr lang="fr-FR" dirty="0" err="1"/>
+              <a:t>adjust</a:t>
+            </a:r>
+            <a:r>
+              <a:rPr lang="fr-FR" dirty="0"/>
+              <a:t> </a:t>
+            </a:r>
+            <a:r>
+              <a:rPr lang="fr-FR" dirty="0" err="1"/>
+              <a:t>with</a:t>
+            </a:r>
+            <a:r>
+              <a:rPr lang="fr-FR" dirty="0"/>
+              <a:t> an </a:t>
+            </a:r>
+            <a:r>
+              <a:rPr lang="fr-FR" dirty="0" err="1"/>
+              <a:t>additionnal</a:t>
+            </a:r>
+            <a:r>
+              <a:rPr lang="fr-FR" dirty="0"/>
+              <a:t> </a:t>
+            </a:r>
+            <a:r>
+              <a:rPr lang="fr-FR" dirty="0" err="1"/>
+              <a:t>sample</a:t>
+            </a:r>
+            <a:r>
+              <a:rPr lang="fr-FR" dirty="0"/>
+              <a:t> of original datas. For instance : how </a:t>
+            </a:r>
+            <a:r>
+              <a:rPr lang="fr-FR" dirty="0" err="1"/>
+              <a:t>many</a:t>
+            </a:r>
+            <a:r>
+              <a:rPr lang="fr-FR" dirty="0"/>
+              <a:t> </a:t>
+            </a:r>
+            <a:r>
+              <a:rPr lang="fr-FR" dirty="0" err="1"/>
+              <a:t>single_orders</a:t>
+            </a:r>
+            <a:r>
+              <a:rPr lang="fr-FR" dirty="0"/>
+              <a:t> </a:t>
+            </a:r>
+            <a:r>
+              <a:rPr lang="fr-FR" dirty="0" err="1"/>
+              <a:t>should</a:t>
+            </a:r>
+            <a:r>
+              <a:rPr lang="fr-FR" dirty="0"/>
+              <a:t> </a:t>
+            </a:r>
+            <a:r>
+              <a:rPr lang="fr-FR" dirty="0" err="1"/>
+              <a:t>we</a:t>
+            </a:r>
+            <a:r>
+              <a:rPr lang="fr-FR" dirty="0"/>
+              <a:t> </a:t>
+            </a:r>
+            <a:r>
+              <a:rPr lang="fr-FR" dirty="0" err="1"/>
+              <a:t>keep</a:t>
+            </a:r>
+            <a:r>
+              <a:rPr lang="fr-FR" dirty="0"/>
+              <a:t>, on </a:t>
+            </a:r>
+            <a:r>
+              <a:rPr lang="fr-FR" dirty="0" err="1"/>
+              <a:t>which</a:t>
+            </a:r>
+            <a:r>
+              <a:rPr lang="fr-FR" dirty="0"/>
+              <a:t> basis ?</a:t>
+            </a:r>
+          </a:p>
+          <a:p>
+            <a:pPr marL="0" indent="0">
+              <a:buFontTx/>
+              <a:buNone/>
+            </a:pPr>
+            <a:r>
+              <a:rPr lang="fr-FR" dirty="0" err="1"/>
+              <a:t>We</a:t>
+            </a:r>
+            <a:r>
+              <a:rPr lang="fr-FR" dirty="0"/>
+              <a:t> </a:t>
+            </a:r>
+            <a:r>
+              <a:rPr lang="fr-FR" dirty="0" err="1"/>
+              <a:t>would</a:t>
+            </a:r>
+            <a:r>
+              <a:rPr lang="fr-FR" dirty="0"/>
+              <a:t> </a:t>
+            </a:r>
+            <a:r>
+              <a:rPr lang="fr-FR" dirty="0" err="1"/>
+              <a:t>rather</a:t>
+            </a:r>
+            <a:r>
+              <a:rPr lang="fr-FR" dirty="0"/>
+              <a:t> </a:t>
+            </a:r>
+            <a:r>
+              <a:rPr lang="fr-FR" dirty="0" err="1"/>
+              <a:t>get</a:t>
+            </a:r>
+            <a:r>
+              <a:rPr lang="fr-FR" dirty="0"/>
+              <a:t> to a </a:t>
+            </a:r>
+            <a:r>
+              <a:rPr lang="fr-FR" dirty="0" err="1"/>
+              <a:t>clearly</a:t>
+            </a:r>
+            <a:r>
+              <a:rPr lang="fr-FR" dirty="0"/>
+              <a:t> </a:t>
+            </a:r>
+            <a:r>
+              <a:rPr lang="fr-FR" dirty="0" err="1"/>
+              <a:t>biased</a:t>
+            </a:r>
+            <a:r>
+              <a:rPr lang="fr-FR" dirty="0"/>
+              <a:t> </a:t>
+            </a:r>
+            <a:r>
+              <a:rPr lang="fr-FR" dirty="0" err="1"/>
+              <a:t>dataset</a:t>
+            </a:r>
+            <a:r>
+              <a:rPr lang="fr-FR" dirty="0"/>
+              <a:t>.</a:t>
+            </a:r>
+          </a:p>
+        </p:txBody>
+      </p:sp>
+      <p:sp>
+        <p:nvSpPr>
+          <p:cNvPr id="4" name="Espace réservé du numéro de diapositive 3"/>
+          <p:cNvSpPr>
+            <a:spLocks noGrp="1"/>
+          </p:cNvSpPr>
+          <p:nvPr>
+            <p:ph type="sldNum" sz="quarter" idx="5"/>
+          </p:nvPr>
+        </p:nvSpPr>
+        <p:spPr/>
+        <p:txBody>
+          <a:bodyPr/>
+          <a:lstStyle/>
+          <a:p>
+            <a:fld id="{7FC8FE4B-F9EA-429D-BEE6-C3838DC5788A}" type="slidenum">
+              <a:rPr lang="en-US" smtClean="0"/>
+              <a:t>2</a:t>
+            </a:fld>
+            <a:endParaRPr lang="en-US"/>
+          </a:p>
+        </p:txBody>
+      </p:sp>
+    </p:spTree>
+    <p:extLst>
+      <p:ext uri="{BB962C8B-B14F-4D97-AF65-F5344CB8AC3E}">
+        <p14:creationId xmlns:p14="http://schemas.microsoft.com/office/powerpoint/2010/main" val="1908856143"/>
+      </p:ext>
+    </p:extLst>
+  </p:cSld>
+  <p:clrMapOvr>
+    <a:masterClrMapping/>
+  </p:clrMapOvr>
+</p:notes>
+</file>
+
 <file path=ppt/slideLayouts/slideLayout1.xml><?xml version="1.0" encoding="utf-8"?>
 <p:sldLayout xmlns:a="http://schemas.openxmlformats.org/drawingml/2006/main" xmlns:r="http://schemas.openxmlformats.org/officeDocument/2006/relationships" xmlns:p="http://schemas.openxmlformats.org/presentationml/2006/main" type="title" preserve="1">
   <p:cSld name="Diapositive de titre">
@@ -223,7 +960,7 @@
           <a:effectLst/>
           <a:extLst>
             <a:ext uri="{91240B29-F687-4f45-9708-019B960494DF}">
-              <a14:hiddenLine xmlns:a14="http://schemas.microsoft.com/office/drawing/2010/main" xmlns="" w="9525">
+              <a14:hiddenLine xmlns="" xmlns:a14="http://schemas.microsoft.com/office/drawing/2010/main" w="9525">
                 <a:solidFill>
                   <a:srgbClr val="000000"/>
                 </a:solidFill>
@@ -416,7 +1153,7 @@
             <a:fld id="{08B9EBBA-996F-894A-B54A-D6246ED52CEA}" type="datetimeFigureOut">
               <a:rPr lang="en-US" dirty="0"/>
               <a:pPr/>
-              <a:t>9/11/2020</a:t>
+              <a:t>9/21/2020</a:t>
             </a:fld>
             <a:endParaRPr lang="en-US" dirty="0"/>
           </a:p>
@@ -731,7 +1468,7 @@
             <a:fld id="{18C79C5D-2A6F-F04D-97DA-BEF2467B64E4}" type="datetimeFigureOut">
               <a:rPr lang="en-US" dirty="0"/>
               <a:pPr/>
-              <a:t>9/11/2020</a:t>
+              <a:t>9/21/2020</a:t>
             </a:fld>
             <a:endParaRPr lang="en-US" dirty="0"/>
           </a:p>
@@ -1216,7 +1953,7 @@
             <a:fld id="{8DFA1846-DA80-1C48-A609-854EA85C59AD}" type="datetimeFigureOut">
               <a:rPr lang="en-US" dirty="0"/>
               <a:pPr/>
-              <a:t>9/11/2020</a:t>
+              <a:t>9/21/2020</a:t>
             </a:fld>
             <a:endParaRPr lang="en-US" dirty="0"/>
           </a:p>
@@ -1582,7 +2319,7 @@
             <a:fld id="{FBF54567-0DE4-3F47-BF90-CB84690072F9}" type="datetimeFigureOut">
               <a:rPr lang="en-US" dirty="0"/>
               <a:pPr/>
-              <a:t>9/11/2020</a:t>
+              <a:t>9/21/2020</a:t>
             </a:fld>
             <a:endParaRPr lang="en-US" dirty="0"/>
           </a:p>
@@ -1733,7 +2470,7 @@
           <a:ln/>
           <a:extLst>
             <a:ext uri="{91240B29-F687-4f45-9708-019B960494DF}">
-              <a14:hiddenLine xmlns:a14="http://schemas.microsoft.com/office/drawing/2010/main" xmlns="" w="9525">
+              <a14:hiddenLine xmlns="" xmlns:a14="http://schemas.microsoft.com/office/drawing/2010/main" w="9525">
                 <a:solidFill>
                   <a:srgbClr val="000000"/>
                 </a:solidFill>
@@ -1852,7 +2589,7 @@
             <a:fld id="{C6C52C72-DE31-F449-A4ED-4C594FD91407}" type="datetimeFigureOut">
               <a:rPr lang="en-US" dirty="0"/>
               <a:pPr/>
-              <a:t>9/11/2020</a:t>
+              <a:t>9/21/2020</a:t>
             </a:fld>
             <a:endParaRPr lang="en-US" dirty="0"/>
           </a:p>
@@ -2005,7 +2742,7 @@
           <a:ln/>
           <a:extLst>
             <a:ext uri="{91240B29-F687-4f45-9708-019B960494DF}">
-              <a14:hiddenLine xmlns:a14="http://schemas.microsoft.com/office/drawing/2010/main" xmlns="" w="9525">
+              <a14:hiddenLine xmlns="" xmlns:a14="http://schemas.microsoft.com/office/drawing/2010/main" w="9525">
                 <a:solidFill>
                   <a:srgbClr val="000000"/>
                 </a:solidFill>
@@ -2134,7 +2871,7 @@
             <a:fld id="{ED62726E-379B-B349-9EED-81ED093FA806}" type="datetimeFigureOut">
               <a:rPr lang="en-US" dirty="0"/>
               <a:pPr/>
-              <a:t>9/11/2020</a:t>
+              <a:t>9/21/2020</a:t>
             </a:fld>
             <a:endParaRPr lang="en-US" dirty="0"/>
           </a:p>
@@ -2285,7 +3022,7 @@
           <a:ln/>
           <a:extLst>
             <a:ext uri="{91240B29-F687-4f45-9708-019B960494DF}">
-              <a14:hiddenLine xmlns:a14="http://schemas.microsoft.com/office/drawing/2010/main" xmlns="" w="9525">
+              <a14:hiddenLine xmlns="" xmlns:a14="http://schemas.microsoft.com/office/drawing/2010/main" w="9525">
                 <a:solidFill>
                   <a:srgbClr val="000000"/>
                 </a:solidFill>
@@ -2414,7 +3151,7 @@
             <a:fld id="{9B3A1323-8D79-1946-B0D7-40001CF92E9D}" type="datetimeFigureOut">
               <a:rPr lang="en-US" dirty="0"/>
               <a:pPr/>
-              <a:t>9/11/2020</a:t>
+              <a:t>9/21/2020</a:t>
             </a:fld>
             <a:endParaRPr lang="en-US" dirty="0"/>
           </a:p>
@@ -2754,7 +3491,7 @@
             <a:fld id="{8DFA1846-DA80-1C48-A609-854EA85C59AD}" type="datetimeFigureOut">
               <a:rPr lang="en-US" dirty="0"/>
               <a:pPr/>
-              <a:t>9/11/2020</a:t>
+              <a:t>9/21/2020</a:t>
             </a:fld>
             <a:endParaRPr lang="en-US" dirty="0"/>
           </a:p>
@@ -2905,7 +3642,7 @@
           <a:ln/>
           <a:extLst>
             <a:ext uri="{91240B29-F687-4f45-9708-019B960494DF}">
-              <a14:hiddenLine xmlns:a14="http://schemas.microsoft.com/office/drawing/2010/main" xmlns="" w="9525">
+              <a14:hiddenLine xmlns="" xmlns:a14="http://schemas.microsoft.com/office/drawing/2010/main" w="9525">
                 <a:solidFill>
                   <a:srgbClr val="000000"/>
                 </a:solidFill>
@@ -3090,7 +3827,7 @@
             <a:fld id="{57302355-E14B-8545-A8F8-0FE83CC9D524}" type="datetimeFigureOut">
               <a:rPr lang="en-US" dirty="0"/>
               <a:pPr/>
-              <a:t>9/11/2020</a:t>
+              <a:t>9/21/2020</a:t>
             </a:fld>
             <a:endParaRPr lang="en-US" dirty="0"/>
           </a:p>
@@ -3241,7 +3978,7 @@
           <a:ln/>
           <a:extLst>
             <a:ext uri="{91240B29-F687-4f45-9708-019B960494DF}">
-              <a14:hiddenLine xmlns:a14="http://schemas.microsoft.com/office/drawing/2010/main" xmlns="" w="9525">
+              <a14:hiddenLine xmlns="" xmlns:a14="http://schemas.microsoft.com/office/drawing/2010/main" w="9525">
                 <a:solidFill>
                   <a:srgbClr val="000000"/>
                 </a:solidFill>
@@ -3569,7 +4306,7 @@
             <a:fld id="{02640F58-564D-2B4F-AE67-E407BA4FCF45}" type="datetimeFigureOut">
               <a:rPr lang="en-US" dirty="0"/>
               <a:pPr/>
-              <a:t>9/11/2020</a:t>
+              <a:t>9/21/2020</a:t>
             </a:fld>
             <a:endParaRPr lang="en-US" dirty="0"/>
           </a:p>
@@ -3720,7 +4457,7 @@
           <a:ln/>
           <a:extLst>
             <a:ext uri="{91240B29-F687-4f45-9708-019B960494DF}">
-              <a14:hiddenLine xmlns:a14="http://schemas.microsoft.com/office/drawing/2010/main" xmlns="" w="9525">
+              <a14:hiddenLine xmlns="" xmlns:a14="http://schemas.microsoft.com/office/drawing/2010/main" w="9525">
                 <a:solidFill>
                   <a:srgbClr val="000000"/>
                 </a:solidFill>
@@ -3792,7 +4529,7 @@
             <a:fld id="{F13A34C8-038E-2045-AF43-DF7DBB8E0E9E}" type="datetimeFigureOut">
               <a:rPr lang="en-US" dirty="0"/>
               <a:pPr/>
-              <a:t>9/11/2020</a:t>
+              <a:t>9/21/2020</a:t>
             </a:fld>
             <a:endParaRPr lang="en-US" dirty="0"/>
           </a:p>
@@ -3884,7 +4621,7 @@
             <a:fld id="{8818C68F-D26B-8F47-958C-23B49CF8A634}" type="datetimeFigureOut">
               <a:rPr lang="en-US" dirty="0"/>
               <a:pPr/>
-              <a:t>9/11/2020</a:t>
+              <a:t>9/21/2020</a:t>
             </a:fld>
             <a:endParaRPr lang="en-US" dirty="0"/>
           </a:p>
@@ -4148,7 +4885,7 @@
           <a:ln/>
           <a:extLst>
             <a:ext uri="{91240B29-F687-4f45-9708-019B960494DF}">
-              <a14:hiddenLine xmlns:a14="http://schemas.microsoft.com/office/drawing/2010/main" xmlns="" w="9525">
+              <a14:hiddenLine xmlns="" xmlns:a14="http://schemas.microsoft.com/office/drawing/2010/main" w="9525">
                 <a:solidFill>
                   <a:srgbClr val="000000"/>
                 </a:solidFill>
@@ -4348,7 +5085,7 @@
             <a:fld id="{D0DF5E60-9974-AC48-9591-99C2BB44B7CF}" type="datetimeFigureOut">
               <a:rPr lang="en-US" dirty="0"/>
               <a:pPr/>
-              <a:t>9/11/2020</a:t>
+              <a:t>9/21/2020</a:t>
             </a:fld>
             <a:endParaRPr lang="en-US" dirty="0"/>
           </a:p>
@@ -4658,7 +5395,7 @@
             <a:fld id="{18C79C5D-2A6F-F04D-97DA-BEF2467B64E4}" type="datetimeFigureOut">
               <a:rPr lang="en-US" dirty="0"/>
               <a:pPr/>
-              <a:t>9/11/2020</a:t>
+              <a:t>9/21/2020</a:t>
             </a:fld>
             <a:endParaRPr lang="en-US" dirty="0"/>
           </a:p>
@@ -4925,7 +5662,7 @@
             <a:fld id="{09B482E8-6E0E-1B4F-B1FD-C69DB9E858D9}" type="datetimeFigureOut">
               <a:rPr lang="en-US" dirty="0"/>
               <a:pPr/>
-              <a:t>9/11/2020</a:t>
+              <a:t>9/21/2020</a:t>
             </a:fld>
             <a:endParaRPr lang="en-US" dirty="0"/>
           </a:p>
@@ -6631,7 +7368,7 @@
         <p:spPr>
           <a:xfrm>
             <a:off x="3968232" y="4805520"/>
-            <a:ext cx="2903085" cy="307777"/>
+            <a:ext cx="2903085" cy="523220"/>
           </a:xfrm>
           <a:prstGeom prst="rect">
             <a:avLst/>
@@ -6670,7 +7407,7 @@
                   <a:schemeClr val="accent1"/>
                 </a:solidFill>
               </a:rPr>
-              <a:t> ?</a:t>
+              <a:t> ?, </a:t>
             </a:r>
             <a:r>
               <a:rPr lang="fr-FR" sz="1400" dirty="0"/>
@@ -6679,6 +7416,14 @@
             <a:r>
               <a:rPr lang="fr-FR" sz="1400" dirty="0" err="1"/>
               <a:t>reduction</a:t>
+            </a:r>
+            <a:r>
+              <a:rPr lang="fr-FR" sz="1400" dirty="0"/>
+              <a:t>, </a:t>
+            </a:r>
+            <a:r>
+              <a:rPr lang="fr-FR" sz="1400" dirty="0" err="1"/>
+              <a:t>both</a:t>
             </a:r>
             <a:endParaRPr lang="en-US" sz="1400" dirty="0"/>
           </a:p>
@@ -7836,6 +8581,886 @@
           <p:cNvPr id="2" name="Titre 1">
             <a:extLst>
               <a:ext uri="{FF2B5EF4-FFF2-40B4-BE49-F238E27FC236}">
+                <a16:creationId xmlns:a16="http://schemas.microsoft.com/office/drawing/2014/main" id="{EF9B0B39-6CE0-4203-812F-5EA1B6ECE2A9}"/>
+              </a:ext>
+            </a:extLst>
+          </p:cNvPr>
+          <p:cNvSpPr>
+            <a:spLocks noGrp="1"/>
+          </p:cNvSpPr>
+          <p:nvPr>
+            <p:ph type="title"/>
+          </p:nvPr>
+        </p:nvSpPr>
+        <p:spPr/>
+        <p:txBody>
+          <a:bodyPr/>
+          <a:lstStyle/>
+          <a:p>
+            <a:r>
+              <a:rPr lang="fr-FR" dirty="0"/>
+              <a:t>Combine</a:t>
+            </a:r>
+            <a:endParaRPr lang="en-US" dirty="0"/>
+          </a:p>
+        </p:txBody>
+      </p:sp>
+      <p:sp>
+        <p:nvSpPr>
+          <p:cNvPr id="3" name="Espace réservé du contenu 2">
+            <a:extLst>
+              <a:ext uri="{FF2B5EF4-FFF2-40B4-BE49-F238E27FC236}">
+                <a16:creationId xmlns:a16="http://schemas.microsoft.com/office/drawing/2014/main" id="{681B6989-2CA7-49D1-8521-A61B833FF41B}"/>
+              </a:ext>
+            </a:extLst>
+          </p:cNvPr>
+          <p:cNvSpPr>
+            <a:spLocks noGrp="1"/>
+          </p:cNvSpPr>
+          <p:nvPr>
+            <p:ph idx="1"/>
+          </p:nvPr>
+        </p:nvSpPr>
+        <p:spPr>
+          <a:xfrm>
+            <a:off x="532963" y="1489210"/>
+            <a:ext cx="10554574" cy="5250076"/>
+          </a:xfrm>
+        </p:spPr>
+        <p:txBody>
+          <a:bodyPr>
+            <a:normAutofit fontScale="85000" lnSpcReduction="20000"/>
+          </a:bodyPr>
+          <a:lstStyle/>
+          <a:p>
+            <a:r>
+              <a:rPr lang="fr-FR" dirty="0"/>
+              <a:t>Aim </a:t>
+            </a:r>
+            <a:r>
+              <a:rPr lang="fr-FR" dirty="0" err="1"/>
+              <a:t>is</a:t>
+            </a:r>
+            <a:r>
+              <a:rPr lang="fr-FR" dirty="0"/>
+              <a:t> to </a:t>
+            </a:r>
+            <a:r>
+              <a:rPr lang="fr-FR" dirty="0" err="1"/>
+              <a:t>get</a:t>
+            </a:r>
+            <a:r>
+              <a:rPr lang="fr-FR" dirty="0"/>
+              <a:t> an </a:t>
+            </a:r>
+            <a:r>
+              <a:rPr lang="fr-FR" dirty="0" err="1"/>
+              <a:t>idea</a:t>
+            </a:r>
+            <a:r>
+              <a:rPr lang="fr-FR" dirty="0"/>
+              <a:t> of the </a:t>
+            </a:r>
+            <a:r>
+              <a:rPr lang="fr-FR" dirty="0" err="1"/>
+              <a:t>most</a:t>
+            </a:r>
+            <a:r>
+              <a:rPr lang="fr-FR" dirty="0"/>
+              <a:t> </a:t>
+            </a:r>
+            <a:r>
+              <a:rPr lang="fr-FR" dirty="0" err="1"/>
+              <a:t>valuable</a:t>
+            </a:r>
+            <a:r>
+              <a:rPr lang="fr-FR" dirty="0"/>
+              <a:t> </a:t>
+            </a:r>
+            <a:r>
+              <a:rPr lang="fr-FR" dirty="0" err="1"/>
+              <a:t>features</a:t>
+            </a:r>
+            <a:r>
+              <a:rPr lang="fr-FR" dirty="0"/>
+              <a:t> to </a:t>
+            </a:r>
+            <a:r>
+              <a:rPr lang="fr-FR" dirty="0" err="1"/>
+              <a:t>perform</a:t>
+            </a:r>
+            <a:r>
+              <a:rPr lang="fr-FR" dirty="0"/>
+              <a:t> segmentation. </a:t>
+            </a:r>
+          </a:p>
+          <a:p>
+            <a:endParaRPr lang="fr-FR" dirty="0"/>
+          </a:p>
+          <a:p>
+            <a:r>
+              <a:rPr lang="fr-FR" dirty="0" err="1"/>
+              <a:t>Unfortunately</a:t>
+            </a:r>
+            <a:r>
+              <a:rPr lang="fr-FR" dirty="0"/>
+              <a:t>, </a:t>
+            </a:r>
+            <a:r>
+              <a:rPr lang="fr-FR" dirty="0" err="1"/>
+              <a:t>neither</a:t>
+            </a:r>
+            <a:r>
+              <a:rPr lang="fr-FR" dirty="0"/>
+              <a:t> </a:t>
+            </a:r>
+            <a:r>
+              <a:rPr lang="fr-FR" dirty="0" err="1"/>
+              <a:t>feature</a:t>
+            </a:r>
+            <a:r>
+              <a:rPr lang="fr-FR" dirty="0"/>
+              <a:t> combination technique </a:t>
+            </a:r>
+            <a:r>
+              <a:rPr lang="fr-FR" dirty="0" err="1"/>
+              <a:t>seems</a:t>
+            </a:r>
+            <a:r>
+              <a:rPr lang="fr-FR" dirty="0"/>
+              <a:t> </a:t>
+            </a:r>
+            <a:r>
+              <a:rPr lang="fr-FR" dirty="0" err="1"/>
+              <a:t>embedded</a:t>
+            </a:r>
+            <a:r>
+              <a:rPr lang="fr-FR" dirty="0"/>
+              <a:t> in pipeline, </a:t>
+            </a:r>
+            <a:r>
+              <a:rPr lang="fr-FR" dirty="0" err="1"/>
+              <a:t>nor</a:t>
+            </a:r>
+            <a:r>
+              <a:rPr lang="fr-FR" dirty="0"/>
+              <a:t> </a:t>
+            </a:r>
+            <a:r>
+              <a:rPr lang="fr-FR" dirty="0" err="1"/>
+              <a:t>features</a:t>
+            </a:r>
+            <a:r>
+              <a:rPr lang="fr-FR" dirty="0"/>
+              <a:t> </a:t>
+            </a:r>
+            <a:r>
+              <a:rPr lang="fr-FR" dirty="0" err="1"/>
+              <a:t>selection’s</a:t>
+            </a:r>
+            <a:r>
+              <a:rPr lang="fr-FR" dirty="0"/>
+              <a:t> </a:t>
+            </a:r>
+            <a:r>
+              <a:rPr lang="fr-FR" dirty="0" err="1"/>
+              <a:t>algorithms</a:t>
+            </a:r>
+            <a:r>
+              <a:rPr lang="fr-FR" dirty="0"/>
+              <a:t> in </a:t>
+            </a:r>
+            <a:r>
+              <a:rPr lang="fr-FR" dirty="0" err="1"/>
+              <a:t>such</a:t>
+            </a:r>
+            <a:r>
+              <a:rPr lang="fr-FR" dirty="0"/>
+              <a:t> </a:t>
+            </a:r>
+            <a:r>
+              <a:rPr lang="fr-FR" dirty="0" err="1"/>
+              <a:t>unsupervized</a:t>
+            </a:r>
+            <a:r>
+              <a:rPr lang="fr-FR" dirty="0"/>
+              <a:t> </a:t>
+            </a:r>
+            <a:r>
+              <a:rPr lang="fr-FR" dirty="0" err="1"/>
+              <a:t>context</a:t>
+            </a:r>
+            <a:r>
+              <a:rPr lang="fr-FR" dirty="0"/>
+              <a:t> (</a:t>
+            </a:r>
+            <a:r>
+              <a:rPr lang="fr-FR" dirty="0" err="1"/>
+              <a:t>unlike</a:t>
+            </a:r>
+            <a:r>
+              <a:rPr lang="fr-FR" dirty="0"/>
+              <a:t> </a:t>
+            </a:r>
+            <a:r>
+              <a:rPr lang="fr-FR" dirty="0" err="1"/>
+              <a:t>feature’s</a:t>
+            </a:r>
+            <a:r>
+              <a:rPr lang="fr-FR" dirty="0"/>
+              <a:t> importance or coef. </a:t>
+            </a:r>
+            <a:r>
+              <a:rPr lang="fr-FR" dirty="0" err="1"/>
+              <a:t>weights</a:t>
+            </a:r>
+            <a:r>
+              <a:rPr lang="fr-FR" dirty="0"/>
+              <a:t>).</a:t>
+            </a:r>
+          </a:p>
+          <a:p>
+            <a:endParaRPr lang="fr-FR" dirty="0"/>
+          </a:p>
+          <a:p>
+            <a:r>
+              <a:rPr lang="fr-FR" dirty="0"/>
+              <a:t>An </a:t>
+            </a:r>
+            <a:r>
+              <a:rPr lang="fr-FR" dirty="0" err="1"/>
+              <a:t>idea</a:t>
+            </a:r>
+            <a:r>
+              <a:rPr lang="fr-FR" dirty="0"/>
+              <a:t> to </a:t>
+            </a:r>
+            <a:r>
+              <a:rPr lang="fr-FR" dirty="0" err="1"/>
+              <a:t>give</a:t>
+            </a:r>
+            <a:r>
+              <a:rPr lang="fr-FR" dirty="0"/>
+              <a:t> chance to </a:t>
+            </a:r>
+            <a:r>
+              <a:rPr lang="fr-FR" dirty="0" err="1"/>
+              <a:t>any</a:t>
+            </a:r>
+            <a:r>
+              <a:rPr lang="fr-FR" dirty="0"/>
+              <a:t> </a:t>
+            </a:r>
+            <a:r>
+              <a:rPr lang="fr-FR" dirty="0" err="1"/>
+              <a:t>feature</a:t>
+            </a:r>
+            <a:r>
+              <a:rPr lang="fr-FR" dirty="0"/>
+              <a:t> for the </a:t>
+            </a:r>
+            <a:r>
+              <a:rPr lang="fr-FR" dirty="0" err="1"/>
+              <a:t>most</a:t>
+            </a:r>
+            <a:r>
+              <a:rPr lang="fr-FR" dirty="0"/>
+              <a:t> efficient segmentation, </a:t>
+            </a:r>
+            <a:r>
+              <a:rPr lang="fr-FR" dirty="0" err="1"/>
+              <a:t>is</a:t>
+            </a:r>
+            <a:r>
+              <a:rPr lang="fr-FR" dirty="0"/>
+              <a:t> to </a:t>
+            </a:r>
+            <a:r>
+              <a:rPr lang="fr-FR" dirty="0" err="1"/>
+              <a:t>proceed</a:t>
+            </a:r>
+            <a:r>
+              <a:rPr lang="fr-FR" dirty="0"/>
+              <a:t> by :</a:t>
+            </a:r>
+          </a:p>
+          <a:p>
+            <a:pPr lvl="1"/>
+            <a:r>
+              <a:rPr lang="fr-FR" dirty="0"/>
+              <a:t>1. K-</a:t>
+            </a:r>
+            <a:r>
+              <a:rPr lang="fr-FR" dirty="0" err="1"/>
+              <a:t>means</a:t>
+            </a:r>
+            <a:r>
+              <a:rPr lang="fr-FR" dirty="0"/>
+              <a:t> </a:t>
+            </a:r>
+            <a:r>
+              <a:rPr lang="fr-FR" dirty="0" err="1"/>
+              <a:t>with</a:t>
+            </a:r>
+            <a:r>
+              <a:rPr lang="fr-FR" dirty="0"/>
+              <a:t> </a:t>
+            </a:r>
+            <a:r>
+              <a:rPr lang="fr-FR" dirty="0" err="1"/>
+              <a:t>each</a:t>
+            </a:r>
+            <a:r>
+              <a:rPr lang="fr-FR" dirty="0"/>
+              <a:t> </a:t>
+            </a:r>
+            <a:r>
+              <a:rPr lang="fr-FR" dirty="0" err="1"/>
+              <a:t>feature</a:t>
+            </a:r>
+            <a:r>
+              <a:rPr lang="fr-FR" dirty="0"/>
+              <a:t> </a:t>
+            </a:r>
+            <a:r>
+              <a:rPr lang="fr-FR" dirty="0" err="1"/>
+              <a:t>individually</a:t>
+            </a:r>
+            <a:r>
+              <a:rPr lang="fr-FR" dirty="0"/>
+              <a:t>, </a:t>
+            </a:r>
+            <a:r>
+              <a:rPr lang="fr-FR" dirty="0" err="1"/>
+              <a:t>targetting</a:t>
+            </a:r>
+            <a:r>
+              <a:rPr lang="fr-FR" dirty="0"/>
+              <a:t> a </a:t>
+            </a:r>
+            <a:r>
+              <a:rPr lang="fr-FR" dirty="0" err="1"/>
+              <a:t>given</a:t>
+            </a:r>
+            <a:r>
+              <a:rPr lang="fr-FR" dirty="0"/>
+              <a:t> k clusters </a:t>
+            </a:r>
+            <a:r>
+              <a:rPr lang="fr-FR" dirty="0" err="1"/>
+              <a:t>number</a:t>
+            </a:r>
+            <a:r>
+              <a:rPr lang="fr-FR" dirty="0"/>
+              <a:t>.</a:t>
+            </a:r>
+          </a:p>
+          <a:p>
+            <a:pPr lvl="1"/>
+            <a:r>
+              <a:rPr lang="fr-FR" dirty="0"/>
+              <a:t>2. </a:t>
+            </a:r>
+            <a:r>
+              <a:rPr lang="fr-FR" dirty="0" err="1"/>
+              <a:t>Get</a:t>
+            </a:r>
+            <a:r>
+              <a:rPr lang="fr-FR" dirty="0"/>
+              <a:t> clustering performance</a:t>
+            </a:r>
+          </a:p>
+          <a:p>
+            <a:pPr lvl="1"/>
+            <a:r>
+              <a:rPr lang="fr-FR" dirty="0"/>
+              <a:t>3. </a:t>
+            </a:r>
+            <a:r>
+              <a:rPr lang="fr-FR" dirty="0" err="1"/>
+              <a:t>Keep</a:t>
+            </a:r>
+            <a:r>
+              <a:rPr lang="fr-FR" dirty="0"/>
+              <a:t> the </a:t>
+            </a:r>
+            <a:r>
+              <a:rPr lang="fr-FR" dirty="0" err="1"/>
+              <a:t>feature</a:t>
+            </a:r>
+            <a:r>
+              <a:rPr lang="fr-FR" dirty="0"/>
+              <a:t> </a:t>
+            </a:r>
+            <a:r>
+              <a:rPr lang="fr-FR" dirty="0" err="1"/>
+              <a:t>that</a:t>
+            </a:r>
+            <a:r>
+              <a:rPr lang="fr-FR" dirty="0"/>
+              <a:t> </a:t>
+            </a:r>
+            <a:r>
+              <a:rPr lang="fr-FR" dirty="0" err="1"/>
+              <a:t>gives</a:t>
+            </a:r>
+            <a:r>
+              <a:rPr lang="fr-FR" dirty="0"/>
+              <a:t> the best </a:t>
+            </a:r>
+            <a:r>
+              <a:rPr lang="fr-FR" dirty="0" err="1"/>
+              <a:t>result</a:t>
+            </a:r>
+            <a:r>
+              <a:rPr lang="fr-FR" dirty="0"/>
+              <a:t>.</a:t>
+            </a:r>
+          </a:p>
+          <a:p>
+            <a:pPr lvl="1"/>
+            <a:r>
+              <a:rPr lang="fr-FR" dirty="0" err="1"/>
+              <a:t>Proceed</a:t>
+            </a:r>
+            <a:r>
+              <a:rPr lang="fr-FR" dirty="0"/>
+              <a:t> the </a:t>
+            </a:r>
+            <a:r>
+              <a:rPr lang="fr-FR" dirty="0" err="1"/>
+              <a:t>same</a:t>
+            </a:r>
+            <a:r>
+              <a:rPr lang="fr-FR" dirty="0"/>
+              <a:t> </a:t>
+            </a:r>
+            <a:r>
+              <a:rPr lang="fr-FR" dirty="0" err="1"/>
+              <a:t>loop</a:t>
+            </a:r>
+            <a:r>
+              <a:rPr lang="fr-FR" dirty="0"/>
+              <a:t> 1 to 3 </a:t>
+            </a:r>
+            <a:r>
+              <a:rPr lang="fr-FR" dirty="0" err="1"/>
+              <a:t>with</a:t>
+            </a:r>
+            <a:r>
+              <a:rPr lang="fr-FR" dirty="0"/>
+              <a:t> </a:t>
+            </a:r>
+            <a:r>
+              <a:rPr lang="fr-FR" dirty="0" err="1"/>
+              <a:t>remaining</a:t>
+            </a:r>
+            <a:r>
+              <a:rPr lang="fr-FR" dirty="0"/>
+              <a:t> </a:t>
+            </a:r>
+            <a:r>
+              <a:rPr lang="fr-FR" dirty="0" err="1"/>
+              <a:t>features</a:t>
+            </a:r>
+            <a:r>
+              <a:rPr lang="fr-FR" dirty="0"/>
+              <a:t>, </a:t>
+            </a:r>
+            <a:r>
+              <a:rPr lang="fr-FR" dirty="0" err="1"/>
+              <a:t>until</a:t>
+            </a:r>
+            <a:r>
+              <a:rPr lang="fr-FR" dirty="0"/>
+              <a:t> n « </a:t>
+            </a:r>
+            <a:r>
+              <a:rPr lang="fr-FR" dirty="0" err="1"/>
+              <a:t>most</a:t>
+            </a:r>
+            <a:r>
+              <a:rPr lang="fr-FR" dirty="0"/>
+              <a:t> </a:t>
+            </a:r>
+            <a:r>
+              <a:rPr lang="fr-FR" dirty="0" err="1"/>
+              <a:t>valuable</a:t>
+            </a:r>
+            <a:r>
+              <a:rPr lang="fr-FR" dirty="0"/>
+              <a:t> » </a:t>
+            </a:r>
+            <a:r>
+              <a:rPr lang="fr-FR" dirty="0" err="1"/>
+              <a:t>features</a:t>
+            </a:r>
+            <a:r>
+              <a:rPr lang="fr-FR" dirty="0"/>
+              <a:t> </a:t>
+            </a:r>
+            <a:r>
+              <a:rPr lang="fr-FR" dirty="0" err="1"/>
+              <a:t>seems</a:t>
+            </a:r>
+            <a:r>
+              <a:rPr lang="fr-FR" dirty="0"/>
+              <a:t> </a:t>
+            </a:r>
+            <a:r>
+              <a:rPr lang="fr-FR" dirty="0" err="1"/>
+              <a:t>found</a:t>
+            </a:r>
+            <a:r>
+              <a:rPr lang="fr-FR" dirty="0"/>
+              <a:t>.</a:t>
+            </a:r>
+            <a:endParaRPr lang="en-US" dirty="0"/>
+          </a:p>
+          <a:p>
+            <a:endParaRPr lang="fr-FR" dirty="0"/>
+          </a:p>
+          <a:p>
+            <a:r>
+              <a:rPr lang="fr-FR" dirty="0" err="1"/>
+              <a:t>Implementation</a:t>
+            </a:r>
+            <a:r>
+              <a:rPr lang="fr-FR" dirty="0"/>
+              <a:t> made on 2 </a:t>
+            </a:r>
+            <a:r>
+              <a:rPr lang="fr-FR" dirty="0" err="1"/>
+              <a:t>scoring</a:t>
+            </a:r>
+            <a:r>
+              <a:rPr lang="fr-FR" dirty="0"/>
+              <a:t> </a:t>
+            </a:r>
+            <a:r>
+              <a:rPr lang="fr-FR" dirty="0" err="1"/>
+              <a:t>methods</a:t>
+            </a:r>
+            <a:r>
+              <a:rPr lang="fr-FR" dirty="0"/>
+              <a:t> : max silhouette, min Davies-</a:t>
+            </a:r>
+            <a:r>
+              <a:rPr lang="fr-FR" dirty="0" err="1"/>
+              <a:t>Bouldin</a:t>
+            </a:r>
+            <a:r>
+              <a:rPr lang="fr-FR" dirty="0"/>
+              <a:t> Index, </a:t>
+            </a:r>
+          </a:p>
+          <a:p>
+            <a:endParaRPr lang="fr-FR" dirty="0"/>
+          </a:p>
+          <a:p>
+            <a:r>
+              <a:rPr lang="fr-FR" dirty="0"/>
+              <a:t>This </a:t>
+            </a:r>
+            <a:r>
+              <a:rPr lang="fr-FR" dirty="0" err="1"/>
+              <a:t>approach</a:t>
+            </a:r>
+            <a:r>
+              <a:rPr lang="fr-FR" dirty="0"/>
+              <a:t> </a:t>
+            </a:r>
+            <a:r>
+              <a:rPr lang="fr-FR" dirty="0" err="1"/>
+              <a:t>seems</a:t>
+            </a:r>
+            <a:r>
+              <a:rPr lang="fr-FR" dirty="0"/>
+              <a:t> </a:t>
+            </a:r>
+            <a:r>
+              <a:rPr lang="fr-FR" dirty="0" err="1"/>
+              <a:t>interesting</a:t>
+            </a:r>
+            <a:r>
+              <a:rPr lang="fr-FR" dirty="0"/>
+              <a:t> </a:t>
+            </a:r>
+            <a:r>
+              <a:rPr lang="fr-FR" dirty="0" err="1"/>
+              <a:t>only</a:t>
+            </a:r>
+            <a:r>
+              <a:rPr lang="fr-FR" dirty="0"/>
+              <a:t> in case of </a:t>
+            </a:r>
+            <a:r>
+              <a:rPr lang="fr-FR" dirty="0" err="1"/>
+              <a:t>similar</a:t>
+            </a:r>
+            <a:r>
+              <a:rPr lang="fr-FR" dirty="0"/>
+              <a:t> data. </a:t>
+            </a:r>
+            <a:r>
+              <a:rPr lang="fr-FR" dirty="0" err="1"/>
+              <a:t>Because</a:t>
+            </a:r>
+            <a:r>
+              <a:rPr lang="fr-FR" dirty="0"/>
+              <a:t> the distribution of </a:t>
+            </a:r>
+            <a:r>
+              <a:rPr lang="fr-FR" dirty="0" err="1"/>
+              <a:t>each</a:t>
+            </a:r>
+            <a:r>
+              <a:rPr lang="fr-FR" dirty="0"/>
+              <a:t> </a:t>
+            </a:r>
+            <a:r>
+              <a:rPr lang="fr-FR" dirty="0" err="1"/>
+              <a:t>feature</a:t>
+            </a:r>
+            <a:r>
+              <a:rPr lang="fr-FR" dirty="0"/>
+              <a:t>, </a:t>
+            </a:r>
+            <a:r>
+              <a:rPr lang="fr-FR" dirty="0" err="1"/>
+              <a:t>even</a:t>
+            </a:r>
+            <a:r>
+              <a:rPr lang="fr-FR" dirty="0"/>
+              <a:t> </a:t>
+            </a:r>
+            <a:r>
+              <a:rPr lang="fr-FR" dirty="0" err="1"/>
+              <a:t>transformed</a:t>
+            </a:r>
+            <a:r>
+              <a:rPr lang="fr-FR" dirty="0"/>
+              <a:t>, has a big impact on the </a:t>
+            </a:r>
+            <a:r>
+              <a:rPr lang="fr-FR" dirty="0" err="1"/>
+              <a:t>mathematical</a:t>
+            </a:r>
+            <a:r>
+              <a:rPr lang="fr-FR" dirty="0"/>
+              <a:t> </a:t>
+            </a:r>
+            <a:r>
+              <a:rPr lang="fr-FR" dirty="0" err="1"/>
+              <a:t>quality</a:t>
+            </a:r>
+            <a:r>
+              <a:rPr lang="fr-FR" dirty="0"/>
+              <a:t> of the clustering. </a:t>
+            </a:r>
+          </a:p>
+          <a:p>
+            <a:endParaRPr lang="fr-FR" dirty="0"/>
+          </a:p>
+          <a:p>
+            <a:r>
+              <a:rPr lang="fr-FR" dirty="0" err="1"/>
+              <a:t>We</a:t>
+            </a:r>
+            <a:r>
+              <a:rPr lang="fr-FR" dirty="0"/>
+              <a:t> </a:t>
+            </a:r>
+            <a:r>
+              <a:rPr lang="fr-FR" dirty="0" err="1"/>
+              <a:t>also</a:t>
+            </a:r>
+            <a:r>
+              <a:rPr lang="fr-FR" dirty="0"/>
+              <a:t> </a:t>
+            </a:r>
+            <a:r>
+              <a:rPr lang="fr-FR" dirty="0" err="1"/>
+              <a:t>noticed</a:t>
+            </a:r>
+            <a:r>
+              <a:rPr lang="fr-FR" dirty="0"/>
+              <a:t> </a:t>
+            </a:r>
+            <a:r>
+              <a:rPr lang="fr-FR" dirty="0" err="1"/>
+              <a:t>that</a:t>
+            </a:r>
+            <a:r>
+              <a:rPr lang="fr-FR" dirty="0"/>
+              <a:t> clustering </a:t>
+            </a:r>
+            <a:r>
+              <a:rPr lang="fr-FR" dirty="0" err="1"/>
+              <a:t>is</a:t>
+            </a:r>
+            <a:r>
+              <a:rPr lang="fr-FR" dirty="0"/>
+              <a:t> </a:t>
+            </a:r>
+            <a:r>
+              <a:rPr lang="fr-FR" dirty="0" err="1"/>
+              <a:t>better</a:t>
+            </a:r>
+            <a:r>
+              <a:rPr lang="fr-FR" dirty="0"/>
+              <a:t> </a:t>
+            </a:r>
+            <a:r>
+              <a:rPr lang="fr-FR" dirty="0" err="1"/>
+              <a:t>mathematically</a:t>
+            </a:r>
+            <a:r>
+              <a:rPr lang="fr-FR" dirty="0"/>
+              <a:t>, </a:t>
+            </a:r>
+            <a:r>
+              <a:rPr lang="fr-FR" dirty="0" err="1"/>
+              <a:t>when</a:t>
+            </a:r>
+            <a:r>
+              <a:rPr lang="fr-FR" dirty="0"/>
+              <a:t> the </a:t>
+            </a:r>
+            <a:r>
+              <a:rPr lang="fr-FR" dirty="0" err="1"/>
+              <a:t>features</a:t>
+            </a:r>
+            <a:r>
+              <a:rPr lang="fr-FR" dirty="0"/>
+              <a:t> </a:t>
+            </a:r>
+            <a:r>
+              <a:rPr lang="fr-FR" dirty="0" err="1"/>
+              <a:t>number</a:t>
+            </a:r>
+            <a:r>
+              <a:rPr lang="fr-FR" dirty="0"/>
+              <a:t> </a:t>
+            </a:r>
+            <a:r>
+              <a:rPr lang="fr-FR" dirty="0" err="1"/>
+              <a:t>is</a:t>
+            </a:r>
+            <a:r>
+              <a:rPr lang="fr-FR" dirty="0"/>
+              <a:t> as </a:t>
+            </a:r>
+            <a:r>
+              <a:rPr lang="fr-FR" dirty="0" err="1"/>
+              <a:t>llow</a:t>
+            </a:r>
+            <a:r>
+              <a:rPr lang="fr-FR" dirty="0"/>
+              <a:t> as possible. This </a:t>
+            </a:r>
+            <a:r>
+              <a:rPr lang="fr-FR" dirty="0" err="1"/>
+              <a:t>exploin</a:t>
+            </a:r>
+            <a:r>
+              <a:rPr lang="fr-FR" dirty="0"/>
+              <a:t> </a:t>
+            </a:r>
+            <a:r>
+              <a:rPr lang="fr-FR" dirty="0" err="1"/>
+              <a:t>why</a:t>
+            </a:r>
+            <a:r>
+              <a:rPr lang="fr-FR" dirty="0"/>
+              <a:t> PCA </a:t>
+            </a:r>
+            <a:r>
+              <a:rPr lang="fr-FR" dirty="0" err="1"/>
+              <a:t>is</a:t>
+            </a:r>
+            <a:r>
+              <a:rPr lang="fr-FR" dirty="0"/>
+              <a:t> </a:t>
+            </a:r>
+            <a:r>
+              <a:rPr lang="fr-FR" dirty="0" err="1"/>
+              <a:t>so</a:t>
+            </a:r>
+            <a:r>
+              <a:rPr lang="fr-FR" dirty="0"/>
+              <a:t> </a:t>
+            </a:r>
+            <a:r>
+              <a:rPr lang="fr-FR" dirty="0" err="1"/>
+              <a:t>valuable</a:t>
+            </a:r>
+            <a:r>
+              <a:rPr lang="fr-FR" dirty="0"/>
+              <a:t> </a:t>
+            </a:r>
+            <a:r>
+              <a:rPr lang="fr-FR" dirty="0" err="1"/>
+              <a:t>within</a:t>
+            </a:r>
+            <a:r>
+              <a:rPr lang="fr-FR" dirty="0"/>
+              <a:t> </a:t>
+            </a:r>
+            <a:r>
+              <a:rPr lang="fr-FR" dirty="0" err="1"/>
+              <a:t>such</a:t>
+            </a:r>
+            <a:r>
+              <a:rPr lang="fr-FR" dirty="0"/>
+              <a:t> </a:t>
+            </a:r>
+            <a:r>
+              <a:rPr lang="fr-FR" dirty="0" err="1"/>
+              <a:t>approach</a:t>
+            </a:r>
+            <a:endParaRPr lang="fr-FR" dirty="0"/>
+          </a:p>
+          <a:p>
+            <a:endParaRPr lang="fr-FR" dirty="0"/>
+          </a:p>
+        </p:txBody>
+      </p:sp>
+    </p:spTree>
+    <p:extLst>
+      <p:ext uri="{BB962C8B-B14F-4D97-AF65-F5344CB8AC3E}">
+        <p14:creationId xmlns:p14="http://schemas.microsoft.com/office/powerpoint/2010/main" val="2195037782"/>
+      </p:ext>
+    </p:extLst>
+  </p:cSld>
+  <p:clrMapOvr>
+    <a:masterClrMapping/>
+  </p:clrMapOvr>
+</p:sld>
+</file>
+
+<file path=ppt/slides/slide12.xml><?xml version="1.0" encoding="utf-8"?>
+<p:sld xmlns:a="http://schemas.openxmlformats.org/drawingml/2006/main" xmlns:r="http://schemas.openxmlformats.org/officeDocument/2006/relationships" xmlns:p="http://schemas.openxmlformats.org/presentationml/2006/main">
+  <p:cSld>
+    <p:spTree>
+      <p:nvGrpSpPr>
+        <p:cNvPr id="1" name=""/>
+        <p:cNvGrpSpPr/>
+        <p:nvPr/>
+      </p:nvGrpSpPr>
+      <p:grpSpPr>
+        <a:xfrm>
+          <a:off x="0" y="0"/>
+          <a:ext cx="0" cy="0"/>
+          <a:chOff x="0" y="0"/>
+          <a:chExt cx="0" cy="0"/>
+        </a:xfrm>
+      </p:grpSpPr>
+      <p:sp>
+        <p:nvSpPr>
+          <p:cNvPr id="2" name="Titre 1">
+            <a:extLst>
+              <a:ext uri="{FF2B5EF4-FFF2-40B4-BE49-F238E27FC236}">
                 <a16:creationId xmlns:a16="http://schemas.microsoft.com/office/drawing/2014/main" id="{6A410FCF-FA8C-4BA5-90F8-6B6999415508}"/>
               </a:ext>
             </a:extLst>
@@ -8286,7 +9911,7 @@
 </p:sld>
 </file>
 
-<file path=ppt/slides/slide12.xml><?xml version="1.0" encoding="utf-8"?>
+<file path=ppt/slides/slide13.xml><?xml version="1.0" encoding="utf-8"?>
 <p:sld xmlns:a="http://schemas.openxmlformats.org/drawingml/2006/main" xmlns:r="http://schemas.openxmlformats.org/officeDocument/2006/relationships" xmlns:p="http://schemas.openxmlformats.org/presentationml/2006/main">
   <p:cSld>
     <p:spTree>
@@ -9147,7 +10772,7 @@
 </p:sld>
 </file>
 
-<file path=ppt/slides/slide13.xml><?xml version="1.0" encoding="utf-8"?>
+<file path=ppt/slides/slide14.xml><?xml version="1.0" encoding="utf-8"?>
 <p:sld xmlns:a="http://schemas.openxmlformats.org/drawingml/2006/main" xmlns:r="http://schemas.openxmlformats.org/officeDocument/2006/relationships" xmlns:p="http://schemas.openxmlformats.org/presentationml/2006/main">
   <p:cSld>
     <p:spTree>
@@ -9329,7 +10954,7 @@
 </p:sld>
 </file>
 
-<file path=ppt/slides/slide14.xml><?xml version="1.0" encoding="utf-8"?>
+<file path=ppt/slides/slide15.xml><?xml version="1.0" encoding="utf-8"?>
 <p:sld xmlns:a="http://schemas.openxmlformats.org/drawingml/2006/main" xmlns:r="http://schemas.openxmlformats.org/officeDocument/2006/relationships" xmlns:p="http://schemas.openxmlformats.org/presentationml/2006/main">
   <p:cSld>
     <p:spTree>
@@ -9439,7 +11064,7 @@
 </p:sld>
 </file>
 
-<file path=ppt/slides/slide15.xml><?xml version="1.0" encoding="utf-8"?>
+<file path=ppt/slides/slide16.xml><?xml version="1.0" encoding="utf-8"?>
 <p:sld xmlns:a="http://schemas.openxmlformats.org/drawingml/2006/main" xmlns:r="http://schemas.openxmlformats.org/officeDocument/2006/relationships" xmlns:p="http://schemas.openxmlformats.org/presentationml/2006/main">
   <p:cSld>
     <p:spTree>
@@ -10097,7 +11722,7 @@
 </p:sld>
 </file>
 
-<file path=ppt/slides/slide16.xml><?xml version="1.0" encoding="utf-8"?>
+<file path=ppt/slides/slide17.xml><?xml version="1.0" encoding="utf-8"?>
 <p:sld xmlns:a="http://schemas.openxmlformats.org/drawingml/2006/main" xmlns:r="http://schemas.openxmlformats.org/officeDocument/2006/relationships" xmlns:p="http://schemas.openxmlformats.org/presentationml/2006/main">
   <p:cSld>
     <p:spTree>
@@ -10237,7 +11862,7 @@
 </p:sld>
 </file>
 
-<file path=ppt/slides/slide17.xml><?xml version="1.0" encoding="utf-8"?>
+<file path=ppt/slides/slide18.xml><?xml version="1.0" encoding="utf-8"?>
 <p:sld xmlns:a="http://schemas.openxmlformats.org/drawingml/2006/main" xmlns:r="http://schemas.openxmlformats.org/officeDocument/2006/relationships" xmlns:p="http://schemas.openxmlformats.org/presentationml/2006/main">
   <p:cSld>
     <p:spTree>
@@ -11364,7 +12989,7 @@
           <p:nvPr/>
         </p:nvPicPr>
         <p:blipFill>
-          <a:blip r:embed="rId2"/>
+          <a:blip r:embed="rId3"/>
           <a:stretch>
             <a:fillRect/>
           </a:stretch>
@@ -11788,7 +13413,7 @@
         </p:nvSpPr>
         <p:spPr>
           <a:xfrm>
-            <a:off x="-28689" y="4992070"/>
+            <a:off x="-23218" y="4888909"/>
             <a:ext cx="5898588" cy="1971709"/>
           </a:xfrm>
           <a:prstGeom prst="rect">
@@ -12917,7 +14542,7 @@
           <p:nvPr/>
         </p:nvPicPr>
         <p:blipFill>
-          <a:blip r:embed="rId3"/>
+          <a:blip r:embed="rId4"/>
           <a:stretch>
             <a:fillRect/>
           </a:stretch>
@@ -13464,7 +15089,7 @@
         </p:nvSpPr>
         <p:spPr>
           <a:xfrm>
-            <a:off x="0" y="2089648"/>
+            <a:off x="0" y="2019309"/>
             <a:ext cx="11414615" cy="4657169"/>
           </a:xfrm>
           <a:prstGeom prst="rect">
@@ -13735,7 +15360,7 @@
             </a:r>
             <a:r>
               <a:rPr lang="fr-FR" dirty="0"/>
-              <a:t>, </a:t>
+              <a:t>,</a:t>
             </a:r>
           </a:p>
           <a:p>
@@ -13746,10 +15371,10 @@
             </a:r>
             <a:r>
               <a:rPr lang="fr-FR" dirty="0"/>
-              <a:t> description (of </a:t>
-            </a:r>
-            <a:r>
-              <a:rPr lang="fr-FR" dirty="0" err="1"/>
+              <a:t> description (but of </a:t>
+            </a:r>
+            <a:r>
+              <a:rPr lang="fr-FR" b="1" i="1" dirty="0" err="1"/>
               <a:t>unnamed</a:t>
             </a:r>
             <a:r>
@@ -14091,19 +15716,19 @@
             </a:r>
             <a:r>
               <a:rPr lang="fr-FR" i="1" dirty="0"/>
-              <a:t> size &amp; </a:t>
+              <a:t> </a:t>
+            </a:r>
+            <a:r>
+              <a:rPr lang="fr-FR" i="1" dirty="0" err="1"/>
+              <a:t>caracteristics</a:t>
+            </a:r>
+            <a:r>
+              <a:rPr lang="fr-FR" i="1" dirty="0"/>
+              <a:t> : size, </a:t>
             </a:r>
             <a:r>
               <a:rPr lang="fr-FR" i="1" dirty="0" err="1"/>
               <a:t>weight</a:t>
-            </a:r>
-            <a:r>
-              <a:rPr lang="fr-FR" i="1" dirty="0"/>
-              <a:t> </a:t>
-            </a:r>
-            <a:r>
-              <a:rPr lang="fr-FR" i="1" dirty="0" err="1"/>
-              <a:t>caracteristics</a:t>
             </a:r>
             <a:r>
               <a:rPr lang="fr-FR" i="1" dirty="0"/>
@@ -14385,6 +16010,877 @@
 </file>
 
 <file path=ppt/slides/slide4.xml><?xml version="1.0" encoding="utf-8"?>
+<p:sld xmlns:a="http://schemas.openxmlformats.org/drawingml/2006/main" xmlns:r="http://schemas.openxmlformats.org/officeDocument/2006/relationships" xmlns:p="http://schemas.openxmlformats.org/presentationml/2006/main">
+  <p:cSld>
+    <p:spTree>
+      <p:nvGrpSpPr>
+        <p:cNvPr id="1" name=""/>
+        <p:cNvGrpSpPr/>
+        <p:nvPr/>
+      </p:nvGrpSpPr>
+      <p:grpSpPr>
+        <a:xfrm>
+          <a:off x="0" y="0"/>
+          <a:ext cx="0" cy="0"/>
+          <a:chOff x="0" y="0"/>
+          <a:chExt cx="0" cy="0"/>
+        </a:xfrm>
+      </p:grpSpPr>
+      <p:sp>
+        <p:nvSpPr>
+          <p:cNvPr id="2" name="Titre 1">
+            <a:extLst>
+              <a:ext uri="{FF2B5EF4-FFF2-40B4-BE49-F238E27FC236}">
+                <a16:creationId xmlns:a16="http://schemas.microsoft.com/office/drawing/2014/main" id="{5B213641-03BC-4BCF-8FC0-90E539C2C04A}"/>
+              </a:ext>
+            </a:extLst>
+          </p:cNvPr>
+          <p:cNvSpPr>
+            <a:spLocks noGrp="1"/>
+          </p:cNvSpPr>
+          <p:nvPr>
+            <p:ph type="title"/>
+          </p:nvPr>
+        </p:nvSpPr>
+        <p:spPr/>
+        <p:txBody>
+          <a:bodyPr/>
+          <a:lstStyle/>
+          <a:p>
+            <a:endParaRPr lang="en-US" dirty="0"/>
+          </a:p>
+        </p:txBody>
+      </p:sp>
+      <p:graphicFrame>
+        <p:nvGraphicFramePr>
+          <p:cNvPr id="4" name="Tableau 4">
+            <a:extLst>
+              <a:ext uri="{FF2B5EF4-FFF2-40B4-BE49-F238E27FC236}">
+                <a16:creationId xmlns:a16="http://schemas.microsoft.com/office/drawing/2014/main" id="{95E07ECF-0547-4F63-8ED9-F861FFF8999C}"/>
+              </a:ext>
+            </a:extLst>
+          </p:cNvPr>
+          <p:cNvGraphicFramePr>
+            <a:graphicFrameLocks noGrp="1"/>
+          </p:cNvGraphicFramePr>
+          <p:nvPr>
+            <p:ph idx="1"/>
+            <p:extLst>
+              <p:ext uri="{D42A27DB-BD31-4B8C-83A1-F6EECF244321}">
+                <p14:modId xmlns:p14="http://schemas.microsoft.com/office/powerpoint/2010/main" val="1257412603"/>
+              </p:ext>
+            </p:extLst>
+          </p:nvPr>
+        </p:nvGraphicFramePr>
+        <p:xfrm>
+          <a:off x="3774548" y="5131293"/>
+          <a:ext cx="6332220" cy="736600"/>
+        </p:xfrm>
+        <a:graphic>
+          <a:graphicData uri="http://schemas.openxmlformats.org/drawingml/2006/table">
+            <a:tbl>
+              <a:tblPr firstRow="1" bandRow="1">
+                <a:tableStyleId>{5C22544A-7EE6-4342-B048-85BDC9FD1C3A}</a:tableStyleId>
+              </a:tblPr>
+              <a:tblGrid>
+                <a:gridCol w="2110740">
+                  <a:extLst>
+                    <a:ext uri="{9D8B030D-6E8A-4147-A177-3AD203B41FA5}">
+                      <a16:colId xmlns:a16="http://schemas.microsoft.com/office/drawing/2014/main" val="986564437"/>
+                    </a:ext>
+                  </a:extLst>
+                </a:gridCol>
+                <a:gridCol w="2110740">
+                  <a:extLst>
+                    <a:ext uri="{9D8B030D-6E8A-4147-A177-3AD203B41FA5}">
+                      <a16:colId xmlns:a16="http://schemas.microsoft.com/office/drawing/2014/main" val="3863368721"/>
+                    </a:ext>
+                  </a:extLst>
+                </a:gridCol>
+                <a:gridCol w="2110740">
+                  <a:extLst>
+                    <a:ext uri="{9D8B030D-6E8A-4147-A177-3AD203B41FA5}">
+                      <a16:colId xmlns:a16="http://schemas.microsoft.com/office/drawing/2014/main" val="1685147987"/>
+                    </a:ext>
+                  </a:extLst>
+                </a:gridCol>
+              </a:tblGrid>
+              <a:tr h="365044">
+                <a:tc>
+                  <a:txBody>
+                    <a:bodyPr/>
+                    <a:lstStyle/>
+                    <a:p>
+                      <a:r>
+                        <a:rPr lang="fr-FR" dirty="0"/>
+                        <a:t>Native a</a:t>
+                      </a:r>
+                      <a:endParaRPr lang="en-US" dirty="0"/>
+                    </a:p>
+                  </a:txBody>
+                  <a:tcPr/>
+                </a:tc>
+                <a:tc>
+                  <a:txBody>
+                    <a:bodyPr/>
+                    <a:lstStyle/>
+                    <a:p>
+                      <a:r>
+                        <a:rPr lang="fr-FR" dirty="0"/>
+                        <a:t>Native b</a:t>
+                      </a:r>
+                      <a:endParaRPr lang="en-US" dirty="0"/>
+                    </a:p>
+                  </a:txBody>
+                  <a:tcPr/>
+                </a:tc>
+                <a:tc>
+                  <a:txBody>
+                    <a:bodyPr/>
+                    <a:lstStyle/>
+                    <a:p>
+                      <a:r>
+                        <a:rPr lang="fr-FR" dirty="0"/>
+                        <a:t>…</a:t>
+                      </a:r>
+                      <a:endParaRPr lang="en-US" dirty="0"/>
+                    </a:p>
+                  </a:txBody>
+                  <a:tcPr/>
+                </a:tc>
+                <a:extLst>
+                  <a:ext uri="{0D108BD9-81ED-4DB2-BD59-A6C34878D82A}">
+                    <a16:rowId xmlns:a16="http://schemas.microsoft.com/office/drawing/2014/main" val="4286763339"/>
+                  </a:ext>
+                </a:extLst>
+              </a:tr>
+              <a:tr h="370840">
+                <a:tc>
+                  <a:txBody>
+                    <a:bodyPr/>
+                    <a:lstStyle/>
+                    <a:p>
+                      <a:endParaRPr lang="en-US"/>
+                    </a:p>
+                  </a:txBody>
+                  <a:tcPr/>
+                </a:tc>
+                <a:tc>
+                  <a:txBody>
+                    <a:bodyPr/>
+                    <a:lstStyle/>
+                    <a:p>
+                      <a:endParaRPr lang="en-US"/>
+                    </a:p>
+                  </a:txBody>
+                  <a:tcPr/>
+                </a:tc>
+                <a:tc>
+                  <a:txBody>
+                    <a:bodyPr/>
+                    <a:lstStyle/>
+                    <a:p>
+                      <a:endParaRPr lang="en-US" dirty="0"/>
+                    </a:p>
+                  </a:txBody>
+                  <a:tcPr/>
+                </a:tc>
+                <a:extLst>
+                  <a:ext uri="{0D108BD9-81ED-4DB2-BD59-A6C34878D82A}">
+                    <a16:rowId xmlns:a16="http://schemas.microsoft.com/office/drawing/2014/main" val="293109632"/>
+                  </a:ext>
+                </a:extLst>
+              </a:tr>
+            </a:tbl>
+          </a:graphicData>
+        </a:graphic>
+      </p:graphicFrame>
+      <p:graphicFrame>
+        <p:nvGraphicFramePr>
+          <p:cNvPr id="5" name="Tableau 4">
+            <a:extLst>
+              <a:ext uri="{FF2B5EF4-FFF2-40B4-BE49-F238E27FC236}">
+                <a16:creationId xmlns:a16="http://schemas.microsoft.com/office/drawing/2014/main" id="{77F0F229-8AD9-4137-9D0D-E287CDAF23F1}"/>
+              </a:ext>
+            </a:extLst>
+          </p:cNvPr>
+          <p:cNvGraphicFramePr>
+            <a:graphicFrameLocks/>
+          </p:cNvGraphicFramePr>
+          <p:nvPr>
+            <p:extLst>
+              <p:ext uri="{D42A27DB-BD31-4B8C-83A1-F6EECF244321}">
+                <p14:modId xmlns:p14="http://schemas.microsoft.com/office/powerpoint/2010/main" val="1864851578"/>
+              </p:ext>
+            </p:extLst>
+          </p:nvPr>
+        </p:nvGraphicFramePr>
+        <p:xfrm>
+          <a:off x="735607" y="3740580"/>
+          <a:ext cx="10553700" cy="741680"/>
+        </p:xfrm>
+        <a:graphic>
+          <a:graphicData uri="http://schemas.openxmlformats.org/drawingml/2006/table">
+            <a:tbl>
+              <a:tblPr firstRow="1" bandRow="1">
+                <a:tableStyleId>{5C22544A-7EE6-4342-B048-85BDC9FD1C3A}</a:tableStyleId>
+              </a:tblPr>
+              <a:tblGrid>
+                <a:gridCol w="2110740">
+                  <a:extLst>
+                    <a:ext uri="{9D8B030D-6E8A-4147-A177-3AD203B41FA5}">
+                      <a16:colId xmlns:a16="http://schemas.microsoft.com/office/drawing/2014/main" val="986564437"/>
+                    </a:ext>
+                  </a:extLst>
+                </a:gridCol>
+                <a:gridCol w="2110740">
+                  <a:extLst>
+                    <a:ext uri="{9D8B030D-6E8A-4147-A177-3AD203B41FA5}">
+                      <a16:colId xmlns:a16="http://schemas.microsoft.com/office/drawing/2014/main" val="3863368721"/>
+                    </a:ext>
+                  </a:extLst>
+                </a:gridCol>
+                <a:gridCol w="2110740">
+                  <a:extLst>
+                    <a:ext uri="{9D8B030D-6E8A-4147-A177-3AD203B41FA5}">
+                      <a16:colId xmlns:a16="http://schemas.microsoft.com/office/drawing/2014/main" val="1685147987"/>
+                    </a:ext>
+                  </a:extLst>
+                </a:gridCol>
+                <a:gridCol w="2110740">
+                  <a:extLst>
+                    <a:ext uri="{9D8B030D-6E8A-4147-A177-3AD203B41FA5}">
+                      <a16:colId xmlns:a16="http://schemas.microsoft.com/office/drawing/2014/main" val="1301517919"/>
+                    </a:ext>
+                  </a:extLst>
+                </a:gridCol>
+                <a:gridCol w="2110740">
+                  <a:extLst>
+                    <a:ext uri="{9D8B030D-6E8A-4147-A177-3AD203B41FA5}">
+                      <a16:colId xmlns:a16="http://schemas.microsoft.com/office/drawing/2014/main" val="2499418534"/>
+                    </a:ext>
+                  </a:extLst>
+                </a:gridCol>
+              </a:tblGrid>
+              <a:tr h="370840">
+                <a:tc>
+                  <a:txBody>
+                    <a:bodyPr/>
+                    <a:lstStyle/>
+                    <a:p>
+                      <a:r>
+                        <a:rPr lang="fr-FR" dirty="0"/>
+                        <a:t>Native x</a:t>
+                      </a:r>
+                      <a:endParaRPr lang="en-US" dirty="0"/>
+                    </a:p>
+                  </a:txBody>
+                  <a:tcPr/>
+                </a:tc>
+                <a:tc>
+                  <a:txBody>
+                    <a:bodyPr/>
+                    <a:lstStyle/>
+                    <a:p>
+                      <a:pPr marL="0" marR="0" lvl="0" indent="0" algn="l" defTabSz="457200" rtl="0" eaLnBrk="1" fontAlgn="auto" latinLnBrk="0" hangingPunct="1">
+                        <a:lnSpc>
+                          <a:spcPct val="100000"/>
+                        </a:lnSpc>
+                        <a:spcBef>
+                          <a:spcPts val="0"/>
+                        </a:spcBef>
+                        <a:spcAft>
+                          <a:spcPts val="0"/>
+                        </a:spcAft>
+                        <a:buClrTx/>
+                        <a:buSzTx/>
+                        <a:buFontTx/>
+                        <a:buNone/>
+                        <a:tabLst/>
+                        <a:defRPr/>
+                      </a:pPr>
+                      <a:r>
+                        <a:rPr lang="fr-FR" dirty="0"/>
+                        <a:t>Native y</a:t>
+                      </a:r>
+                      <a:endParaRPr lang="en-US" dirty="0"/>
+                    </a:p>
+                  </a:txBody>
+                  <a:tcPr/>
+                </a:tc>
+                <a:tc>
+                  <a:txBody>
+                    <a:bodyPr/>
+                    <a:lstStyle/>
+                    <a:p>
+                      <a:r>
+                        <a:rPr lang="fr-FR" dirty="0"/>
+                        <a:t>…</a:t>
+                      </a:r>
+                      <a:endParaRPr lang="en-US" dirty="0"/>
+                    </a:p>
+                  </a:txBody>
+                  <a:tcPr/>
+                </a:tc>
+                <a:tc>
+                  <a:txBody>
+                    <a:bodyPr/>
+                    <a:lstStyle/>
+                    <a:p>
+                      <a:r>
+                        <a:rPr lang="fr-FR" dirty="0"/>
+                        <a:t>New : </a:t>
+                      </a:r>
+                      <a:r>
+                        <a:rPr lang="fr-FR" dirty="0" err="1"/>
+                        <a:t>Sum</a:t>
+                      </a:r>
+                      <a:r>
+                        <a:rPr lang="fr-FR" dirty="0"/>
+                        <a:t> (a)</a:t>
+                      </a:r>
+                      <a:endParaRPr lang="en-US" dirty="0"/>
+                    </a:p>
+                  </a:txBody>
+                  <a:tcPr/>
+                </a:tc>
+                <a:tc>
+                  <a:txBody>
+                    <a:bodyPr/>
+                    <a:lstStyle/>
+                    <a:p>
+                      <a:r>
+                        <a:rPr lang="fr-FR" dirty="0"/>
+                        <a:t>New : </a:t>
+                      </a:r>
+                      <a:r>
+                        <a:rPr lang="fr-FR" dirty="0" err="1"/>
+                        <a:t>Mean</a:t>
+                      </a:r>
+                      <a:r>
+                        <a:rPr lang="fr-FR" dirty="0"/>
+                        <a:t> (b)</a:t>
+                      </a:r>
+                      <a:endParaRPr lang="en-US" dirty="0"/>
+                    </a:p>
+                  </a:txBody>
+                  <a:tcPr/>
+                </a:tc>
+                <a:extLst>
+                  <a:ext uri="{0D108BD9-81ED-4DB2-BD59-A6C34878D82A}">
+                    <a16:rowId xmlns:a16="http://schemas.microsoft.com/office/drawing/2014/main" val="4286763339"/>
+                  </a:ext>
+                </a:extLst>
+              </a:tr>
+              <a:tr h="370840">
+                <a:tc>
+                  <a:txBody>
+                    <a:bodyPr/>
+                    <a:lstStyle/>
+                    <a:p>
+                      <a:endParaRPr lang="en-US"/>
+                    </a:p>
+                  </a:txBody>
+                  <a:tcPr/>
+                </a:tc>
+                <a:tc>
+                  <a:txBody>
+                    <a:bodyPr/>
+                    <a:lstStyle/>
+                    <a:p>
+                      <a:endParaRPr lang="en-US"/>
+                    </a:p>
+                  </a:txBody>
+                  <a:tcPr/>
+                </a:tc>
+                <a:tc>
+                  <a:txBody>
+                    <a:bodyPr/>
+                    <a:lstStyle/>
+                    <a:p>
+                      <a:endParaRPr lang="en-US"/>
+                    </a:p>
+                  </a:txBody>
+                  <a:tcPr/>
+                </a:tc>
+                <a:tc>
+                  <a:txBody>
+                    <a:bodyPr/>
+                    <a:lstStyle/>
+                    <a:p>
+                      <a:endParaRPr lang="en-US"/>
+                    </a:p>
+                  </a:txBody>
+                  <a:tcPr/>
+                </a:tc>
+                <a:tc>
+                  <a:txBody>
+                    <a:bodyPr/>
+                    <a:lstStyle/>
+                    <a:p>
+                      <a:endParaRPr lang="en-US" dirty="0"/>
+                    </a:p>
+                  </a:txBody>
+                  <a:tcPr/>
+                </a:tc>
+                <a:extLst>
+                  <a:ext uri="{0D108BD9-81ED-4DB2-BD59-A6C34878D82A}">
+                    <a16:rowId xmlns:a16="http://schemas.microsoft.com/office/drawing/2014/main" val="293109632"/>
+                  </a:ext>
+                </a:extLst>
+              </a:tr>
+            </a:tbl>
+          </a:graphicData>
+        </a:graphic>
+      </p:graphicFrame>
+      <p:cxnSp>
+        <p:nvCxnSpPr>
+          <p:cNvPr id="7" name="Connecteur : en angle 6">
+            <a:extLst>
+              <a:ext uri="{FF2B5EF4-FFF2-40B4-BE49-F238E27FC236}">
+                <a16:creationId xmlns:a16="http://schemas.microsoft.com/office/drawing/2014/main" id="{F2BAFBFF-3B25-49F0-89D6-46F0540FE8B9}"/>
+              </a:ext>
+            </a:extLst>
+          </p:cNvPr>
+          <p:cNvCxnSpPr>
+            <a:cxnSpLocks/>
+            <a:stCxn id="4" idx="3"/>
+            <a:endCxn id="5" idx="3"/>
+          </p:cNvCxnSpPr>
+          <p:nvPr/>
+        </p:nvCxnSpPr>
+        <p:spPr>
+          <a:xfrm flipV="1">
+            <a:off x="10106768" y="4111420"/>
+            <a:ext cx="1182539" cy="1388173"/>
+          </a:xfrm>
+          <a:prstGeom prst="bentConnector3">
+            <a:avLst>
+              <a:gd name="adj1" fmla="val 119331"/>
+            </a:avLst>
+          </a:prstGeom>
+          <a:ln>
+            <a:tailEnd type="triangle"/>
+          </a:ln>
+        </p:spPr>
+        <p:style>
+          <a:lnRef idx="1">
+            <a:schemeClr val="accent1"/>
+          </a:lnRef>
+          <a:fillRef idx="0">
+            <a:schemeClr val="accent1"/>
+          </a:fillRef>
+          <a:effectRef idx="0">
+            <a:schemeClr val="accent1"/>
+          </a:effectRef>
+          <a:fontRef idx="minor">
+            <a:schemeClr val="tx1"/>
+          </a:fontRef>
+        </p:style>
+      </p:cxnSp>
+      <p:sp>
+        <p:nvSpPr>
+          <p:cNvPr id="10" name="ZoneTexte 9">
+            <a:extLst>
+              <a:ext uri="{FF2B5EF4-FFF2-40B4-BE49-F238E27FC236}">
+                <a16:creationId xmlns:a16="http://schemas.microsoft.com/office/drawing/2014/main" id="{A8FB4124-3311-4176-A305-7E70A7BCC0D1}"/>
+              </a:ext>
+            </a:extLst>
+          </p:cNvPr>
+          <p:cNvSpPr txBox="1"/>
+          <p:nvPr/>
+        </p:nvSpPr>
+        <p:spPr>
+          <a:xfrm>
+            <a:off x="5725231" y="4761961"/>
+            <a:ext cx="540533" cy="261610"/>
+          </a:xfrm>
+          <a:prstGeom prst="rect">
+            <a:avLst/>
+          </a:prstGeom>
+          <a:noFill/>
+        </p:spPr>
+        <p:txBody>
+          <a:bodyPr wrap="none" rtlCol="0">
+            <a:spAutoFit/>
+          </a:bodyPr>
+          <a:lstStyle/>
+          <a:p>
+            <a:r>
+              <a:rPr lang="fr-FR" sz="1050" dirty="0"/>
+              <a:t>items</a:t>
+            </a:r>
+            <a:endParaRPr lang="en-US" sz="1050" dirty="0"/>
+          </a:p>
+        </p:txBody>
+      </p:sp>
+      <p:sp>
+        <p:nvSpPr>
+          <p:cNvPr id="11" name="ZoneTexte 10">
+            <a:extLst>
+              <a:ext uri="{FF2B5EF4-FFF2-40B4-BE49-F238E27FC236}">
+                <a16:creationId xmlns:a16="http://schemas.microsoft.com/office/drawing/2014/main" id="{3788934E-ABF7-4ADA-B1B6-6AC3FCDDA10D}"/>
+              </a:ext>
+            </a:extLst>
+          </p:cNvPr>
+          <p:cNvSpPr txBox="1"/>
+          <p:nvPr/>
+        </p:nvSpPr>
+        <p:spPr>
+          <a:xfrm>
+            <a:off x="3774548" y="3371248"/>
+            <a:ext cx="603050" cy="261610"/>
+          </a:xfrm>
+          <a:prstGeom prst="rect">
+            <a:avLst/>
+          </a:prstGeom>
+          <a:noFill/>
+        </p:spPr>
+        <p:txBody>
+          <a:bodyPr wrap="none" rtlCol="0">
+            <a:spAutoFit/>
+          </a:bodyPr>
+          <a:lstStyle/>
+          <a:p>
+            <a:r>
+              <a:rPr lang="fr-FR" sz="1050" dirty="0" err="1"/>
+              <a:t>orders</a:t>
+            </a:r>
+            <a:endParaRPr lang="en-US" sz="1050" dirty="0"/>
+          </a:p>
+        </p:txBody>
+      </p:sp>
+      <p:graphicFrame>
+        <p:nvGraphicFramePr>
+          <p:cNvPr id="14" name="Tableau 4">
+            <a:extLst>
+              <a:ext uri="{FF2B5EF4-FFF2-40B4-BE49-F238E27FC236}">
+                <a16:creationId xmlns:a16="http://schemas.microsoft.com/office/drawing/2014/main" id="{43D5E7B0-BCD3-42DB-BD11-BEF43989D5E2}"/>
+              </a:ext>
+            </a:extLst>
+          </p:cNvPr>
+          <p:cNvGraphicFramePr>
+            <a:graphicFrameLocks/>
+          </p:cNvGraphicFramePr>
+          <p:nvPr>
+            <p:extLst>
+              <p:ext uri="{D42A27DB-BD31-4B8C-83A1-F6EECF244321}">
+                <p14:modId xmlns:p14="http://schemas.microsoft.com/office/powerpoint/2010/main" val="508781158"/>
+              </p:ext>
+            </p:extLst>
+          </p:nvPr>
+        </p:nvGraphicFramePr>
+        <p:xfrm>
+          <a:off x="267867" y="2088718"/>
+          <a:ext cx="8352348" cy="735884"/>
+        </p:xfrm>
+        <a:graphic>
+          <a:graphicData uri="http://schemas.openxmlformats.org/drawingml/2006/table">
+            <a:tbl>
+              <a:tblPr firstRow="1" bandRow="1">
+                <a:tableStyleId>{5C22544A-7EE6-4342-B048-85BDC9FD1C3A}</a:tableStyleId>
+              </a:tblPr>
+              <a:tblGrid>
+                <a:gridCol w="1392058">
+                  <a:extLst>
+                    <a:ext uri="{9D8B030D-6E8A-4147-A177-3AD203B41FA5}">
+                      <a16:colId xmlns:a16="http://schemas.microsoft.com/office/drawing/2014/main" val="986564437"/>
+                    </a:ext>
+                  </a:extLst>
+                </a:gridCol>
+                <a:gridCol w="1392058">
+                  <a:extLst>
+                    <a:ext uri="{9D8B030D-6E8A-4147-A177-3AD203B41FA5}">
+                      <a16:colId xmlns:a16="http://schemas.microsoft.com/office/drawing/2014/main" val="3863368721"/>
+                    </a:ext>
+                  </a:extLst>
+                </a:gridCol>
+                <a:gridCol w="1392058">
+                  <a:extLst>
+                    <a:ext uri="{9D8B030D-6E8A-4147-A177-3AD203B41FA5}">
+                      <a16:colId xmlns:a16="http://schemas.microsoft.com/office/drawing/2014/main" val="1685147987"/>
+                    </a:ext>
+                  </a:extLst>
+                </a:gridCol>
+                <a:gridCol w="1392058">
+                  <a:extLst>
+                    <a:ext uri="{9D8B030D-6E8A-4147-A177-3AD203B41FA5}">
+                      <a16:colId xmlns:a16="http://schemas.microsoft.com/office/drawing/2014/main" val="2839762012"/>
+                    </a:ext>
+                  </a:extLst>
+                </a:gridCol>
+                <a:gridCol w="1392058">
+                  <a:extLst>
+                    <a:ext uri="{9D8B030D-6E8A-4147-A177-3AD203B41FA5}">
+                      <a16:colId xmlns:a16="http://schemas.microsoft.com/office/drawing/2014/main" val="1696196187"/>
+                    </a:ext>
+                  </a:extLst>
+                </a:gridCol>
+                <a:gridCol w="1392058">
+                  <a:extLst>
+                    <a:ext uri="{9D8B030D-6E8A-4147-A177-3AD203B41FA5}">
+                      <a16:colId xmlns:a16="http://schemas.microsoft.com/office/drawing/2014/main" val="1800794898"/>
+                    </a:ext>
+                  </a:extLst>
+                </a:gridCol>
+              </a:tblGrid>
+              <a:tr h="365044">
+                <a:tc>
+                  <a:txBody>
+                    <a:bodyPr/>
+                    <a:lstStyle/>
+                    <a:p>
+                      <a:r>
+                        <a:rPr lang="fr-FR" sz="1100" dirty="0"/>
+                        <a:t>Native a</a:t>
+                      </a:r>
+                      <a:endParaRPr lang="en-US" sz="1100" dirty="0"/>
+                    </a:p>
+                  </a:txBody>
+                  <a:tcPr/>
+                </a:tc>
+                <a:tc>
+                  <a:txBody>
+                    <a:bodyPr/>
+                    <a:lstStyle/>
+                    <a:p>
+                      <a:r>
+                        <a:rPr lang="fr-FR" sz="1100" dirty="0"/>
+                        <a:t>Native b</a:t>
+                      </a:r>
+                      <a:endParaRPr lang="en-US" sz="1100" dirty="0"/>
+                    </a:p>
+                  </a:txBody>
+                  <a:tcPr/>
+                </a:tc>
+                <a:tc>
+                  <a:txBody>
+                    <a:bodyPr/>
+                    <a:lstStyle/>
+                    <a:p>
+                      <a:r>
+                        <a:rPr lang="fr-FR" sz="1100" dirty="0"/>
+                        <a:t>…</a:t>
+                      </a:r>
+                      <a:endParaRPr lang="en-US" sz="1100" dirty="0"/>
+                    </a:p>
+                  </a:txBody>
+                  <a:tcPr/>
+                </a:tc>
+                <a:tc>
+                  <a:txBody>
+                    <a:bodyPr/>
+                    <a:lstStyle/>
+                    <a:p>
+                      <a:r>
+                        <a:rPr lang="fr-FR" sz="1100" dirty="0"/>
+                        <a:t>New :</a:t>
+                      </a:r>
+                      <a:endParaRPr lang="en-US" sz="1100" dirty="0"/>
+                    </a:p>
+                  </a:txBody>
+                  <a:tcPr/>
+                </a:tc>
+                <a:tc>
+                  <a:txBody>
+                    <a:bodyPr/>
+                    <a:lstStyle/>
+                    <a:p>
+                      <a:r>
+                        <a:rPr lang="fr-FR" sz="1100" dirty="0"/>
+                        <a:t>New : </a:t>
+                      </a:r>
+                      <a:endParaRPr lang="en-US" sz="1100" dirty="0"/>
+                    </a:p>
+                  </a:txBody>
+                  <a:tcPr/>
+                </a:tc>
+                <a:tc>
+                  <a:txBody>
+                    <a:bodyPr/>
+                    <a:lstStyle/>
+                    <a:p>
+                      <a:r>
+                        <a:rPr lang="fr-FR" sz="1100" dirty="0"/>
+                        <a:t>New :</a:t>
+                      </a:r>
+                      <a:endParaRPr lang="en-US" sz="1100" dirty="0"/>
+                    </a:p>
+                  </a:txBody>
+                  <a:tcPr/>
+                </a:tc>
+                <a:extLst>
+                  <a:ext uri="{0D108BD9-81ED-4DB2-BD59-A6C34878D82A}">
+                    <a16:rowId xmlns:a16="http://schemas.microsoft.com/office/drawing/2014/main" val="4286763339"/>
+                  </a:ext>
+                </a:extLst>
+              </a:tr>
+              <a:tr h="370840">
+                <a:tc>
+                  <a:txBody>
+                    <a:bodyPr/>
+                    <a:lstStyle/>
+                    <a:p>
+                      <a:endParaRPr lang="en-US" sz="1100" dirty="0"/>
+                    </a:p>
+                  </a:txBody>
+                  <a:tcPr/>
+                </a:tc>
+                <a:tc>
+                  <a:txBody>
+                    <a:bodyPr/>
+                    <a:lstStyle/>
+                    <a:p>
+                      <a:endParaRPr lang="en-US" sz="1100" dirty="0"/>
+                    </a:p>
+                  </a:txBody>
+                  <a:tcPr/>
+                </a:tc>
+                <a:tc>
+                  <a:txBody>
+                    <a:bodyPr/>
+                    <a:lstStyle/>
+                    <a:p>
+                      <a:endParaRPr lang="en-US" sz="1100" dirty="0"/>
+                    </a:p>
+                  </a:txBody>
+                  <a:tcPr/>
+                </a:tc>
+                <a:tc>
+                  <a:txBody>
+                    <a:bodyPr/>
+                    <a:lstStyle/>
+                    <a:p>
+                      <a:endParaRPr lang="en-US" sz="1100" dirty="0"/>
+                    </a:p>
+                  </a:txBody>
+                  <a:tcPr/>
+                </a:tc>
+                <a:tc>
+                  <a:txBody>
+                    <a:bodyPr/>
+                    <a:lstStyle/>
+                    <a:p>
+                      <a:endParaRPr lang="en-US" sz="1100" dirty="0"/>
+                    </a:p>
+                  </a:txBody>
+                  <a:tcPr/>
+                </a:tc>
+                <a:tc>
+                  <a:txBody>
+                    <a:bodyPr/>
+                    <a:lstStyle/>
+                    <a:p>
+                      <a:endParaRPr lang="en-US" sz="1100" dirty="0"/>
+                    </a:p>
+                  </a:txBody>
+                  <a:tcPr/>
+                </a:tc>
+                <a:extLst>
+                  <a:ext uri="{0D108BD9-81ED-4DB2-BD59-A6C34878D82A}">
+                    <a16:rowId xmlns:a16="http://schemas.microsoft.com/office/drawing/2014/main" val="293109632"/>
+                  </a:ext>
+                </a:extLst>
+              </a:tr>
+            </a:tbl>
+          </a:graphicData>
+        </a:graphic>
+      </p:graphicFrame>
+      <p:sp>
+        <p:nvSpPr>
+          <p:cNvPr id="15" name="ZoneTexte 14">
+            <a:extLst>
+              <a:ext uri="{FF2B5EF4-FFF2-40B4-BE49-F238E27FC236}">
+                <a16:creationId xmlns:a16="http://schemas.microsoft.com/office/drawing/2014/main" id="{5D31E689-1B2D-4FB0-9D1C-CF10B873F7F2}"/>
+              </a:ext>
+            </a:extLst>
+          </p:cNvPr>
+          <p:cNvSpPr txBox="1"/>
+          <p:nvPr/>
+        </p:nvSpPr>
+        <p:spPr>
+          <a:xfrm>
+            <a:off x="2218552" y="1719386"/>
+            <a:ext cx="877163" cy="261610"/>
+          </a:xfrm>
+          <a:prstGeom prst="rect">
+            <a:avLst/>
+          </a:prstGeom>
+          <a:noFill/>
+        </p:spPr>
+        <p:txBody>
+          <a:bodyPr wrap="none" rtlCol="0">
+            <a:spAutoFit/>
+          </a:bodyPr>
+          <a:lstStyle/>
+          <a:p>
+            <a:r>
+              <a:rPr lang="fr-FR" sz="1050" dirty="0" err="1"/>
+              <a:t>customers</a:t>
+            </a:r>
+            <a:endParaRPr lang="en-US" sz="1050" dirty="0"/>
+          </a:p>
+        </p:txBody>
+      </p:sp>
+      <p:cxnSp>
+        <p:nvCxnSpPr>
+          <p:cNvPr id="16" name="Connecteur : en angle 15">
+            <a:extLst>
+              <a:ext uri="{FF2B5EF4-FFF2-40B4-BE49-F238E27FC236}">
+                <a16:creationId xmlns:a16="http://schemas.microsoft.com/office/drawing/2014/main" id="{6EAB540D-F8B7-410B-A182-50FFE94D9768}"/>
+              </a:ext>
+            </a:extLst>
+          </p:cNvPr>
+          <p:cNvCxnSpPr>
+            <a:cxnSpLocks/>
+            <a:stCxn id="5" idx="3"/>
+            <a:endCxn id="14" idx="3"/>
+          </p:cNvCxnSpPr>
+          <p:nvPr/>
+        </p:nvCxnSpPr>
+        <p:spPr>
+          <a:xfrm flipH="1" flipV="1">
+            <a:off x="8620215" y="2456660"/>
+            <a:ext cx="2669092" cy="1654760"/>
+          </a:xfrm>
+          <a:prstGeom prst="bentConnector3">
+            <a:avLst>
+              <a:gd name="adj1" fmla="val -8565"/>
+            </a:avLst>
+          </a:prstGeom>
+          <a:ln>
+            <a:tailEnd type="triangle"/>
+          </a:ln>
+        </p:spPr>
+        <p:style>
+          <a:lnRef idx="1">
+            <a:schemeClr val="accent1"/>
+          </a:lnRef>
+          <a:fillRef idx="0">
+            <a:schemeClr val="accent1"/>
+          </a:fillRef>
+          <a:effectRef idx="0">
+            <a:schemeClr val="accent1"/>
+          </a:effectRef>
+          <a:fontRef idx="minor">
+            <a:schemeClr val="tx1"/>
+          </a:fontRef>
+        </p:style>
+      </p:cxnSp>
+    </p:spTree>
+    <p:extLst>
+      <p:ext uri="{BB962C8B-B14F-4D97-AF65-F5344CB8AC3E}">
+        <p14:creationId xmlns:p14="http://schemas.microsoft.com/office/powerpoint/2010/main" val="1566927617"/>
+      </p:ext>
+    </p:extLst>
+  </p:cSld>
+  <p:clrMapOvr>
+    <a:masterClrMapping/>
+  </p:clrMapOvr>
+</p:sld>
+</file>
+
+<file path=ppt/slides/slide5.xml><?xml version="1.0" encoding="utf-8"?>
 <p:sld xmlns:a="http://schemas.openxmlformats.org/drawingml/2006/main" xmlns:r="http://schemas.openxmlformats.org/officeDocument/2006/relationships" xmlns:p="http://schemas.openxmlformats.org/presentationml/2006/main">
   <p:cSld>
     <p:spTree>
@@ -15108,8 +17604,8 @@
           </p:nvSpPr>
           <p:spPr>
             <a:xfrm>
-              <a:off x="5651316" y="5282048"/>
-              <a:ext cx="987771" cy="369332"/>
+              <a:off x="5600938" y="5019305"/>
+              <a:ext cx="1107996" cy="646331"/>
             </a:xfrm>
             <a:prstGeom prst="rect">
               <a:avLst/>
@@ -15121,6 +17617,12 @@
               <a:spAutoFit/>
             </a:bodyPr>
             <a:lstStyle/>
+            <a:p>
+              <a:r>
+                <a:rPr lang="fr-FR" b="1" dirty="0"/>
+                <a:t>Sellers &amp;</a:t>
+              </a:r>
+            </a:p>
             <a:p>
               <a:r>
                 <a:rPr lang="fr-FR" b="1" dirty="0" err="1"/>
@@ -15160,7 +17662,7 @@
           </p:blipFill>
           <p:spPr>
             <a:xfrm>
-              <a:off x="5806038" y="5621762"/>
+              <a:off x="5987726" y="5723842"/>
               <a:ext cx="663308" cy="632928"/>
             </a:xfrm>
             <a:prstGeom prst="rect">
@@ -15861,14 +18363,6 @@
             <a:p>
               <a:pPr algn="r"/>
               <a:r>
-                <a:rPr lang="en-US" sz="1400" i="1" dirty="0">
-                  <a:solidFill>
-                    <a:srgbClr val="FFC000"/>
-                  </a:solidFill>
-                </a:rPr>
-                <a:t>? </a:t>
-              </a:r>
-              <a:r>
                 <a:rPr lang="en-US" sz="1400" i="1" dirty="0" err="1">
                   <a:solidFill>
                     <a:srgbClr val="FFC000"/>
@@ -16165,6 +18659,22 @@
                     <a:srgbClr val="E8833A"/>
                   </a:solidFill>
                 </a:rPr>
+                <a:t>total_freight</a:t>
+              </a:r>
+              <a:endParaRPr lang="en-US" sz="1400" i="1" dirty="0">
+                <a:solidFill>
+                  <a:srgbClr val="E8833A"/>
+                </a:solidFill>
+              </a:endParaRPr>
+            </a:p>
+            <a:p>
+              <a:pPr algn="r"/>
+              <a:r>
+                <a:rPr lang="en-US" sz="1400" i="1" dirty="0" err="1">
+                  <a:solidFill>
+                    <a:srgbClr val="E8833A"/>
+                  </a:solidFill>
+                </a:rPr>
                 <a:t>items_qty</a:t>
               </a:r>
               <a:endParaRPr lang="en-US" sz="1400" i="1" dirty="0">
@@ -16198,22 +18708,6 @@
                   </a:solidFill>
                 </a:rPr>
                 <a:t>product_freight</a:t>
-              </a:r>
-              <a:endParaRPr lang="en-US" sz="1400" i="1" dirty="0">
-                <a:solidFill>
-                  <a:srgbClr val="E8833A"/>
-                </a:solidFill>
-              </a:endParaRPr>
-            </a:p>
-            <a:p>
-              <a:pPr algn="r"/>
-              <a:r>
-                <a:rPr lang="en-US" sz="1400" i="1" dirty="0" err="1">
-                  <a:solidFill>
-                    <a:srgbClr val="E8833A"/>
-                  </a:solidFill>
-                </a:rPr>
-                <a:t>total_freight</a:t>
               </a:r>
               <a:endParaRPr lang="en-US" sz="1400" i="1" dirty="0">
                 <a:solidFill>
@@ -16385,8 +18879,8 @@
         </p:nvSpPr>
         <p:spPr>
           <a:xfrm>
-            <a:off x="7845030" y="6470413"/>
-            <a:ext cx="4257897" cy="307777"/>
+            <a:off x="7223567" y="6509348"/>
+            <a:ext cx="4948791" cy="307777"/>
           </a:xfrm>
           <a:prstGeom prst="rect">
             <a:avLst/>
@@ -16401,11 +18895,19 @@
           <a:p>
             <a:r>
               <a:rPr lang="fr-FR" sz="1400" i="1" dirty="0"/>
-              <a:t>* : </a:t>
+              <a:t>* : can </a:t>
             </a:r>
             <a:r>
               <a:rPr lang="fr-FR" sz="1400" i="1" dirty="0" err="1"/>
-              <a:t>Also</a:t>
+              <a:t>also</a:t>
+            </a:r>
+            <a:r>
+              <a:rPr lang="fr-FR" sz="1400" i="1" dirty="0"/>
+              <a:t> </a:t>
+            </a:r>
+            <a:r>
+              <a:rPr lang="fr-FR" sz="1400" i="1" dirty="0" err="1"/>
+              <a:t>be</a:t>
             </a:r>
             <a:r>
               <a:rPr lang="fr-FR" sz="1400" i="1" dirty="0"/>
@@ -16493,7 +18995,7 @@
         </p:nvSpPr>
         <p:spPr>
           <a:xfrm>
-            <a:off x="9729325" y="2665628"/>
+            <a:off x="9538407" y="2666114"/>
             <a:ext cx="2474464" cy="276999"/>
           </a:xfrm>
           <a:prstGeom prst="rect">
@@ -16509,21 +19011,18 @@
           <a:p>
             <a:pPr algn="r"/>
             <a:r>
-              <a:rPr lang="en-US" sz="1200" i="1" dirty="0" err="1">
+              <a:rPr lang="fr-FR" sz="1200" i="1" dirty="0" err="1">
                 <a:solidFill>
                   <a:srgbClr val="FFC000"/>
                 </a:solidFill>
               </a:rPr>
-              <a:t>description_quality</a:t>
-            </a:r>
-            <a:r>
-              <a:rPr lang="en-US" sz="1200" i="1" dirty="0">
-                <a:solidFill>
-                  <a:srgbClr val="FFC000"/>
-                </a:solidFill>
-              </a:rPr>
-              <a:t>?</a:t>
-            </a:r>
+              <a:t>qlty_desc_index</a:t>
+            </a:r>
+            <a:endParaRPr lang="en-US" sz="1200" i="1" dirty="0">
+              <a:solidFill>
+                <a:srgbClr val="FFC000"/>
+              </a:solidFill>
+            </a:endParaRPr>
           </a:p>
         </p:txBody>
       </p:sp>
@@ -16541,7 +19040,7 @@
         </p:nvSpPr>
         <p:spPr>
           <a:xfrm>
-            <a:off x="10500571" y="3181078"/>
+            <a:off x="10460379" y="3201174"/>
             <a:ext cx="183005" cy="511202"/>
           </a:xfrm>
           <a:prstGeom prst="rightBrace">
@@ -16585,8 +19084,8 @@
         </p:nvSpPr>
         <p:spPr>
           <a:xfrm>
-            <a:off x="9794149" y="3283866"/>
-            <a:ext cx="1622534" cy="276999"/>
+            <a:off x="10618752" y="3326923"/>
+            <a:ext cx="1255496" cy="276999"/>
           </a:xfrm>
           <a:prstGeom prst="rect">
             <a:avLst/>
@@ -16602,7 +19101,7 @@
             <a:pPr algn="r"/>
             <a:r>
               <a:rPr lang="en-US" sz="1200" i="1" dirty="0"/>
-              <a:t>freight ?</a:t>
+              <a:t>freight related</a:t>
             </a:r>
           </a:p>
         </p:txBody>
@@ -16621,7 +19120,7 @@
         </p:nvSpPr>
         <p:spPr>
           <a:xfrm>
-            <a:off x="9217333" y="4286926"/>
+            <a:off x="9796511" y="4356682"/>
             <a:ext cx="1622534" cy="276999"/>
           </a:xfrm>
           <a:prstGeom prst="rect">
@@ -16638,43 +19137,7 @@
             <a:pPr algn="r"/>
             <a:r>
               <a:rPr lang="en-US" sz="1200" i="1" dirty="0"/>
-              <a:t>freight ?</a:t>
-            </a:r>
-          </a:p>
-        </p:txBody>
-      </p:sp>
-      <p:sp>
-        <p:nvSpPr>
-          <p:cNvPr id="48" name="ZoneTexte 47">
-            <a:extLst>
-              <a:ext uri="{FF2B5EF4-FFF2-40B4-BE49-F238E27FC236}">
-                <a16:creationId xmlns:a16="http://schemas.microsoft.com/office/drawing/2014/main" id="{35BC936F-959D-4F4E-910E-8E17E63B144F}"/>
-              </a:ext>
-            </a:extLst>
-          </p:cNvPr>
-          <p:cNvSpPr txBox="1"/>
-          <p:nvPr/>
-        </p:nvSpPr>
-        <p:spPr>
-          <a:xfrm>
-            <a:off x="-499444" y="3700861"/>
-            <a:ext cx="1622534" cy="276999"/>
-          </a:xfrm>
-          <a:prstGeom prst="rect">
-            <a:avLst/>
-          </a:prstGeom>
-          <a:noFill/>
-        </p:spPr>
-        <p:txBody>
-          <a:bodyPr wrap="square">
-            <a:spAutoFit/>
-          </a:bodyPr>
-          <a:lstStyle/>
-          <a:p>
-            <a:pPr algn="r"/>
-            <a:r>
-              <a:rPr lang="en-US" sz="1200" i="1" dirty="0"/>
-              <a:t>freight ?</a:t>
+              <a:t>freight related</a:t>
             </a:r>
           </a:p>
         </p:txBody>
@@ -16693,7 +19156,7 @@
         </p:nvSpPr>
         <p:spPr>
           <a:xfrm>
-            <a:off x="7940387" y="5644399"/>
+            <a:off x="8504050" y="5676227"/>
             <a:ext cx="1622534" cy="276999"/>
           </a:xfrm>
           <a:prstGeom prst="rect">
@@ -16710,8 +19173,281 @@
             <a:pPr algn="r"/>
             <a:r>
               <a:rPr lang="en-US" sz="1200" i="1" dirty="0"/>
-              <a:t>freight ?</a:t>
-            </a:r>
+              <a:t>freight related</a:t>
+            </a:r>
+          </a:p>
+        </p:txBody>
+      </p:sp>
+      <p:sp>
+        <p:nvSpPr>
+          <p:cNvPr id="50" name="Accolade fermante 49">
+            <a:extLst>
+              <a:ext uri="{FF2B5EF4-FFF2-40B4-BE49-F238E27FC236}">
+                <a16:creationId xmlns:a16="http://schemas.microsoft.com/office/drawing/2014/main" id="{903C37AE-FC3C-4B4D-90DD-815746970EB6}"/>
+              </a:ext>
+            </a:extLst>
+          </p:cNvPr>
+          <p:cNvSpPr/>
+          <p:nvPr/>
+        </p:nvSpPr>
+        <p:spPr>
+          <a:xfrm>
+            <a:off x="10090925" y="4804053"/>
+            <a:ext cx="183005" cy="511202"/>
+          </a:xfrm>
+          <a:prstGeom prst="rightBrace">
+            <a:avLst/>
+          </a:prstGeom>
+        </p:spPr>
+        <p:style>
+          <a:lnRef idx="1">
+            <a:schemeClr val="accent1"/>
+          </a:lnRef>
+          <a:fillRef idx="0">
+            <a:schemeClr val="accent1"/>
+          </a:fillRef>
+          <a:effectRef idx="0">
+            <a:schemeClr val="accent1"/>
+          </a:effectRef>
+          <a:fontRef idx="minor">
+            <a:schemeClr val="tx1"/>
+          </a:fontRef>
+        </p:style>
+        <p:txBody>
+          <a:bodyPr rtlCol="0" anchor="ctr"/>
+          <a:lstStyle/>
+          <a:p>
+            <a:pPr algn="ctr"/>
+            <a:endParaRPr lang="en-US"/>
+          </a:p>
+        </p:txBody>
+      </p:sp>
+      <p:sp>
+        <p:nvSpPr>
+          <p:cNvPr id="51" name="ZoneTexte 50">
+            <a:extLst>
+              <a:ext uri="{FF2B5EF4-FFF2-40B4-BE49-F238E27FC236}">
+                <a16:creationId xmlns:a16="http://schemas.microsoft.com/office/drawing/2014/main" id="{C607BC47-E51C-4AAD-8225-B96C3B49FCEF}"/>
+              </a:ext>
+            </a:extLst>
+          </p:cNvPr>
+          <p:cNvSpPr txBox="1"/>
+          <p:nvPr/>
+        </p:nvSpPr>
+        <p:spPr>
+          <a:xfrm>
+            <a:off x="9440033" y="4894762"/>
+            <a:ext cx="2474464" cy="276999"/>
+          </a:xfrm>
+          <a:prstGeom prst="rect">
+            <a:avLst/>
+          </a:prstGeom>
+          <a:noFill/>
+        </p:spPr>
+        <p:txBody>
+          <a:bodyPr wrap="square">
+            <a:spAutoFit/>
+          </a:bodyPr>
+          <a:lstStyle/>
+          <a:p>
+            <a:pPr algn="r"/>
+            <a:r>
+              <a:rPr lang="fr-FR" sz="1200" i="1" dirty="0">
+                <a:solidFill>
+                  <a:srgbClr val="E8833A"/>
+                </a:solidFill>
+              </a:rPr>
+              <a:t>of a single </a:t>
+            </a:r>
+            <a:r>
+              <a:rPr lang="fr-FR" sz="1200" i="1" dirty="0" err="1">
+                <a:solidFill>
+                  <a:srgbClr val="E8833A"/>
+                </a:solidFill>
+              </a:rPr>
+              <a:t>product</a:t>
+            </a:r>
+            <a:r>
+              <a:rPr lang="fr-FR" sz="1200" i="1" dirty="0">
+                <a:solidFill>
+                  <a:srgbClr val="E8833A"/>
+                </a:solidFill>
+              </a:rPr>
+              <a:t> !</a:t>
+            </a:r>
+            <a:endParaRPr lang="en-US" sz="1200" i="1" dirty="0">
+              <a:solidFill>
+                <a:srgbClr val="E8833A"/>
+              </a:solidFill>
+            </a:endParaRPr>
+          </a:p>
+        </p:txBody>
+      </p:sp>
+      <p:sp>
+        <p:nvSpPr>
+          <p:cNvPr id="53" name="Accolade fermante 52">
+            <a:extLst>
+              <a:ext uri="{FF2B5EF4-FFF2-40B4-BE49-F238E27FC236}">
+                <a16:creationId xmlns:a16="http://schemas.microsoft.com/office/drawing/2014/main" id="{E07E512C-F34E-4E4D-8B12-FA488EA27C30}"/>
+              </a:ext>
+            </a:extLst>
+          </p:cNvPr>
+          <p:cNvSpPr/>
+          <p:nvPr/>
+        </p:nvSpPr>
+        <p:spPr>
+          <a:xfrm>
+            <a:off x="10093016" y="4308324"/>
+            <a:ext cx="89737" cy="403264"/>
+          </a:xfrm>
+          <a:prstGeom prst="rightBrace">
+            <a:avLst/>
+          </a:prstGeom>
+        </p:spPr>
+        <p:style>
+          <a:lnRef idx="1">
+            <a:schemeClr val="accent1"/>
+          </a:lnRef>
+          <a:fillRef idx="0">
+            <a:schemeClr val="accent1"/>
+          </a:fillRef>
+          <a:effectRef idx="0">
+            <a:schemeClr val="accent1"/>
+          </a:effectRef>
+          <a:fontRef idx="minor">
+            <a:schemeClr val="tx1"/>
+          </a:fontRef>
+        </p:style>
+        <p:txBody>
+          <a:bodyPr rtlCol="0" anchor="ctr"/>
+          <a:lstStyle/>
+          <a:p>
+            <a:pPr algn="ctr"/>
+            <a:endParaRPr lang="en-US"/>
+          </a:p>
+        </p:txBody>
+      </p:sp>
+      <p:sp>
+        <p:nvSpPr>
+          <p:cNvPr id="13" name="Accolade fermante 12">
+            <a:extLst>
+              <a:ext uri="{FF2B5EF4-FFF2-40B4-BE49-F238E27FC236}">
+                <a16:creationId xmlns:a16="http://schemas.microsoft.com/office/drawing/2014/main" id="{4FDA55CC-806B-4E5A-9A4C-2CACDE82E874}"/>
+              </a:ext>
+            </a:extLst>
+          </p:cNvPr>
+          <p:cNvSpPr/>
+          <p:nvPr/>
+        </p:nvSpPr>
+        <p:spPr>
+          <a:xfrm>
+            <a:off x="8855681" y="5702914"/>
+            <a:ext cx="89738" cy="197621"/>
+          </a:xfrm>
+          <a:prstGeom prst="rightBrace">
+            <a:avLst/>
+          </a:prstGeom>
+        </p:spPr>
+        <p:style>
+          <a:lnRef idx="1">
+            <a:schemeClr val="accent1"/>
+          </a:lnRef>
+          <a:fillRef idx="0">
+            <a:schemeClr val="accent1"/>
+          </a:fillRef>
+          <a:effectRef idx="0">
+            <a:schemeClr val="accent1"/>
+          </a:effectRef>
+          <a:fontRef idx="minor">
+            <a:schemeClr val="tx1"/>
+          </a:fontRef>
+        </p:style>
+        <p:txBody>
+          <a:bodyPr rtlCol="0" anchor="ctr"/>
+          <a:lstStyle/>
+          <a:p>
+            <a:pPr algn="ctr"/>
+            <a:endParaRPr lang="en-US"/>
+          </a:p>
+        </p:txBody>
+      </p:sp>
+      <p:sp>
+        <p:nvSpPr>
+          <p:cNvPr id="20" name="ZoneTexte 19">
+            <a:extLst>
+              <a:ext uri="{FF2B5EF4-FFF2-40B4-BE49-F238E27FC236}">
+                <a16:creationId xmlns:a16="http://schemas.microsoft.com/office/drawing/2014/main" id="{E8B9A210-2767-4A60-8D27-43E90FCB023A}"/>
+              </a:ext>
+            </a:extLst>
+          </p:cNvPr>
+          <p:cNvSpPr txBox="1"/>
+          <p:nvPr/>
+        </p:nvSpPr>
+        <p:spPr>
+          <a:xfrm>
+            <a:off x="-320777" y="3968367"/>
+            <a:ext cx="1201682" cy="461665"/>
+          </a:xfrm>
+          <a:prstGeom prst="rect">
+            <a:avLst/>
+          </a:prstGeom>
+          <a:noFill/>
+        </p:spPr>
+        <p:txBody>
+          <a:bodyPr wrap="square">
+            <a:spAutoFit/>
+          </a:bodyPr>
+          <a:lstStyle/>
+          <a:p>
+            <a:pPr algn="r"/>
+            <a:r>
+              <a:rPr lang="en-US" sz="1200" i="1" dirty="0"/>
+              <a:t>freight related</a:t>
+            </a:r>
+          </a:p>
+        </p:txBody>
+      </p:sp>
+      <p:sp>
+        <p:nvSpPr>
+          <p:cNvPr id="22" name="Accolade fermante 21">
+            <a:extLst>
+              <a:ext uri="{FF2B5EF4-FFF2-40B4-BE49-F238E27FC236}">
+                <a16:creationId xmlns:a16="http://schemas.microsoft.com/office/drawing/2014/main" id="{4FEB4465-0A1C-4119-BD70-9095BCFE523D}"/>
+              </a:ext>
+            </a:extLst>
+          </p:cNvPr>
+          <p:cNvSpPr/>
+          <p:nvPr/>
+        </p:nvSpPr>
+        <p:spPr>
+          <a:xfrm flipH="1">
+            <a:off x="883518" y="4000685"/>
+            <a:ext cx="144629" cy="391088"/>
+          </a:xfrm>
+          <a:prstGeom prst="rightBrace">
+            <a:avLst/>
+          </a:prstGeom>
+        </p:spPr>
+        <p:style>
+          <a:lnRef idx="1">
+            <a:schemeClr val="accent1"/>
+          </a:lnRef>
+          <a:fillRef idx="0">
+            <a:schemeClr val="accent1"/>
+          </a:fillRef>
+          <a:effectRef idx="0">
+            <a:schemeClr val="accent1"/>
+          </a:effectRef>
+          <a:fontRef idx="minor">
+            <a:schemeClr val="tx1"/>
+          </a:fontRef>
+        </p:style>
+        <p:txBody>
+          <a:bodyPr rtlCol="0" anchor="ctr"/>
+          <a:lstStyle/>
+          <a:p>
+            <a:pPr algn="ctr"/>
+            <a:endParaRPr lang="en-US"/>
           </a:p>
         </p:txBody>
       </p:sp>
@@ -17352,7 +20088,7 @@
 </p:sld>
 </file>
 
-<file path=ppt/slides/slide5.xml><?xml version="1.0" encoding="utf-8"?>
+<file path=ppt/slides/slide6.xml><?xml version="1.0" encoding="utf-8"?>
 <p:sld xmlns:a="http://schemas.openxmlformats.org/drawingml/2006/main" xmlns:r="http://schemas.openxmlformats.org/officeDocument/2006/relationships" xmlns:p="http://schemas.openxmlformats.org/presentationml/2006/main">
   <p:cSld>
     <p:spTree>
@@ -17425,7 +20161,9 @@
           </a:xfrm>
         </p:spPr>
         <p:txBody>
-          <a:bodyPr/>
+          <a:bodyPr>
+            <a:normAutofit fontScale="85000" lnSpcReduction="10000"/>
+          </a:bodyPr>
           <a:lstStyle/>
           <a:p>
             <a:r>
@@ -17445,34 +20183,33 @@
               <a:t> : </a:t>
             </a:r>
             <a:r>
-              <a:rPr lang="fr-FR" dirty="0" err="1"/>
-              <a:t>is</a:t>
-            </a:r>
-            <a:r>
-              <a:rPr lang="fr-FR" dirty="0"/>
-              <a:t> </a:t>
-            </a:r>
-            <a:r>
-              <a:rPr lang="fr-FR" dirty="0" err="1"/>
-              <a:t>built</a:t>
-            </a:r>
-            <a:r>
-              <a:rPr lang="fr-FR" dirty="0"/>
-              <a:t> out of  </a:t>
-            </a:r>
-            <a:r>
-              <a:rPr lang="en-US" dirty="0" err="1"/>
+              <a:rPr lang="en-US" i="1" dirty="0" err="1"/>
               <a:t>order_purchase_dayofweek</a:t>
             </a:r>
             <a:r>
-              <a:rPr lang="en-US" dirty="0"/>
+              <a:rPr lang="en-US" i="1" dirty="0"/>
               <a:t> &amp; </a:t>
             </a:r>
             <a:r>
-              <a:rPr lang="en-US" dirty="0" err="1"/>
+              <a:rPr lang="en-US" i="1" dirty="0" err="1"/>
               <a:t>order_purchase_hour</a:t>
             </a:r>
-            <a:endParaRPr lang="en-US" dirty="0"/>
+            <a:r>
+              <a:rPr lang="en-US" i="1" dirty="0"/>
+              <a:t> from native</a:t>
+            </a:r>
+            <a:r>
+              <a:rPr lang="en-US" b="1" dirty="0"/>
+              <a:t> “</a:t>
+            </a:r>
+            <a:r>
+              <a:rPr lang="en-US" b="1" dirty="0" err="1"/>
+              <a:t>order_purchase_timestamp</a:t>
+            </a:r>
+            <a:r>
+              <a:rPr lang="en-US" b="1" dirty="0"/>
+              <a:t>” </a:t>
+            </a:r>
           </a:p>
         </p:txBody>
       </p:sp>
@@ -17914,8 +20651,8 @@
         </p:nvSpPr>
         <p:spPr>
           <a:xfrm>
-            <a:off x="-8851" y="5262328"/>
-            <a:ext cx="11787580" cy="606922"/>
+            <a:off x="190519" y="4209911"/>
+            <a:ext cx="11787580" cy="2539014"/>
           </a:xfrm>
           <a:prstGeom prst="rect">
             <a:avLst/>
@@ -17930,7 +20667,7 @@
         </p:spPr>
         <p:txBody>
           <a:bodyPr vert="horz" lIns="91440" tIns="45720" rIns="91440" bIns="45720" rtlCol="0" anchor="ctr">
-            <a:normAutofit fontScale="70000" lnSpcReduction="20000"/>
+            <a:normAutofit/>
           </a:bodyPr>
           <a:lstStyle>
             <a:lvl1pPr marL="342900" indent="-342900" algn="l" defTabSz="457200" rtl="0" eaLnBrk="1" latinLnBrk="0" hangingPunct="1">
@@ -18138,7 +20875,7 @@
           </a:p>
           <a:p>
             <a:r>
-              <a:rPr lang="en-US" sz="1800" b="1" u="sng" dirty="0" err="1">
+              <a:rPr lang="en-US" sz="1800" b="1" dirty="0" err="1">
                 <a:solidFill>
                   <a:srgbClr val="2C88D9"/>
                 </a:solidFill>
@@ -18180,10 +20917,82 @@
             <a:endParaRPr lang="fr-FR" dirty="0"/>
           </a:p>
           <a:p>
-            <a:endParaRPr lang="fr-FR" dirty="0"/>
-          </a:p>
-          <a:p>
-            <a:endParaRPr lang="en-US" dirty="0"/>
+            <a:r>
+              <a:rPr lang="en-US" b="1" dirty="0" err="1">
+                <a:solidFill>
+                  <a:srgbClr val="FFC000"/>
+                </a:solidFill>
+              </a:rPr>
+              <a:t>product_size</a:t>
+            </a:r>
+            <a:r>
+              <a:rPr lang="en-US" b="1" dirty="0">
+                <a:solidFill>
+                  <a:srgbClr val="FFC000"/>
+                </a:solidFill>
+              </a:rPr>
+              <a:t> / </a:t>
+            </a:r>
+            <a:r>
+              <a:rPr lang="en-US" b="1" dirty="0" err="1">
+                <a:solidFill>
+                  <a:srgbClr val="FFC000"/>
+                </a:solidFill>
+              </a:rPr>
+              <a:t>product_weight_g</a:t>
+            </a:r>
+            <a:r>
+              <a:rPr lang="en-US" b="1" dirty="0">
+                <a:solidFill>
+                  <a:srgbClr val="FFC000"/>
+                </a:solidFill>
+              </a:rPr>
+              <a:t> </a:t>
+            </a:r>
+            <a:r>
+              <a:rPr lang="en-US" i="1" dirty="0">
+                <a:solidFill>
+                  <a:srgbClr val="FFC000"/>
+                </a:solidFill>
+              </a:rPr>
+              <a:t>(density) : </a:t>
+            </a:r>
+            <a:r>
+              <a:rPr lang="en-US" dirty="0"/>
+              <a:t>use to compute a freight class</a:t>
+            </a:r>
+            <a:endParaRPr lang="en-US" i="1" dirty="0">
+              <a:solidFill>
+                <a:srgbClr val="FFC000"/>
+              </a:solidFill>
+            </a:endParaRPr>
+          </a:p>
+          <a:p>
+            <a:r>
+              <a:rPr lang="en-US" sz="1800" b="1" dirty="0" err="1">
+                <a:solidFill>
+                  <a:srgbClr val="E8833A"/>
+                </a:solidFill>
+              </a:rPr>
+              <a:t>freight_percentage</a:t>
+            </a:r>
+            <a:r>
+              <a:rPr lang="en-US" sz="1800" b="1" dirty="0">
+                <a:solidFill>
+                  <a:srgbClr val="E8833A"/>
+                </a:solidFill>
+              </a:rPr>
+              <a:t> : </a:t>
+            </a:r>
+            <a:r>
+              <a:rPr lang="en-US" sz="1800" dirty="0"/>
+              <a:t>freight value / total </a:t>
+            </a:r>
+            <a:r>
+              <a:rPr lang="en-US" sz="1800" dirty="0" err="1"/>
+              <a:t>paiement</a:t>
+            </a:r>
+            <a:endParaRPr lang="en-US" sz="1800" dirty="0"/>
           </a:p>
         </p:txBody>
       </p:sp>
@@ -18431,19 +21240,59 @@
             </a:r>
             <a:r>
               <a:rPr lang="fr-FR" dirty="0" err="1"/>
+              <a:t>should</a:t>
+            </a:r>
+            <a:r>
+              <a:rPr lang="fr-FR" dirty="0"/>
+              <a:t> </a:t>
+            </a:r>
+            <a:r>
+              <a:rPr lang="fr-FR" dirty="0" err="1"/>
+              <a:t>map</a:t>
+            </a:r>
+            <a:r>
+              <a:rPr lang="fr-FR" dirty="0"/>
+              <a:t> </a:t>
+            </a:r>
+            <a:r>
+              <a:rPr lang="fr-FR" dirty="0" err="1"/>
+              <a:t>with</a:t>
+            </a:r>
+            <a:r>
+              <a:rPr lang="fr-FR" dirty="0"/>
+              <a:t> </a:t>
+            </a:r>
+            <a:r>
+              <a:rPr lang="fr-FR" dirty="0" err="1"/>
+              <a:t>customer’s</a:t>
+            </a:r>
+            <a:r>
+              <a:rPr lang="fr-FR" dirty="0"/>
+              <a:t> </a:t>
+            </a:r>
+            <a:r>
+              <a:rPr lang="fr-FR" dirty="0" err="1"/>
+              <a:t>search</a:t>
+            </a:r>
+            <a:r>
+              <a:rPr lang="fr-FR" dirty="0"/>
+              <a:t> &amp; navigation, </a:t>
+            </a:r>
+            <a:r>
+              <a:rPr lang="fr-FR" b="1" dirty="0" err="1"/>
               <a:t>rationalized</a:t>
             </a:r>
             <a:r>
-              <a:rPr lang="fr-FR" dirty="0"/>
+              <a:rPr lang="fr-FR" b="1" dirty="0"/>
               <a:t> </a:t>
             </a:r>
             <a:r>
-              <a:rPr lang="fr-FR" dirty="0" err="1"/>
-              <a:t>into</a:t>
-            </a:r>
-            <a:r>
-              <a:rPr lang="fr-FR" dirty="0"/>
-              <a:t> 15 </a:t>
+              <a:rPr lang="fr-FR" b="1" dirty="0" err="1"/>
+              <a:t>from</a:t>
+            </a:r>
+            <a:r>
+              <a:rPr lang="fr-FR" b="1" dirty="0"/>
+              <a:t> 71 to 15 </a:t>
             </a:r>
             <a:r>
               <a:rPr lang="fr-FR" dirty="0" err="1"/>
@@ -18720,7 +21569,7 @@
 </p:sld>
 </file>
 
-<file path=ppt/slides/slide6.xml><?xml version="1.0" encoding="utf-8"?>
+<file path=ppt/slides/slide7.xml><?xml version="1.0" encoding="utf-8"?>
 <p:sld xmlns:a="http://schemas.openxmlformats.org/drawingml/2006/main" xmlns:r="http://schemas.openxmlformats.org/officeDocument/2006/relationships" xmlns:p="http://schemas.openxmlformats.org/presentationml/2006/main">
   <p:cSld>
     <p:spTree>
@@ -18800,7 +21649,7 @@
         </p:nvSpPr>
         <p:spPr>
           <a:xfrm>
-            <a:off x="637410" y="1925106"/>
+            <a:off x="396249" y="1476961"/>
             <a:ext cx="10554574" cy="1346536"/>
           </a:xfrm>
         </p:spPr>
@@ -18809,20 +21658,116 @@
           <a:lstStyle/>
           <a:p>
             <a:r>
-              <a:rPr lang="fr-FR" dirty="0"/>
-              <a:t>Put </a:t>
-            </a:r>
-            <a:r>
-              <a:rPr lang="fr-FR" dirty="0" err="1"/>
-              <a:t>here</a:t>
-            </a:r>
-            <a:r>
-              <a:rPr lang="fr-FR" dirty="0"/>
-              <a:t> the </a:t>
-            </a:r>
-            <a:r>
-              <a:rPr lang="fr-FR" dirty="0" err="1"/>
-              <a:t>heatmap</a:t>
+              <a:rPr lang="fr-FR" dirty="0" err="1"/>
+              <a:t>Heatmap</a:t>
+            </a:r>
+            <a:r>
+              <a:rPr lang="fr-FR" dirty="0"/>
+              <a:t> </a:t>
+            </a:r>
+            <a:r>
+              <a:rPr lang="fr-FR" dirty="0" err="1"/>
+              <a:t>with</a:t>
+            </a:r>
+            <a:r>
+              <a:rPr lang="fr-FR" dirty="0"/>
+              <a:t> Spearman </a:t>
+            </a:r>
+            <a:r>
+              <a:rPr lang="fr-FR" dirty="0" err="1"/>
+              <a:t>rank</a:t>
+            </a:r>
+            <a:r>
+              <a:rPr lang="fr-FR" dirty="0"/>
+              <a:t> </a:t>
+            </a:r>
+            <a:r>
+              <a:rPr lang="fr-FR" dirty="0" err="1"/>
+              <a:t>coorelation</a:t>
+            </a:r>
+            <a:r>
+              <a:rPr lang="fr-FR" dirty="0"/>
+              <a:t> : help to </a:t>
+            </a:r>
+            <a:r>
+              <a:rPr lang="fr-FR" dirty="0" err="1"/>
+              <a:t>define</a:t>
+            </a:r>
+            <a:r>
+              <a:rPr lang="fr-FR" dirty="0"/>
+              <a:t> </a:t>
+            </a:r>
+            <a:r>
+              <a:rPr lang="fr-FR" dirty="0" err="1"/>
+              <a:t>subsets</a:t>
+            </a:r>
+            <a:r>
+              <a:rPr lang="fr-FR" dirty="0"/>
+              <a:t> of </a:t>
+            </a:r>
+            <a:r>
+              <a:rPr lang="fr-FR" dirty="0" err="1"/>
+              <a:t>features</a:t>
+            </a:r>
+            <a:r>
+              <a:rPr lang="fr-FR" dirty="0"/>
+              <a:t> in </a:t>
+            </a:r>
+            <a:r>
+              <a:rPr lang="fr-FR" dirty="0" err="1"/>
+              <a:t>order</a:t>
+            </a:r>
+            <a:r>
+              <a:rPr lang="fr-FR" dirty="0"/>
+              <a:t> to select the </a:t>
+            </a:r>
+            <a:r>
+              <a:rPr lang="fr-FR" dirty="0" err="1"/>
+              <a:t>most</a:t>
+            </a:r>
+            <a:r>
+              <a:rPr lang="fr-FR" dirty="0"/>
+              <a:t> </a:t>
+            </a:r>
+            <a:r>
+              <a:rPr lang="fr-FR" dirty="0" err="1"/>
+              <a:t>significant</a:t>
+            </a:r>
+            <a:r>
+              <a:rPr lang="fr-FR" dirty="0"/>
+              <a:t> </a:t>
+            </a:r>
+            <a:r>
+              <a:rPr lang="fr-FR" dirty="0" err="1"/>
+              <a:t>feature</a:t>
+            </a:r>
+            <a:r>
+              <a:rPr lang="fr-FR" dirty="0"/>
+              <a:t> </a:t>
+            </a:r>
+            <a:r>
+              <a:rPr lang="fr-FR" dirty="0" err="1"/>
+              <a:t>among</a:t>
+            </a:r>
+            <a:r>
+              <a:rPr lang="fr-FR" dirty="0"/>
+              <a:t> </a:t>
+            </a:r>
+            <a:r>
+              <a:rPr lang="fr-FR" dirty="0" err="1"/>
+              <a:t>correlated</a:t>
+            </a:r>
+            <a:r>
+              <a:rPr lang="fr-FR" dirty="0"/>
+              <a:t> </a:t>
+            </a:r>
+            <a:r>
+              <a:rPr lang="fr-FR" dirty="0" err="1"/>
+              <a:t>ones</a:t>
+            </a:r>
+            <a:r>
+              <a:rPr lang="fr-FR" dirty="0"/>
+              <a:t>.</a:t>
             </a:r>
             <a:endParaRPr lang="en-US" dirty="0"/>
           </a:p>
@@ -18844,7 +21789,451 @@
         </p:nvSpPr>
         <p:spPr>
           <a:xfrm>
-            <a:off x="637410" y="3745029"/>
+            <a:off x="396249" y="5381039"/>
+            <a:ext cx="12023514" cy="1346536"/>
+          </a:xfrm>
+          <a:prstGeom prst="rect">
+            <a:avLst/>
+          </a:prstGeom>
+          <a:effectLst>
+            <a:outerShdw blurRad="50800" dir="14400000">
+              <a:srgbClr val="000000">
+                <a:alpha val="40000"/>
+              </a:srgbClr>
+            </a:outerShdw>
+          </a:effectLst>
+        </p:spPr>
+        <p:txBody>
+          <a:bodyPr vert="horz" lIns="91440" tIns="45720" rIns="91440" bIns="45720" rtlCol="0" anchor="ctr">
+            <a:normAutofit lnSpcReduction="10000"/>
+          </a:bodyPr>
+          <a:lstStyle>
+            <a:lvl1pPr marL="342900" indent="-342900" algn="l" defTabSz="457200" rtl="0" eaLnBrk="1" latinLnBrk="0" hangingPunct="1">
+              <a:spcBef>
+                <a:spcPct val="20000"/>
+              </a:spcBef>
+              <a:spcAft>
+                <a:spcPts val="600"/>
+              </a:spcAft>
+              <a:buClr>
+                <a:schemeClr val="accent1"/>
+              </a:buClr>
+              <a:buFont typeface="Wingdings 2" charset="2"/>
+              <a:buChar char=""/>
+              <a:defRPr sz="1800" kern="1200">
+                <a:solidFill>
+                  <a:schemeClr val="tx1"/>
+                </a:solidFill>
+                <a:latin typeface="+mn-lt"/>
+                <a:ea typeface="+mn-ea"/>
+                <a:cs typeface="+mn-cs"/>
+              </a:defRPr>
+            </a:lvl1pPr>
+            <a:lvl2pPr marL="742950" indent="-285750" algn="l" defTabSz="457200" rtl="0" eaLnBrk="1" latinLnBrk="0" hangingPunct="1">
+              <a:spcBef>
+                <a:spcPct val="20000"/>
+              </a:spcBef>
+              <a:spcAft>
+                <a:spcPts val="600"/>
+              </a:spcAft>
+              <a:buClr>
+                <a:schemeClr val="accent1"/>
+              </a:buClr>
+              <a:buFont typeface="Wingdings 2" charset="2"/>
+              <a:buChar char=""/>
+              <a:defRPr sz="1600" kern="1200">
+                <a:solidFill>
+                  <a:schemeClr val="tx1"/>
+                </a:solidFill>
+                <a:latin typeface="+mn-lt"/>
+                <a:ea typeface="+mn-ea"/>
+                <a:cs typeface="+mn-cs"/>
+              </a:defRPr>
+            </a:lvl2pPr>
+            <a:lvl3pPr marL="1143000" indent="-228600" algn="l" defTabSz="457200" rtl="0" eaLnBrk="1" latinLnBrk="0" hangingPunct="1">
+              <a:spcBef>
+                <a:spcPct val="20000"/>
+              </a:spcBef>
+              <a:spcAft>
+                <a:spcPts val="600"/>
+              </a:spcAft>
+              <a:buClr>
+                <a:schemeClr val="accent1"/>
+              </a:buClr>
+              <a:buFont typeface="Wingdings 2" charset="2"/>
+              <a:buChar char=""/>
+              <a:defRPr sz="1400" kern="1200">
+                <a:solidFill>
+                  <a:schemeClr val="tx1"/>
+                </a:solidFill>
+                <a:latin typeface="+mn-lt"/>
+                <a:ea typeface="+mn-ea"/>
+                <a:cs typeface="+mn-cs"/>
+              </a:defRPr>
+            </a:lvl3pPr>
+            <a:lvl4pPr marL="1600200" indent="-228600" algn="l" defTabSz="457200" rtl="0" eaLnBrk="1" latinLnBrk="0" hangingPunct="1">
+              <a:spcBef>
+                <a:spcPct val="20000"/>
+              </a:spcBef>
+              <a:spcAft>
+                <a:spcPts val="600"/>
+              </a:spcAft>
+              <a:buClr>
+                <a:schemeClr val="accent1"/>
+              </a:buClr>
+              <a:buFont typeface="Wingdings 2" charset="2"/>
+              <a:buChar char=""/>
+              <a:defRPr sz="1200" kern="1200">
+                <a:solidFill>
+                  <a:schemeClr val="tx1"/>
+                </a:solidFill>
+                <a:latin typeface="+mn-lt"/>
+                <a:ea typeface="+mn-ea"/>
+                <a:cs typeface="+mn-cs"/>
+              </a:defRPr>
+            </a:lvl4pPr>
+            <a:lvl5pPr marL="2057400" indent="-228600" algn="l" defTabSz="457200" rtl="0" eaLnBrk="1" latinLnBrk="0" hangingPunct="1">
+              <a:spcBef>
+                <a:spcPct val="20000"/>
+              </a:spcBef>
+              <a:spcAft>
+                <a:spcPts val="600"/>
+              </a:spcAft>
+              <a:buClr>
+                <a:schemeClr val="accent1"/>
+              </a:buClr>
+              <a:buFont typeface="Wingdings 2" charset="2"/>
+              <a:buChar char=""/>
+              <a:defRPr sz="1200" kern="1200">
+                <a:solidFill>
+                  <a:schemeClr val="tx1"/>
+                </a:solidFill>
+                <a:latin typeface="+mn-lt"/>
+                <a:ea typeface="+mn-ea"/>
+                <a:cs typeface="+mn-cs"/>
+              </a:defRPr>
+            </a:lvl5pPr>
+            <a:lvl6pPr marL="2400000" indent="-228600" algn="l" defTabSz="457200" rtl="0" eaLnBrk="1" latinLnBrk="0" hangingPunct="1">
+              <a:spcBef>
+                <a:spcPct val="20000"/>
+              </a:spcBef>
+              <a:spcAft>
+                <a:spcPts val="600"/>
+              </a:spcAft>
+              <a:buClr>
+                <a:schemeClr val="accent1"/>
+              </a:buClr>
+              <a:buFont typeface="Wingdings 2" charset="2"/>
+              <a:buChar char=""/>
+              <a:defRPr sz="1200" kern="1200">
+                <a:solidFill>
+                  <a:schemeClr val="tx1"/>
+                </a:solidFill>
+                <a:latin typeface="+mn-lt"/>
+                <a:ea typeface="+mn-ea"/>
+                <a:cs typeface="+mn-cs"/>
+              </a:defRPr>
+            </a:lvl6pPr>
+            <a:lvl7pPr marL="2800000" indent="-228600" algn="l" defTabSz="457200" rtl="0" eaLnBrk="1" latinLnBrk="0" hangingPunct="1">
+              <a:spcBef>
+                <a:spcPct val="20000"/>
+              </a:spcBef>
+              <a:spcAft>
+                <a:spcPts val="600"/>
+              </a:spcAft>
+              <a:buClr>
+                <a:schemeClr val="accent1"/>
+              </a:buClr>
+              <a:buFont typeface="Wingdings 2" charset="2"/>
+              <a:buChar char=""/>
+              <a:defRPr sz="1200" kern="1200">
+                <a:solidFill>
+                  <a:schemeClr val="tx1"/>
+                </a:solidFill>
+                <a:latin typeface="+mn-lt"/>
+                <a:ea typeface="+mn-ea"/>
+                <a:cs typeface="+mn-cs"/>
+              </a:defRPr>
+            </a:lvl7pPr>
+            <a:lvl8pPr marL="3200000" indent="-228600" algn="l" defTabSz="457200" rtl="0" eaLnBrk="1" latinLnBrk="0" hangingPunct="1">
+              <a:spcBef>
+                <a:spcPct val="20000"/>
+              </a:spcBef>
+              <a:spcAft>
+                <a:spcPts val="600"/>
+              </a:spcAft>
+              <a:buClr>
+                <a:schemeClr val="accent1"/>
+              </a:buClr>
+              <a:buFont typeface="Wingdings 2" charset="2"/>
+              <a:buChar char=""/>
+              <a:defRPr sz="1200" kern="1200">
+                <a:solidFill>
+                  <a:schemeClr val="tx1"/>
+                </a:solidFill>
+                <a:latin typeface="+mn-lt"/>
+                <a:ea typeface="+mn-ea"/>
+                <a:cs typeface="+mn-cs"/>
+              </a:defRPr>
+            </a:lvl8pPr>
+            <a:lvl9pPr marL="3600000" indent="-228600" algn="l" defTabSz="457200" rtl="0" eaLnBrk="1" latinLnBrk="0" hangingPunct="1">
+              <a:spcBef>
+                <a:spcPct val="20000"/>
+              </a:spcBef>
+              <a:spcAft>
+                <a:spcPts val="600"/>
+              </a:spcAft>
+              <a:buClr>
+                <a:schemeClr val="accent1"/>
+              </a:buClr>
+              <a:buFont typeface="Wingdings 2" charset="2"/>
+              <a:buChar char=""/>
+              <a:defRPr sz="1200" kern="1200">
+                <a:solidFill>
+                  <a:schemeClr val="tx1"/>
+                </a:solidFill>
+                <a:latin typeface="+mn-lt"/>
+                <a:ea typeface="+mn-ea"/>
+                <a:cs typeface="+mn-cs"/>
+              </a:defRPr>
+            </a:lvl9pPr>
+          </a:lstStyle>
+          <a:p>
+            <a:r>
+              <a:rPr lang="fr-FR" dirty="0"/>
+              <a:t>Model </a:t>
+            </a:r>
+            <a:r>
+              <a:rPr lang="fr-FR" dirty="0" err="1"/>
+              <a:t>sensitivity</a:t>
+            </a:r>
+            <a:r>
+              <a:rPr lang="fr-FR" dirty="0"/>
+              <a:t> (to a </a:t>
+            </a:r>
+            <a:r>
+              <a:rPr lang="fr-FR" dirty="0" err="1"/>
+              <a:t>feature</a:t>
+            </a:r>
+            <a:r>
+              <a:rPr lang="fr-FR" dirty="0"/>
+              <a:t> type) </a:t>
+            </a:r>
+            <a:r>
+              <a:rPr lang="fr-FR" dirty="0" err="1"/>
+              <a:t>is</a:t>
+            </a:r>
+            <a:r>
+              <a:rPr lang="fr-FR" dirty="0"/>
+              <a:t> </a:t>
+            </a:r>
+            <a:r>
+              <a:rPr lang="fr-FR" dirty="0" err="1"/>
+              <a:t>obviously</a:t>
+            </a:r>
+            <a:r>
+              <a:rPr lang="fr-FR" dirty="0"/>
+              <a:t> </a:t>
+            </a:r>
+            <a:r>
+              <a:rPr lang="fr-FR" dirty="0" err="1"/>
+              <a:t>critical</a:t>
+            </a:r>
+            <a:r>
+              <a:rPr lang="fr-FR" dirty="0"/>
+              <a:t> </a:t>
+            </a:r>
+            <a:r>
+              <a:rPr lang="fr-FR" dirty="0" err="1"/>
+              <a:t>here</a:t>
+            </a:r>
+            <a:r>
+              <a:rPr lang="fr-FR" dirty="0"/>
+              <a:t> :</a:t>
+            </a:r>
+          </a:p>
+          <a:p>
+            <a:pPr lvl="1"/>
+            <a:r>
+              <a:rPr lang="fr-FR" dirty="0"/>
+              <a:t>Once </a:t>
+            </a:r>
+            <a:r>
+              <a:rPr lang="fr-FR" dirty="0" err="1"/>
+              <a:t>we</a:t>
+            </a:r>
+            <a:r>
+              <a:rPr lang="fr-FR" dirty="0"/>
+              <a:t> put a non-normal </a:t>
+            </a:r>
+            <a:r>
+              <a:rPr lang="fr-FR" dirty="0" err="1"/>
+              <a:t>distributed</a:t>
+            </a:r>
+            <a:r>
+              <a:rPr lang="fr-FR" dirty="0"/>
+              <a:t> </a:t>
+            </a:r>
+            <a:r>
+              <a:rPr lang="fr-FR" dirty="0" err="1"/>
+              <a:t>feature</a:t>
+            </a:r>
+            <a:r>
+              <a:rPr lang="fr-FR" dirty="0"/>
+              <a:t>, </a:t>
+            </a:r>
+            <a:r>
+              <a:rPr lang="fr-FR" dirty="0" err="1"/>
+              <a:t>this</a:t>
+            </a:r>
+            <a:r>
+              <a:rPr lang="fr-FR" dirty="0"/>
+              <a:t> </a:t>
+            </a:r>
+            <a:r>
+              <a:rPr lang="fr-FR" dirty="0" err="1"/>
+              <a:t>takes</a:t>
+            </a:r>
+            <a:r>
+              <a:rPr lang="fr-FR" dirty="0"/>
+              <a:t> the lead on the </a:t>
+            </a:r>
+            <a:r>
+              <a:rPr lang="fr-FR" dirty="0" err="1"/>
+              <a:t>others</a:t>
+            </a:r>
+            <a:r>
+              <a:rPr lang="fr-FR" dirty="0"/>
+              <a:t>.</a:t>
+            </a:r>
+          </a:p>
+          <a:p>
+            <a:pPr lvl="1"/>
+            <a:r>
+              <a:rPr lang="fr-FR" dirty="0" err="1"/>
+              <a:t>Either</a:t>
+            </a:r>
+            <a:r>
+              <a:rPr lang="fr-FR" dirty="0"/>
+              <a:t> </a:t>
+            </a:r>
+            <a:r>
+              <a:rPr lang="fr-FR" dirty="0" err="1"/>
+              <a:t>we</a:t>
+            </a:r>
+            <a:r>
+              <a:rPr lang="fr-FR" dirty="0"/>
+              <a:t> </a:t>
+            </a:r>
+            <a:r>
+              <a:rPr lang="fr-FR" dirty="0" err="1"/>
+              <a:t>target</a:t>
+            </a:r>
+            <a:r>
+              <a:rPr lang="fr-FR" dirty="0"/>
+              <a:t> an </a:t>
+            </a:r>
+            <a:r>
+              <a:rPr lang="fr-FR" dirty="0" err="1"/>
+              <a:t>emerging</a:t>
+            </a:r>
+            <a:r>
+              <a:rPr lang="fr-FR" dirty="0"/>
+              <a:t> </a:t>
+            </a:r>
+            <a:r>
+              <a:rPr lang="fr-FR" dirty="0" err="1"/>
+              <a:t>categorization</a:t>
+            </a:r>
+            <a:r>
+              <a:rPr lang="fr-FR" dirty="0"/>
+              <a:t> (marketing rational) or </a:t>
+            </a:r>
+            <a:r>
+              <a:rPr lang="fr-FR" dirty="0" err="1"/>
+              <a:t>we</a:t>
+            </a:r>
+            <a:r>
+              <a:rPr lang="fr-FR" dirty="0"/>
+              <a:t> </a:t>
+            </a:r>
+            <a:r>
+              <a:rPr lang="fr-FR" dirty="0" err="1"/>
+              <a:t>should</a:t>
+            </a:r>
+            <a:r>
+              <a:rPr lang="fr-FR" dirty="0"/>
+              <a:t> </a:t>
+            </a:r>
+            <a:r>
+              <a:rPr lang="fr-FR" dirty="0" err="1"/>
+              <a:t>try</a:t>
+            </a:r>
+            <a:r>
+              <a:rPr lang="fr-FR" dirty="0"/>
+              <a:t> to </a:t>
+            </a:r>
+            <a:r>
+              <a:rPr lang="fr-FR" dirty="0" err="1"/>
+              <a:t>remedy</a:t>
+            </a:r>
+            <a:r>
+              <a:rPr lang="fr-FR" dirty="0"/>
+              <a:t> </a:t>
+            </a:r>
+            <a:r>
+              <a:rPr lang="fr-FR" dirty="0" err="1"/>
+              <a:t>this</a:t>
+            </a:r>
+            <a:r>
+              <a:rPr lang="fr-FR" dirty="0"/>
+              <a:t> </a:t>
+            </a:r>
+            <a:r>
+              <a:rPr lang="fr-FR" dirty="0" err="1"/>
+              <a:t>effect</a:t>
+            </a:r>
+            <a:r>
+              <a:rPr lang="fr-FR" dirty="0"/>
+              <a:t> (e.g. tends to normal-</a:t>
+            </a:r>
+            <a:r>
+              <a:rPr lang="fr-FR" dirty="0" err="1"/>
+              <a:t>distributed</a:t>
+            </a:r>
+            <a:r>
+              <a:rPr lang="fr-FR" dirty="0"/>
+              <a:t> </a:t>
+            </a:r>
+            <a:r>
+              <a:rPr lang="fr-FR" dirty="0" err="1"/>
+              <a:t>features</a:t>
+            </a:r>
+            <a:r>
+              <a:rPr lang="fr-FR" dirty="0"/>
+              <a:t>).</a:t>
+            </a:r>
+            <a:endParaRPr lang="en-US" dirty="0"/>
+          </a:p>
+        </p:txBody>
+      </p:sp>
+      <p:sp>
+        <p:nvSpPr>
+          <p:cNvPr id="5" name="Espace réservé du contenu 2">
+            <a:extLst>
+              <a:ext uri="{FF2B5EF4-FFF2-40B4-BE49-F238E27FC236}">
+                <a16:creationId xmlns:a16="http://schemas.microsoft.com/office/drawing/2014/main" id="{E917B753-DD27-47C4-80E0-C8FBA119314E}"/>
+              </a:ext>
+            </a:extLst>
+          </p:cNvPr>
+          <p:cNvSpPr txBox="1">
+            <a:spLocks/>
+          </p:cNvSpPr>
+          <p:nvPr/>
+        </p:nvSpPr>
+        <p:spPr>
+          <a:xfrm>
+            <a:off x="567071" y="3211294"/>
             <a:ext cx="10554574" cy="1346536"/>
           </a:xfrm>
           <a:prstGeom prst="rect">
@@ -19054,36 +22443,299 @@
             </a:lvl9pPr>
           </a:lstStyle>
           <a:p>
-            <a:r>
-              <a:rPr lang="fr-FR" dirty="0" err="1"/>
-              <a:t>Discuss</a:t>
-            </a:r>
-            <a:r>
-              <a:rPr lang="fr-FR" dirty="0"/>
-              <a:t> the issues </a:t>
-            </a:r>
-            <a:r>
-              <a:rPr lang="fr-FR" dirty="0" err="1"/>
-              <a:t>raised</a:t>
-            </a:r>
-            <a:r>
-              <a:rPr lang="fr-FR" dirty="0"/>
-              <a:t> about the model </a:t>
-            </a:r>
-            <a:r>
-              <a:rPr lang="fr-FR" dirty="0" err="1"/>
-              <a:t>sensitivity</a:t>
-            </a:r>
-            <a:r>
-              <a:rPr lang="fr-FR" dirty="0"/>
-              <a:t> :</a:t>
-            </a:r>
-          </a:p>
-          <a:p>
-            <a:pPr lvl="1"/>
-            <a:r>
-              <a:rPr lang="fr-FR" dirty="0" err="1"/>
-              <a:t>Why</a:t>
+            <a:endParaRPr lang="en-US" dirty="0"/>
+          </a:p>
+        </p:txBody>
+      </p:sp>
+      <p:sp>
+        <p:nvSpPr>
+          <p:cNvPr id="6" name="Espace réservé du contenu 2">
+            <a:extLst>
+              <a:ext uri="{FF2B5EF4-FFF2-40B4-BE49-F238E27FC236}">
+                <a16:creationId xmlns:a16="http://schemas.microsoft.com/office/drawing/2014/main" id="{73E1AB27-13CE-4ADC-B0E5-CAA42119841B}"/>
+              </a:ext>
+            </a:extLst>
+          </p:cNvPr>
+          <p:cNvSpPr txBox="1">
+            <a:spLocks/>
+          </p:cNvSpPr>
+          <p:nvPr/>
+        </p:nvSpPr>
+        <p:spPr>
+          <a:xfrm>
+            <a:off x="396249" y="3211294"/>
+            <a:ext cx="10554574" cy="1346536"/>
+          </a:xfrm>
+          <a:prstGeom prst="rect">
+            <a:avLst/>
+          </a:prstGeom>
+          <a:effectLst>
+            <a:outerShdw blurRad="50800" dir="14400000">
+              <a:srgbClr val="000000">
+                <a:alpha val="40000"/>
+              </a:srgbClr>
+            </a:outerShdw>
+          </a:effectLst>
+        </p:spPr>
+        <p:txBody>
+          <a:bodyPr vert="horz" lIns="91440" tIns="45720" rIns="91440" bIns="45720" rtlCol="0" anchor="ctr">
+            <a:normAutofit/>
+          </a:bodyPr>
+          <a:lstStyle>
+            <a:lvl1pPr marL="342900" indent="-342900" algn="l" defTabSz="457200" rtl="0" eaLnBrk="1" latinLnBrk="0" hangingPunct="1">
+              <a:spcBef>
+                <a:spcPct val="20000"/>
+              </a:spcBef>
+              <a:spcAft>
+                <a:spcPts val="600"/>
+              </a:spcAft>
+              <a:buClr>
+                <a:schemeClr val="accent1"/>
+              </a:buClr>
+              <a:buFont typeface="Wingdings 2" charset="2"/>
+              <a:buChar char=""/>
+              <a:defRPr sz="1800" kern="1200">
+                <a:solidFill>
+                  <a:schemeClr val="tx1"/>
+                </a:solidFill>
+                <a:latin typeface="+mn-lt"/>
+                <a:ea typeface="+mn-ea"/>
+                <a:cs typeface="+mn-cs"/>
+              </a:defRPr>
+            </a:lvl1pPr>
+            <a:lvl2pPr marL="742950" indent="-285750" algn="l" defTabSz="457200" rtl="0" eaLnBrk="1" latinLnBrk="0" hangingPunct="1">
+              <a:spcBef>
+                <a:spcPct val="20000"/>
+              </a:spcBef>
+              <a:spcAft>
+                <a:spcPts val="600"/>
+              </a:spcAft>
+              <a:buClr>
+                <a:schemeClr val="accent1"/>
+              </a:buClr>
+              <a:buFont typeface="Wingdings 2" charset="2"/>
+              <a:buChar char=""/>
+              <a:defRPr sz="1600" kern="1200">
+                <a:solidFill>
+                  <a:schemeClr val="tx1"/>
+                </a:solidFill>
+                <a:latin typeface="+mn-lt"/>
+                <a:ea typeface="+mn-ea"/>
+                <a:cs typeface="+mn-cs"/>
+              </a:defRPr>
+            </a:lvl2pPr>
+            <a:lvl3pPr marL="1143000" indent="-228600" algn="l" defTabSz="457200" rtl="0" eaLnBrk="1" latinLnBrk="0" hangingPunct="1">
+              <a:spcBef>
+                <a:spcPct val="20000"/>
+              </a:spcBef>
+              <a:spcAft>
+                <a:spcPts val="600"/>
+              </a:spcAft>
+              <a:buClr>
+                <a:schemeClr val="accent1"/>
+              </a:buClr>
+              <a:buFont typeface="Wingdings 2" charset="2"/>
+              <a:buChar char=""/>
+              <a:defRPr sz="1400" kern="1200">
+                <a:solidFill>
+                  <a:schemeClr val="tx1"/>
+                </a:solidFill>
+                <a:latin typeface="+mn-lt"/>
+                <a:ea typeface="+mn-ea"/>
+                <a:cs typeface="+mn-cs"/>
+              </a:defRPr>
+            </a:lvl3pPr>
+            <a:lvl4pPr marL="1600200" indent="-228600" algn="l" defTabSz="457200" rtl="0" eaLnBrk="1" latinLnBrk="0" hangingPunct="1">
+              <a:spcBef>
+                <a:spcPct val="20000"/>
+              </a:spcBef>
+              <a:spcAft>
+                <a:spcPts val="600"/>
+              </a:spcAft>
+              <a:buClr>
+                <a:schemeClr val="accent1"/>
+              </a:buClr>
+              <a:buFont typeface="Wingdings 2" charset="2"/>
+              <a:buChar char=""/>
+              <a:defRPr sz="1200" kern="1200">
+                <a:solidFill>
+                  <a:schemeClr val="tx1"/>
+                </a:solidFill>
+                <a:latin typeface="+mn-lt"/>
+                <a:ea typeface="+mn-ea"/>
+                <a:cs typeface="+mn-cs"/>
+              </a:defRPr>
+            </a:lvl4pPr>
+            <a:lvl5pPr marL="2057400" indent="-228600" algn="l" defTabSz="457200" rtl="0" eaLnBrk="1" latinLnBrk="0" hangingPunct="1">
+              <a:spcBef>
+                <a:spcPct val="20000"/>
+              </a:spcBef>
+              <a:spcAft>
+                <a:spcPts val="600"/>
+              </a:spcAft>
+              <a:buClr>
+                <a:schemeClr val="accent1"/>
+              </a:buClr>
+              <a:buFont typeface="Wingdings 2" charset="2"/>
+              <a:buChar char=""/>
+              <a:defRPr sz="1200" kern="1200">
+                <a:solidFill>
+                  <a:schemeClr val="tx1"/>
+                </a:solidFill>
+                <a:latin typeface="+mn-lt"/>
+                <a:ea typeface="+mn-ea"/>
+                <a:cs typeface="+mn-cs"/>
+              </a:defRPr>
+            </a:lvl5pPr>
+            <a:lvl6pPr marL="2400000" indent="-228600" algn="l" defTabSz="457200" rtl="0" eaLnBrk="1" latinLnBrk="0" hangingPunct="1">
+              <a:spcBef>
+                <a:spcPct val="20000"/>
+              </a:spcBef>
+              <a:spcAft>
+                <a:spcPts val="600"/>
+              </a:spcAft>
+              <a:buClr>
+                <a:schemeClr val="accent1"/>
+              </a:buClr>
+              <a:buFont typeface="Wingdings 2" charset="2"/>
+              <a:buChar char=""/>
+              <a:defRPr sz="1200" kern="1200">
+                <a:solidFill>
+                  <a:schemeClr val="tx1"/>
+                </a:solidFill>
+                <a:latin typeface="+mn-lt"/>
+                <a:ea typeface="+mn-ea"/>
+                <a:cs typeface="+mn-cs"/>
+              </a:defRPr>
+            </a:lvl6pPr>
+            <a:lvl7pPr marL="2800000" indent="-228600" algn="l" defTabSz="457200" rtl="0" eaLnBrk="1" latinLnBrk="0" hangingPunct="1">
+              <a:spcBef>
+                <a:spcPct val="20000"/>
+              </a:spcBef>
+              <a:spcAft>
+                <a:spcPts val="600"/>
+              </a:spcAft>
+              <a:buClr>
+                <a:schemeClr val="accent1"/>
+              </a:buClr>
+              <a:buFont typeface="Wingdings 2" charset="2"/>
+              <a:buChar char=""/>
+              <a:defRPr sz="1200" kern="1200">
+                <a:solidFill>
+                  <a:schemeClr val="tx1"/>
+                </a:solidFill>
+                <a:latin typeface="+mn-lt"/>
+                <a:ea typeface="+mn-ea"/>
+                <a:cs typeface="+mn-cs"/>
+              </a:defRPr>
+            </a:lvl7pPr>
+            <a:lvl8pPr marL="3200000" indent="-228600" algn="l" defTabSz="457200" rtl="0" eaLnBrk="1" latinLnBrk="0" hangingPunct="1">
+              <a:spcBef>
+                <a:spcPct val="20000"/>
+              </a:spcBef>
+              <a:spcAft>
+                <a:spcPts val="600"/>
+              </a:spcAft>
+              <a:buClr>
+                <a:schemeClr val="accent1"/>
+              </a:buClr>
+              <a:buFont typeface="Wingdings 2" charset="2"/>
+              <a:buChar char=""/>
+              <a:defRPr sz="1200" kern="1200">
+                <a:solidFill>
+                  <a:schemeClr val="tx1"/>
+                </a:solidFill>
+                <a:latin typeface="+mn-lt"/>
+                <a:ea typeface="+mn-ea"/>
+                <a:cs typeface="+mn-cs"/>
+              </a:defRPr>
+            </a:lvl8pPr>
+            <a:lvl9pPr marL="3600000" indent="-228600" algn="l" defTabSz="457200" rtl="0" eaLnBrk="1" latinLnBrk="0" hangingPunct="1">
+              <a:spcBef>
+                <a:spcPct val="20000"/>
+              </a:spcBef>
+              <a:spcAft>
+                <a:spcPts val="600"/>
+              </a:spcAft>
+              <a:buClr>
+                <a:schemeClr val="accent1"/>
+              </a:buClr>
+              <a:buFont typeface="Wingdings 2" charset="2"/>
+              <a:buChar char=""/>
+              <a:defRPr sz="1200" kern="1200">
+                <a:solidFill>
+                  <a:schemeClr val="tx1"/>
+                </a:solidFill>
+                <a:latin typeface="+mn-lt"/>
+                <a:ea typeface="+mn-ea"/>
+                <a:cs typeface="+mn-cs"/>
+              </a:defRPr>
+            </a:lvl9pPr>
+          </a:lstStyle>
+          <a:p>
+            <a:r>
+              <a:rPr lang="fr-FR" dirty="0"/>
+              <a:t>A </a:t>
+            </a:r>
+            <a:r>
+              <a:rPr lang="fr-FR" dirty="0" err="1"/>
+              <a:t>forward</a:t>
+            </a:r>
+            <a:r>
+              <a:rPr lang="fr-FR" dirty="0"/>
+              <a:t> </a:t>
+            </a:r>
+            <a:r>
+              <a:rPr lang="fr-FR" dirty="0" err="1"/>
+              <a:t>selector</a:t>
+            </a:r>
+            <a:r>
+              <a:rPr lang="fr-FR" dirty="0"/>
+              <a:t> : </a:t>
+            </a:r>
+            <a:r>
+              <a:rPr lang="fr-FR" dirty="0" err="1"/>
+              <a:t>enhance</a:t>
+            </a:r>
+            <a:r>
+              <a:rPr lang="fr-FR" dirty="0"/>
+              <a:t> the futur clustering by </a:t>
+            </a:r>
+            <a:r>
+              <a:rPr lang="fr-FR" dirty="0" err="1"/>
+              <a:t>calculating</a:t>
+            </a:r>
+            <a:r>
+              <a:rPr lang="fr-FR" dirty="0"/>
+              <a:t> how « good » a </a:t>
+            </a:r>
+            <a:r>
+              <a:rPr lang="fr-FR" dirty="0" err="1"/>
+              <a:t>feature</a:t>
+            </a:r>
+            <a:r>
+              <a:rPr lang="fr-FR" dirty="0"/>
+              <a:t> </a:t>
+            </a:r>
+            <a:r>
+              <a:rPr lang="fr-FR" dirty="0" err="1"/>
+              <a:t>is</a:t>
+            </a:r>
+            <a:r>
+              <a:rPr lang="fr-FR" dirty="0"/>
+              <a:t> in </a:t>
+            </a:r>
+            <a:r>
+              <a:rPr lang="fr-FR" dirty="0" err="1"/>
+              <a:t>order</a:t>
+            </a:r>
+            <a:r>
+              <a:rPr lang="fr-FR" dirty="0"/>
+              <a:t> to </a:t>
+            </a:r>
+            <a:r>
+              <a:rPr lang="fr-FR" dirty="0" err="1"/>
+              <a:t>obtain</a:t>
             </a:r>
             <a:r>
               <a:rPr lang="fr-FR" dirty="0"/>
@@ -19091,59 +22743,11 @@
             </a:r>
             <a:r>
               <a:rPr lang="fr-FR" dirty="0" err="1"/>
-              <a:t>boolean</a:t>
-            </a:r>
-            <a:r>
-              <a:rPr lang="fr-FR" dirty="0"/>
-              <a:t> </a:t>
-            </a:r>
-            <a:r>
-              <a:rPr lang="fr-FR" dirty="0" err="1"/>
-              <a:t>feature</a:t>
-            </a:r>
-            <a:r>
-              <a:rPr lang="fr-FR" dirty="0"/>
-              <a:t> </a:t>
-            </a:r>
-            <a:r>
-              <a:rPr lang="fr-FR" dirty="0" err="1"/>
-              <a:t>takes</a:t>
-            </a:r>
-            <a:r>
-              <a:rPr lang="fr-FR" dirty="0"/>
-              <a:t> the lead, </a:t>
-            </a:r>
-            <a:r>
-              <a:rPr lang="fr-FR" dirty="0" err="1"/>
-              <a:t>is</a:t>
-            </a:r>
-            <a:r>
-              <a:rPr lang="fr-FR" dirty="0"/>
-              <a:t> </a:t>
-            </a:r>
-            <a:r>
-              <a:rPr lang="fr-FR" dirty="0" err="1"/>
-              <a:t>it</a:t>
-            </a:r>
-            <a:r>
-              <a:rPr lang="fr-FR" dirty="0"/>
-              <a:t> right to </a:t>
-            </a:r>
-            <a:r>
-              <a:rPr lang="fr-FR" dirty="0" err="1"/>
-              <a:t>remedy</a:t>
-            </a:r>
-            <a:r>
-              <a:rPr lang="fr-FR" dirty="0"/>
-              <a:t> </a:t>
-            </a:r>
-            <a:r>
-              <a:rPr lang="fr-FR" dirty="0" err="1"/>
-              <a:t>this</a:t>
-            </a:r>
-            <a:r>
-              <a:rPr lang="fr-FR" dirty="0"/>
-              <a:t>, and how</a:t>
+              <a:t>better</a:t>
+            </a:r>
+            <a:r>
+              <a:rPr lang="fr-FR" dirty="0"/>
+              <a:t> clustering.</a:t>
             </a:r>
             <a:endParaRPr lang="en-US" dirty="0"/>
           </a:p>
@@ -19153,295 +22757,6 @@
     <p:extLst>
       <p:ext uri="{BB962C8B-B14F-4D97-AF65-F5344CB8AC3E}">
         <p14:creationId xmlns:p14="http://schemas.microsoft.com/office/powerpoint/2010/main" val="2064655617"/>
-      </p:ext>
-    </p:extLst>
-  </p:cSld>
-  <p:clrMapOvr>
-    <a:masterClrMapping/>
-  </p:clrMapOvr>
-</p:sld>
-</file>
-
-<file path=ppt/slides/slide7.xml><?xml version="1.0" encoding="utf-8"?>
-<p:sld xmlns:a="http://schemas.openxmlformats.org/drawingml/2006/main" xmlns:r="http://schemas.openxmlformats.org/officeDocument/2006/relationships" xmlns:p="http://schemas.openxmlformats.org/presentationml/2006/main">
-  <p:cSld>
-    <p:spTree>
-      <p:nvGrpSpPr>
-        <p:cNvPr id="1" name=""/>
-        <p:cNvGrpSpPr/>
-        <p:nvPr/>
-      </p:nvGrpSpPr>
-      <p:grpSpPr>
-        <a:xfrm>
-          <a:off x="0" y="0"/>
-          <a:ext cx="0" cy="0"/>
-          <a:chOff x="0" y="0"/>
-          <a:chExt cx="0" cy="0"/>
-        </a:xfrm>
-      </p:grpSpPr>
-      <p:sp>
-        <p:nvSpPr>
-          <p:cNvPr id="2" name="Titre 1">
-            <a:extLst>
-              <a:ext uri="{FF2B5EF4-FFF2-40B4-BE49-F238E27FC236}">
-                <a16:creationId xmlns:a16="http://schemas.microsoft.com/office/drawing/2014/main" id="{162C6AC0-4086-473A-9BFC-0DD763AC569C}"/>
-              </a:ext>
-            </a:extLst>
-          </p:cNvPr>
-          <p:cNvSpPr>
-            <a:spLocks noGrp="1"/>
-          </p:cNvSpPr>
-          <p:nvPr>
-            <p:ph type="title"/>
-          </p:nvPr>
-        </p:nvSpPr>
-        <p:spPr/>
-        <p:txBody>
-          <a:bodyPr/>
-          <a:lstStyle/>
-          <a:p>
-            <a:r>
-              <a:rPr lang="fr-FR" dirty="0"/>
-              <a:t>EDA insights</a:t>
-            </a:r>
-            <a:endParaRPr lang="en-US" dirty="0"/>
-          </a:p>
-        </p:txBody>
-      </p:sp>
-      <p:sp>
-        <p:nvSpPr>
-          <p:cNvPr id="3" name="Espace réservé du contenu 2">
-            <a:extLst>
-              <a:ext uri="{FF2B5EF4-FFF2-40B4-BE49-F238E27FC236}">
-                <a16:creationId xmlns:a16="http://schemas.microsoft.com/office/drawing/2014/main" id="{45F21FA5-01E4-436C-8030-5EBC94265F05}"/>
-              </a:ext>
-            </a:extLst>
-          </p:cNvPr>
-          <p:cNvSpPr>
-            <a:spLocks noGrp="1"/>
-          </p:cNvSpPr>
-          <p:nvPr>
-            <p:ph idx="1"/>
-          </p:nvPr>
-        </p:nvSpPr>
-        <p:spPr>
-          <a:xfrm>
-            <a:off x="303808" y="1748902"/>
-            <a:ext cx="10554574" cy="4101020"/>
-          </a:xfrm>
-        </p:spPr>
-        <p:txBody>
-          <a:bodyPr/>
-          <a:lstStyle/>
-          <a:p>
-            <a:r>
-              <a:rPr lang="fr-FR" dirty="0"/>
-              <a:t>« </a:t>
-            </a:r>
-            <a:r>
-              <a:rPr lang="fr-FR" dirty="0" err="1"/>
-              <a:t>Delivered</a:t>
-            </a:r>
-            <a:r>
-              <a:rPr lang="fr-FR" dirty="0"/>
-              <a:t> » </a:t>
-            </a:r>
-            <a:r>
-              <a:rPr lang="fr-FR" dirty="0" err="1"/>
-              <a:t>Orders</a:t>
-            </a:r>
-            <a:r>
-              <a:rPr lang="fr-FR" dirty="0"/>
-              <a:t> </a:t>
-            </a:r>
-            <a:r>
-              <a:rPr lang="fr-FR" dirty="0" err="1"/>
-              <a:t>only</a:t>
-            </a:r>
-            <a:r>
-              <a:rPr lang="fr-FR" dirty="0"/>
-              <a:t> :</a:t>
-            </a:r>
-          </a:p>
-          <a:p>
-            <a:pPr lvl="1"/>
-            <a:r>
-              <a:rPr lang="fr-FR" dirty="0"/>
-              <a:t>Raw </a:t>
-            </a:r>
-            <a:r>
-              <a:rPr lang="fr-FR" dirty="0" err="1"/>
-              <a:t>features</a:t>
-            </a:r>
-            <a:r>
-              <a:rPr lang="fr-FR" dirty="0"/>
-              <a:t> : </a:t>
-            </a:r>
-          </a:p>
-          <a:p>
-            <a:pPr lvl="2"/>
-            <a:r>
-              <a:rPr lang="fr-FR" dirty="0" err="1"/>
-              <a:t>Numerical</a:t>
-            </a:r>
-            <a:r>
-              <a:rPr lang="fr-FR" dirty="0"/>
-              <a:t> : </a:t>
-            </a:r>
-            <a:r>
-              <a:rPr lang="fr-FR" dirty="0" err="1"/>
-              <a:t>order_purchase_day</a:t>
-            </a:r>
-            <a:r>
-              <a:rPr lang="fr-FR" dirty="0"/>
-              <a:t>, </a:t>
-            </a:r>
-            <a:r>
-              <a:rPr lang="en-US" dirty="0" err="1"/>
-              <a:t>order_purchase_dayofweek</a:t>
-            </a:r>
-            <a:r>
-              <a:rPr lang="en-US" dirty="0"/>
-              <a:t>, </a:t>
-            </a:r>
-            <a:r>
-              <a:rPr lang="en-US" dirty="0" err="1"/>
-              <a:t>order_purchase_hour</a:t>
-            </a:r>
-            <a:r>
-              <a:rPr lang="en-US" dirty="0"/>
-              <a:t>.</a:t>
-            </a:r>
-          </a:p>
-          <a:p>
-            <a:pPr lvl="1"/>
-            <a:r>
-              <a:rPr lang="fr-FR" dirty="0"/>
-              <a:t>Advanced </a:t>
-            </a:r>
-            <a:r>
-              <a:rPr lang="fr-FR" dirty="0" err="1"/>
-              <a:t>features</a:t>
-            </a:r>
-            <a:r>
-              <a:rPr lang="fr-FR" dirty="0"/>
-              <a:t> : </a:t>
-            </a:r>
-          </a:p>
-          <a:p>
-            <a:pPr lvl="2"/>
-            <a:r>
-              <a:rPr lang="fr-FR" dirty="0" err="1"/>
-              <a:t>Numerical</a:t>
-            </a:r>
-            <a:r>
-              <a:rPr lang="fr-FR" dirty="0"/>
-              <a:t> :  ‘</a:t>
-            </a:r>
-            <a:r>
-              <a:rPr lang="fr-FR" dirty="0" err="1"/>
-              <a:t>estimated_delivery_time</a:t>
-            </a:r>
-            <a:r>
-              <a:rPr lang="fr-FR" dirty="0"/>
-              <a:t>’, '</a:t>
-            </a:r>
-            <a:r>
-              <a:rPr lang="fr-FR" dirty="0" err="1"/>
-              <a:t>effective_delivery_time</a:t>
-            </a:r>
-            <a:r>
-              <a:rPr lang="fr-FR" dirty="0"/>
-              <a:t>’, '</a:t>
-            </a:r>
-            <a:r>
-              <a:rPr lang="fr-FR" dirty="0" err="1"/>
-              <a:t>delivery_vs_estimated</a:t>
-            </a:r>
-            <a:r>
-              <a:rPr lang="fr-FR" dirty="0"/>
-              <a:t>’, </a:t>
-            </a:r>
-          </a:p>
-          <a:p>
-            <a:pPr lvl="2"/>
-            <a:r>
-              <a:rPr lang="fr-FR" dirty="0" err="1"/>
-              <a:t>Categorical</a:t>
-            </a:r>
-            <a:r>
-              <a:rPr lang="fr-FR" dirty="0"/>
-              <a:t> : « </a:t>
-            </a:r>
-            <a:r>
-              <a:rPr lang="fr-FR" dirty="0" err="1"/>
-              <a:t>Purchase_Time_Zone</a:t>
-            </a:r>
-            <a:r>
-              <a:rPr lang="fr-FR" dirty="0"/>
-              <a:t> », </a:t>
-            </a:r>
-            <a:r>
-              <a:rPr lang="fr-FR" dirty="0" err="1"/>
-              <a:t>dividing</a:t>
-            </a:r>
-            <a:r>
-              <a:rPr lang="fr-FR" dirty="0"/>
-              <a:t> the </a:t>
-            </a:r>
-            <a:r>
-              <a:rPr lang="fr-FR" dirty="0" err="1"/>
-              <a:t>week</a:t>
-            </a:r>
-            <a:r>
-              <a:rPr lang="fr-FR" dirty="0"/>
-              <a:t> </a:t>
-            </a:r>
-            <a:r>
-              <a:rPr lang="fr-FR" dirty="0" err="1"/>
-              <a:t>into</a:t>
-            </a:r>
-            <a:r>
-              <a:rPr lang="fr-FR" dirty="0"/>
-              <a:t> 5 </a:t>
-            </a:r>
-            <a:r>
-              <a:rPr lang="fr-FR" dirty="0" err="1"/>
-              <a:t>balanced</a:t>
-            </a:r>
-            <a:r>
-              <a:rPr lang="fr-FR" dirty="0"/>
-              <a:t> </a:t>
-            </a:r>
-            <a:r>
-              <a:rPr lang="fr-FR" dirty="0" err="1"/>
-              <a:t>Time_Zone</a:t>
-            </a:r>
-            <a:r>
-              <a:rPr lang="fr-FR" dirty="0"/>
-              <a:t>.</a:t>
-            </a:r>
-          </a:p>
-          <a:p>
-            <a:pPr lvl="2"/>
-            <a:endParaRPr lang="fr-FR" dirty="0"/>
-          </a:p>
-          <a:p>
-            <a:pPr lvl="2"/>
-            <a:endParaRPr lang="fr-FR" dirty="0"/>
-          </a:p>
-          <a:p>
-            <a:endParaRPr lang="fr-FR" dirty="0"/>
-          </a:p>
-          <a:p>
-            <a:endParaRPr lang="en-US" dirty="0"/>
-          </a:p>
-        </p:txBody>
-      </p:sp>
-    </p:spTree>
-    <p:extLst>
-      <p:ext uri="{BB962C8B-B14F-4D97-AF65-F5344CB8AC3E}">
-        <p14:creationId xmlns:p14="http://schemas.microsoft.com/office/powerpoint/2010/main" val="1048212155"/>
       </p:ext>
     </p:extLst>
   </p:cSld>
@@ -22336,4 +25651,299 @@
     </a:ext>
   </a:extLst>
 </a:theme>
+</file>
+
+<file path=ppt/theme/theme2.xml><?xml version="1.0" encoding="utf-8"?>
+<a:theme xmlns:a="http://schemas.openxmlformats.org/drawingml/2006/main" name="Thème Office">
+  <a:themeElements>
+    <a:clrScheme name="Office">
+      <a:dk1>
+        <a:sysClr val="windowText" lastClr="000000"/>
+      </a:dk1>
+      <a:lt1>
+        <a:sysClr val="window" lastClr="FFFFFF"/>
+      </a:lt1>
+      <a:dk2>
+        <a:srgbClr val="44546A"/>
+      </a:dk2>
+      <a:lt2>
+        <a:srgbClr val="E7E6E6"/>
+      </a:lt2>
+      <a:accent1>
+        <a:srgbClr val="4472C4"/>
+      </a:accent1>
+      <a:accent2>
+        <a:srgbClr val="ED7D31"/>
+      </a:accent2>
+      <a:accent3>
+        <a:srgbClr val="A5A5A5"/>
+      </a:accent3>
+      <a:accent4>
+        <a:srgbClr val="FFC000"/>
+      </a:accent4>
+      <a:accent5>
+        <a:srgbClr val="5B9BD5"/>
+      </a:accent5>
+      <a:accent6>
+        <a:srgbClr val="70AD47"/>
+      </a:accent6>
+      <a:hlink>
+        <a:srgbClr val="0563C1"/>
+      </a:hlink>
+      <a:folHlink>
+        <a:srgbClr val="954F72"/>
+      </a:folHlink>
+    </a:clrScheme>
+    <a:fontScheme name="Office">
+      <a:majorFont>
+        <a:latin typeface="Calibri Light" panose="020F0302020204030204"/>
+        <a:ea typeface=""/>
+        <a:cs typeface=""/>
+        <a:font script="Jpan" typeface="游ゴシック Light"/>
+        <a:font script="Hang" typeface="맑은 고딕"/>
+        <a:font script="Hans" typeface="等线 Light"/>
+        <a:font script="Hant" typeface="新細明體"/>
+        <a:font script="Arab" typeface="Times New Roman"/>
+        <a:font script="Hebr" typeface="Times New Roman"/>
+        <a:font script="Thai" typeface="Angsana New"/>
+        <a:font script="Ethi" typeface="Nyala"/>
+        <a:font script="Beng" typeface="Vrinda"/>
+        <a:font script="Gujr" typeface="Shruti"/>
+        <a:font script="Khmr" typeface="MoolBoran"/>
+        <a:font script="Knda" typeface="Tunga"/>
+        <a:font script="Guru" typeface="Raavi"/>
+        <a:font script="Cans" typeface="Euphemia"/>
+        <a:font script="Cher" typeface="Plantagenet Cherokee"/>
+        <a:font script="Yiii" typeface="Microsoft Yi Baiti"/>
+        <a:font script="Tibt" typeface="Microsoft Himalaya"/>
+        <a:font script="Thaa" typeface="MV Boli"/>
+        <a:font script="Deva" typeface="Mangal"/>
+        <a:font script="Telu" typeface="Gautami"/>
+        <a:font script="Taml" typeface="Latha"/>
+        <a:font script="Syrc" typeface="Estrangelo Edessa"/>
+        <a:font script="Orya" typeface="Kalinga"/>
+        <a:font script="Mlym" typeface="Kartika"/>
+        <a:font script="Laoo" typeface="DokChampa"/>
+        <a:font script="Sinh" typeface="Iskoola Pota"/>
+        <a:font script="Mong" typeface="Mongolian Baiti"/>
+        <a:font script="Viet" typeface="Times New Roman"/>
+        <a:font script="Uigh" typeface="Microsoft Uighur"/>
+        <a:font script="Geor" typeface="Sylfaen"/>
+        <a:font script="Armn" typeface="Arial"/>
+        <a:font script="Bugi" typeface="Leelawadee UI"/>
+        <a:font script="Bopo" typeface="Microsoft JhengHei"/>
+        <a:font script="Java" typeface="Javanese Text"/>
+        <a:font script="Lisu" typeface="Segoe UI"/>
+        <a:font script="Mymr" typeface="Myanmar Text"/>
+        <a:font script="Nkoo" typeface="Ebrima"/>
+        <a:font script="Olck" typeface="Nirmala UI"/>
+        <a:font script="Osma" typeface="Ebrima"/>
+        <a:font script="Phag" typeface="Phagspa"/>
+        <a:font script="Syrn" typeface="Estrangelo Edessa"/>
+        <a:font script="Syrj" typeface="Estrangelo Edessa"/>
+        <a:font script="Syre" typeface="Estrangelo Edessa"/>
+        <a:font script="Sora" typeface="Nirmala UI"/>
+        <a:font script="Tale" typeface="Microsoft Tai Le"/>
+        <a:font script="Talu" typeface="Microsoft New Tai Lue"/>
+        <a:font script="Tfng" typeface="Ebrima"/>
+      </a:majorFont>
+      <a:minorFont>
+        <a:latin typeface="Calibri" panose="020F0502020204030204"/>
+        <a:ea typeface=""/>
+        <a:cs typeface=""/>
+        <a:font script="Jpan" typeface="游ゴシック"/>
+        <a:font script="Hang" typeface="맑은 고딕"/>
+        <a:font script="Hans" typeface="等线"/>
+        <a:font script="Hant" typeface="新細明體"/>
+        <a:font script="Arab" typeface="Arial"/>
+        <a:font script="Hebr" typeface="Arial"/>
+        <a:font script="Thai" typeface="Cordia New"/>
+        <a:font script="Ethi" typeface="Nyala"/>
+        <a:font script="Beng" typeface="Vrinda"/>
+        <a:font script="Gujr" typeface="Shruti"/>
+        <a:font script="Khmr" typeface="DaunPenh"/>
+        <a:font script="Knda" typeface="Tunga"/>
+        <a:font script="Guru" typeface="Raavi"/>
+        <a:font script="Cans" typeface="Euphemia"/>
+        <a:font script="Cher" typeface="Plantagenet Cherokee"/>
+        <a:font script="Yiii" typeface="Microsoft Yi Baiti"/>
+        <a:font script="Tibt" typeface="Microsoft Himalaya"/>
+        <a:font script="Thaa" typeface="MV Boli"/>
+        <a:font script="Deva" typeface="Mangal"/>
+        <a:font script="Telu" typeface="Gautami"/>
+        <a:font script="Taml" typeface="Latha"/>
+        <a:font script="Syrc" typeface="Estrangelo Edessa"/>
+        <a:font script="Orya" typeface="Kalinga"/>
+        <a:font script="Mlym" typeface="Kartika"/>
+        <a:font script="Laoo" typeface="DokChampa"/>
+        <a:font script="Sinh" typeface="Iskoola Pota"/>
+        <a:font script="Mong" typeface="Mongolian Baiti"/>
+        <a:font script="Viet" typeface="Arial"/>
+        <a:font script="Uigh" typeface="Microsoft Uighur"/>
+        <a:font script="Geor" typeface="Sylfaen"/>
+        <a:font script="Armn" typeface="Arial"/>
+        <a:font script="Bugi" typeface="Leelawadee UI"/>
+        <a:font script="Bopo" typeface="Microsoft JhengHei"/>
+        <a:font script="Java" typeface="Javanese Text"/>
+        <a:font script="Lisu" typeface="Segoe UI"/>
+        <a:font script="Mymr" typeface="Myanmar Text"/>
+        <a:font script="Nkoo" typeface="Ebrima"/>
+        <a:font script="Olck" typeface="Nirmala UI"/>
+        <a:font script="Osma" typeface="Ebrima"/>
+        <a:font script="Phag" typeface="Phagspa"/>
+        <a:font script="Syrn" typeface="Estrangelo Edessa"/>
+        <a:font script="Syrj" typeface="Estrangelo Edessa"/>
+        <a:font script="Syre" typeface="Estrangelo Edessa"/>
+        <a:font script="Sora" typeface="Nirmala UI"/>
+        <a:font script="Tale" typeface="Microsoft Tai Le"/>
+        <a:font script="Talu" typeface="Microsoft New Tai Lue"/>
+        <a:font script="Tfng" typeface="Ebrima"/>
+      </a:minorFont>
+    </a:fontScheme>
+    <a:fmtScheme name="Office">
+      <a:fillStyleLst>
+        <a:solidFill>
+          <a:schemeClr val="phClr"/>
+        </a:solidFill>
+        <a:gradFill rotWithShape="1">
+          <a:gsLst>
+            <a:gs pos="0">
+              <a:schemeClr val="phClr">
+                <a:lumMod val="110000"/>
+                <a:satMod val="105000"/>
+                <a:tint val="67000"/>
+              </a:schemeClr>
+            </a:gs>
+            <a:gs pos="50000">
+              <a:schemeClr val="phClr">
+                <a:lumMod val="105000"/>
+                <a:satMod val="103000"/>
+                <a:tint val="73000"/>
+              </a:schemeClr>
+            </a:gs>
+            <a:gs pos="100000">
+              <a:schemeClr val="phClr">
+                <a:lumMod val="105000"/>
+                <a:satMod val="109000"/>
+                <a:tint val="81000"/>
+              </a:schemeClr>
+            </a:gs>
+          </a:gsLst>
+          <a:lin ang="5400000" scaled="0"/>
+        </a:gradFill>
+        <a:gradFill rotWithShape="1">
+          <a:gsLst>
+            <a:gs pos="0">
+              <a:schemeClr val="phClr">
+                <a:satMod val="103000"/>
+                <a:lumMod val="102000"/>
+                <a:tint val="94000"/>
+              </a:schemeClr>
+            </a:gs>
+            <a:gs pos="50000">
+              <a:schemeClr val="phClr">
+                <a:satMod val="110000"/>
+                <a:lumMod val="100000"/>
+                <a:shade val="100000"/>
+              </a:schemeClr>
+            </a:gs>
+            <a:gs pos="100000">
+              <a:schemeClr val="phClr">
+                <a:lumMod val="99000"/>
+                <a:satMod val="120000"/>
+                <a:shade val="78000"/>
+              </a:schemeClr>
+            </a:gs>
+          </a:gsLst>
+          <a:lin ang="5400000" scaled="0"/>
+        </a:gradFill>
+      </a:fillStyleLst>
+      <a:lnStyleLst>
+        <a:ln w="6350" cap="flat" cmpd="sng" algn="ctr">
+          <a:solidFill>
+            <a:schemeClr val="phClr"/>
+          </a:solidFill>
+          <a:prstDash val="solid"/>
+          <a:miter lim="800000"/>
+        </a:ln>
+        <a:ln w="12700" cap="flat" cmpd="sng" algn="ctr">
+          <a:solidFill>
+            <a:schemeClr val="phClr"/>
+          </a:solidFill>
+          <a:prstDash val="solid"/>
+          <a:miter lim="800000"/>
+        </a:ln>
+        <a:ln w="19050" cap="flat" cmpd="sng" algn="ctr">
+          <a:solidFill>
+            <a:schemeClr val="phClr"/>
+          </a:solidFill>
+          <a:prstDash val="solid"/>
+          <a:miter lim="800000"/>
+        </a:ln>
+      </a:lnStyleLst>
+      <a:effectStyleLst>
+        <a:effectStyle>
+          <a:effectLst/>
+        </a:effectStyle>
+        <a:effectStyle>
+          <a:effectLst/>
+        </a:effectStyle>
+        <a:effectStyle>
+          <a:effectLst>
+            <a:outerShdw blurRad="57150" dist="19050" dir="5400000" algn="ctr" rotWithShape="0">
+              <a:srgbClr val="000000">
+                <a:alpha val="63000"/>
+              </a:srgbClr>
+            </a:outerShdw>
+          </a:effectLst>
+        </a:effectStyle>
+      </a:effectStyleLst>
+      <a:bgFillStyleLst>
+        <a:solidFill>
+          <a:schemeClr val="phClr"/>
+        </a:solidFill>
+        <a:solidFill>
+          <a:schemeClr val="phClr">
+            <a:tint val="95000"/>
+            <a:satMod val="170000"/>
+          </a:schemeClr>
+        </a:solidFill>
+        <a:gradFill rotWithShape="1">
+          <a:gsLst>
+            <a:gs pos="0">
+              <a:schemeClr val="phClr">
+                <a:tint val="93000"/>
+                <a:satMod val="150000"/>
+                <a:shade val="98000"/>
+                <a:lumMod val="102000"/>
+              </a:schemeClr>
+            </a:gs>
+            <a:gs pos="50000">
+              <a:schemeClr val="phClr">
+                <a:tint val="98000"/>
+                <a:satMod val="130000"/>
+                <a:shade val="90000"/>
+                <a:lumMod val="103000"/>
+              </a:schemeClr>
+            </a:gs>
+            <a:gs pos="100000">
+              <a:schemeClr val="phClr">
+                <a:shade val="63000"/>
+                <a:satMod val="120000"/>
+              </a:schemeClr>
+            </a:gs>
+          </a:gsLst>
+          <a:lin ang="5400000" scaled="0"/>
+        </a:gradFill>
+      </a:bgFillStyleLst>
+    </a:fmtScheme>
+  </a:themeElements>
+  <a:objectDefaults/>
+  <a:extraClrSchemeLst/>
+  <a:extLst>
+    <a:ext uri="{05A4C25C-085E-4340-85A3-A5531E510DB2}">
+      <thm15:themeFamily xmlns:thm15="http://schemas.microsoft.com/office/thememl/2012/main" name="Office Theme" id="{62F939B6-93AF-4DB8-9C6B-D6C7DFDC589F}" vid="{4A3C46E8-61CC-4603-A589-7422A47A8E4A}"/>
+    </a:ext>
+  </a:extLst>
+</a:theme>
 </file>
--- a/P5Olist_Présentation_initiale.pptx
+++ b/P5Olist_Présentation_initiale.pptx
@@ -14,8 +14,8 @@
     <p:sldId id="264" r:id="rId5"/>
     <p:sldId id="275" r:id="rId6"/>
     <p:sldId id="267" r:id="rId7"/>
-    <p:sldId id="280" r:id="rId8"/>
-    <p:sldId id="273" r:id="rId9"/>
+    <p:sldId id="273" r:id="rId8"/>
+    <p:sldId id="280" r:id="rId9"/>
     <p:sldId id="274" r:id="rId10"/>
     <p:sldId id="279" r:id="rId11"/>
     <p:sldId id="277" r:id="rId12"/>
@@ -219,7 +219,7 @@
           <a:p>
             <a:fld id="{56587C75-1698-4E99-B627-BC28AE6E7568}" type="datetimeFigureOut">
               <a:rPr lang="en-US" smtClean="0"/>
-              <a:t>9/23/2020</a:t>
+              <a:t>9/24/2020</a:t>
             </a:fld>
             <a:endParaRPr lang="en-US"/>
           </a:p>
@@ -1158,7 +1158,7 @@
             <a:fld id="{08B9EBBA-996F-894A-B54A-D6246ED52CEA}" type="datetimeFigureOut">
               <a:rPr lang="en-US" dirty="0"/>
               <a:pPr/>
-              <a:t>9/23/2020</a:t>
+              <a:t>9/24/2020</a:t>
             </a:fld>
             <a:endParaRPr lang="en-US" dirty="0"/>
           </a:p>
@@ -1473,7 +1473,7 @@
             <a:fld id="{18C79C5D-2A6F-F04D-97DA-BEF2467B64E4}" type="datetimeFigureOut">
               <a:rPr lang="en-US" dirty="0"/>
               <a:pPr/>
-              <a:t>9/23/2020</a:t>
+              <a:t>9/24/2020</a:t>
             </a:fld>
             <a:endParaRPr lang="en-US" dirty="0"/>
           </a:p>
@@ -1958,7 +1958,7 @@
             <a:fld id="{8DFA1846-DA80-1C48-A609-854EA85C59AD}" type="datetimeFigureOut">
               <a:rPr lang="en-US" dirty="0"/>
               <a:pPr/>
-              <a:t>9/23/2020</a:t>
+              <a:t>9/24/2020</a:t>
             </a:fld>
             <a:endParaRPr lang="en-US" dirty="0"/>
           </a:p>
@@ -2324,7 +2324,7 @@
             <a:fld id="{FBF54567-0DE4-3F47-BF90-CB84690072F9}" type="datetimeFigureOut">
               <a:rPr lang="en-US" dirty="0"/>
               <a:pPr/>
-              <a:t>9/23/2020</a:t>
+              <a:t>9/24/2020</a:t>
             </a:fld>
             <a:endParaRPr lang="en-US" dirty="0"/>
           </a:p>
@@ -2594,7 +2594,7 @@
             <a:fld id="{C6C52C72-DE31-F449-A4ED-4C594FD91407}" type="datetimeFigureOut">
               <a:rPr lang="en-US" dirty="0"/>
               <a:pPr/>
-              <a:t>9/23/2020</a:t>
+              <a:t>9/24/2020</a:t>
             </a:fld>
             <a:endParaRPr lang="en-US" dirty="0"/>
           </a:p>
@@ -2876,7 +2876,7 @@
             <a:fld id="{ED62726E-379B-B349-9EED-81ED093FA806}" type="datetimeFigureOut">
               <a:rPr lang="en-US" dirty="0"/>
               <a:pPr/>
-              <a:t>9/23/2020</a:t>
+              <a:t>9/24/2020</a:t>
             </a:fld>
             <a:endParaRPr lang="en-US" dirty="0"/>
           </a:p>
@@ -3156,7 +3156,7 @@
             <a:fld id="{9B3A1323-8D79-1946-B0D7-40001CF92E9D}" type="datetimeFigureOut">
               <a:rPr lang="en-US" dirty="0"/>
               <a:pPr/>
-              <a:t>9/23/2020</a:t>
+              <a:t>9/24/2020</a:t>
             </a:fld>
             <a:endParaRPr lang="en-US" dirty="0"/>
           </a:p>
@@ -3496,7 +3496,7 @@
             <a:fld id="{8DFA1846-DA80-1C48-A609-854EA85C59AD}" type="datetimeFigureOut">
               <a:rPr lang="en-US" dirty="0"/>
               <a:pPr/>
-              <a:t>9/23/2020</a:t>
+              <a:t>9/24/2020</a:t>
             </a:fld>
             <a:endParaRPr lang="en-US" dirty="0"/>
           </a:p>
@@ -3832,7 +3832,7 @@
             <a:fld id="{57302355-E14B-8545-A8F8-0FE83CC9D524}" type="datetimeFigureOut">
               <a:rPr lang="en-US" dirty="0"/>
               <a:pPr/>
-              <a:t>9/23/2020</a:t>
+              <a:t>9/24/2020</a:t>
             </a:fld>
             <a:endParaRPr lang="en-US" dirty="0"/>
           </a:p>
@@ -4311,7 +4311,7 @@
             <a:fld id="{02640F58-564D-2B4F-AE67-E407BA4FCF45}" type="datetimeFigureOut">
               <a:rPr lang="en-US" dirty="0"/>
               <a:pPr/>
-              <a:t>9/23/2020</a:t>
+              <a:t>9/24/2020</a:t>
             </a:fld>
             <a:endParaRPr lang="en-US" dirty="0"/>
           </a:p>
@@ -4534,7 +4534,7 @@
             <a:fld id="{F13A34C8-038E-2045-AF43-DF7DBB8E0E9E}" type="datetimeFigureOut">
               <a:rPr lang="en-US" dirty="0"/>
               <a:pPr/>
-              <a:t>9/23/2020</a:t>
+              <a:t>9/24/2020</a:t>
             </a:fld>
             <a:endParaRPr lang="en-US" dirty="0"/>
           </a:p>
@@ -4626,7 +4626,7 @@
             <a:fld id="{8818C68F-D26B-8F47-958C-23B49CF8A634}" type="datetimeFigureOut">
               <a:rPr lang="en-US" dirty="0"/>
               <a:pPr/>
-              <a:t>9/23/2020</a:t>
+              <a:t>9/24/2020</a:t>
             </a:fld>
             <a:endParaRPr lang="en-US" dirty="0"/>
           </a:p>
@@ -5090,7 +5090,7 @@
             <a:fld id="{D0DF5E60-9974-AC48-9591-99C2BB44B7CF}" type="datetimeFigureOut">
               <a:rPr lang="en-US" dirty="0"/>
               <a:pPr/>
-              <a:t>9/23/2020</a:t>
+              <a:t>9/24/2020</a:t>
             </a:fld>
             <a:endParaRPr lang="en-US" dirty="0"/>
           </a:p>
@@ -5400,7 +5400,7 @@
             <a:fld id="{18C79C5D-2A6F-F04D-97DA-BEF2467B64E4}" type="datetimeFigureOut">
               <a:rPr lang="en-US" dirty="0"/>
               <a:pPr/>
-              <a:t>9/23/2020</a:t>
+              <a:t>9/24/2020</a:t>
             </a:fld>
             <a:endParaRPr lang="en-US" dirty="0"/>
           </a:p>
@@ -5667,7 +5667,7 @@
             <a:fld id="{09B482E8-6E0E-1B4F-B1FD-C69DB9E858D9}" type="datetimeFigureOut">
               <a:rPr lang="en-US" dirty="0"/>
               <a:pPr/>
-              <a:t>9/23/2020</a:t>
+              <a:t>9/24/2020</a:t>
             </a:fld>
             <a:endParaRPr lang="en-US" dirty="0"/>
           </a:p>
@@ -14426,6 +14426,18 @@
           <a:bodyPr/>
           <a:lstStyle/>
           <a:p>
+            <a:r>
+              <a:rPr lang="fr-FR" dirty="0"/>
+              <a:t>How to </a:t>
+            </a:r>
+            <a:r>
+              <a:rPr lang="fr-FR" dirty="0" err="1"/>
+              <a:t>proceed</a:t>
+            </a:r>
+            <a:r>
+              <a:rPr lang="fr-FR" dirty="0"/>
+              <a:t> ?</a:t>
+            </a:r>
             <a:endParaRPr lang="en-US" dirty="0"/>
           </a:p>
         </p:txBody>
@@ -14451,7 +14463,43 @@
           <a:bodyPr/>
           <a:lstStyle/>
           <a:p>
-            <a:endParaRPr lang="en-US"/>
+            <a:r>
+              <a:rPr lang="fr-FR" dirty="0"/>
+              <a:t>EDA &amp; </a:t>
+            </a:r>
+            <a:r>
+              <a:rPr lang="fr-FR" dirty="0" err="1"/>
+              <a:t>Feature</a:t>
+            </a:r>
+            <a:r>
+              <a:rPr lang="fr-FR" dirty="0"/>
+              <a:t> Engineering</a:t>
+            </a:r>
+          </a:p>
+          <a:p>
+            <a:endParaRPr lang="fr-FR" dirty="0"/>
+          </a:p>
+          <a:p>
+            <a:r>
+              <a:rPr lang="fr-FR" dirty="0"/>
+              <a:t>Best action for</a:t>
+            </a:r>
+          </a:p>
+          <a:p>
+            <a:endParaRPr lang="fr-FR" dirty="0"/>
+          </a:p>
+          <a:p>
+            <a:r>
+              <a:rPr lang="fr-FR" dirty="0" err="1"/>
+              <a:t>Satbility</a:t>
+            </a:r>
+            <a:endParaRPr lang="fr-FR" dirty="0"/>
+          </a:p>
+          <a:p>
+            <a:endParaRPr lang="fr-FR" dirty="0"/>
+          </a:p>
+          <a:p>
+            <a:endParaRPr lang="fr-FR" dirty="0"/>
           </a:p>
         </p:txBody>
       </p:sp>
@@ -18619,7 +18667,7 @@
         </p:spPr>
         <p:txBody>
           <a:bodyPr vert="horz" lIns="91440" tIns="45720" rIns="91440" bIns="45720" rtlCol="0" anchor="ctr">
-            <a:normAutofit fontScale="85000" lnSpcReduction="20000"/>
+            <a:normAutofit/>
           </a:bodyPr>
           <a:lstStyle>
             <a:lvl1pPr marL="342900" indent="-342900" algn="l" defTabSz="457200" rtl="0" eaLnBrk="1" latinLnBrk="0" hangingPunct="1">
@@ -18831,65 +18879,11 @@
             </a:r>
             <a:r>
               <a:rPr lang="fr-FR" dirty="0"/>
-              <a:t> enable to </a:t>
-            </a:r>
-            <a:r>
-              <a:rPr lang="fr-FR" dirty="0" err="1"/>
-              <a:t>gather</a:t>
-            </a:r>
-            <a:r>
-              <a:rPr lang="fr-FR" dirty="0"/>
-              <a:t> :</a:t>
-            </a:r>
-          </a:p>
-          <a:p>
-            <a:pPr lvl="1"/>
-            <a:r>
-              <a:rPr lang="fr-FR" dirty="0" err="1"/>
-              <a:t>costs</a:t>
-            </a:r>
-            <a:r>
-              <a:rPr lang="fr-FR" dirty="0"/>
-              <a:t> of </a:t>
-            </a:r>
-            <a:r>
-              <a:rPr lang="fr-FR" dirty="0" err="1"/>
-              <a:t>detailed</a:t>
-            </a:r>
-            <a:r>
-              <a:rPr lang="fr-FR" dirty="0"/>
-              <a:t> shopping </a:t>
-            </a:r>
-            <a:r>
-              <a:rPr lang="fr-FR" dirty="0" err="1"/>
-              <a:t>cart</a:t>
-            </a:r>
-            <a:r>
-              <a:rPr lang="fr-FR" dirty="0"/>
-              <a:t>, paiement </a:t>
-            </a:r>
-            <a:r>
-              <a:rPr lang="fr-FR" dirty="0" err="1"/>
-              <a:t>details</a:t>
-            </a:r>
-            <a:r>
-              <a:rPr lang="fr-FR" dirty="0"/>
-              <a:t>,</a:t>
-            </a:r>
-          </a:p>
-          <a:p>
-            <a:pPr lvl="1"/>
-            <a:r>
-              <a:rPr lang="fr-FR" dirty="0" err="1"/>
-              <a:t>accurate</a:t>
-            </a:r>
-            <a:r>
-              <a:rPr lang="fr-FR" dirty="0"/>
-              <a:t> description (but of </a:t>
-            </a:r>
-            <a:r>
-              <a:rPr lang="fr-FR" b="1" i="1" dirty="0" err="1"/>
-              <a:t>unnamed</a:t>
+              <a:t> enable </a:t>
+            </a:r>
+            <a:r>
+              <a:rPr lang="fr-FR" dirty="0" err="1"/>
+              <a:t>many</a:t>
             </a:r>
             <a:r>
               <a:rPr lang="fr-FR" dirty="0"/>
@@ -18897,23 +18891,7 @@
             </a:r>
             <a:r>
               <a:rPr lang="fr-FR" dirty="0" err="1"/>
-              <a:t>products</a:t>
-            </a:r>
-            <a:r>
-              <a:rPr lang="fr-FR" dirty="0"/>
-              <a:t>), </a:t>
-            </a:r>
-            <a:r>
-              <a:rPr lang="fr-FR" dirty="0" err="1"/>
-              <a:t>attached</a:t>
-            </a:r>
-            <a:r>
-              <a:rPr lang="fr-FR" dirty="0"/>
-              <a:t> to a </a:t>
-            </a:r>
-            <a:r>
-              <a:rPr lang="fr-FR" dirty="0" err="1"/>
-              <a:t>product</a:t>
+              <a:t>calculation</a:t>
             </a:r>
             <a:r>
               <a:rPr lang="fr-FR" dirty="0"/>
@@ -18921,68 +18899,7 @@
             </a:r>
             <a:r>
               <a:rPr lang="fr-FR" dirty="0" err="1"/>
-              <a:t>category</a:t>
-            </a:r>
-            <a:r>
-              <a:rPr lang="fr-FR" dirty="0"/>
-              <a:t>, </a:t>
-            </a:r>
-          </a:p>
-          <a:p>
-            <a:pPr lvl="1"/>
-            <a:r>
-              <a:rPr lang="fr-FR" dirty="0" err="1"/>
-              <a:t>review</a:t>
-            </a:r>
-            <a:r>
-              <a:rPr lang="fr-FR" dirty="0"/>
-              <a:t> score, </a:t>
-            </a:r>
-            <a:r>
-              <a:rPr lang="fr-FR" dirty="0" err="1"/>
-              <a:t>attached</a:t>
-            </a:r>
-            <a:r>
-              <a:rPr lang="fr-FR" dirty="0"/>
-              <a:t> to </a:t>
-            </a:r>
-            <a:r>
-              <a:rPr lang="fr-FR" i="1" dirty="0"/>
-              <a:t>an </a:t>
-            </a:r>
-            <a:r>
-              <a:rPr lang="fr-FR" i="1" dirty="0" err="1"/>
-              <a:t>order</a:t>
-            </a:r>
-            <a:r>
-              <a:rPr lang="fr-FR" i="1" dirty="0"/>
-              <a:t>,</a:t>
-            </a:r>
-            <a:endParaRPr lang="fr-FR" dirty="0"/>
-          </a:p>
-          <a:p>
-            <a:pPr lvl="1"/>
-            <a:r>
-              <a:rPr lang="fr-FR" dirty="0" err="1"/>
-              <a:t>customer</a:t>
-            </a:r>
-            <a:r>
-              <a:rPr lang="fr-FR" dirty="0"/>
-              <a:t> and seller </a:t>
-            </a:r>
-            <a:r>
-              <a:rPr lang="fr-FR" dirty="0" err="1"/>
-              <a:t>geolocation</a:t>
-            </a:r>
-            <a:r>
-              <a:rPr lang="fr-FR" dirty="0"/>
-              <a:t>.</a:t>
-            </a:r>
-          </a:p>
-          <a:p>
-            <a:r>
-              <a:rPr lang="fr-FR" dirty="0" err="1"/>
-              <a:t>We</a:t>
+              <a:t>with</a:t>
             </a:r>
             <a:r>
               <a:rPr lang="fr-FR" dirty="0"/>
@@ -18990,12 +18907,18 @@
             </a:r>
             <a:r>
               <a:rPr lang="fr-FR" dirty="0" err="1"/>
-              <a:t>build</a:t>
-            </a:r>
-            <a:r>
-              <a:rPr lang="fr-FR" dirty="0"/>
-              <a:t> </a:t>
-            </a:r>
+              <a:t>groupby</a:t>
+            </a:r>
+            <a:r>
+              <a:rPr lang="fr-FR" dirty="0"/>
+              <a:t> and consolidation by merge.</a:t>
+            </a:r>
+          </a:p>
+          <a:p>
+            <a:pPr>
+              <a:buFont typeface="Wingdings" panose="05000000000000000000" pitchFamily="2" charset="2"/>
+              <a:buChar char="Ø"/>
+            </a:pPr>
             <a:r>
               <a:rPr lang="fr-FR" b="1" dirty="0">
                 <a:solidFill>
@@ -19022,6 +18945,14 @@
             </a:r>
             <a:r>
               <a:rPr lang="fr-FR" dirty="0"/>
+              <a:t> are </a:t>
+            </a:r>
+            <a:r>
+              <a:rPr lang="fr-FR" dirty="0" err="1"/>
+              <a:t>derived</a:t>
+            </a:r>
+            <a:r>
+              <a:rPr lang="fr-FR" dirty="0"/>
               <a:t> to </a:t>
             </a:r>
             <a:r>
@@ -19030,13 +18961,21 @@
             </a:r>
             <a:r>
               <a:rPr lang="fr-FR" dirty="0"/>
-              <a:t> « </a:t>
+              <a:t> the </a:t>
+            </a:r>
+            <a:r>
+              <a:rPr lang="fr-FR" b="1" dirty="0"/>
+              <a:t>« </a:t>
             </a:r>
             <a:r>
               <a:rPr lang="fr-FR" b="1" dirty="0" err="1"/>
               <a:t>Who</a:t>
             </a:r>
             <a:r>
+              <a:rPr lang="fr-FR" b="1" dirty="0"/>
+              <a:t> »</a:t>
+            </a:r>
+            <a:r>
               <a:rPr lang="fr-FR" dirty="0"/>
               <a:t> </a:t>
             </a:r>
@@ -19050,18 +18989,22 @@
             </a:r>
             <a:r>
               <a:rPr lang="fr-FR" b="1" dirty="0"/>
-              <a:t> Groups »</a:t>
-            </a:r>
-            <a:r>
-              <a:rPr lang="fr-FR" dirty="0"/>
-              <a:t>, by </a:t>
-            </a:r>
-            <a:r>
-              <a:rPr lang="fr-FR" dirty="0" err="1"/>
+              <a:t> Groups</a:t>
+            </a:r>
+            <a:r>
+              <a:rPr lang="fr-FR" dirty="0"/>
+              <a:t>, </a:t>
+            </a:r>
+            <a:r>
+              <a:rPr lang="fr-FR" i="1" dirty="0"/>
+              <a:t>by </a:t>
+            </a:r>
+            <a:r>
+              <a:rPr lang="fr-FR" i="1" dirty="0" err="1"/>
               <a:t>studying</a:t>
             </a:r>
             <a:r>
-              <a:rPr lang="fr-FR" dirty="0"/>
+              <a:rPr lang="fr-FR" i="1" dirty="0"/>
               <a:t> : </a:t>
             </a:r>
           </a:p>
@@ -19633,6 +19576,26 @@
           <a:bodyPr/>
           <a:lstStyle/>
           <a:p>
+            <a:r>
+              <a:rPr lang="fr-FR" dirty="0"/>
+              <a:t>? </a:t>
+            </a:r>
+            <a:r>
+              <a:rPr lang="fr-FR" dirty="0" err="1"/>
+              <a:t>Datasets</a:t>
+            </a:r>
+            <a:r>
+              <a:rPr lang="fr-FR" dirty="0"/>
+              <a:t> </a:t>
+            </a:r>
+            <a:r>
+              <a:rPr lang="fr-FR" dirty="0" err="1"/>
+              <a:t>groupby</a:t>
+            </a:r>
+            <a:r>
+              <a:rPr lang="fr-FR" dirty="0"/>
+              <a:t> &amp; merge</a:t>
+            </a:r>
             <a:endParaRPr lang="en-US" dirty="0"/>
           </a:p>
         </p:txBody>
@@ -20527,6 +20490,14 @@
             <a:r>
               <a:rPr lang="fr-FR" dirty="0" err="1"/>
               <a:t>features</a:t>
+            </a:r>
+            <a:r>
+              <a:rPr lang="fr-FR" dirty="0"/>
+              <a:t> : </a:t>
+            </a:r>
+            <a:r>
+              <a:rPr lang="fr-FR" dirty="0" err="1"/>
+              <a:t>overview</a:t>
             </a:r>
             <a:endParaRPr lang="en-US" dirty="0"/>
           </a:p>
@@ -24092,6 +24063,1242 @@
           <p:cNvPr id="2" name="Titre 1">
             <a:extLst>
               <a:ext uri="{FF2B5EF4-FFF2-40B4-BE49-F238E27FC236}">
+                <a16:creationId xmlns:a16="http://schemas.microsoft.com/office/drawing/2014/main" id="{E4ED6295-148D-4520-93EE-A42EF45C18E9}"/>
+              </a:ext>
+            </a:extLst>
+          </p:cNvPr>
+          <p:cNvSpPr>
+            <a:spLocks noGrp="1"/>
+          </p:cNvSpPr>
+          <p:nvPr>
+            <p:ph type="title"/>
+          </p:nvPr>
+        </p:nvSpPr>
+        <p:spPr/>
+        <p:txBody>
+          <a:bodyPr/>
+          <a:lstStyle/>
+          <a:p>
+            <a:r>
+              <a:rPr lang="fr-FR" dirty="0" err="1"/>
+              <a:t>Feature</a:t>
+            </a:r>
+            <a:r>
+              <a:rPr lang="fr-FR" dirty="0"/>
+              <a:t> engineering insights : </a:t>
+            </a:r>
+            <a:endParaRPr lang="en-US" dirty="0"/>
+          </a:p>
+        </p:txBody>
+      </p:sp>
+      <p:sp>
+        <p:nvSpPr>
+          <p:cNvPr id="3" name="Espace réservé du contenu 2">
+            <a:extLst>
+              <a:ext uri="{FF2B5EF4-FFF2-40B4-BE49-F238E27FC236}">
+                <a16:creationId xmlns:a16="http://schemas.microsoft.com/office/drawing/2014/main" id="{77B3184C-E484-426C-9EEB-B4187A699A88}"/>
+              </a:ext>
+            </a:extLst>
+          </p:cNvPr>
+          <p:cNvSpPr>
+            <a:spLocks noGrp="1"/>
+          </p:cNvSpPr>
+          <p:nvPr>
+            <p:ph idx="1"/>
+          </p:nvPr>
+        </p:nvSpPr>
+        <p:spPr>
+          <a:xfrm>
+            <a:off x="29618" y="1637881"/>
+            <a:ext cx="12078645" cy="608123"/>
+          </a:xfrm>
+        </p:spPr>
+        <p:txBody>
+          <a:bodyPr>
+            <a:normAutofit/>
+          </a:bodyPr>
+          <a:lstStyle/>
+          <a:p>
+            <a:r>
+              <a:rPr lang="en-US" b="1" u="sng" dirty="0" err="1">
+                <a:solidFill>
+                  <a:srgbClr val="D3455B"/>
+                </a:solidFill>
+              </a:rPr>
+              <a:t>purchase_time_zone_cat</a:t>
+            </a:r>
+            <a:r>
+              <a:rPr lang="en-US" b="1" dirty="0">
+                <a:solidFill>
+                  <a:srgbClr val="D3455B"/>
+                </a:solidFill>
+              </a:rPr>
+              <a:t> : </a:t>
+            </a:r>
+            <a:r>
+              <a:rPr lang="en-US" i="1" dirty="0" err="1"/>
+              <a:t>order_purchase_dayofweek</a:t>
+            </a:r>
+            <a:r>
+              <a:rPr lang="en-US" i="1" dirty="0"/>
+              <a:t> &amp; _hour from original </a:t>
+            </a:r>
+            <a:r>
+              <a:rPr lang="en-US" i="1" dirty="0" err="1"/>
+              <a:t>purchase</a:t>
+            </a:r>
+            <a:r>
+              <a:rPr lang="en-US" dirty="0" err="1"/>
+              <a:t>_</a:t>
+            </a:r>
+            <a:r>
+              <a:rPr lang="en-US" i="1" dirty="0" err="1"/>
+              <a:t>timestamp</a:t>
+            </a:r>
+            <a:endParaRPr lang="en-US" i="1" dirty="0"/>
+          </a:p>
+        </p:txBody>
+      </p:sp>
+      <p:pic>
+        <p:nvPicPr>
+          <p:cNvPr id="4" name="Image 3">
+            <a:extLst>
+              <a:ext uri="{FF2B5EF4-FFF2-40B4-BE49-F238E27FC236}">
+                <a16:creationId xmlns:a16="http://schemas.microsoft.com/office/drawing/2014/main" id="{1BFBE36E-F8B3-49C5-8AC6-9BA2C367D6DF}"/>
+              </a:ext>
+            </a:extLst>
+          </p:cNvPr>
+          <p:cNvPicPr>
+            <a:picLocks noChangeAspect="1"/>
+          </p:cNvPicPr>
+          <p:nvPr/>
+        </p:nvPicPr>
+        <p:blipFill>
+          <a:blip r:embed="rId2"/>
+          <a:stretch>
+            <a:fillRect/>
+          </a:stretch>
+        </p:blipFill>
+        <p:spPr>
+          <a:xfrm>
+            <a:off x="405277" y="2193294"/>
+            <a:ext cx="4723804" cy="1643062"/>
+          </a:xfrm>
+          <a:prstGeom prst="rect">
+            <a:avLst/>
+          </a:prstGeom>
+        </p:spPr>
+      </p:pic>
+      <p:pic>
+        <p:nvPicPr>
+          <p:cNvPr id="5" name="Image 4">
+            <a:extLst>
+              <a:ext uri="{FF2B5EF4-FFF2-40B4-BE49-F238E27FC236}">
+                <a16:creationId xmlns:a16="http://schemas.microsoft.com/office/drawing/2014/main" id="{DDA53BC1-B512-4CA7-AA28-CBA9C65D9AD5}"/>
+              </a:ext>
+            </a:extLst>
+          </p:cNvPr>
+          <p:cNvPicPr>
+            <a:picLocks noChangeAspect="1"/>
+          </p:cNvPicPr>
+          <p:nvPr/>
+        </p:nvPicPr>
+        <p:blipFill>
+          <a:blip r:embed="rId3"/>
+          <a:stretch>
+            <a:fillRect/>
+          </a:stretch>
+        </p:blipFill>
+        <p:spPr>
+          <a:xfrm>
+            <a:off x="7051662" y="2193294"/>
+            <a:ext cx="1757363" cy="1643063"/>
+          </a:xfrm>
+          <a:prstGeom prst="rect">
+            <a:avLst/>
+          </a:prstGeom>
+        </p:spPr>
+      </p:pic>
+      <p:pic>
+        <p:nvPicPr>
+          <p:cNvPr id="6" name="Image 5">
+            <a:extLst>
+              <a:ext uri="{FF2B5EF4-FFF2-40B4-BE49-F238E27FC236}">
+                <a16:creationId xmlns:a16="http://schemas.microsoft.com/office/drawing/2014/main" id="{4066AA3C-04DF-4D90-AEF2-2BC89347E0B6}"/>
+              </a:ext>
+            </a:extLst>
+          </p:cNvPr>
+          <p:cNvPicPr>
+            <a:picLocks noChangeAspect="1"/>
+          </p:cNvPicPr>
+          <p:nvPr/>
+        </p:nvPicPr>
+        <p:blipFill>
+          <a:blip r:embed="rId4"/>
+          <a:stretch>
+            <a:fillRect/>
+          </a:stretch>
+        </p:blipFill>
+        <p:spPr>
+          <a:xfrm>
+            <a:off x="5211691" y="2193292"/>
+            <a:ext cx="1745236" cy="1643063"/>
+          </a:xfrm>
+          <a:prstGeom prst="rect">
+            <a:avLst/>
+          </a:prstGeom>
+        </p:spPr>
+      </p:pic>
+      <p:pic>
+        <p:nvPicPr>
+          <p:cNvPr id="8" name="Image 7">
+            <a:extLst>
+              <a:ext uri="{FF2B5EF4-FFF2-40B4-BE49-F238E27FC236}">
+                <a16:creationId xmlns:a16="http://schemas.microsoft.com/office/drawing/2014/main" id="{71B287B2-4B14-4ECF-AFEB-3A8078ACC1B0}"/>
+              </a:ext>
+            </a:extLst>
+          </p:cNvPr>
+          <p:cNvPicPr>
+            <a:picLocks noChangeAspect="1"/>
+          </p:cNvPicPr>
+          <p:nvPr/>
+        </p:nvPicPr>
+        <p:blipFill>
+          <a:blip r:embed="rId5"/>
+          <a:stretch>
+            <a:fillRect/>
+          </a:stretch>
+        </p:blipFill>
+        <p:spPr>
+          <a:xfrm>
+            <a:off x="8913522" y="2193291"/>
+            <a:ext cx="2532034" cy="1643063"/>
+          </a:xfrm>
+          <a:prstGeom prst="rect">
+            <a:avLst/>
+          </a:prstGeom>
+        </p:spPr>
+      </p:pic>
+      <p:sp>
+        <p:nvSpPr>
+          <p:cNvPr id="11" name="Espace réservé du contenu 2">
+            <a:extLst>
+              <a:ext uri="{FF2B5EF4-FFF2-40B4-BE49-F238E27FC236}">
+                <a16:creationId xmlns:a16="http://schemas.microsoft.com/office/drawing/2014/main" id="{E27E862E-2645-46A0-82ED-319AF3E94ED1}"/>
+              </a:ext>
+            </a:extLst>
+          </p:cNvPr>
+          <p:cNvSpPr txBox="1">
+            <a:spLocks/>
+          </p:cNvSpPr>
+          <p:nvPr/>
+        </p:nvSpPr>
+        <p:spPr>
+          <a:xfrm>
+            <a:off x="-68035" y="4642338"/>
+            <a:ext cx="11787580" cy="2179686"/>
+          </a:xfrm>
+          <a:prstGeom prst="rect">
+            <a:avLst/>
+          </a:prstGeom>
+          <a:effectLst>
+            <a:outerShdw blurRad="50800" dir="14400000">
+              <a:srgbClr val="000000">
+                <a:alpha val="40000"/>
+              </a:srgbClr>
+            </a:outerShdw>
+          </a:effectLst>
+        </p:spPr>
+        <p:txBody>
+          <a:bodyPr vert="horz" lIns="91440" tIns="45720" rIns="91440" bIns="45720" rtlCol="0" anchor="ctr">
+            <a:normAutofit/>
+          </a:bodyPr>
+          <a:lstStyle>
+            <a:lvl1pPr marL="342900" indent="-342900" algn="l" defTabSz="457200" rtl="0" eaLnBrk="1" latinLnBrk="0" hangingPunct="1">
+              <a:spcBef>
+                <a:spcPct val="20000"/>
+              </a:spcBef>
+              <a:spcAft>
+                <a:spcPts val="600"/>
+              </a:spcAft>
+              <a:buClr>
+                <a:schemeClr val="accent1"/>
+              </a:buClr>
+              <a:buFont typeface="Wingdings 2" charset="2"/>
+              <a:buChar char=""/>
+              <a:defRPr sz="1800" kern="1200">
+                <a:solidFill>
+                  <a:schemeClr val="tx1"/>
+                </a:solidFill>
+                <a:latin typeface="+mn-lt"/>
+                <a:ea typeface="+mn-ea"/>
+                <a:cs typeface="+mn-cs"/>
+              </a:defRPr>
+            </a:lvl1pPr>
+            <a:lvl2pPr marL="742950" indent="-285750" algn="l" defTabSz="457200" rtl="0" eaLnBrk="1" latinLnBrk="0" hangingPunct="1">
+              <a:spcBef>
+                <a:spcPct val="20000"/>
+              </a:spcBef>
+              <a:spcAft>
+                <a:spcPts val="600"/>
+              </a:spcAft>
+              <a:buClr>
+                <a:schemeClr val="accent1"/>
+              </a:buClr>
+              <a:buFont typeface="Wingdings 2" charset="2"/>
+              <a:buChar char=""/>
+              <a:defRPr sz="1600" kern="1200">
+                <a:solidFill>
+                  <a:schemeClr val="tx1"/>
+                </a:solidFill>
+                <a:latin typeface="+mn-lt"/>
+                <a:ea typeface="+mn-ea"/>
+                <a:cs typeface="+mn-cs"/>
+              </a:defRPr>
+            </a:lvl2pPr>
+            <a:lvl3pPr marL="1143000" indent="-228600" algn="l" defTabSz="457200" rtl="0" eaLnBrk="1" latinLnBrk="0" hangingPunct="1">
+              <a:spcBef>
+                <a:spcPct val="20000"/>
+              </a:spcBef>
+              <a:spcAft>
+                <a:spcPts val="600"/>
+              </a:spcAft>
+              <a:buClr>
+                <a:schemeClr val="accent1"/>
+              </a:buClr>
+              <a:buFont typeface="Wingdings 2" charset="2"/>
+              <a:buChar char=""/>
+              <a:defRPr sz="1400" kern="1200">
+                <a:solidFill>
+                  <a:schemeClr val="tx1"/>
+                </a:solidFill>
+                <a:latin typeface="+mn-lt"/>
+                <a:ea typeface="+mn-ea"/>
+                <a:cs typeface="+mn-cs"/>
+              </a:defRPr>
+            </a:lvl3pPr>
+            <a:lvl4pPr marL="1600200" indent="-228600" algn="l" defTabSz="457200" rtl="0" eaLnBrk="1" latinLnBrk="0" hangingPunct="1">
+              <a:spcBef>
+                <a:spcPct val="20000"/>
+              </a:spcBef>
+              <a:spcAft>
+                <a:spcPts val="600"/>
+              </a:spcAft>
+              <a:buClr>
+                <a:schemeClr val="accent1"/>
+              </a:buClr>
+              <a:buFont typeface="Wingdings 2" charset="2"/>
+              <a:buChar char=""/>
+              <a:defRPr sz="1200" kern="1200">
+                <a:solidFill>
+                  <a:schemeClr val="tx1"/>
+                </a:solidFill>
+                <a:latin typeface="+mn-lt"/>
+                <a:ea typeface="+mn-ea"/>
+                <a:cs typeface="+mn-cs"/>
+              </a:defRPr>
+            </a:lvl4pPr>
+            <a:lvl5pPr marL="2057400" indent="-228600" algn="l" defTabSz="457200" rtl="0" eaLnBrk="1" latinLnBrk="0" hangingPunct="1">
+              <a:spcBef>
+                <a:spcPct val="20000"/>
+              </a:spcBef>
+              <a:spcAft>
+                <a:spcPts val="600"/>
+              </a:spcAft>
+              <a:buClr>
+                <a:schemeClr val="accent1"/>
+              </a:buClr>
+              <a:buFont typeface="Wingdings 2" charset="2"/>
+              <a:buChar char=""/>
+              <a:defRPr sz="1200" kern="1200">
+                <a:solidFill>
+                  <a:schemeClr val="tx1"/>
+                </a:solidFill>
+                <a:latin typeface="+mn-lt"/>
+                <a:ea typeface="+mn-ea"/>
+                <a:cs typeface="+mn-cs"/>
+              </a:defRPr>
+            </a:lvl5pPr>
+            <a:lvl6pPr marL="2400000" indent="-228600" algn="l" defTabSz="457200" rtl="0" eaLnBrk="1" latinLnBrk="0" hangingPunct="1">
+              <a:spcBef>
+                <a:spcPct val="20000"/>
+              </a:spcBef>
+              <a:spcAft>
+                <a:spcPts val="600"/>
+              </a:spcAft>
+              <a:buClr>
+                <a:schemeClr val="accent1"/>
+              </a:buClr>
+              <a:buFont typeface="Wingdings 2" charset="2"/>
+              <a:buChar char=""/>
+              <a:defRPr sz="1200" kern="1200">
+                <a:solidFill>
+                  <a:schemeClr val="tx1"/>
+                </a:solidFill>
+                <a:latin typeface="+mn-lt"/>
+                <a:ea typeface="+mn-ea"/>
+                <a:cs typeface="+mn-cs"/>
+              </a:defRPr>
+            </a:lvl6pPr>
+            <a:lvl7pPr marL="2800000" indent="-228600" algn="l" defTabSz="457200" rtl="0" eaLnBrk="1" latinLnBrk="0" hangingPunct="1">
+              <a:spcBef>
+                <a:spcPct val="20000"/>
+              </a:spcBef>
+              <a:spcAft>
+                <a:spcPts val="600"/>
+              </a:spcAft>
+              <a:buClr>
+                <a:schemeClr val="accent1"/>
+              </a:buClr>
+              <a:buFont typeface="Wingdings 2" charset="2"/>
+              <a:buChar char=""/>
+              <a:defRPr sz="1200" kern="1200">
+                <a:solidFill>
+                  <a:schemeClr val="tx1"/>
+                </a:solidFill>
+                <a:latin typeface="+mn-lt"/>
+                <a:ea typeface="+mn-ea"/>
+                <a:cs typeface="+mn-cs"/>
+              </a:defRPr>
+            </a:lvl7pPr>
+            <a:lvl8pPr marL="3200000" indent="-228600" algn="l" defTabSz="457200" rtl="0" eaLnBrk="1" latinLnBrk="0" hangingPunct="1">
+              <a:spcBef>
+                <a:spcPct val="20000"/>
+              </a:spcBef>
+              <a:spcAft>
+                <a:spcPts val="600"/>
+              </a:spcAft>
+              <a:buClr>
+                <a:schemeClr val="accent1"/>
+              </a:buClr>
+              <a:buFont typeface="Wingdings 2" charset="2"/>
+              <a:buChar char=""/>
+              <a:defRPr sz="1200" kern="1200">
+                <a:solidFill>
+                  <a:schemeClr val="tx1"/>
+                </a:solidFill>
+                <a:latin typeface="+mn-lt"/>
+                <a:ea typeface="+mn-ea"/>
+                <a:cs typeface="+mn-cs"/>
+              </a:defRPr>
+            </a:lvl8pPr>
+            <a:lvl9pPr marL="3600000" indent="-228600" algn="l" defTabSz="457200" rtl="0" eaLnBrk="1" latinLnBrk="0" hangingPunct="1">
+              <a:spcBef>
+                <a:spcPct val="20000"/>
+              </a:spcBef>
+              <a:spcAft>
+                <a:spcPts val="600"/>
+              </a:spcAft>
+              <a:buClr>
+                <a:schemeClr val="accent1"/>
+              </a:buClr>
+              <a:buFont typeface="Wingdings 2" charset="2"/>
+              <a:buChar char=""/>
+              <a:defRPr sz="1200" kern="1200">
+                <a:solidFill>
+                  <a:schemeClr val="tx1"/>
+                </a:solidFill>
+                <a:latin typeface="+mn-lt"/>
+                <a:ea typeface="+mn-ea"/>
+                <a:cs typeface="+mn-cs"/>
+              </a:defRPr>
+            </a:lvl9pPr>
+          </a:lstStyle>
+          <a:p>
+            <a:pPr marL="0" indent="0">
+              <a:buNone/>
+            </a:pPr>
+            <a:r>
+              <a:rPr lang="en-US" dirty="0"/>
+              <a:t>A few features are available a</a:t>
+            </a:r>
+            <a:r>
+              <a:rPr lang="en-US" sz="1800" dirty="0"/>
+              <a:t>bout “freight”, linked together : </a:t>
+            </a:r>
+          </a:p>
+          <a:p>
+            <a:r>
+              <a:rPr lang="en-US" sz="1800" b="1" dirty="0" err="1">
+                <a:solidFill>
+                  <a:srgbClr val="2C88D9"/>
+                </a:solidFill>
+              </a:rPr>
+              <a:t>cust_sell_dist</a:t>
+            </a:r>
+            <a:r>
+              <a:rPr lang="en-US" sz="1800" b="1" dirty="0">
+                <a:solidFill>
+                  <a:srgbClr val="2C88D9"/>
+                </a:solidFill>
+              </a:rPr>
+              <a:t> : </a:t>
+            </a:r>
+            <a:r>
+              <a:rPr lang="fr-FR" dirty="0"/>
+              <a:t>the distance </a:t>
+            </a:r>
+            <a:r>
+              <a:rPr lang="fr-FR" dirty="0" err="1"/>
+              <a:t>computed</a:t>
+            </a:r>
+            <a:r>
+              <a:rPr lang="fr-FR" dirty="0"/>
+              <a:t> </a:t>
+            </a:r>
+            <a:r>
+              <a:rPr lang="fr-FR" dirty="0" err="1"/>
+              <a:t>from</a:t>
+            </a:r>
+            <a:r>
+              <a:rPr lang="fr-FR" dirty="0"/>
+              <a:t> </a:t>
+            </a:r>
+            <a:r>
+              <a:rPr lang="fr-FR" dirty="0" err="1"/>
+              <a:t>geolocation</a:t>
+            </a:r>
+            <a:endParaRPr lang="fr-FR" dirty="0"/>
+          </a:p>
+          <a:p>
+            <a:r>
+              <a:rPr lang="en-US" b="1" dirty="0" err="1">
+                <a:solidFill>
+                  <a:srgbClr val="FFC000"/>
+                </a:solidFill>
+              </a:rPr>
+              <a:t>product_size</a:t>
+            </a:r>
+            <a:r>
+              <a:rPr lang="en-US" b="1" dirty="0">
+                <a:solidFill>
+                  <a:srgbClr val="FFC000"/>
+                </a:solidFill>
+              </a:rPr>
+              <a:t> / _</a:t>
+            </a:r>
+            <a:r>
+              <a:rPr lang="en-US" b="1" dirty="0" err="1">
+                <a:solidFill>
+                  <a:srgbClr val="FFC000"/>
+                </a:solidFill>
+              </a:rPr>
+              <a:t>weight_g</a:t>
+            </a:r>
+            <a:r>
+              <a:rPr lang="en-US" b="1" dirty="0">
+                <a:solidFill>
+                  <a:srgbClr val="FFC000"/>
+                </a:solidFill>
+              </a:rPr>
+              <a:t> </a:t>
+            </a:r>
+            <a:r>
+              <a:rPr lang="en-US" i="1" dirty="0">
+                <a:solidFill>
+                  <a:srgbClr val="FFC000"/>
+                </a:solidFill>
+              </a:rPr>
+              <a:t>/ </a:t>
+            </a:r>
+            <a:r>
+              <a:rPr lang="en-US" b="1" dirty="0">
+                <a:solidFill>
+                  <a:srgbClr val="FFC000"/>
+                </a:solidFill>
+              </a:rPr>
+              <a:t>_density </a:t>
+            </a:r>
+            <a:r>
+              <a:rPr lang="en-US" i="1" dirty="0">
+                <a:solidFill>
+                  <a:srgbClr val="FFC000"/>
+                </a:solidFill>
+              </a:rPr>
+              <a:t>: </a:t>
+            </a:r>
+            <a:r>
+              <a:rPr lang="en-US" dirty="0"/>
+              <a:t>used to compute a freight class</a:t>
+            </a:r>
+            <a:endParaRPr lang="en-US" i="1" dirty="0">
+              <a:solidFill>
+                <a:srgbClr val="FFC000"/>
+              </a:solidFill>
+            </a:endParaRPr>
+          </a:p>
+          <a:p>
+            <a:r>
+              <a:rPr lang="en-US" sz="1800" b="1" dirty="0" err="1">
+                <a:solidFill>
+                  <a:srgbClr val="E8833A"/>
+                </a:solidFill>
+              </a:rPr>
+              <a:t>freight_percentage</a:t>
+            </a:r>
+            <a:r>
+              <a:rPr lang="en-US" sz="1800" b="1" dirty="0">
+                <a:solidFill>
+                  <a:srgbClr val="E8833A"/>
+                </a:solidFill>
+              </a:rPr>
+              <a:t> : </a:t>
+            </a:r>
+            <a:r>
+              <a:rPr lang="en-US" sz="1800" dirty="0"/>
+              <a:t>freight value / total </a:t>
+            </a:r>
+            <a:r>
+              <a:rPr lang="en-US" sz="1800" dirty="0" err="1"/>
+              <a:t>paiement</a:t>
+            </a:r>
+            <a:endParaRPr lang="en-US" sz="1800" dirty="0"/>
+          </a:p>
+        </p:txBody>
+      </p:sp>
+      <p:sp>
+        <p:nvSpPr>
+          <p:cNvPr id="12" name="Espace réservé du contenu 2">
+            <a:extLst>
+              <a:ext uri="{FF2B5EF4-FFF2-40B4-BE49-F238E27FC236}">
+                <a16:creationId xmlns:a16="http://schemas.microsoft.com/office/drawing/2014/main" id="{EB9E2526-7D46-4FC0-94E7-D6F287783B84}"/>
+              </a:ext>
+            </a:extLst>
+          </p:cNvPr>
+          <p:cNvSpPr txBox="1">
+            <a:spLocks/>
+          </p:cNvSpPr>
+          <p:nvPr/>
+        </p:nvSpPr>
+        <p:spPr>
+          <a:xfrm>
+            <a:off x="-68035" y="3892395"/>
+            <a:ext cx="11787580" cy="499369"/>
+          </a:xfrm>
+          <a:prstGeom prst="rect">
+            <a:avLst/>
+          </a:prstGeom>
+          <a:effectLst>
+            <a:outerShdw blurRad="50800" dir="14400000">
+              <a:srgbClr val="000000">
+                <a:alpha val="40000"/>
+              </a:srgbClr>
+            </a:outerShdw>
+          </a:effectLst>
+        </p:spPr>
+        <p:txBody>
+          <a:bodyPr vert="horz" lIns="91440" tIns="45720" rIns="91440" bIns="45720" rtlCol="0" anchor="ctr">
+            <a:normAutofit/>
+          </a:bodyPr>
+          <a:lstStyle>
+            <a:lvl1pPr marL="342900" indent="-342900" algn="l" defTabSz="457200" rtl="0" eaLnBrk="1" latinLnBrk="0" hangingPunct="1">
+              <a:spcBef>
+                <a:spcPct val="20000"/>
+              </a:spcBef>
+              <a:spcAft>
+                <a:spcPts val="600"/>
+              </a:spcAft>
+              <a:buClr>
+                <a:schemeClr val="accent1"/>
+              </a:buClr>
+              <a:buFont typeface="Wingdings 2" charset="2"/>
+              <a:buChar char=""/>
+              <a:defRPr sz="1800" kern="1200">
+                <a:solidFill>
+                  <a:schemeClr val="tx1"/>
+                </a:solidFill>
+                <a:latin typeface="+mn-lt"/>
+                <a:ea typeface="+mn-ea"/>
+                <a:cs typeface="+mn-cs"/>
+              </a:defRPr>
+            </a:lvl1pPr>
+            <a:lvl2pPr marL="742950" indent="-285750" algn="l" defTabSz="457200" rtl="0" eaLnBrk="1" latinLnBrk="0" hangingPunct="1">
+              <a:spcBef>
+                <a:spcPct val="20000"/>
+              </a:spcBef>
+              <a:spcAft>
+                <a:spcPts val="600"/>
+              </a:spcAft>
+              <a:buClr>
+                <a:schemeClr val="accent1"/>
+              </a:buClr>
+              <a:buFont typeface="Wingdings 2" charset="2"/>
+              <a:buChar char=""/>
+              <a:defRPr sz="1600" kern="1200">
+                <a:solidFill>
+                  <a:schemeClr val="tx1"/>
+                </a:solidFill>
+                <a:latin typeface="+mn-lt"/>
+                <a:ea typeface="+mn-ea"/>
+                <a:cs typeface="+mn-cs"/>
+              </a:defRPr>
+            </a:lvl2pPr>
+            <a:lvl3pPr marL="1143000" indent="-228600" algn="l" defTabSz="457200" rtl="0" eaLnBrk="1" latinLnBrk="0" hangingPunct="1">
+              <a:spcBef>
+                <a:spcPct val="20000"/>
+              </a:spcBef>
+              <a:spcAft>
+                <a:spcPts val="600"/>
+              </a:spcAft>
+              <a:buClr>
+                <a:schemeClr val="accent1"/>
+              </a:buClr>
+              <a:buFont typeface="Wingdings 2" charset="2"/>
+              <a:buChar char=""/>
+              <a:defRPr sz="1400" kern="1200">
+                <a:solidFill>
+                  <a:schemeClr val="tx1"/>
+                </a:solidFill>
+                <a:latin typeface="+mn-lt"/>
+                <a:ea typeface="+mn-ea"/>
+                <a:cs typeface="+mn-cs"/>
+              </a:defRPr>
+            </a:lvl3pPr>
+            <a:lvl4pPr marL="1600200" indent="-228600" algn="l" defTabSz="457200" rtl="0" eaLnBrk="1" latinLnBrk="0" hangingPunct="1">
+              <a:spcBef>
+                <a:spcPct val="20000"/>
+              </a:spcBef>
+              <a:spcAft>
+                <a:spcPts val="600"/>
+              </a:spcAft>
+              <a:buClr>
+                <a:schemeClr val="accent1"/>
+              </a:buClr>
+              <a:buFont typeface="Wingdings 2" charset="2"/>
+              <a:buChar char=""/>
+              <a:defRPr sz="1200" kern="1200">
+                <a:solidFill>
+                  <a:schemeClr val="tx1"/>
+                </a:solidFill>
+                <a:latin typeface="+mn-lt"/>
+                <a:ea typeface="+mn-ea"/>
+                <a:cs typeface="+mn-cs"/>
+              </a:defRPr>
+            </a:lvl4pPr>
+            <a:lvl5pPr marL="2057400" indent="-228600" algn="l" defTabSz="457200" rtl="0" eaLnBrk="1" latinLnBrk="0" hangingPunct="1">
+              <a:spcBef>
+                <a:spcPct val="20000"/>
+              </a:spcBef>
+              <a:spcAft>
+                <a:spcPts val="600"/>
+              </a:spcAft>
+              <a:buClr>
+                <a:schemeClr val="accent1"/>
+              </a:buClr>
+              <a:buFont typeface="Wingdings 2" charset="2"/>
+              <a:buChar char=""/>
+              <a:defRPr sz="1200" kern="1200">
+                <a:solidFill>
+                  <a:schemeClr val="tx1"/>
+                </a:solidFill>
+                <a:latin typeface="+mn-lt"/>
+                <a:ea typeface="+mn-ea"/>
+                <a:cs typeface="+mn-cs"/>
+              </a:defRPr>
+            </a:lvl5pPr>
+            <a:lvl6pPr marL="2400000" indent="-228600" algn="l" defTabSz="457200" rtl="0" eaLnBrk="1" latinLnBrk="0" hangingPunct="1">
+              <a:spcBef>
+                <a:spcPct val="20000"/>
+              </a:spcBef>
+              <a:spcAft>
+                <a:spcPts val="600"/>
+              </a:spcAft>
+              <a:buClr>
+                <a:schemeClr val="accent1"/>
+              </a:buClr>
+              <a:buFont typeface="Wingdings 2" charset="2"/>
+              <a:buChar char=""/>
+              <a:defRPr sz="1200" kern="1200">
+                <a:solidFill>
+                  <a:schemeClr val="tx1"/>
+                </a:solidFill>
+                <a:latin typeface="+mn-lt"/>
+                <a:ea typeface="+mn-ea"/>
+                <a:cs typeface="+mn-cs"/>
+              </a:defRPr>
+            </a:lvl6pPr>
+            <a:lvl7pPr marL="2800000" indent="-228600" algn="l" defTabSz="457200" rtl="0" eaLnBrk="1" latinLnBrk="0" hangingPunct="1">
+              <a:spcBef>
+                <a:spcPct val="20000"/>
+              </a:spcBef>
+              <a:spcAft>
+                <a:spcPts val="600"/>
+              </a:spcAft>
+              <a:buClr>
+                <a:schemeClr val="accent1"/>
+              </a:buClr>
+              <a:buFont typeface="Wingdings 2" charset="2"/>
+              <a:buChar char=""/>
+              <a:defRPr sz="1200" kern="1200">
+                <a:solidFill>
+                  <a:schemeClr val="tx1"/>
+                </a:solidFill>
+                <a:latin typeface="+mn-lt"/>
+                <a:ea typeface="+mn-ea"/>
+                <a:cs typeface="+mn-cs"/>
+              </a:defRPr>
+            </a:lvl7pPr>
+            <a:lvl8pPr marL="3200000" indent="-228600" algn="l" defTabSz="457200" rtl="0" eaLnBrk="1" latinLnBrk="0" hangingPunct="1">
+              <a:spcBef>
+                <a:spcPct val="20000"/>
+              </a:spcBef>
+              <a:spcAft>
+                <a:spcPts val="600"/>
+              </a:spcAft>
+              <a:buClr>
+                <a:schemeClr val="accent1"/>
+              </a:buClr>
+              <a:buFont typeface="Wingdings 2" charset="2"/>
+              <a:buChar char=""/>
+              <a:defRPr sz="1200" kern="1200">
+                <a:solidFill>
+                  <a:schemeClr val="tx1"/>
+                </a:solidFill>
+                <a:latin typeface="+mn-lt"/>
+                <a:ea typeface="+mn-ea"/>
+                <a:cs typeface="+mn-cs"/>
+              </a:defRPr>
+            </a:lvl8pPr>
+            <a:lvl9pPr marL="3600000" indent="-228600" algn="l" defTabSz="457200" rtl="0" eaLnBrk="1" latinLnBrk="0" hangingPunct="1">
+              <a:spcBef>
+                <a:spcPct val="20000"/>
+              </a:spcBef>
+              <a:spcAft>
+                <a:spcPts val="600"/>
+              </a:spcAft>
+              <a:buClr>
+                <a:schemeClr val="accent1"/>
+              </a:buClr>
+              <a:buFont typeface="Wingdings 2" charset="2"/>
+              <a:buChar char=""/>
+              <a:defRPr sz="1200" kern="1200">
+                <a:solidFill>
+                  <a:schemeClr val="tx1"/>
+                </a:solidFill>
+                <a:latin typeface="+mn-lt"/>
+                <a:ea typeface="+mn-ea"/>
+                <a:cs typeface="+mn-cs"/>
+              </a:defRPr>
+            </a:lvl9pPr>
+          </a:lstStyle>
+          <a:p>
+            <a:r>
+              <a:rPr lang="en-US" sz="1800" b="1" u="sng" dirty="0" err="1">
+                <a:solidFill>
+                  <a:srgbClr val="FFC000"/>
+                </a:solidFill>
+              </a:rPr>
+              <a:t>product_cat</a:t>
+            </a:r>
+            <a:r>
+              <a:rPr lang="en-US" sz="1800" b="1" dirty="0">
+                <a:solidFill>
+                  <a:srgbClr val="FFC000"/>
+                </a:solidFill>
+              </a:rPr>
+              <a:t> : </a:t>
+            </a:r>
+            <a:r>
+              <a:rPr lang="fr-FR" b="1" dirty="0" err="1"/>
+              <a:t>rationalized</a:t>
+            </a:r>
+            <a:r>
+              <a:rPr lang="fr-FR" b="1" dirty="0"/>
+              <a:t> </a:t>
+            </a:r>
+            <a:r>
+              <a:rPr lang="fr-FR" b="1" dirty="0" err="1"/>
+              <a:t>from</a:t>
+            </a:r>
+            <a:r>
+              <a:rPr lang="fr-FR" b="1" dirty="0"/>
+              <a:t> 71 to 15 </a:t>
+            </a:r>
+            <a:r>
+              <a:rPr lang="fr-FR" dirty="0" err="1"/>
+              <a:t>categories</a:t>
+            </a:r>
+            <a:r>
+              <a:rPr lang="fr-FR" dirty="0"/>
+              <a:t>, </a:t>
+            </a:r>
+            <a:r>
+              <a:rPr lang="fr-FR" b="1" dirty="0" err="1">
+                <a:solidFill>
+                  <a:srgbClr val="FF0000"/>
+                </a:solidFill>
+              </a:rPr>
+              <a:t>should</a:t>
+            </a:r>
+            <a:r>
+              <a:rPr lang="fr-FR" b="1" dirty="0">
+                <a:solidFill>
+                  <a:srgbClr val="FF0000"/>
+                </a:solidFill>
+              </a:rPr>
+              <a:t> </a:t>
+            </a:r>
+            <a:r>
+              <a:rPr lang="fr-FR" b="1" dirty="0" err="1">
+                <a:solidFill>
+                  <a:srgbClr val="FF0000"/>
+                </a:solidFill>
+              </a:rPr>
+              <a:t>map</a:t>
+            </a:r>
+            <a:r>
+              <a:rPr lang="fr-FR" b="1" dirty="0">
+                <a:solidFill>
+                  <a:srgbClr val="FF0000"/>
+                </a:solidFill>
+              </a:rPr>
+              <a:t> </a:t>
+            </a:r>
+            <a:r>
+              <a:rPr lang="fr-FR" b="1" dirty="0" err="1">
+                <a:solidFill>
+                  <a:srgbClr val="FF0000"/>
+                </a:solidFill>
+              </a:rPr>
+              <a:t>with</a:t>
+            </a:r>
+            <a:r>
+              <a:rPr lang="fr-FR" b="1" dirty="0">
+                <a:solidFill>
+                  <a:srgbClr val="FF0000"/>
+                </a:solidFill>
+              </a:rPr>
+              <a:t> </a:t>
+            </a:r>
+            <a:r>
+              <a:rPr lang="fr-FR" b="1" dirty="0" err="1">
+                <a:solidFill>
+                  <a:srgbClr val="FF0000"/>
+                </a:solidFill>
+              </a:rPr>
+              <a:t>customer’s</a:t>
+            </a:r>
+            <a:r>
+              <a:rPr lang="fr-FR" b="1" dirty="0">
+                <a:solidFill>
+                  <a:srgbClr val="FF0000"/>
+                </a:solidFill>
+              </a:rPr>
+              <a:t> </a:t>
+            </a:r>
+            <a:r>
+              <a:rPr lang="fr-FR" b="1" dirty="0" err="1">
+                <a:solidFill>
+                  <a:srgbClr val="FF0000"/>
+                </a:solidFill>
+              </a:rPr>
+              <a:t>search</a:t>
+            </a:r>
+            <a:r>
+              <a:rPr lang="fr-FR" b="1" dirty="0">
+                <a:solidFill>
+                  <a:srgbClr val="FF0000"/>
+                </a:solidFill>
+              </a:rPr>
+              <a:t> &amp; navigation </a:t>
+            </a:r>
+            <a:endParaRPr lang="en-US" b="1" dirty="0">
+              <a:solidFill>
+                <a:srgbClr val="FF0000"/>
+              </a:solidFill>
+            </a:endParaRPr>
+          </a:p>
+        </p:txBody>
+      </p:sp>
+      <p:sp>
+        <p:nvSpPr>
+          <p:cNvPr id="13" name="Espace réservé du contenu 2">
+            <a:extLst>
+              <a:ext uri="{FF2B5EF4-FFF2-40B4-BE49-F238E27FC236}">
+                <a16:creationId xmlns:a16="http://schemas.microsoft.com/office/drawing/2014/main" id="{FEAE2A0A-2132-4887-A187-51F7F63460EB}"/>
+              </a:ext>
+            </a:extLst>
+          </p:cNvPr>
+          <p:cNvSpPr txBox="1">
+            <a:spLocks/>
+          </p:cNvSpPr>
+          <p:nvPr/>
+        </p:nvSpPr>
+        <p:spPr>
+          <a:xfrm>
+            <a:off x="-68035" y="4382220"/>
+            <a:ext cx="11787580" cy="499369"/>
+          </a:xfrm>
+          <a:prstGeom prst="rect">
+            <a:avLst/>
+          </a:prstGeom>
+          <a:effectLst>
+            <a:outerShdw blurRad="50800" dir="14400000">
+              <a:srgbClr val="000000">
+                <a:alpha val="40000"/>
+              </a:srgbClr>
+            </a:outerShdw>
+          </a:effectLst>
+        </p:spPr>
+        <p:txBody>
+          <a:bodyPr vert="horz" lIns="91440" tIns="45720" rIns="91440" bIns="45720" rtlCol="0" anchor="ctr">
+            <a:normAutofit/>
+          </a:bodyPr>
+          <a:lstStyle>
+            <a:lvl1pPr marL="342900" indent="-342900" algn="l" defTabSz="457200" rtl="0" eaLnBrk="1" latinLnBrk="0" hangingPunct="1">
+              <a:spcBef>
+                <a:spcPct val="20000"/>
+              </a:spcBef>
+              <a:spcAft>
+                <a:spcPts val="600"/>
+              </a:spcAft>
+              <a:buClr>
+                <a:schemeClr val="accent1"/>
+              </a:buClr>
+              <a:buFont typeface="Wingdings 2" charset="2"/>
+              <a:buChar char=""/>
+              <a:defRPr sz="1800" kern="1200">
+                <a:solidFill>
+                  <a:schemeClr val="tx1"/>
+                </a:solidFill>
+                <a:latin typeface="+mn-lt"/>
+                <a:ea typeface="+mn-ea"/>
+                <a:cs typeface="+mn-cs"/>
+              </a:defRPr>
+            </a:lvl1pPr>
+            <a:lvl2pPr marL="742950" indent="-285750" algn="l" defTabSz="457200" rtl="0" eaLnBrk="1" latinLnBrk="0" hangingPunct="1">
+              <a:spcBef>
+                <a:spcPct val="20000"/>
+              </a:spcBef>
+              <a:spcAft>
+                <a:spcPts val="600"/>
+              </a:spcAft>
+              <a:buClr>
+                <a:schemeClr val="accent1"/>
+              </a:buClr>
+              <a:buFont typeface="Wingdings 2" charset="2"/>
+              <a:buChar char=""/>
+              <a:defRPr sz="1600" kern="1200">
+                <a:solidFill>
+                  <a:schemeClr val="tx1"/>
+                </a:solidFill>
+                <a:latin typeface="+mn-lt"/>
+                <a:ea typeface="+mn-ea"/>
+                <a:cs typeface="+mn-cs"/>
+              </a:defRPr>
+            </a:lvl2pPr>
+            <a:lvl3pPr marL="1143000" indent="-228600" algn="l" defTabSz="457200" rtl="0" eaLnBrk="1" latinLnBrk="0" hangingPunct="1">
+              <a:spcBef>
+                <a:spcPct val="20000"/>
+              </a:spcBef>
+              <a:spcAft>
+                <a:spcPts val="600"/>
+              </a:spcAft>
+              <a:buClr>
+                <a:schemeClr val="accent1"/>
+              </a:buClr>
+              <a:buFont typeface="Wingdings 2" charset="2"/>
+              <a:buChar char=""/>
+              <a:defRPr sz="1400" kern="1200">
+                <a:solidFill>
+                  <a:schemeClr val="tx1"/>
+                </a:solidFill>
+                <a:latin typeface="+mn-lt"/>
+                <a:ea typeface="+mn-ea"/>
+                <a:cs typeface="+mn-cs"/>
+              </a:defRPr>
+            </a:lvl3pPr>
+            <a:lvl4pPr marL="1600200" indent="-228600" algn="l" defTabSz="457200" rtl="0" eaLnBrk="1" latinLnBrk="0" hangingPunct="1">
+              <a:spcBef>
+                <a:spcPct val="20000"/>
+              </a:spcBef>
+              <a:spcAft>
+                <a:spcPts val="600"/>
+              </a:spcAft>
+              <a:buClr>
+                <a:schemeClr val="accent1"/>
+              </a:buClr>
+              <a:buFont typeface="Wingdings 2" charset="2"/>
+              <a:buChar char=""/>
+              <a:defRPr sz="1200" kern="1200">
+                <a:solidFill>
+                  <a:schemeClr val="tx1"/>
+                </a:solidFill>
+                <a:latin typeface="+mn-lt"/>
+                <a:ea typeface="+mn-ea"/>
+                <a:cs typeface="+mn-cs"/>
+              </a:defRPr>
+            </a:lvl4pPr>
+            <a:lvl5pPr marL="2057400" indent="-228600" algn="l" defTabSz="457200" rtl="0" eaLnBrk="1" latinLnBrk="0" hangingPunct="1">
+              <a:spcBef>
+                <a:spcPct val="20000"/>
+              </a:spcBef>
+              <a:spcAft>
+                <a:spcPts val="600"/>
+              </a:spcAft>
+              <a:buClr>
+                <a:schemeClr val="accent1"/>
+              </a:buClr>
+              <a:buFont typeface="Wingdings 2" charset="2"/>
+              <a:buChar char=""/>
+              <a:defRPr sz="1200" kern="1200">
+                <a:solidFill>
+                  <a:schemeClr val="tx1"/>
+                </a:solidFill>
+                <a:latin typeface="+mn-lt"/>
+                <a:ea typeface="+mn-ea"/>
+                <a:cs typeface="+mn-cs"/>
+              </a:defRPr>
+            </a:lvl5pPr>
+            <a:lvl6pPr marL="2400000" indent="-228600" algn="l" defTabSz="457200" rtl="0" eaLnBrk="1" latinLnBrk="0" hangingPunct="1">
+              <a:spcBef>
+                <a:spcPct val="20000"/>
+              </a:spcBef>
+              <a:spcAft>
+                <a:spcPts val="600"/>
+              </a:spcAft>
+              <a:buClr>
+                <a:schemeClr val="accent1"/>
+              </a:buClr>
+              <a:buFont typeface="Wingdings 2" charset="2"/>
+              <a:buChar char=""/>
+              <a:defRPr sz="1200" kern="1200">
+                <a:solidFill>
+                  <a:schemeClr val="tx1"/>
+                </a:solidFill>
+                <a:latin typeface="+mn-lt"/>
+                <a:ea typeface="+mn-ea"/>
+                <a:cs typeface="+mn-cs"/>
+              </a:defRPr>
+            </a:lvl6pPr>
+            <a:lvl7pPr marL="2800000" indent="-228600" algn="l" defTabSz="457200" rtl="0" eaLnBrk="1" latinLnBrk="0" hangingPunct="1">
+              <a:spcBef>
+                <a:spcPct val="20000"/>
+              </a:spcBef>
+              <a:spcAft>
+                <a:spcPts val="600"/>
+              </a:spcAft>
+              <a:buClr>
+                <a:schemeClr val="accent1"/>
+              </a:buClr>
+              <a:buFont typeface="Wingdings 2" charset="2"/>
+              <a:buChar char=""/>
+              <a:defRPr sz="1200" kern="1200">
+                <a:solidFill>
+                  <a:schemeClr val="tx1"/>
+                </a:solidFill>
+                <a:latin typeface="+mn-lt"/>
+                <a:ea typeface="+mn-ea"/>
+                <a:cs typeface="+mn-cs"/>
+              </a:defRPr>
+            </a:lvl7pPr>
+            <a:lvl8pPr marL="3200000" indent="-228600" algn="l" defTabSz="457200" rtl="0" eaLnBrk="1" latinLnBrk="0" hangingPunct="1">
+              <a:spcBef>
+                <a:spcPct val="20000"/>
+              </a:spcBef>
+              <a:spcAft>
+                <a:spcPts val="600"/>
+              </a:spcAft>
+              <a:buClr>
+                <a:schemeClr val="accent1"/>
+              </a:buClr>
+              <a:buFont typeface="Wingdings 2" charset="2"/>
+              <a:buChar char=""/>
+              <a:defRPr sz="1200" kern="1200">
+                <a:solidFill>
+                  <a:schemeClr val="tx1"/>
+                </a:solidFill>
+                <a:latin typeface="+mn-lt"/>
+                <a:ea typeface="+mn-ea"/>
+                <a:cs typeface="+mn-cs"/>
+              </a:defRPr>
+            </a:lvl8pPr>
+            <a:lvl9pPr marL="3600000" indent="-228600" algn="l" defTabSz="457200" rtl="0" eaLnBrk="1" latinLnBrk="0" hangingPunct="1">
+              <a:spcBef>
+                <a:spcPct val="20000"/>
+              </a:spcBef>
+              <a:spcAft>
+                <a:spcPts val="600"/>
+              </a:spcAft>
+              <a:buClr>
+                <a:schemeClr val="accent1"/>
+              </a:buClr>
+              <a:buFont typeface="Wingdings 2" charset="2"/>
+              <a:buChar char=""/>
+              <a:defRPr sz="1200" kern="1200">
+                <a:solidFill>
+                  <a:schemeClr val="tx1"/>
+                </a:solidFill>
+                <a:latin typeface="+mn-lt"/>
+                <a:ea typeface="+mn-ea"/>
+                <a:cs typeface="+mn-cs"/>
+              </a:defRPr>
+            </a:lvl9pPr>
+          </a:lstStyle>
+          <a:p>
+            <a:r>
+              <a:rPr lang="en-US" sz="1800" b="1" u="sng" dirty="0" err="1">
+                <a:solidFill>
+                  <a:srgbClr val="BD34D1"/>
+                </a:solidFill>
+              </a:rPr>
+              <a:t>review_gap</a:t>
+            </a:r>
+            <a:r>
+              <a:rPr lang="en-US" sz="1800" b="1" dirty="0">
+                <a:solidFill>
+                  <a:srgbClr val="BD34D1"/>
+                </a:solidFill>
+              </a:rPr>
+              <a:t> :</a:t>
+            </a:r>
+            <a:r>
+              <a:rPr lang="en-US" sz="1800" b="1" dirty="0"/>
+              <a:t> </a:t>
+            </a:r>
+            <a:r>
+              <a:rPr lang="en-US" sz="1800" dirty="0"/>
+              <a:t>value the gap between product and customer review</a:t>
+            </a:r>
+            <a:endParaRPr lang="en-US" dirty="0"/>
+          </a:p>
+        </p:txBody>
+      </p:sp>
+    </p:spTree>
+    <p:extLst>
+      <p:ext uri="{BB962C8B-B14F-4D97-AF65-F5344CB8AC3E}">
+        <p14:creationId xmlns:p14="http://schemas.microsoft.com/office/powerpoint/2010/main" val="1073747681"/>
+      </p:ext>
+    </p:extLst>
+  </p:cSld>
+  <p:clrMapOvr>
+    <a:masterClrMapping/>
+  </p:clrMapOvr>
+</p:sld>
+</file>
+
+<file path=ppt/slides/slide8.xml><?xml version="1.0" encoding="utf-8"?>
+<p:sld xmlns:a="http://schemas.openxmlformats.org/drawingml/2006/main" xmlns:r="http://schemas.openxmlformats.org/officeDocument/2006/relationships" xmlns:p="http://schemas.openxmlformats.org/presentationml/2006/main">
+  <p:cSld>
+    <p:spTree>
+      <p:nvGrpSpPr>
+        <p:cNvPr id="1" name=""/>
+        <p:cNvGrpSpPr/>
+        <p:nvPr/>
+      </p:nvGrpSpPr>
+      <p:grpSpPr>
+        <a:xfrm>
+          <a:off x="0" y="0"/>
+          <a:ext cx="0" cy="0"/>
+          <a:chOff x="0" y="0"/>
+          <a:chExt cx="0" cy="0"/>
+        </a:xfrm>
+      </p:grpSpPr>
+      <p:sp>
+        <p:nvSpPr>
+          <p:cNvPr id="2" name="Titre 1">
+            <a:extLst>
+              <a:ext uri="{FF2B5EF4-FFF2-40B4-BE49-F238E27FC236}">
                 <a16:creationId xmlns:a16="http://schemas.microsoft.com/office/drawing/2014/main" id="{CD177322-B9AA-4F08-8621-2C45D074DF3C}"/>
               </a:ext>
             </a:extLst>
@@ -24109,12 +25316,16 @@
           <a:lstStyle/>
           <a:p>
             <a:r>
-              <a:rPr lang="fr-FR" dirty="0">
-                <a:solidFill>
-                  <a:srgbClr val="1AAE9F"/>
-                </a:solidFill>
-              </a:rPr>
-              <a:t>K-Modes</a:t>
+              <a:rPr lang="fr-FR" dirty="0" err="1"/>
+              <a:t>Level</a:t>
+            </a:r>
+            <a:r>
+              <a:rPr lang="fr-FR" dirty="0"/>
+              <a:t> &amp; </a:t>
+            </a:r>
+            <a:r>
+              <a:rPr lang="fr-FR" dirty="0" err="1"/>
+              <a:t>Categorical</a:t>
             </a:r>
             <a:r>
               <a:rPr lang="fr-FR" dirty="0"/>
@@ -26355,1242 +27566,6 @@
 </p:sld>
 </file>
 
-<file path=ppt/slides/slide8.xml><?xml version="1.0" encoding="utf-8"?>
-<p:sld xmlns:a="http://schemas.openxmlformats.org/drawingml/2006/main" xmlns:r="http://schemas.openxmlformats.org/officeDocument/2006/relationships" xmlns:p="http://schemas.openxmlformats.org/presentationml/2006/main">
-  <p:cSld>
-    <p:spTree>
-      <p:nvGrpSpPr>
-        <p:cNvPr id="1" name=""/>
-        <p:cNvGrpSpPr/>
-        <p:nvPr/>
-      </p:nvGrpSpPr>
-      <p:grpSpPr>
-        <a:xfrm>
-          <a:off x="0" y="0"/>
-          <a:ext cx="0" cy="0"/>
-          <a:chOff x="0" y="0"/>
-          <a:chExt cx="0" cy="0"/>
-        </a:xfrm>
-      </p:grpSpPr>
-      <p:sp>
-        <p:nvSpPr>
-          <p:cNvPr id="2" name="Titre 1">
-            <a:extLst>
-              <a:ext uri="{FF2B5EF4-FFF2-40B4-BE49-F238E27FC236}">
-                <a16:creationId xmlns:a16="http://schemas.microsoft.com/office/drawing/2014/main" id="{E4ED6295-148D-4520-93EE-A42EF45C18E9}"/>
-              </a:ext>
-            </a:extLst>
-          </p:cNvPr>
-          <p:cNvSpPr>
-            <a:spLocks noGrp="1"/>
-          </p:cNvSpPr>
-          <p:nvPr>
-            <p:ph type="title"/>
-          </p:nvPr>
-        </p:nvSpPr>
-        <p:spPr/>
-        <p:txBody>
-          <a:bodyPr/>
-          <a:lstStyle/>
-          <a:p>
-            <a:r>
-              <a:rPr lang="fr-FR" dirty="0" err="1"/>
-              <a:t>Feature</a:t>
-            </a:r>
-            <a:r>
-              <a:rPr lang="fr-FR" dirty="0"/>
-              <a:t> engineering insights : </a:t>
-            </a:r>
-            <a:endParaRPr lang="en-US" dirty="0"/>
-          </a:p>
-        </p:txBody>
-      </p:sp>
-      <p:sp>
-        <p:nvSpPr>
-          <p:cNvPr id="3" name="Espace réservé du contenu 2">
-            <a:extLst>
-              <a:ext uri="{FF2B5EF4-FFF2-40B4-BE49-F238E27FC236}">
-                <a16:creationId xmlns:a16="http://schemas.microsoft.com/office/drawing/2014/main" id="{77B3184C-E484-426C-9EEB-B4187A699A88}"/>
-              </a:ext>
-            </a:extLst>
-          </p:cNvPr>
-          <p:cNvSpPr>
-            <a:spLocks noGrp="1"/>
-          </p:cNvSpPr>
-          <p:nvPr>
-            <p:ph idx="1"/>
-          </p:nvPr>
-        </p:nvSpPr>
-        <p:spPr>
-          <a:xfrm>
-            <a:off x="29618" y="1637881"/>
-            <a:ext cx="12078645" cy="608123"/>
-          </a:xfrm>
-        </p:spPr>
-        <p:txBody>
-          <a:bodyPr>
-            <a:normAutofit/>
-          </a:bodyPr>
-          <a:lstStyle/>
-          <a:p>
-            <a:r>
-              <a:rPr lang="en-US" b="1" u="sng" dirty="0" err="1">
-                <a:solidFill>
-                  <a:srgbClr val="D3455B"/>
-                </a:solidFill>
-              </a:rPr>
-              <a:t>purchase_time_zone_cat</a:t>
-            </a:r>
-            <a:r>
-              <a:rPr lang="en-US" b="1" dirty="0">
-                <a:solidFill>
-                  <a:srgbClr val="D3455B"/>
-                </a:solidFill>
-              </a:rPr>
-              <a:t> : </a:t>
-            </a:r>
-            <a:r>
-              <a:rPr lang="en-US" i="1" dirty="0" err="1"/>
-              <a:t>order_purchase_dayofweek</a:t>
-            </a:r>
-            <a:r>
-              <a:rPr lang="en-US" i="1" dirty="0"/>
-              <a:t> &amp; _hour from original </a:t>
-            </a:r>
-            <a:r>
-              <a:rPr lang="en-US" i="1" dirty="0" err="1"/>
-              <a:t>purchase</a:t>
-            </a:r>
-            <a:r>
-              <a:rPr lang="en-US" dirty="0" err="1"/>
-              <a:t>_</a:t>
-            </a:r>
-            <a:r>
-              <a:rPr lang="en-US" i="1" dirty="0" err="1"/>
-              <a:t>timestamp</a:t>
-            </a:r>
-            <a:endParaRPr lang="en-US" i="1" dirty="0"/>
-          </a:p>
-        </p:txBody>
-      </p:sp>
-      <p:pic>
-        <p:nvPicPr>
-          <p:cNvPr id="4" name="Image 3">
-            <a:extLst>
-              <a:ext uri="{FF2B5EF4-FFF2-40B4-BE49-F238E27FC236}">
-                <a16:creationId xmlns:a16="http://schemas.microsoft.com/office/drawing/2014/main" id="{1BFBE36E-F8B3-49C5-8AC6-9BA2C367D6DF}"/>
-              </a:ext>
-            </a:extLst>
-          </p:cNvPr>
-          <p:cNvPicPr>
-            <a:picLocks noChangeAspect="1"/>
-          </p:cNvPicPr>
-          <p:nvPr/>
-        </p:nvPicPr>
-        <p:blipFill>
-          <a:blip r:embed="rId2"/>
-          <a:stretch>
-            <a:fillRect/>
-          </a:stretch>
-        </p:blipFill>
-        <p:spPr>
-          <a:xfrm>
-            <a:off x="405277" y="2193294"/>
-            <a:ext cx="4723804" cy="1643062"/>
-          </a:xfrm>
-          <a:prstGeom prst="rect">
-            <a:avLst/>
-          </a:prstGeom>
-        </p:spPr>
-      </p:pic>
-      <p:pic>
-        <p:nvPicPr>
-          <p:cNvPr id="5" name="Image 4">
-            <a:extLst>
-              <a:ext uri="{FF2B5EF4-FFF2-40B4-BE49-F238E27FC236}">
-                <a16:creationId xmlns:a16="http://schemas.microsoft.com/office/drawing/2014/main" id="{DDA53BC1-B512-4CA7-AA28-CBA9C65D9AD5}"/>
-              </a:ext>
-            </a:extLst>
-          </p:cNvPr>
-          <p:cNvPicPr>
-            <a:picLocks noChangeAspect="1"/>
-          </p:cNvPicPr>
-          <p:nvPr/>
-        </p:nvPicPr>
-        <p:blipFill>
-          <a:blip r:embed="rId3"/>
-          <a:stretch>
-            <a:fillRect/>
-          </a:stretch>
-        </p:blipFill>
-        <p:spPr>
-          <a:xfrm>
-            <a:off x="7051662" y="2193294"/>
-            <a:ext cx="1757363" cy="1643063"/>
-          </a:xfrm>
-          <a:prstGeom prst="rect">
-            <a:avLst/>
-          </a:prstGeom>
-        </p:spPr>
-      </p:pic>
-      <p:pic>
-        <p:nvPicPr>
-          <p:cNvPr id="6" name="Image 5">
-            <a:extLst>
-              <a:ext uri="{FF2B5EF4-FFF2-40B4-BE49-F238E27FC236}">
-                <a16:creationId xmlns:a16="http://schemas.microsoft.com/office/drawing/2014/main" id="{4066AA3C-04DF-4D90-AEF2-2BC89347E0B6}"/>
-              </a:ext>
-            </a:extLst>
-          </p:cNvPr>
-          <p:cNvPicPr>
-            <a:picLocks noChangeAspect="1"/>
-          </p:cNvPicPr>
-          <p:nvPr/>
-        </p:nvPicPr>
-        <p:blipFill>
-          <a:blip r:embed="rId4"/>
-          <a:stretch>
-            <a:fillRect/>
-          </a:stretch>
-        </p:blipFill>
-        <p:spPr>
-          <a:xfrm>
-            <a:off x="5211691" y="2193292"/>
-            <a:ext cx="1745236" cy="1643063"/>
-          </a:xfrm>
-          <a:prstGeom prst="rect">
-            <a:avLst/>
-          </a:prstGeom>
-        </p:spPr>
-      </p:pic>
-      <p:pic>
-        <p:nvPicPr>
-          <p:cNvPr id="8" name="Image 7">
-            <a:extLst>
-              <a:ext uri="{FF2B5EF4-FFF2-40B4-BE49-F238E27FC236}">
-                <a16:creationId xmlns:a16="http://schemas.microsoft.com/office/drawing/2014/main" id="{71B287B2-4B14-4ECF-AFEB-3A8078ACC1B0}"/>
-              </a:ext>
-            </a:extLst>
-          </p:cNvPr>
-          <p:cNvPicPr>
-            <a:picLocks noChangeAspect="1"/>
-          </p:cNvPicPr>
-          <p:nvPr/>
-        </p:nvPicPr>
-        <p:blipFill>
-          <a:blip r:embed="rId5"/>
-          <a:stretch>
-            <a:fillRect/>
-          </a:stretch>
-        </p:blipFill>
-        <p:spPr>
-          <a:xfrm>
-            <a:off x="8913522" y="2193291"/>
-            <a:ext cx="2532034" cy="1643063"/>
-          </a:xfrm>
-          <a:prstGeom prst="rect">
-            <a:avLst/>
-          </a:prstGeom>
-        </p:spPr>
-      </p:pic>
-      <p:sp>
-        <p:nvSpPr>
-          <p:cNvPr id="11" name="Espace réservé du contenu 2">
-            <a:extLst>
-              <a:ext uri="{FF2B5EF4-FFF2-40B4-BE49-F238E27FC236}">
-                <a16:creationId xmlns:a16="http://schemas.microsoft.com/office/drawing/2014/main" id="{E27E862E-2645-46A0-82ED-319AF3E94ED1}"/>
-              </a:ext>
-            </a:extLst>
-          </p:cNvPr>
-          <p:cNvSpPr txBox="1">
-            <a:spLocks/>
-          </p:cNvSpPr>
-          <p:nvPr/>
-        </p:nvSpPr>
-        <p:spPr>
-          <a:xfrm>
-            <a:off x="-68035" y="4642338"/>
-            <a:ext cx="11787580" cy="2179686"/>
-          </a:xfrm>
-          <a:prstGeom prst="rect">
-            <a:avLst/>
-          </a:prstGeom>
-          <a:effectLst>
-            <a:outerShdw blurRad="50800" dir="14400000">
-              <a:srgbClr val="000000">
-                <a:alpha val="40000"/>
-              </a:srgbClr>
-            </a:outerShdw>
-          </a:effectLst>
-        </p:spPr>
-        <p:txBody>
-          <a:bodyPr vert="horz" lIns="91440" tIns="45720" rIns="91440" bIns="45720" rtlCol="0" anchor="ctr">
-            <a:normAutofit/>
-          </a:bodyPr>
-          <a:lstStyle>
-            <a:lvl1pPr marL="342900" indent="-342900" algn="l" defTabSz="457200" rtl="0" eaLnBrk="1" latinLnBrk="0" hangingPunct="1">
-              <a:spcBef>
-                <a:spcPct val="20000"/>
-              </a:spcBef>
-              <a:spcAft>
-                <a:spcPts val="600"/>
-              </a:spcAft>
-              <a:buClr>
-                <a:schemeClr val="accent1"/>
-              </a:buClr>
-              <a:buFont typeface="Wingdings 2" charset="2"/>
-              <a:buChar char=""/>
-              <a:defRPr sz="1800" kern="1200">
-                <a:solidFill>
-                  <a:schemeClr val="tx1"/>
-                </a:solidFill>
-                <a:latin typeface="+mn-lt"/>
-                <a:ea typeface="+mn-ea"/>
-                <a:cs typeface="+mn-cs"/>
-              </a:defRPr>
-            </a:lvl1pPr>
-            <a:lvl2pPr marL="742950" indent="-285750" algn="l" defTabSz="457200" rtl="0" eaLnBrk="1" latinLnBrk="0" hangingPunct="1">
-              <a:spcBef>
-                <a:spcPct val="20000"/>
-              </a:spcBef>
-              <a:spcAft>
-                <a:spcPts val="600"/>
-              </a:spcAft>
-              <a:buClr>
-                <a:schemeClr val="accent1"/>
-              </a:buClr>
-              <a:buFont typeface="Wingdings 2" charset="2"/>
-              <a:buChar char=""/>
-              <a:defRPr sz="1600" kern="1200">
-                <a:solidFill>
-                  <a:schemeClr val="tx1"/>
-                </a:solidFill>
-                <a:latin typeface="+mn-lt"/>
-                <a:ea typeface="+mn-ea"/>
-                <a:cs typeface="+mn-cs"/>
-              </a:defRPr>
-            </a:lvl2pPr>
-            <a:lvl3pPr marL="1143000" indent="-228600" algn="l" defTabSz="457200" rtl="0" eaLnBrk="1" latinLnBrk="0" hangingPunct="1">
-              <a:spcBef>
-                <a:spcPct val="20000"/>
-              </a:spcBef>
-              <a:spcAft>
-                <a:spcPts val="600"/>
-              </a:spcAft>
-              <a:buClr>
-                <a:schemeClr val="accent1"/>
-              </a:buClr>
-              <a:buFont typeface="Wingdings 2" charset="2"/>
-              <a:buChar char=""/>
-              <a:defRPr sz="1400" kern="1200">
-                <a:solidFill>
-                  <a:schemeClr val="tx1"/>
-                </a:solidFill>
-                <a:latin typeface="+mn-lt"/>
-                <a:ea typeface="+mn-ea"/>
-                <a:cs typeface="+mn-cs"/>
-              </a:defRPr>
-            </a:lvl3pPr>
-            <a:lvl4pPr marL="1600200" indent="-228600" algn="l" defTabSz="457200" rtl="0" eaLnBrk="1" latinLnBrk="0" hangingPunct="1">
-              <a:spcBef>
-                <a:spcPct val="20000"/>
-              </a:spcBef>
-              <a:spcAft>
-                <a:spcPts val="600"/>
-              </a:spcAft>
-              <a:buClr>
-                <a:schemeClr val="accent1"/>
-              </a:buClr>
-              <a:buFont typeface="Wingdings 2" charset="2"/>
-              <a:buChar char=""/>
-              <a:defRPr sz="1200" kern="1200">
-                <a:solidFill>
-                  <a:schemeClr val="tx1"/>
-                </a:solidFill>
-                <a:latin typeface="+mn-lt"/>
-                <a:ea typeface="+mn-ea"/>
-                <a:cs typeface="+mn-cs"/>
-              </a:defRPr>
-            </a:lvl4pPr>
-            <a:lvl5pPr marL="2057400" indent="-228600" algn="l" defTabSz="457200" rtl="0" eaLnBrk="1" latinLnBrk="0" hangingPunct="1">
-              <a:spcBef>
-                <a:spcPct val="20000"/>
-              </a:spcBef>
-              <a:spcAft>
-                <a:spcPts val="600"/>
-              </a:spcAft>
-              <a:buClr>
-                <a:schemeClr val="accent1"/>
-              </a:buClr>
-              <a:buFont typeface="Wingdings 2" charset="2"/>
-              <a:buChar char=""/>
-              <a:defRPr sz="1200" kern="1200">
-                <a:solidFill>
-                  <a:schemeClr val="tx1"/>
-                </a:solidFill>
-                <a:latin typeface="+mn-lt"/>
-                <a:ea typeface="+mn-ea"/>
-                <a:cs typeface="+mn-cs"/>
-              </a:defRPr>
-            </a:lvl5pPr>
-            <a:lvl6pPr marL="2400000" indent="-228600" algn="l" defTabSz="457200" rtl="0" eaLnBrk="1" latinLnBrk="0" hangingPunct="1">
-              <a:spcBef>
-                <a:spcPct val="20000"/>
-              </a:spcBef>
-              <a:spcAft>
-                <a:spcPts val="600"/>
-              </a:spcAft>
-              <a:buClr>
-                <a:schemeClr val="accent1"/>
-              </a:buClr>
-              <a:buFont typeface="Wingdings 2" charset="2"/>
-              <a:buChar char=""/>
-              <a:defRPr sz="1200" kern="1200">
-                <a:solidFill>
-                  <a:schemeClr val="tx1"/>
-                </a:solidFill>
-                <a:latin typeface="+mn-lt"/>
-                <a:ea typeface="+mn-ea"/>
-                <a:cs typeface="+mn-cs"/>
-              </a:defRPr>
-            </a:lvl6pPr>
-            <a:lvl7pPr marL="2800000" indent="-228600" algn="l" defTabSz="457200" rtl="0" eaLnBrk="1" latinLnBrk="0" hangingPunct="1">
-              <a:spcBef>
-                <a:spcPct val="20000"/>
-              </a:spcBef>
-              <a:spcAft>
-                <a:spcPts val="600"/>
-              </a:spcAft>
-              <a:buClr>
-                <a:schemeClr val="accent1"/>
-              </a:buClr>
-              <a:buFont typeface="Wingdings 2" charset="2"/>
-              <a:buChar char=""/>
-              <a:defRPr sz="1200" kern="1200">
-                <a:solidFill>
-                  <a:schemeClr val="tx1"/>
-                </a:solidFill>
-                <a:latin typeface="+mn-lt"/>
-                <a:ea typeface="+mn-ea"/>
-                <a:cs typeface="+mn-cs"/>
-              </a:defRPr>
-            </a:lvl7pPr>
-            <a:lvl8pPr marL="3200000" indent="-228600" algn="l" defTabSz="457200" rtl="0" eaLnBrk="1" latinLnBrk="0" hangingPunct="1">
-              <a:spcBef>
-                <a:spcPct val="20000"/>
-              </a:spcBef>
-              <a:spcAft>
-                <a:spcPts val="600"/>
-              </a:spcAft>
-              <a:buClr>
-                <a:schemeClr val="accent1"/>
-              </a:buClr>
-              <a:buFont typeface="Wingdings 2" charset="2"/>
-              <a:buChar char=""/>
-              <a:defRPr sz="1200" kern="1200">
-                <a:solidFill>
-                  <a:schemeClr val="tx1"/>
-                </a:solidFill>
-                <a:latin typeface="+mn-lt"/>
-                <a:ea typeface="+mn-ea"/>
-                <a:cs typeface="+mn-cs"/>
-              </a:defRPr>
-            </a:lvl8pPr>
-            <a:lvl9pPr marL="3600000" indent="-228600" algn="l" defTabSz="457200" rtl="0" eaLnBrk="1" latinLnBrk="0" hangingPunct="1">
-              <a:spcBef>
-                <a:spcPct val="20000"/>
-              </a:spcBef>
-              <a:spcAft>
-                <a:spcPts val="600"/>
-              </a:spcAft>
-              <a:buClr>
-                <a:schemeClr val="accent1"/>
-              </a:buClr>
-              <a:buFont typeface="Wingdings 2" charset="2"/>
-              <a:buChar char=""/>
-              <a:defRPr sz="1200" kern="1200">
-                <a:solidFill>
-                  <a:schemeClr val="tx1"/>
-                </a:solidFill>
-                <a:latin typeface="+mn-lt"/>
-                <a:ea typeface="+mn-ea"/>
-                <a:cs typeface="+mn-cs"/>
-              </a:defRPr>
-            </a:lvl9pPr>
-          </a:lstStyle>
-          <a:p>
-            <a:pPr marL="0" indent="0">
-              <a:buNone/>
-            </a:pPr>
-            <a:r>
-              <a:rPr lang="en-US" dirty="0"/>
-              <a:t>A few features are available a</a:t>
-            </a:r>
-            <a:r>
-              <a:rPr lang="en-US" sz="1800" dirty="0"/>
-              <a:t>bout “freight”, linked together : </a:t>
-            </a:r>
-          </a:p>
-          <a:p>
-            <a:r>
-              <a:rPr lang="en-US" sz="1800" b="1" dirty="0" err="1">
-                <a:solidFill>
-                  <a:srgbClr val="2C88D9"/>
-                </a:solidFill>
-              </a:rPr>
-              <a:t>cust_sell_dist</a:t>
-            </a:r>
-            <a:r>
-              <a:rPr lang="en-US" sz="1800" b="1" dirty="0">
-                <a:solidFill>
-                  <a:srgbClr val="2C88D9"/>
-                </a:solidFill>
-              </a:rPr>
-              <a:t> : </a:t>
-            </a:r>
-            <a:r>
-              <a:rPr lang="fr-FR" dirty="0"/>
-              <a:t>the distance </a:t>
-            </a:r>
-            <a:r>
-              <a:rPr lang="fr-FR" dirty="0" err="1"/>
-              <a:t>computed</a:t>
-            </a:r>
-            <a:r>
-              <a:rPr lang="fr-FR" dirty="0"/>
-              <a:t> </a:t>
-            </a:r>
-            <a:r>
-              <a:rPr lang="fr-FR" dirty="0" err="1"/>
-              <a:t>from</a:t>
-            </a:r>
-            <a:r>
-              <a:rPr lang="fr-FR" dirty="0"/>
-              <a:t> </a:t>
-            </a:r>
-            <a:r>
-              <a:rPr lang="fr-FR" dirty="0" err="1"/>
-              <a:t>geolocation</a:t>
-            </a:r>
-            <a:endParaRPr lang="fr-FR" dirty="0"/>
-          </a:p>
-          <a:p>
-            <a:r>
-              <a:rPr lang="en-US" b="1" dirty="0" err="1">
-                <a:solidFill>
-                  <a:srgbClr val="FFC000"/>
-                </a:solidFill>
-              </a:rPr>
-              <a:t>product_size</a:t>
-            </a:r>
-            <a:r>
-              <a:rPr lang="en-US" b="1" dirty="0">
-                <a:solidFill>
-                  <a:srgbClr val="FFC000"/>
-                </a:solidFill>
-              </a:rPr>
-              <a:t> / _</a:t>
-            </a:r>
-            <a:r>
-              <a:rPr lang="en-US" b="1" dirty="0" err="1">
-                <a:solidFill>
-                  <a:srgbClr val="FFC000"/>
-                </a:solidFill>
-              </a:rPr>
-              <a:t>weight_g</a:t>
-            </a:r>
-            <a:r>
-              <a:rPr lang="en-US" b="1" dirty="0">
-                <a:solidFill>
-                  <a:srgbClr val="FFC000"/>
-                </a:solidFill>
-              </a:rPr>
-              <a:t> </a:t>
-            </a:r>
-            <a:r>
-              <a:rPr lang="en-US" i="1" dirty="0">
-                <a:solidFill>
-                  <a:srgbClr val="FFC000"/>
-                </a:solidFill>
-              </a:rPr>
-              <a:t>/ </a:t>
-            </a:r>
-            <a:r>
-              <a:rPr lang="en-US" b="1" dirty="0">
-                <a:solidFill>
-                  <a:srgbClr val="FFC000"/>
-                </a:solidFill>
-              </a:rPr>
-              <a:t>_density </a:t>
-            </a:r>
-            <a:r>
-              <a:rPr lang="en-US" i="1" dirty="0">
-                <a:solidFill>
-                  <a:srgbClr val="FFC000"/>
-                </a:solidFill>
-              </a:rPr>
-              <a:t>: </a:t>
-            </a:r>
-            <a:r>
-              <a:rPr lang="en-US" dirty="0"/>
-              <a:t>used to compute a freight class</a:t>
-            </a:r>
-            <a:endParaRPr lang="en-US" i="1" dirty="0">
-              <a:solidFill>
-                <a:srgbClr val="FFC000"/>
-              </a:solidFill>
-            </a:endParaRPr>
-          </a:p>
-          <a:p>
-            <a:r>
-              <a:rPr lang="en-US" sz="1800" b="1" dirty="0" err="1">
-                <a:solidFill>
-                  <a:srgbClr val="E8833A"/>
-                </a:solidFill>
-              </a:rPr>
-              <a:t>freight_percentage</a:t>
-            </a:r>
-            <a:r>
-              <a:rPr lang="en-US" sz="1800" b="1" dirty="0">
-                <a:solidFill>
-                  <a:srgbClr val="E8833A"/>
-                </a:solidFill>
-              </a:rPr>
-              <a:t> : </a:t>
-            </a:r>
-            <a:r>
-              <a:rPr lang="en-US" sz="1800" dirty="0"/>
-              <a:t>freight value / total </a:t>
-            </a:r>
-            <a:r>
-              <a:rPr lang="en-US" sz="1800" dirty="0" err="1"/>
-              <a:t>paiement</a:t>
-            </a:r>
-            <a:endParaRPr lang="en-US" sz="1800" dirty="0"/>
-          </a:p>
-        </p:txBody>
-      </p:sp>
-      <p:sp>
-        <p:nvSpPr>
-          <p:cNvPr id="12" name="Espace réservé du contenu 2">
-            <a:extLst>
-              <a:ext uri="{FF2B5EF4-FFF2-40B4-BE49-F238E27FC236}">
-                <a16:creationId xmlns:a16="http://schemas.microsoft.com/office/drawing/2014/main" id="{EB9E2526-7D46-4FC0-94E7-D6F287783B84}"/>
-              </a:ext>
-            </a:extLst>
-          </p:cNvPr>
-          <p:cNvSpPr txBox="1">
-            <a:spLocks/>
-          </p:cNvSpPr>
-          <p:nvPr/>
-        </p:nvSpPr>
-        <p:spPr>
-          <a:xfrm>
-            <a:off x="-68035" y="3892395"/>
-            <a:ext cx="11787580" cy="499369"/>
-          </a:xfrm>
-          <a:prstGeom prst="rect">
-            <a:avLst/>
-          </a:prstGeom>
-          <a:effectLst>
-            <a:outerShdw blurRad="50800" dir="14400000">
-              <a:srgbClr val="000000">
-                <a:alpha val="40000"/>
-              </a:srgbClr>
-            </a:outerShdw>
-          </a:effectLst>
-        </p:spPr>
-        <p:txBody>
-          <a:bodyPr vert="horz" lIns="91440" tIns="45720" rIns="91440" bIns="45720" rtlCol="0" anchor="ctr">
-            <a:normAutofit/>
-          </a:bodyPr>
-          <a:lstStyle>
-            <a:lvl1pPr marL="342900" indent="-342900" algn="l" defTabSz="457200" rtl="0" eaLnBrk="1" latinLnBrk="0" hangingPunct="1">
-              <a:spcBef>
-                <a:spcPct val="20000"/>
-              </a:spcBef>
-              <a:spcAft>
-                <a:spcPts val="600"/>
-              </a:spcAft>
-              <a:buClr>
-                <a:schemeClr val="accent1"/>
-              </a:buClr>
-              <a:buFont typeface="Wingdings 2" charset="2"/>
-              <a:buChar char=""/>
-              <a:defRPr sz="1800" kern="1200">
-                <a:solidFill>
-                  <a:schemeClr val="tx1"/>
-                </a:solidFill>
-                <a:latin typeface="+mn-lt"/>
-                <a:ea typeface="+mn-ea"/>
-                <a:cs typeface="+mn-cs"/>
-              </a:defRPr>
-            </a:lvl1pPr>
-            <a:lvl2pPr marL="742950" indent="-285750" algn="l" defTabSz="457200" rtl="0" eaLnBrk="1" latinLnBrk="0" hangingPunct="1">
-              <a:spcBef>
-                <a:spcPct val="20000"/>
-              </a:spcBef>
-              <a:spcAft>
-                <a:spcPts val="600"/>
-              </a:spcAft>
-              <a:buClr>
-                <a:schemeClr val="accent1"/>
-              </a:buClr>
-              <a:buFont typeface="Wingdings 2" charset="2"/>
-              <a:buChar char=""/>
-              <a:defRPr sz="1600" kern="1200">
-                <a:solidFill>
-                  <a:schemeClr val="tx1"/>
-                </a:solidFill>
-                <a:latin typeface="+mn-lt"/>
-                <a:ea typeface="+mn-ea"/>
-                <a:cs typeface="+mn-cs"/>
-              </a:defRPr>
-            </a:lvl2pPr>
-            <a:lvl3pPr marL="1143000" indent="-228600" algn="l" defTabSz="457200" rtl="0" eaLnBrk="1" latinLnBrk="0" hangingPunct="1">
-              <a:spcBef>
-                <a:spcPct val="20000"/>
-              </a:spcBef>
-              <a:spcAft>
-                <a:spcPts val="600"/>
-              </a:spcAft>
-              <a:buClr>
-                <a:schemeClr val="accent1"/>
-              </a:buClr>
-              <a:buFont typeface="Wingdings 2" charset="2"/>
-              <a:buChar char=""/>
-              <a:defRPr sz="1400" kern="1200">
-                <a:solidFill>
-                  <a:schemeClr val="tx1"/>
-                </a:solidFill>
-                <a:latin typeface="+mn-lt"/>
-                <a:ea typeface="+mn-ea"/>
-                <a:cs typeface="+mn-cs"/>
-              </a:defRPr>
-            </a:lvl3pPr>
-            <a:lvl4pPr marL="1600200" indent="-228600" algn="l" defTabSz="457200" rtl="0" eaLnBrk="1" latinLnBrk="0" hangingPunct="1">
-              <a:spcBef>
-                <a:spcPct val="20000"/>
-              </a:spcBef>
-              <a:spcAft>
-                <a:spcPts val="600"/>
-              </a:spcAft>
-              <a:buClr>
-                <a:schemeClr val="accent1"/>
-              </a:buClr>
-              <a:buFont typeface="Wingdings 2" charset="2"/>
-              <a:buChar char=""/>
-              <a:defRPr sz="1200" kern="1200">
-                <a:solidFill>
-                  <a:schemeClr val="tx1"/>
-                </a:solidFill>
-                <a:latin typeface="+mn-lt"/>
-                <a:ea typeface="+mn-ea"/>
-                <a:cs typeface="+mn-cs"/>
-              </a:defRPr>
-            </a:lvl4pPr>
-            <a:lvl5pPr marL="2057400" indent="-228600" algn="l" defTabSz="457200" rtl="0" eaLnBrk="1" latinLnBrk="0" hangingPunct="1">
-              <a:spcBef>
-                <a:spcPct val="20000"/>
-              </a:spcBef>
-              <a:spcAft>
-                <a:spcPts val="600"/>
-              </a:spcAft>
-              <a:buClr>
-                <a:schemeClr val="accent1"/>
-              </a:buClr>
-              <a:buFont typeface="Wingdings 2" charset="2"/>
-              <a:buChar char=""/>
-              <a:defRPr sz="1200" kern="1200">
-                <a:solidFill>
-                  <a:schemeClr val="tx1"/>
-                </a:solidFill>
-                <a:latin typeface="+mn-lt"/>
-                <a:ea typeface="+mn-ea"/>
-                <a:cs typeface="+mn-cs"/>
-              </a:defRPr>
-            </a:lvl5pPr>
-            <a:lvl6pPr marL="2400000" indent="-228600" algn="l" defTabSz="457200" rtl="0" eaLnBrk="1" latinLnBrk="0" hangingPunct="1">
-              <a:spcBef>
-                <a:spcPct val="20000"/>
-              </a:spcBef>
-              <a:spcAft>
-                <a:spcPts val="600"/>
-              </a:spcAft>
-              <a:buClr>
-                <a:schemeClr val="accent1"/>
-              </a:buClr>
-              <a:buFont typeface="Wingdings 2" charset="2"/>
-              <a:buChar char=""/>
-              <a:defRPr sz="1200" kern="1200">
-                <a:solidFill>
-                  <a:schemeClr val="tx1"/>
-                </a:solidFill>
-                <a:latin typeface="+mn-lt"/>
-                <a:ea typeface="+mn-ea"/>
-                <a:cs typeface="+mn-cs"/>
-              </a:defRPr>
-            </a:lvl6pPr>
-            <a:lvl7pPr marL="2800000" indent="-228600" algn="l" defTabSz="457200" rtl="0" eaLnBrk="1" latinLnBrk="0" hangingPunct="1">
-              <a:spcBef>
-                <a:spcPct val="20000"/>
-              </a:spcBef>
-              <a:spcAft>
-                <a:spcPts val="600"/>
-              </a:spcAft>
-              <a:buClr>
-                <a:schemeClr val="accent1"/>
-              </a:buClr>
-              <a:buFont typeface="Wingdings 2" charset="2"/>
-              <a:buChar char=""/>
-              <a:defRPr sz="1200" kern="1200">
-                <a:solidFill>
-                  <a:schemeClr val="tx1"/>
-                </a:solidFill>
-                <a:latin typeface="+mn-lt"/>
-                <a:ea typeface="+mn-ea"/>
-                <a:cs typeface="+mn-cs"/>
-              </a:defRPr>
-            </a:lvl7pPr>
-            <a:lvl8pPr marL="3200000" indent="-228600" algn="l" defTabSz="457200" rtl="0" eaLnBrk="1" latinLnBrk="0" hangingPunct="1">
-              <a:spcBef>
-                <a:spcPct val="20000"/>
-              </a:spcBef>
-              <a:spcAft>
-                <a:spcPts val="600"/>
-              </a:spcAft>
-              <a:buClr>
-                <a:schemeClr val="accent1"/>
-              </a:buClr>
-              <a:buFont typeface="Wingdings 2" charset="2"/>
-              <a:buChar char=""/>
-              <a:defRPr sz="1200" kern="1200">
-                <a:solidFill>
-                  <a:schemeClr val="tx1"/>
-                </a:solidFill>
-                <a:latin typeface="+mn-lt"/>
-                <a:ea typeface="+mn-ea"/>
-                <a:cs typeface="+mn-cs"/>
-              </a:defRPr>
-            </a:lvl8pPr>
-            <a:lvl9pPr marL="3600000" indent="-228600" algn="l" defTabSz="457200" rtl="0" eaLnBrk="1" latinLnBrk="0" hangingPunct="1">
-              <a:spcBef>
-                <a:spcPct val="20000"/>
-              </a:spcBef>
-              <a:spcAft>
-                <a:spcPts val="600"/>
-              </a:spcAft>
-              <a:buClr>
-                <a:schemeClr val="accent1"/>
-              </a:buClr>
-              <a:buFont typeface="Wingdings 2" charset="2"/>
-              <a:buChar char=""/>
-              <a:defRPr sz="1200" kern="1200">
-                <a:solidFill>
-                  <a:schemeClr val="tx1"/>
-                </a:solidFill>
-                <a:latin typeface="+mn-lt"/>
-                <a:ea typeface="+mn-ea"/>
-                <a:cs typeface="+mn-cs"/>
-              </a:defRPr>
-            </a:lvl9pPr>
-          </a:lstStyle>
-          <a:p>
-            <a:r>
-              <a:rPr lang="en-US" sz="1800" b="1" u="sng" dirty="0" err="1">
-                <a:solidFill>
-                  <a:srgbClr val="FFC000"/>
-                </a:solidFill>
-              </a:rPr>
-              <a:t>product_cat</a:t>
-            </a:r>
-            <a:r>
-              <a:rPr lang="en-US" sz="1800" b="1" dirty="0">
-                <a:solidFill>
-                  <a:srgbClr val="FFC000"/>
-                </a:solidFill>
-              </a:rPr>
-              <a:t> : </a:t>
-            </a:r>
-            <a:r>
-              <a:rPr lang="fr-FR" b="1" dirty="0" err="1"/>
-              <a:t>rationalized</a:t>
-            </a:r>
-            <a:r>
-              <a:rPr lang="fr-FR" b="1" dirty="0"/>
-              <a:t> </a:t>
-            </a:r>
-            <a:r>
-              <a:rPr lang="fr-FR" b="1" dirty="0" err="1"/>
-              <a:t>from</a:t>
-            </a:r>
-            <a:r>
-              <a:rPr lang="fr-FR" b="1" dirty="0"/>
-              <a:t> 71 to 15 </a:t>
-            </a:r>
-            <a:r>
-              <a:rPr lang="fr-FR" dirty="0" err="1"/>
-              <a:t>categories</a:t>
-            </a:r>
-            <a:r>
-              <a:rPr lang="fr-FR" dirty="0"/>
-              <a:t>, </a:t>
-            </a:r>
-            <a:r>
-              <a:rPr lang="fr-FR" b="1" dirty="0" err="1">
-                <a:solidFill>
-                  <a:srgbClr val="FF0000"/>
-                </a:solidFill>
-              </a:rPr>
-              <a:t>should</a:t>
-            </a:r>
-            <a:r>
-              <a:rPr lang="fr-FR" b="1" dirty="0">
-                <a:solidFill>
-                  <a:srgbClr val="FF0000"/>
-                </a:solidFill>
-              </a:rPr>
-              <a:t> </a:t>
-            </a:r>
-            <a:r>
-              <a:rPr lang="fr-FR" b="1" dirty="0" err="1">
-                <a:solidFill>
-                  <a:srgbClr val="FF0000"/>
-                </a:solidFill>
-              </a:rPr>
-              <a:t>map</a:t>
-            </a:r>
-            <a:r>
-              <a:rPr lang="fr-FR" b="1" dirty="0">
-                <a:solidFill>
-                  <a:srgbClr val="FF0000"/>
-                </a:solidFill>
-              </a:rPr>
-              <a:t> </a:t>
-            </a:r>
-            <a:r>
-              <a:rPr lang="fr-FR" b="1" dirty="0" err="1">
-                <a:solidFill>
-                  <a:srgbClr val="FF0000"/>
-                </a:solidFill>
-              </a:rPr>
-              <a:t>with</a:t>
-            </a:r>
-            <a:r>
-              <a:rPr lang="fr-FR" b="1" dirty="0">
-                <a:solidFill>
-                  <a:srgbClr val="FF0000"/>
-                </a:solidFill>
-              </a:rPr>
-              <a:t> </a:t>
-            </a:r>
-            <a:r>
-              <a:rPr lang="fr-FR" b="1" dirty="0" err="1">
-                <a:solidFill>
-                  <a:srgbClr val="FF0000"/>
-                </a:solidFill>
-              </a:rPr>
-              <a:t>customer’s</a:t>
-            </a:r>
-            <a:r>
-              <a:rPr lang="fr-FR" b="1" dirty="0">
-                <a:solidFill>
-                  <a:srgbClr val="FF0000"/>
-                </a:solidFill>
-              </a:rPr>
-              <a:t> </a:t>
-            </a:r>
-            <a:r>
-              <a:rPr lang="fr-FR" b="1" dirty="0" err="1">
-                <a:solidFill>
-                  <a:srgbClr val="FF0000"/>
-                </a:solidFill>
-              </a:rPr>
-              <a:t>search</a:t>
-            </a:r>
-            <a:r>
-              <a:rPr lang="fr-FR" b="1" dirty="0">
-                <a:solidFill>
-                  <a:srgbClr val="FF0000"/>
-                </a:solidFill>
-              </a:rPr>
-              <a:t> &amp; navigation </a:t>
-            </a:r>
-            <a:endParaRPr lang="en-US" b="1" dirty="0">
-              <a:solidFill>
-                <a:srgbClr val="FF0000"/>
-              </a:solidFill>
-            </a:endParaRPr>
-          </a:p>
-        </p:txBody>
-      </p:sp>
-      <p:sp>
-        <p:nvSpPr>
-          <p:cNvPr id="13" name="Espace réservé du contenu 2">
-            <a:extLst>
-              <a:ext uri="{FF2B5EF4-FFF2-40B4-BE49-F238E27FC236}">
-                <a16:creationId xmlns:a16="http://schemas.microsoft.com/office/drawing/2014/main" id="{FEAE2A0A-2132-4887-A187-51F7F63460EB}"/>
-              </a:ext>
-            </a:extLst>
-          </p:cNvPr>
-          <p:cNvSpPr txBox="1">
-            <a:spLocks/>
-          </p:cNvSpPr>
-          <p:nvPr/>
-        </p:nvSpPr>
-        <p:spPr>
-          <a:xfrm>
-            <a:off x="-68035" y="4382220"/>
-            <a:ext cx="11787580" cy="499369"/>
-          </a:xfrm>
-          <a:prstGeom prst="rect">
-            <a:avLst/>
-          </a:prstGeom>
-          <a:effectLst>
-            <a:outerShdw blurRad="50800" dir="14400000">
-              <a:srgbClr val="000000">
-                <a:alpha val="40000"/>
-              </a:srgbClr>
-            </a:outerShdw>
-          </a:effectLst>
-        </p:spPr>
-        <p:txBody>
-          <a:bodyPr vert="horz" lIns="91440" tIns="45720" rIns="91440" bIns="45720" rtlCol="0" anchor="ctr">
-            <a:normAutofit/>
-          </a:bodyPr>
-          <a:lstStyle>
-            <a:lvl1pPr marL="342900" indent="-342900" algn="l" defTabSz="457200" rtl="0" eaLnBrk="1" latinLnBrk="0" hangingPunct="1">
-              <a:spcBef>
-                <a:spcPct val="20000"/>
-              </a:spcBef>
-              <a:spcAft>
-                <a:spcPts val="600"/>
-              </a:spcAft>
-              <a:buClr>
-                <a:schemeClr val="accent1"/>
-              </a:buClr>
-              <a:buFont typeface="Wingdings 2" charset="2"/>
-              <a:buChar char=""/>
-              <a:defRPr sz="1800" kern="1200">
-                <a:solidFill>
-                  <a:schemeClr val="tx1"/>
-                </a:solidFill>
-                <a:latin typeface="+mn-lt"/>
-                <a:ea typeface="+mn-ea"/>
-                <a:cs typeface="+mn-cs"/>
-              </a:defRPr>
-            </a:lvl1pPr>
-            <a:lvl2pPr marL="742950" indent="-285750" algn="l" defTabSz="457200" rtl="0" eaLnBrk="1" latinLnBrk="0" hangingPunct="1">
-              <a:spcBef>
-                <a:spcPct val="20000"/>
-              </a:spcBef>
-              <a:spcAft>
-                <a:spcPts val="600"/>
-              </a:spcAft>
-              <a:buClr>
-                <a:schemeClr val="accent1"/>
-              </a:buClr>
-              <a:buFont typeface="Wingdings 2" charset="2"/>
-              <a:buChar char=""/>
-              <a:defRPr sz="1600" kern="1200">
-                <a:solidFill>
-                  <a:schemeClr val="tx1"/>
-                </a:solidFill>
-                <a:latin typeface="+mn-lt"/>
-                <a:ea typeface="+mn-ea"/>
-                <a:cs typeface="+mn-cs"/>
-              </a:defRPr>
-            </a:lvl2pPr>
-            <a:lvl3pPr marL="1143000" indent="-228600" algn="l" defTabSz="457200" rtl="0" eaLnBrk="1" latinLnBrk="0" hangingPunct="1">
-              <a:spcBef>
-                <a:spcPct val="20000"/>
-              </a:spcBef>
-              <a:spcAft>
-                <a:spcPts val="600"/>
-              </a:spcAft>
-              <a:buClr>
-                <a:schemeClr val="accent1"/>
-              </a:buClr>
-              <a:buFont typeface="Wingdings 2" charset="2"/>
-              <a:buChar char=""/>
-              <a:defRPr sz="1400" kern="1200">
-                <a:solidFill>
-                  <a:schemeClr val="tx1"/>
-                </a:solidFill>
-                <a:latin typeface="+mn-lt"/>
-                <a:ea typeface="+mn-ea"/>
-                <a:cs typeface="+mn-cs"/>
-              </a:defRPr>
-            </a:lvl3pPr>
-            <a:lvl4pPr marL="1600200" indent="-228600" algn="l" defTabSz="457200" rtl="0" eaLnBrk="1" latinLnBrk="0" hangingPunct="1">
-              <a:spcBef>
-                <a:spcPct val="20000"/>
-              </a:spcBef>
-              <a:spcAft>
-                <a:spcPts val="600"/>
-              </a:spcAft>
-              <a:buClr>
-                <a:schemeClr val="accent1"/>
-              </a:buClr>
-              <a:buFont typeface="Wingdings 2" charset="2"/>
-              <a:buChar char=""/>
-              <a:defRPr sz="1200" kern="1200">
-                <a:solidFill>
-                  <a:schemeClr val="tx1"/>
-                </a:solidFill>
-                <a:latin typeface="+mn-lt"/>
-                <a:ea typeface="+mn-ea"/>
-                <a:cs typeface="+mn-cs"/>
-              </a:defRPr>
-            </a:lvl4pPr>
-            <a:lvl5pPr marL="2057400" indent="-228600" algn="l" defTabSz="457200" rtl="0" eaLnBrk="1" latinLnBrk="0" hangingPunct="1">
-              <a:spcBef>
-                <a:spcPct val="20000"/>
-              </a:spcBef>
-              <a:spcAft>
-                <a:spcPts val="600"/>
-              </a:spcAft>
-              <a:buClr>
-                <a:schemeClr val="accent1"/>
-              </a:buClr>
-              <a:buFont typeface="Wingdings 2" charset="2"/>
-              <a:buChar char=""/>
-              <a:defRPr sz="1200" kern="1200">
-                <a:solidFill>
-                  <a:schemeClr val="tx1"/>
-                </a:solidFill>
-                <a:latin typeface="+mn-lt"/>
-                <a:ea typeface="+mn-ea"/>
-                <a:cs typeface="+mn-cs"/>
-              </a:defRPr>
-            </a:lvl5pPr>
-            <a:lvl6pPr marL="2400000" indent="-228600" algn="l" defTabSz="457200" rtl="0" eaLnBrk="1" latinLnBrk="0" hangingPunct="1">
-              <a:spcBef>
-                <a:spcPct val="20000"/>
-              </a:spcBef>
-              <a:spcAft>
-                <a:spcPts val="600"/>
-              </a:spcAft>
-              <a:buClr>
-                <a:schemeClr val="accent1"/>
-              </a:buClr>
-              <a:buFont typeface="Wingdings 2" charset="2"/>
-              <a:buChar char=""/>
-              <a:defRPr sz="1200" kern="1200">
-                <a:solidFill>
-                  <a:schemeClr val="tx1"/>
-                </a:solidFill>
-                <a:latin typeface="+mn-lt"/>
-                <a:ea typeface="+mn-ea"/>
-                <a:cs typeface="+mn-cs"/>
-              </a:defRPr>
-            </a:lvl6pPr>
-            <a:lvl7pPr marL="2800000" indent="-228600" algn="l" defTabSz="457200" rtl="0" eaLnBrk="1" latinLnBrk="0" hangingPunct="1">
-              <a:spcBef>
-                <a:spcPct val="20000"/>
-              </a:spcBef>
-              <a:spcAft>
-                <a:spcPts val="600"/>
-              </a:spcAft>
-              <a:buClr>
-                <a:schemeClr val="accent1"/>
-              </a:buClr>
-              <a:buFont typeface="Wingdings 2" charset="2"/>
-              <a:buChar char=""/>
-              <a:defRPr sz="1200" kern="1200">
-                <a:solidFill>
-                  <a:schemeClr val="tx1"/>
-                </a:solidFill>
-                <a:latin typeface="+mn-lt"/>
-                <a:ea typeface="+mn-ea"/>
-                <a:cs typeface="+mn-cs"/>
-              </a:defRPr>
-            </a:lvl7pPr>
-            <a:lvl8pPr marL="3200000" indent="-228600" algn="l" defTabSz="457200" rtl="0" eaLnBrk="1" latinLnBrk="0" hangingPunct="1">
-              <a:spcBef>
-                <a:spcPct val="20000"/>
-              </a:spcBef>
-              <a:spcAft>
-                <a:spcPts val="600"/>
-              </a:spcAft>
-              <a:buClr>
-                <a:schemeClr val="accent1"/>
-              </a:buClr>
-              <a:buFont typeface="Wingdings 2" charset="2"/>
-              <a:buChar char=""/>
-              <a:defRPr sz="1200" kern="1200">
-                <a:solidFill>
-                  <a:schemeClr val="tx1"/>
-                </a:solidFill>
-                <a:latin typeface="+mn-lt"/>
-                <a:ea typeface="+mn-ea"/>
-                <a:cs typeface="+mn-cs"/>
-              </a:defRPr>
-            </a:lvl8pPr>
-            <a:lvl9pPr marL="3600000" indent="-228600" algn="l" defTabSz="457200" rtl="0" eaLnBrk="1" latinLnBrk="0" hangingPunct="1">
-              <a:spcBef>
-                <a:spcPct val="20000"/>
-              </a:spcBef>
-              <a:spcAft>
-                <a:spcPts val="600"/>
-              </a:spcAft>
-              <a:buClr>
-                <a:schemeClr val="accent1"/>
-              </a:buClr>
-              <a:buFont typeface="Wingdings 2" charset="2"/>
-              <a:buChar char=""/>
-              <a:defRPr sz="1200" kern="1200">
-                <a:solidFill>
-                  <a:schemeClr val="tx1"/>
-                </a:solidFill>
-                <a:latin typeface="+mn-lt"/>
-                <a:ea typeface="+mn-ea"/>
-                <a:cs typeface="+mn-cs"/>
-              </a:defRPr>
-            </a:lvl9pPr>
-          </a:lstStyle>
-          <a:p>
-            <a:r>
-              <a:rPr lang="en-US" sz="1800" b="1" u="sng" dirty="0" err="1">
-                <a:solidFill>
-                  <a:srgbClr val="BD34D1"/>
-                </a:solidFill>
-              </a:rPr>
-              <a:t>review_gap</a:t>
-            </a:r>
-            <a:r>
-              <a:rPr lang="en-US" sz="1800" b="1" dirty="0">
-                <a:solidFill>
-                  <a:srgbClr val="BD34D1"/>
-                </a:solidFill>
-              </a:rPr>
-              <a:t> :</a:t>
-            </a:r>
-            <a:r>
-              <a:rPr lang="en-US" sz="1800" b="1" dirty="0"/>
-              <a:t> </a:t>
-            </a:r>
-            <a:r>
-              <a:rPr lang="en-US" sz="1800" dirty="0"/>
-              <a:t>value the gap between product and customer review</a:t>
-            </a:r>
-            <a:endParaRPr lang="en-US" dirty="0"/>
-          </a:p>
-        </p:txBody>
-      </p:sp>
-    </p:spTree>
-    <p:extLst>
-      <p:ext uri="{BB962C8B-B14F-4D97-AF65-F5344CB8AC3E}">
-        <p14:creationId xmlns:p14="http://schemas.microsoft.com/office/powerpoint/2010/main" val="1073747681"/>
-      </p:ext>
-    </p:extLst>
-  </p:cSld>
-  <p:clrMapOvr>
-    <a:masterClrMapping/>
-  </p:clrMapOvr>
-</p:sld>
-</file>
-
 <file path=ppt/slides/slide9.xml><?xml version="1.0" encoding="utf-8"?>
 <p:sld xmlns:a="http://schemas.openxmlformats.org/drawingml/2006/main" xmlns:r="http://schemas.openxmlformats.org/officeDocument/2006/relationships" xmlns:p="http://schemas.openxmlformats.org/presentationml/2006/main">
   <p:cSld>

--- a/P5Olist_Présentation_initiale.pptx
+++ b/P5Olist_Présentation_initiale.pptx
@@ -5,7 +5,7 @@
     <p:sldMasterId id="2147483648" r:id="rId1"/>
   </p:sldMasterIdLst>
   <p:notesMasterIdLst>
-    <p:notesMasterId r:id="rId20"/>
+    <p:notesMasterId r:id="rId21"/>
   </p:notesMasterIdLst>
   <p:sldIdLst>
     <p:sldId id="256" r:id="rId2"/>
@@ -17,15 +17,16 @@
     <p:sldId id="280" r:id="rId8"/>
     <p:sldId id="286" r:id="rId9"/>
     <p:sldId id="274" r:id="rId10"/>
-    <p:sldId id="288" r:id="rId11"/>
-    <p:sldId id="279" r:id="rId12"/>
-    <p:sldId id="285" r:id="rId13"/>
-    <p:sldId id="284" r:id="rId14"/>
-    <p:sldId id="287" r:id="rId15"/>
-    <p:sldId id="277" r:id="rId16"/>
-    <p:sldId id="276" r:id="rId17"/>
-    <p:sldId id="263" r:id="rId18"/>
-    <p:sldId id="268" r:id="rId19"/>
+    <p:sldId id="289" r:id="rId11"/>
+    <p:sldId id="288" r:id="rId12"/>
+    <p:sldId id="279" r:id="rId13"/>
+    <p:sldId id="285" r:id="rId14"/>
+    <p:sldId id="284" r:id="rId15"/>
+    <p:sldId id="287" r:id="rId16"/>
+    <p:sldId id="277" r:id="rId17"/>
+    <p:sldId id="276" r:id="rId18"/>
+    <p:sldId id="263" r:id="rId19"/>
+    <p:sldId id="268" r:id="rId20"/>
   </p:sldIdLst>
   <p:sldSz cx="12192000" cy="6858000"/>
   <p:notesSz cx="6858000" cy="9144000"/>
@@ -226,7 +227,7 @@
           <a:p>
             <a:fld id="{56587C75-1698-4E99-B627-BC28AE6E7568}" type="datetimeFigureOut">
               <a:rPr lang="en-US" smtClean="0"/>
-              <a:t>9/30/2020</a:t>
+              <a:t>10/1/2020</a:t>
             </a:fld>
             <a:endParaRPr lang="en-US"/>
           </a:p>
@@ -1443,290 +1444,188 @@
           <a:bodyPr/>
           <a:lstStyle/>
           <a:p>
-            <a:pPr algn="l"/>
-            <a:r>
-              <a:rPr lang="en-US" b="0" i="0" dirty="0">
-                <a:solidFill>
-                  <a:srgbClr val="000000"/>
-                </a:solidFill>
-                <a:effectLst/>
-                <a:latin typeface="Helvetica Neue"/>
-              </a:rPr>
-              <a:t>k-Modes intend to extend the k-Means algorithm, dedicated to categorical features : with discrete data as input (even with labels), it performs clustering that minimize a cost-function that measures a "matching dissimilarity". A cost unit is spent on any category switch.</a:t>
-            </a:r>
-            <a:br>
-              <a:rPr lang="en-US" b="0" i="0" dirty="0">
-                <a:solidFill>
-                  <a:srgbClr val="000000"/>
-                </a:solidFill>
-                <a:effectLst/>
-                <a:latin typeface="Helvetica Neue"/>
-              </a:rPr>
-            </a:br>
-            <a:endParaRPr lang="en-US" b="0" i="0" dirty="0">
-              <a:solidFill>
-                <a:srgbClr val="000000"/>
-              </a:solidFill>
-              <a:effectLst/>
-              <a:latin typeface="Helvetica Neue"/>
-            </a:endParaRPr>
-          </a:p>
-          <a:p>
-            <a:pPr algn="l"/>
-            <a:r>
-              <a:rPr lang="en-US" b="0" i="0" dirty="0">
-                <a:solidFill>
-                  <a:srgbClr val="000000"/>
-                </a:solidFill>
-                <a:effectLst/>
-                <a:latin typeface="Helvetica Neue"/>
-              </a:rPr>
-              <a:t>Pros :</a:t>
-            </a:r>
-          </a:p>
-          <a:p>
-            <a:pPr algn="l">
-              <a:buFont typeface="Arial" panose="020B0604020202020204" pitchFamily="34" charset="0"/>
-              <a:buChar char="•"/>
-            </a:pPr>
-            <a:r>
-              <a:rPr lang="en-US" b="0" i="0" dirty="0">
-                <a:solidFill>
-                  <a:srgbClr val="000000"/>
-                </a:solidFill>
-                <a:effectLst/>
-                <a:latin typeface="Helvetica Neue"/>
-              </a:rPr>
-              <a:t>raw data (</a:t>
-            </a:r>
-            <a:r>
-              <a:rPr lang="en-US" b="0" i="0" dirty="0" err="1">
-                <a:solidFill>
-                  <a:srgbClr val="000000"/>
-                </a:solidFill>
-                <a:effectLst/>
-                <a:latin typeface="Helvetica Neue"/>
-              </a:rPr>
-              <a:t>unpreprocessed</a:t>
-            </a:r>
-            <a:r>
-              <a:rPr lang="en-US" b="0" i="0" dirty="0">
-                <a:solidFill>
-                  <a:srgbClr val="000000"/>
-                </a:solidFill>
-                <a:effectLst/>
-                <a:latin typeface="Helvetica Neue"/>
-              </a:rPr>
-              <a:t>) can be considered as inputs (even labels),</a:t>
-            </a:r>
-          </a:p>
-          <a:p>
-            <a:pPr algn="l">
-              <a:buFont typeface="Arial" panose="020B0604020202020204" pitchFamily="34" charset="0"/>
-              <a:buChar char="•"/>
-            </a:pPr>
-            <a:r>
-              <a:rPr lang="en-US" b="0" i="0" dirty="0">
-                <a:solidFill>
-                  <a:srgbClr val="000000"/>
-                </a:solidFill>
-                <a:effectLst/>
-                <a:latin typeface="Helvetica Neue"/>
-              </a:rPr>
-              <a:t>it provides a clear cluster description, based on </a:t>
-            </a:r>
-            <a:r>
-              <a:rPr lang="en-US" b="0" i="0" dirty="0" err="1">
-                <a:solidFill>
-                  <a:srgbClr val="000000"/>
-                </a:solidFill>
-                <a:effectLst/>
-                <a:latin typeface="Helvetica Neue"/>
-              </a:rPr>
+            <a:r>
+              <a:rPr lang="fr-FR" dirty="0" err="1"/>
+              <a:t>Idea</a:t>
+            </a:r>
+            <a:r>
+              <a:rPr lang="fr-FR" dirty="0"/>
+              <a:t> </a:t>
+            </a:r>
+            <a:r>
+              <a:rPr lang="fr-FR" dirty="0" err="1"/>
+              <a:t>is</a:t>
+            </a:r>
+            <a:r>
+              <a:rPr lang="fr-FR" dirty="0"/>
+              <a:t> to </a:t>
+            </a:r>
+            <a:r>
+              <a:rPr lang="fr-FR" dirty="0" err="1"/>
+              <a:t>perform</a:t>
+            </a:r>
+            <a:r>
+              <a:rPr lang="fr-FR" dirty="0"/>
+              <a:t> K-Modes technique, </a:t>
+            </a:r>
+            <a:r>
+              <a:rPr lang="fr-FR" dirty="0" err="1"/>
+              <a:t>dedicated</a:t>
+            </a:r>
+            <a:r>
+              <a:rPr lang="fr-FR" dirty="0"/>
+              <a:t> to </a:t>
+            </a:r>
+            <a:r>
+              <a:rPr lang="fr-FR" dirty="0" err="1"/>
+              <a:t>categorical</a:t>
+            </a:r>
+            <a:r>
+              <a:rPr lang="fr-FR" dirty="0"/>
+              <a:t> </a:t>
+            </a:r>
+            <a:r>
+              <a:rPr lang="fr-FR" dirty="0" err="1"/>
+              <a:t>features</a:t>
+            </a:r>
+            <a:r>
+              <a:rPr lang="fr-FR" dirty="0"/>
+              <a:t>, on </a:t>
+            </a:r>
+            <a:r>
+              <a:rPr lang="fr-FR" dirty="0" err="1"/>
+              <a:t>level</a:t>
+            </a:r>
+            <a:r>
+              <a:rPr lang="fr-FR" dirty="0"/>
+              <a:t> </a:t>
+            </a:r>
+            <a:r>
+              <a:rPr lang="fr-FR" dirty="0" err="1"/>
+              <a:t>features</a:t>
+            </a:r>
+            <a:r>
+              <a:rPr lang="fr-FR" dirty="0"/>
+              <a:t>.</a:t>
+            </a:r>
+          </a:p>
+          <a:p>
+            <a:pPr lvl="1"/>
+            <a:r>
+              <a:rPr lang="fr-FR" dirty="0"/>
+              <a:t>Pros : </a:t>
+            </a:r>
+            <a:r>
+              <a:rPr lang="fr-FR" dirty="0" err="1"/>
+              <a:t>get</a:t>
+            </a:r>
+            <a:r>
+              <a:rPr lang="fr-FR" dirty="0"/>
+              <a:t> </a:t>
+            </a:r>
+            <a:r>
+              <a:rPr lang="fr-FR" dirty="0" err="1"/>
+              <a:t>clear</a:t>
+            </a:r>
+            <a:r>
+              <a:rPr lang="fr-FR" dirty="0"/>
+              <a:t> </a:t>
+            </a:r>
+            <a:r>
+              <a:rPr lang="fr-FR" dirty="0" err="1"/>
               <a:t>centroïd</a:t>
             </a:r>
             <a:r>
-              <a:rPr lang="en-US" b="0" i="0" dirty="0">
-                <a:solidFill>
-                  <a:srgbClr val="000000"/>
-                </a:solidFill>
-                <a:effectLst/>
-                <a:latin typeface="Helvetica Neue"/>
-              </a:rPr>
-              <a:t> values,</a:t>
-            </a:r>
-          </a:p>
-          <a:p>
-            <a:pPr algn="l">
-              <a:buFont typeface="Arial" panose="020B0604020202020204" pitchFamily="34" charset="0"/>
-              <a:buChar char="•"/>
-            </a:pPr>
-            <a:r>
-              <a:rPr lang="en-US" b="0" i="0" dirty="0">
-                <a:solidFill>
-                  <a:srgbClr val="000000"/>
-                </a:solidFill>
-                <a:effectLst/>
-                <a:latin typeface="Helvetica Neue"/>
-              </a:rPr>
-              <a:t>among the various </a:t>
-            </a:r>
-            <a:r>
-              <a:rPr lang="en-US" b="0" i="0" dirty="0" err="1">
-                <a:solidFill>
-                  <a:srgbClr val="000000"/>
-                </a:solidFill>
-                <a:effectLst/>
-                <a:latin typeface="Helvetica Neue"/>
-              </a:rPr>
-              <a:t>init</a:t>
-            </a:r>
-            <a:r>
-              <a:rPr lang="en-US" b="0" i="0" dirty="0">
-                <a:solidFill>
-                  <a:srgbClr val="000000"/>
-                </a:solidFill>
-                <a:effectLst/>
-                <a:latin typeface="Helvetica Neue"/>
-              </a:rPr>
-              <a:t> techniques (with pretty high dependency to </a:t>
-            </a:r>
-            <a:r>
-              <a:rPr lang="en-US" b="0" i="0" dirty="0" err="1">
-                <a:solidFill>
-                  <a:srgbClr val="000000"/>
-                </a:solidFill>
-                <a:effectLst/>
-                <a:latin typeface="Helvetica Neue"/>
-              </a:rPr>
-              <a:t>init</a:t>
-            </a:r>
-            <a:r>
-              <a:rPr lang="en-US" b="0" i="0" dirty="0">
-                <a:solidFill>
-                  <a:srgbClr val="000000"/>
-                </a:solidFill>
-                <a:effectLst/>
-                <a:latin typeface="Helvetica Neue"/>
-              </a:rPr>
-              <a:t>), 'Cao' research offers a deterministic approach introducing density of the data to their Modes (i.e. most frequent values).</a:t>
-            </a:r>
-            <a:br>
-              <a:rPr lang="en-US" b="0" i="0" dirty="0">
-                <a:solidFill>
-                  <a:srgbClr val="000000"/>
-                </a:solidFill>
-                <a:effectLst/>
-                <a:latin typeface="Helvetica Neue"/>
-              </a:rPr>
-            </a:br>
-            <a:endParaRPr lang="en-US" b="0" i="0" dirty="0">
-              <a:solidFill>
-                <a:srgbClr val="000000"/>
-              </a:solidFill>
-              <a:effectLst/>
-              <a:latin typeface="Helvetica Neue"/>
-            </a:endParaRPr>
-          </a:p>
-          <a:p>
-            <a:pPr algn="l"/>
-            <a:r>
-              <a:rPr lang="en-US" b="0" i="0" dirty="0">
-                <a:solidFill>
-                  <a:srgbClr val="000000"/>
-                </a:solidFill>
-                <a:effectLst/>
-                <a:latin typeface="Helvetica Neue"/>
-              </a:rPr>
-              <a:t>Cons : this depends on the feature discretization in the first place, with</a:t>
-            </a:r>
-            <a:br>
-              <a:rPr lang="en-US" b="0" i="0" dirty="0">
-                <a:solidFill>
-                  <a:srgbClr val="000000"/>
-                </a:solidFill>
-                <a:effectLst/>
-                <a:latin typeface="Helvetica Neue"/>
-              </a:rPr>
-            </a:br>
-            <a:endParaRPr lang="en-US" b="0" i="0" dirty="0">
-              <a:solidFill>
-                <a:srgbClr val="000000"/>
-              </a:solidFill>
-              <a:effectLst/>
-              <a:latin typeface="Helvetica Neue"/>
-            </a:endParaRPr>
-          </a:p>
-          <a:p>
-            <a:pPr algn="l">
-              <a:buFont typeface="Arial" panose="020B0604020202020204" pitchFamily="34" charset="0"/>
-              <a:buChar char="•"/>
-            </a:pPr>
-            <a:r>
-              <a:rPr lang="en-US" b="0" i="0" dirty="0">
-                <a:solidFill>
-                  <a:srgbClr val="000000"/>
-                </a:solidFill>
-                <a:effectLst/>
-                <a:latin typeface="Helvetica Neue"/>
-              </a:rPr>
-              <a:t>cost approximation is wrong for ordinal features, i.e. cost is the same for any switch, even when passing from </a:t>
-            </a:r>
-            <a:r>
-              <a:rPr lang="en-US" b="0" i="0" dirty="0" err="1">
-                <a:solidFill>
-                  <a:srgbClr val="000000"/>
-                </a:solidFill>
-                <a:effectLst/>
-                <a:latin typeface="Helvetica Neue"/>
-              </a:rPr>
-              <a:t>below_median</a:t>
-            </a:r>
-            <a:r>
-              <a:rPr lang="en-US" b="0" i="0" dirty="0">
-                <a:solidFill>
-                  <a:srgbClr val="000000"/>
-                </a:solidFill>
-                <a:effectLst/>
-                <a:latin typeface="Helvetica Neue"/>
-              </a:rPr>
-              <a:t> to </a:t>
-            </a:r>
-            <a:r>
-              <a:rPr lang="en-US" b="0" i="0" dirty="0" err="1">
-                <a:solidFill>
-                  <a:srgbClr val="000000"/>
-                </a:solidFill>
-                <a:effectLst/>
-                <a:latin typeface="Helvetica Neue"/>
-              </a:rPr>
-              <a:t>over_median</a:t>
-            </a:r>
-            <a:r>
-              <a:rPr lang="en-US" b="0" i="0" dirty="0">
-                <a:solidFill>
-                  <a:srgbClr val="000000"/>
-                </a:solidFill>
-                <a:effectLst/>
-                <a:latin typeface="Helvetica Neue"/>
-              </a:rPr>
-              <a:t> (e.g. 1 to 3).</a:t>
-            </a:r>
-          </a:p>
-          <a:p>
-            <a:pPr algn="l">
-              <a:buFont typeface="Arial" panose="020B0604020202020204" pitchFamily="34" charset="0"/>
-              <a:buChar char="•"/>
-            </a:pPr>
-            <a:r>
-              <a:rPr lang="en-US" b="0" i="0" dirty="0">
-                <a:solidFill>
-                  <a:srgbClr val="000000"/>
-                </a:solidFill>
-                <a:effectLst/>
-                <a:latin typeface="Helvetica Neue"/>
-              </a:rPr>
-              <a:t>while trying to find the best "k", the algorithm may reward the features with a 'k' corresponding discretization : e.g. the 5 levels of review scores would obviously lead to split into 5 clusters.</a:t>
+              <a:rPr lang="fr-FR" dirty="0"/>
+              <a:t> </a:t>
+            </a:r>
+            <a:r>
+              <a:rPr lang="fr-FR" dirty="0" err="1"/>
+              <a:t>details</a:t>
+            </a:r>
+            <a:r>
+              <a:rPr lang="fr-FR" dirty="0"/>
+              <a:t> and cluster description</a:t>
+            </a:r>
+          </a:p>
+          <a:p>
+            <a:pPr lvl="1"/>
+            <a:r>
+              <a:rPr lang="fr-FR" dirty="0"/>
+              <a:t>Cons : </a:t>
+            </a:r>
+            <a:r>
+              <a:rPr lang="fr-FR" dirty="0" err="1"/>
+              <a:t>consider</a:t>
+            </a:r>
+            <a:r>
+              <a:rPr lang="fr-FR" dirty="0"/>
+              <a:t> ordinal as </a:t>
+            </a:r>
+            <a:r>
+              <a:rPr lang="fr-FR" dirty="0" err="1"/>
+              <a:t>categorical</a:t>
+            </a:r>
+            <a:r>
+              <a:rPr lang="fr-FR" dirty="0"/>
+              <a:t> </a:t>
+            </a:r>
+            <a:r>
+              <a:rPr lang="fr-FR" dirty="0" err="1"/>
+              <a:t>features</a:t>
+            </a:r>
+            <a:r>
+              <a:rPr lang="fr-FR" dirty="0"/>
+              <a:t>, </a:t>
+            </a:r>
+            <a:r>
+              <a:rPr lang="fr-FR" dirty="0" err="1"/>
+              <a:t>losing</a:t>
+            </a:r>
+            <a:r>
+              <a:rPr lang="fr-FR" dirty="0"/>
+              <a:t> the « real » distance </a:t>
+            </a:r>
+            <a:r>
+              <a:rPr lang="fr-FR" dirty="0" err="1"/>
+              <a:t>between</a:t>
+            </a:r>
+            <a:r>
+              <a:rPr lang="fr-FR" dirty="0"/>
+              <a:t> </a:t>
+            </a:r>
+            <a:r>
+              <a:rPr lang="fr-FR" dirty="0" err="1"/>
+              <a:t>levels</a:t>
+            </a:r>
+            <a:endParaRPr lang="en-US" dirty="0"/>
+          </a:p>
+          <a:p>
+            <a:pPr lvl="1"/>
+            <a:r>
+              <a:rPr lang="en-US" dirty="0"/>
+              <a:t>Method : starting with an initial centroids seed, refine clusters by minimizing dissimilarity (Hamming distance from cluster mode).</a:t>
+            </a:r>
+          </a:p>
+          <a:p>
+            <a:pPr lvl="1"/>
+            <a:r>
+              <a:rPr lang="en-US" dirty="0"/>
+              <a:t>! Currently a research topic, to find the most efficient technique.</a:t>
+            </a:r>
+          </a:p>
+          <a:p>
+            <a:pPr lvl="1"/>
+            <a:r>
+              <a:rPr lang="en-US" dirty="0"/>
+              <a:t>Basics : many seeds, few clusters, and of course few features and especially few categories (prevent having too small populated categories)</a:t>
+            </a:r>
+          </a:p>
+          <a:p>
+            <a:pPr lvl="1"/>
+            <a:r>
+              <a:rPr lang="en-US" dirty="0"/>
+              <a:t>Evaluation : the lowest cost gives the best clustering.</a:t>
             </a:r>
           </a:p>
           <a:p>
@@ -1751,7 +1650,7 @@
           <a:p>
             <a:fld id="{7FC8FE4B-F9EA-429D-BEE6-C3838DC5788A}" type="slidenum">
               <a:rPr lang="en-US" smtClean="0"/>
-              <a:t>11</a:t>
+              <a:t>12</a:t>
             </a:fld>
             <a:endParaRPr lang="en-US"/>
           </a:p>
@@ -1865,7 +1764,7 @@
           <a:effectLst/>
           <a:extLst>
             <a:ext uri="{91240B29-F687-4f45-9708-019B960494DF}">
-              <a14:hiddenLine xmlns:a14="http://schemas.microsoft.com/office/drawing/2010/main" xmlns="" w="9525">
+              <a14:hiddenLine xmlns="" xmlns:a14="http://schemas.microsoft.com/office/drawing/2010/main" w="9525">
                 <a:solidFill>
                   <a:srgbClr val="000000"/>
                 </a:solidFill>
@@ -2058,7 +1957,7 @@
             <a:fld id="{08B9EBBA-996F-894A-B54A-D6246ED52CEA}" type="datetimeFigureOut">
               <a:rPr lang="en-US" dirty="0"/>
               <a:pPr/>
-              <a:t>9/30/2020</a:t>
+              <a:t>10/1/2020</a:t>
             </a:fld>
             <a:endParaRPr lang="en-US" dirty="0"/>
           </a:p>
@@ -2373,7 +2272,7 @@
             <a:fld id="{18C79C5D-2A6F-F04D-97DA-BEF2467B64E4}" type="datetimeFigureOut">
               <a:rPr lang="en-US" dirty="0"/>
               <a:pPr/>
-              <a:t>9/30/2020</a:t>
+              <a:t>10/1/2020</a:t>
             </a:fld>
             <a:endParaRPr lang="en-US" dirty="0"/>
           </a:p>
@@ -2858,7 +2757,7 @@
             <a:fld id="{8DFA1846-DA80-1C48-A609-854EA85C59AD}" type="datetimeFigureOut">
               <a:rPr lang="en-US" dirty="0"/>
               <a:pPr/>
-              <a:t>9/30/2020</a:t>
+              <a:t>10/1/2020</a:t>
             </a:fld>
             <a:endParaRPr lang="en-US" dirty="0"/>
           </a:p>
@@ -3224,7 +3123,7 @@
             <a:fld id="{FBF54567-0DE4-3F47-BF90-CB84690072F9}" type="datetimeFigureOut">
               <a:rPr lang="en-US" dirty="0"/>
               <a:pPr/>
-              <a:t>9/30/2020</a:t>
+              <a:t>10/1/2020</a:t>
             </a:fld>
             <a:endParaRPr lang="en-US" dirty="0"/>
           </a:p>
@@ -3375,7 +3274,7 @@
           <a:ln/>
           <a:extLst>
             <a:ext uri="{91240B29-F687-4f45-9708-019B960494DF}">
-              <a14:hiddenLine xmlns:a14="http://schemas.microsoft.com/office/drawing/2010/main" xmlns="" w="9525">
+              <a14:hiddenLine xmlns="" xmlns:a14="http://schemas.microsoft.com/office/drawing/2010/main" w="9525">
                 <a:solidFill>
                   <a:srgbClr val="000000"/>
                 </a:solidFill>
@@ -3494,7 +3393,7 @@
             <a:fld id="{C6C52C72-DE31-F449-A4ED-4C594FD91407}" type="datetimeFigureOut">
               <a:rPr lang="en-US" dirty="0"/>
               <a:pPr/>
-              <a:t>9/30/2020</a:t>
+              <a:t>10/1/2020</a:t>
             </a:fld>
             <a:endParaRPr lang="en-US" dirty="0"/>
           </a:p>
@@ -3647,7 +3546,7 @@
           <a:ln/>
           <a:extLst>
             <a:ext uri="{91240B29-F687-4f45-9708-019B960494DF}">
-              <a14:hiddenLine xmlns:a14="http://schemas.microsoft.com/office/drawing/2010/main" xmlns="" w="9525">
+              <a14:hiddenLine xmlns="" xmlns:a14="http://schemas.microsoft.com/office/drawing/2010/main" w="9525">
                 <a:solidFill>
                   <a:srgbClr val="000000"/>
                 </a:solidFill>
@@ -3776,7 +3675,7 @@
             <a:fld id="{ED62726E-379B-B349-9EED-81ED093FA806}" type="datetimeFigureOut">
               <a:rPr lang="en-US" dirty="0"/>
               <a:pPr/>
-              <a:t>9/30/2020</a:t>
+              <a:t>10/1/2020</a:t>
             </a:fld>
             <a:endParaRPr lang="en-US" dirty="0"/>
           </a:p>
@@ -3927,7 +3826,7 @@
           <a:ln/>
           <a:extLst>
             <a:ext uri="{91240B29-F687-4f45-9708-019B960494DF}">
-              <a14:hiddenLine xmlns:a14="http://schemas.microsoft.com/office/drawing/2010/main" xmlns="" w="9525">
+              <a14:hiddenLine xmlns="" xmlns:a14="http://schemas.microsoft.com/office/drawing/2010/main" w="9525">
                 <a:solidFill>
                   <a:srgbClr val="000000"/>
                 </a:solidFill>
@@ -4056,7 +3955,7 @@
             <a:fld id="{9B3A1323-8D79-1946-B0D7-40001CF92E9D}" type="datetimeFigureOut">
               <a:rPr lang="en-US" dirty="0"/>
               <a:pPr/>
-              <a:t>9/30/2020</a:t>
+              <a:t>10/1/2020</a:t>
             </a:fld>
             <a:endParaRPr lang="en-US" dirty="0"/>
           </a:p>
@@ -4396,7 +4295,7 @@
             <a:fld id="{8DFA1846-DA80-1C48-A609-854EA85C59AD}" type="datetimeFigureOut">
               <a:rPr lang="en-US" dirty="0"/>
               <a:pPr/>
-              <a:t>9/30/2020</a:t>
+              <a:t>10/1/2020</a:t>
             </a:fld>
             <a:endParaRPr lang="en-US" dirty="0"/>
           </a:p>
@@ -4547,7 +4446,7 @@
           <a:ln/>
           <a:extLst>
             <a:ext uri="{91240B29-F687-4f45-9708-019B960494DF}">
-              <a14:hiddenLine xmlns:a14="http://schemas.microsoft.com/office/drawing/2010/main" xmlns="" w="9525">
+              <a14:hiddenLine xmlns="" xmlns:a14="http://schemas.microsoft.com/office/drawing/2010/main" w="9525">
                 <a:solidFill>
                   <a:srgbClr val="000000"/>
                 </a:solidFill>
@@ -4732,7 +4631,7 @@
             <a:fld id="{57302355-E14B-8545-A8F8-0FE83CC9D524}" type="datetimeFigureOut">
               <a:rPr lang="en-US" dirty="0"/>
               <a:pPr/>
-              <a:t>9/30/2020</a:t>
+              <a:t>10/1/2020</a:t>
             </a:fld>
             <a:endParaRPr lang="en-US" dirty="0"/>
           </a:p>
@@ -4883,7 +4782,7 @@
           <a:ln/>
           <a:extLst>
             <a:ext uri="{91240B29-F687-4f45-9708-019B960494DF}">
-              <a14:hiddenLine xmlns:a14="http://schemas.microsoft.com/office/drawing/2010/main" xmlns="" w="9525">
+              <a14:hiddenLine xmlns="" xmlns:a14="http://schemas.microsoft.com/office/drawing/2010/main" w="9525">
                 <a:solidFill>
                   <a:srgbClr val="000000"/>
                 </a:solidFill>
@@ -5211,7 +5110,7 @@
             <a:fld id="{02640F58-564D-2B4F-AE67-E407BA4FCF45}" type="datetimeFigureOut">
               <a:rPr lang="en-US" dirty="0"/>
               <a:pPr/>
-              <a:t>9/30/2020</a:t>
+              <a:t>10/1/2020</a:t>
             </a:fld>
             <a:endParaRPr lang="en-US" dirty="0"/>
           </a:p>
@@ -5362,7 +5261,7 @@
           <a:ln/>
           <a:extLst>
             <a:ext uri="{91240B29-F687-4f45-9708-019B960494DF}">
-              <a14:hiddenLine xmlns:a14="http://schemas.microsoft.com/office/drawing/2010/main" xmlns="" w="9525">
+              <a14:hiddenLine xmlns="" xmlns:a14="http://schemas.microsoft.com/office/drawing/2010/main" w="9525">
                 <a:solidFill>
                   <a:srgbClr val="000000"/>
                 </a:solidFill>
@@ -5434,7 +5333,7 @@
             <a:fld id="{F13A34C8-038E-2045-AF43-DF7DBB8E0E9E}" type="datetimeFigureOut">
               <a:rPr lang="en-US" dirty="0"/>
               <a:pPr/>
-              <a:t>9/30/2020</a:t>
+              <a:t>10/1/2020</a:t>
             </a:fld>
             <a:endParaRPr lang="en-US" dirty="0"/>
           </a:p>
@@ -5526,7 +5425,7 @@
             <a:fld id="{8818C68F-D26B-8F47-958C-23B49CF8A634}" type="datetimeFigureOut">
               <a:rPr lang="en-US" dirty="0"/>
               <a:pPr/>
-              <a:t>9/30/2020</a:t>
+              <a:t>10/1/2020</a:t>
             </a:fld>
             <a:endParaRPr lang="en-US" dirty="0"/>
           </a:p>
@@ -5790,7 +5689,7 @@
           <a:ln/>
           <a:extLst>
             <a:ext uri="{91240B29-F687-4f45-9708-019B960494DF}">
-              <a14:hiddenLine xmlns:a14="http://schemas.microsoft.com/office/drawing/2010/main" xmlns="" w="9525">
+              <a14:hiddenLine xmlns="" xmlns:a14="http://schemas.microsoft.com/office/drawing/2010/main" w="9525">
                 <a:solidFill>
                   <a:srgbClr val="000000"/>
                 </a:solidFill>
@@ -5990,7 +5889,7 @@
             <a:fld id="{D0DF5E60-9974-AC48-9591-99C2BB44B7CF}" type="datetimeFigureOut">
               <a:rPr lang="en-US" dirty="0"/>
               <a:pPr/>
-              <a:t>9/30/2020</a:t>
+              <a:t>10/1/2020</a:t>
             </a:fld>
             <a:endParaRPr lang="en-US" dirty="0"/>
           </a:p>
@@ -6300,7 +6199,7 @@
             <a:fld id="{18C79C5D-2A6F-F04D-97DA-BEF2467B64E4}" type="datetimeFigureOut">
               <a:rPr lang="en-US" dirty="0"/>
               <a:pPr/>
-              <a:t>9/30/2020</a:t>
+              <a:t>10/1/2020</a:t>
             </a:fld>
             <a:endParaRPr lang="en-US" dirty="0"/>
           </a:p>
@@ -6567,7 +6466,7 @@
             <a:fld id="{09B482E8-6E0E-1B4F-B1FD-C69DB9E858D9}" type="datetimeFigureOut">
               <a:rPr lang="en-US" dirty="0"/>
               <a:pPr/>
-              <a:t>9/30/2020</a:t>
+              <a:t>10/1/2020</a:t>
             </a:fld>
             <a:endParaRPr lang="en-US" dirty="0"/>
           </a:p>
@@ -7533,6 +7432,1747 @@
           <p:cNvPr id="2" name="Titre 1">
             <a:extLst>
               <a:ext uri="{FF2B5EF4-FFF2-40B4-BE49-F238E27FC236}">
+                <a16:creationId xmlns:a16="http://schemas.microsoft.com/office/drawing/2014/main" id="{8FE49DD3-7E10-4E6D-A34B-30CA72C36DF5}"/>
+              </a:ext>
+            </a:extLst>
+          </p:cNvPr>
+          <p:cNvSpPr>
+            <a:spLocks noGrp="1"/>
+          </p:cNvSpPr>
+          <p:nvPr>
+            <p:ph type="title"/>
+          </p:nvPr>
+        </p:nvSpPr>
+        <p:spPr>
+          <a:xfrm>
+            <a:off x="2019299" y="405959"/>
+            <a:ext cx="9142483" cy="970450"/>
+          </a:xfrm>
+        </p:spPr>
+        <p:txBody>
+          <a:bodyPr/>
+          <a:lstStyle/>
+          <a:p>
+            <a:r>
+              <a:rPr lang="fr-FR" sz="3600" dirty="0"/>
+              <a:t>2. </a:t>
+            </a:r>
+            <a:r>
+              <a:rPr lang="fr-FR" sz="3600" dirty="0" err="1"/>
+              <a:t>Toward</a:t>
+            </a:r>
+            <a:r>
+              <a:rPr lang="fr-FR" sz="3600" dirty="0"/>
+              <a:t> the best segmentation (2/2) </a:t>
+            </a:r>
+            <a:br>
+              <a:rPr lang="fr-FR" sz="3600" dirty="0"/>
+            </a:br>
+            <a:r>
+              <a:rPr lang="fr-FR" sz="3600" dirty="0" err="1"/>
+              <a:t>Exploring</a:t>
+            </a:r>
+            <a:r>
+              <a:rPr lang="fr-FR" sz="3600" dirty="0"/>
+              <a:t> « </a:t>
+            </a:r>
+            <a:r>
+              <a:rPr lang="fr-FR" sz="3600" dirty="0" err="1"/>
+              <a:t>sensitivity</a:t>
+            </a:r>
+            <a:r>
+              <a:rPr lang="fr-FR" sz="3600" dirty="0"/>
+              <a:t> » </a:t>
+            </a:r>
+            <a:r>
+              <a:rPr lang="fr-FR" sz="3600" dirty="0" err="1"/>
+              <a:t>from</a:t>
+            </a:r>
+            <a:r>
+              <a:rPr lang="fr-FR" sz="3600" dirty="0"/>
+              <a:t> A to Z </a:t>
+            </a:r>
+            <a:endParaRPr lang="en-US" sz="3600" dirty="0"/>
+          </a:p>
+        </p:txBody>
+      </p:sp>
+      <p:sp>
+        <p:nvSpPr>
+          <p:cNvPr id="3" name="Espace réservé du contenu 2">
+            <a:extLst>
+              <a:ext uri="{FF2B5EF4-FFF2-40B4-BE49-F238E27FC236}">
+                <a16:creationId xmlns:a16="http://schemas.microsoft.com/office/drawing/2014/main" id="{C09EDB73-FCA7-4F86-B53A-45706AEAA0C2}"/>
+              </a:ext>
+            </a:extLst>
+          </p:cNvPr>
+          <p:cNvSpPr>
+            <a:spLocks noGrp="1"/>
+          </p:cNvSpPr>
+          <p:nvPr>
+            <p:ph idx="1"/>
+          </p:nvPr>
+        </p:nvSpPr>
+        <p:spPr>
+          <a:xfrm>
+            <a:off x="87765" y="1677676"/>
+            <a:ext cx="5808209" cy="2379974"/>
+          </a:xfrm>
+        </p:spPr>
+        <p:txBody>
+          <a:bodyPr>
+            <a:normAutofit/>
+          </a:bodyPr>
+          <a:lstStyle/>
+          <a:p>
+            <a:r>
+              <a:rPr lang="fr-FR" dirty="0" err="1"/>
+              <a:t>We</a:t>
+            </a:r>
+            <a:r>
+              <a:rPr lang="fr-FR" dirty="0"/>
+              <a:t> </a:t>
+            </a:r>
+            <a:r>
+              <a:rPr lang="fr-FR" dirty="0" err="1"/>
+              <a:t>used</a:t>
+            </a:r>
+            <a:r>
+              <a:rPr lang="fr-FR" dirty="0"/>
+              <a:t> K-</a:t>
+            </a:r>
+            <a:r>
+              <a:rPr lang="fr-FR" dirty="0" err="1"/>
+              <a:t>means</a:t>
+            </a:r>
+            <a:r>
+              <a:rPr lang="fr-FR" dirty="0"/>
+              <a:t> </a:t>
+            </a:r>
+            <a:r>
+              <a:rPr lang="fr-FR" dirty="0" err="1"/>
+              <a:t>with</a:t>
+            </a:r>
+            <a:r>
+              <a:rPr lang="fr-FR" dirty="0"/>
+              <a:t> DB-Index computation, as the </a:t>
+            </a:r>
+            <a:r>
+              <a:rPr lang="fr-FR" dirty="0" err="1"/>
+              <a:t>most</a:t>
+            </a:r>
+            <a:r>
+              <a:rPr lang="fr-FR" dirty="0"/>
+              <a:t> efficient technique to parse </a:t>
+            </a:r>
+            <a:r>
+              <a:rPr lang="fr-FR" dirty="0" err="1"/>
+              <a:t>among</a:t>
+            </a:r>
+            <a:r>
+              <a:rPr lang="fr-FR" dirty="0"/>
+              <a:t> </a:t>
+            </a:r>
+            <a:r>
+              <a:rPr lang="fr-FR" dirty="0" err="1"/>
+              <a:t>hypothesis</a:t>
+            </a:r>
+            <a:r>
+              <a:rPr lang="fr-FR" dirty="0"/>
+              <a:t> and </a:t>
+            </a:r>
+            <a:r>
+              <a:rPr lang="fr-FR" dirty="0" err="1"/>
+              <a:t>get</a:t>
+            </a:r>
+            <a:r>
+              <a:rPr lang="fr-FR" dirty="0"/>
+              <a:t> </a:t>
+            </a:r>
+            <a:r>
+              <a:rPr lang="fr-FR" dirty="0" err="1"/>
+              <a:t>results</a:t>
+            </a:r>
+            <a:r>
+              <a:rPr lang="fr-FR" dirty="0"/>
+              <a:t> to </a:t>
+            </a:r>
+            <a:r>
+              <a:rPr lang="fr-FR" dirty="0" err="1"/>
+              <a:t>emphasize</a:t>
+            </a:r>
+            <a:r>
+              <a:rPr lang="fr-FR" dirty="0"/>
+              <a:t> </a:t>
+            </a:r>
+            <a:r>
+              <a:rPr lang="fr-FR" dirty="0" err="1"/>
+              <a:t>our</a:t>
+            </a:r>
+            <a:r>
+              <a:rPr lang="fr-FR" dirty="0"/>
+              <a:t> assertion.</a:t>
+            </a:r>
+          </a:p>
+          <a:p>
+            <a:r>
+              <a:rPr lang="fr-FR" dirty="0"/>
+              <a:t>Final </a:t>
+            </a:r>
+            <a:r>
+              <a:rPr lang="fr-FR" dirty="0" err="1"/>
+              <a:t>results</a:t>
+            </a:r>
+            <a:r>
+              <a:rPr lang="fr-FR" dirty="0"/>
+              <a:t> </a:t>
+            </a:r>
+            <a:r>
+              <a:rPr lang="fr-FR" dirty="0" err="1"/>
+              <a:t>with</a:t>
+            </a:r>
+            <a:r>
+              <a:rPr lang="fr-FR" dirty="0"/>
+              <a:t> Silhouette Score (</a:t>
+            </a:r>
+            <a:r>
+              <a:rPr lang="fr-FR" dirty="0" err="1"/>
+              <a:t>normalized</a:t>
+            </a:r>
+            <a:r>
+              <a:rPr lang="fr-FR" dirty="0"/>
+              <a:t>)</a:t>
+            </a:r>
+          </a:p>
+        </p:txBody>
+      </p:sp>
+      <p:pic>
+        <p:nvPicPr>
+          <p:cNvPr id="5" name="Image 4">
+            <a:extLst>
+              <a:ext uri="{FF2B5EF4-FFF2-40B4-BE49-F238E27FC236}">
+                <a16:creationId xmlns:a16="http://schemas.microsoft.com/office/drawing/2014/main" id="{4AFAC001-FD1B-47BE-A410-7EA1B4B2D54C}"/>
+              </a:ext>
+            </a:extLst>
+          </p:cNvPr>
+          <p:cNvPicPr>
+            <a:picLocks noChangeAspect="1"/>
+          </p:cNvPicPr>
+          <p:nvPr/>
+        </p:nvPicPr>
+        <p:blipFill>
+          <a:blip r:embed="rId2"/>
+          <a:stretch>
+            <a:fillRect/>
+          </a:stretch>
+        </p:blipFill>
+        <p:spPr>
+          <a:xfrm>
+            <a:off x="-590830" y="0"/>
+            <a:ext cx="2880988" cy="1649018"/>
+          </a:xfrm>
+          <a:prstGeom prst="rect">
+            <a:avLst/>
+          </a:prstGeom>
+        </p:spPr>
+      </p:pic>
+      <p:sp>
+        <p:nvSpPr>
+          <p:cNvPr id="7" name="Rectangle 6">
+            <a:extLst>
+              <a:ext uri="{FF2B5EF4-FFF2-40B4-BE49-F238E27FC236}">
+                <a16:creationId xmlns:a16="http://schemas.microsoft.com/office/drawing/2014/main" id="{D4075B13-152B-4CFF-B212-CACF3CB1AFDB}"/>
+              </a:ext>
+            </a:extLst>
+          </p:cNvPr>
+          <p:cNvSpPr/>
+          <p:nvPr/>
+        </p:nvSpPr>
+        <p:spPr>
+          <a:xfrm>
+            <a:off x="87765" y="5685416"/>
+            <a:ext cx="11700859" cy="665207"/>
+          </a:xfrm>
+          <a:prstGeom prst="rect">
+            <a:avLst/>
+          </a:prstGeom>
+          <a:solidFill>
+            <a:schemeClr val="bg2">
+              <a:lumMod val="75000"/>
+              <a:lumOff val="25000"/>
+            </a:schemeClr>
+          </a:solidFill>
+          <a:ln>
+            <a:noFill/>
+          </a:ln>
+          <a:scene3d>
+            <a:camera prst="orthographicFront"/>
+            <a:lightRig rig="threePt" dir="t"/>
+          </a:scene3d>
+          <a:sp3d>
+            <a:bevelT/>
+          </a:sp3d>
+        </p:spPr>
+        <p:style>
+          <a:lnRef idx="2">
+            <a:schemeClr val="accent1">
+              <a:shade val="50000"/>
+            </a:schemeClr>
+          </a:lnRef>
+          <a:fillRef idx="1">
+            <a:schemeClr val="accent1"/>
+          </a:fillRef>
+          <a:effectRef idx="0">
+            <a:schemeClr val="accent1"/>
+          </a:effectRef>
+          <a:fontRef idx="minor">
+            <a:schemeClr val="lt1"/>
+          </a:fontRef>
+        </p:style>
+        <p:txBody>
+          <a:bodyPr rtlCol="0" anchor="ctr"/>
+          <a:lstStyle/>
+          <a:p>
+            <a:pPr algn="ctr"/>
+            <a:r>
+              <a:rPr lang="fr-FR" sz="1600" dirty="0" err="1"/>
+              <a:t>Through</a:t>
+            </a:r>
+            <a:r>
+              <a:rPr lang="fr-FR" sz="1600" dirty="0"/>
+              <a:t> the 4 </a:t>
+            </a:r>
+            <a:r>
+              <a:rPr lang="fr-FR" sz="1600" dirty="0" err="1"/>
+              <a:t>interdependent</a:t>
+            </a:r>
+            <a:r>
+              <a:rPr lang="fr-FR" sz="1600" dirty="0"/>
+              <a:t> </a:t>
+            </a:r>
+            <a:r>
+              <a:rPr lang="fr-FR" sz="1600" dirty="0" err="1"/>
+              <a:t>steps</a:t>
+            </a:r>
+            <a:r>
+              <a:rPr lang="fr-FR" sz="1600" dirty="0"/>
+              <a:t> of </a:t>
+            </a:r>
+            <a:r>
+              <a:rPr lang="fr-FR" sz="1600" dirty="0" err="1"/>
+              <a:t>any</a:t>
+            </a:r>
+            <a:r>
+              <a:rPr lang="fr-FR" sz="1600" dirty="0"/>
+              <a:t> segmentation </a:t>
+            </a:r>
+            <a:r>
+              <a:rPr lang="fr-FR" sz="1600" dirty="0" err="1"/>
+              <a:t>approach</a:t>
+            </a:r>
+            <a:r>
+              <a:rPr lang="fr-FR" sz="1600" dirty="0"/>
+              <a:t>, </a:t>
+            </a:r>
+            <a:r>
+              <a:rPr lang="fr-FR" sz="1600" dirty="0" err="1"/>
+              <a:t>we</a:t>
+            </a:r>
+            <a:r>
+              <a:rPr lang="fr-FR" sz="1600" dirty="0"/>
+              <a:t> </a:t>
+            </a:r>
+            <a:r>
+              <a:rPr lang="fr-FR" sz="1600" dirty="0" err="1"/>
+              <a:t>shall</a:t>
+            </a:r>
+            <a:r>
+              <a:rPr lang="fr-FR" sz="1600" dirty="0"/>
+              <a:t> </a:t>
+            </a:r>
+            <a:r>
+              <a:rPr lang="fr-FR" sz="1600" dirty="0" err="1"/>
+              <a:t>pick</a:t>
+            </a:r>
+            <a:r>
+              <a:rPr lang="fr-FR" sz="1600" dirty="0"/>
+              <a:t> a consistent set of techniques </a:t>
+            </a:r>
+            <a:r>
+              <a:rPr lang="fr-FR" sz="1600" dirty="0" err="1"/>
+              <a:t>among</a:t>
+            </a:r>
+            <a:r>
+              <a:rPr lang="fr-FR" sz="1600" dirty="0"/>
+              <a:t> the large palette of </a:t>
+            </a:r>
+            <a:r>
+              <a:rPr lang="fr-FR" sz="1600" dirty="0" err="1"/>
+              <a:t>transformers</a:t>
+            </a:r>
+            <a:r>
+              <a:rPr lang="fr-FR" sz="1600" dirty="0"/>
+              <a:t>, </a:t>
+            </a:r>
+            <a:r>
+              <a:rPr lang="fr-FR" sz="1600" dirty="0" err="1"/>
+              <a:t>reducers</a:t>
+            </a:r>
+            <a:r>
+              <a:rPr lang="fr-FR" sz="1600" dirty="0"/>
+              <a:t>, </a:t>
+            </a:r>
+            <a:r>
+              <a:rPr lang="fr-FR" sz="1600" dirty="0" err="1"/>
+              <a:t>clusterers</a:t>
+            </a:r>
+            <a:r>
+              <a:rPr lang="fr-FR" sz="1600" dirty="0"/>
+              <a:t> and </a:t>
+            </a:r>
+            <a:r>
+              <a:rPr lang="fr-FR" sz="1600" dirty="0" err="1"/>
+              <a:t>evaluation</a:t>
+            </a:r>
+            <a:r>
+              <a:rPr lang="fr-FR" sz="1600" dirty="0"/>
+              <a:t> techniques.</a:t>
+            </a:r>
+            <a:endParaRPr lang="en-US" sz="2000" b="1" i="1" dirty="0"/>
+          </a:p>
+        </p:txBody>
+      </p:sp>
+      <p:graphicFrame>
+        <p:nvGraphicFramePr>
+          <p:cNvPr id="9" name="Tableau 8">
+            <a:extLst>
+              <a:ext uri="{FF2B5EF4-FFF2-40B4-BE49-F238E27FC236}">
+                <a16:creationId xmlns:a16="http://schemas.microsoft.com/office/drawing/2014/main" id="{A66083BD-EDE4-41D6-91A9-130A42B91B16}"/>
+              </a:ext>
+            </a:extLst>
+          </p:cNvPr>
+          <p:cNvGraphicFramePr>
+            <a:graphicFrameLocks noGrp="1"/>
+          </p:cNvGraphicFramePr>
+          <p:nvPr>
+            <p:extLst>
+              <p:ext uri="{D42A27DB-BD31-4B8C-83A1-F6EECF244321}">
+                <p14:modId xmlns:p14="http://schemas.microsoft.com/office/powerpoint/2010/main" val="841556150"/>
+              </p:ext>
+            </p:extLst>
+          </p:nvPr>
+        </p:nvGraphicFramePr>
+        <p:xfrm>
+          <a:off x="6096000" y="1783561"/>
+          <a:ext cx="4902200" cy="2049780"/>
+        </p:xfrm>
+        <a:graphic>
+          <a:graphicData uri="http://schemas.openxmlformats.org/drawingml/2006/table">
+            <a:tbl>
+              <a:tblPr>
+                <a:tableStyleId>{5C22544A-7EE6-4342-B048-85BDC9FD1C3A}</a:tableStyleId>
+              </a:tblPr>
+              <a:tblGrid>
+                <a:gridCol w="340431">
+                  <a:extLst>
+                    <a:ext uri="{9D8B030D-6E8A-4147-A177-3AD203B41FA5}">
+                      <a16:colId xmlns:a16="http://schemas.microsoft.com/office/drawing/2014/main" val="2487956177"/>
+                    </a:ext>
+                  </a:extLst>
+                </a:gridCol>
+                <a:gridCol w="340431">
+                  <a:extLst>
+                    <a:ext uri="{9D8B030D-6E8A-4147-A177-3AD203B41FA5}">
+                      <a16:colId xmlns:a16="http://schemas.microsoft.com/office/drawing/2014/main" val="4009521510"/>
+                    </a:ext>
+                  </a:extLst>
+                </a:gridCol>
+                <a:gridCol w="917682">
+                  <a:extLst>
+                    <a:ext uri="{9D8B030D-6E8A-4147-A177-3AD203B41FA5}">
+                      <a16:colId xmlns:a16="http://schemas.microsoft.com/office/drawing/2014/main" val="2029085952"/>
+                    </a:ext>
+                  </a:extLst>
+                </a:gridCol>
+                <a:gridCol w="737106">
+                  <a:extLst>
+                    <a:ext uri="{9D8B030D-6E8A-4147-A177-3AD203B41FA5}">
+                      <a16:colId xmlns:a16="http://schemas.microsoft.com/office/drawing/2014/main" val="1928995462"/>
+                    </a:ext>
+                  </a:extLst>
+                </a:gridCol>
+                <a:gridCol w="914722">
+                  <a:extLst>
+                    <a:ext uri="{9D8B030D-6E8A-4147-A177-3AD203B41FA5}">
+                      <a16:colId xmlns:a16="http://schemas.microsoft.com/office/drawing/2014/main" val="2625386685"/>
+                    </a:ext>
+                  </a:extLst>
+                </a:gridCol>
+                <a:gridCol w="914722">
+                  <a:extLst>
+                    <a:ext uri="{9D8B030D-6E8A-4147-A177-3AD203B41FA5}">
+                      <a16:colId xmlns:a16="http://schemas.microsoft.com/office/drawing/2014/main" val="1652615073"/>
+                    </a:ext>
+                  </a:extLst>
+                </a:gridCol>
+                <a:gridCol w="737106">
+                  <a:extLst>
+                    <a:ext uri="{9D8B030D-6E8A-4147-A177-3AD203B41FA5}">
+                      <a16:colId xmlns:a16="http://schemas.microsoft.com/office/drawing/2014/main" val="4260276013"/>
+                    </a:ext>
+                  </a:extLst>
+                </a:gridCol>
+              </a:tblGrid>
+              <a:tr h="182880">
+                <a:tc rowSpan="2" gridSpan="3">
+                  <a:txBody>
+                    <a:bodyPr/>
+                    <a:lstStyle/>
+                    <a:p>
+                      <a:pPr algn="ctr" fontAlgn="b"/>
+                      <a:r>
+                        <a:rPr lang="fr-FR" sz="1800" b="0" i="0" u="none" strike="noStrike" dirty="0" err="1">
+                          <a:solidFill>
+                            <a:schemeClr val="tx1"/>
+                          </a:solidFill>
+                          <a:effectLst/>
+                          <a:latin typeface="Calibri" panose="020F0502020204030204" pitchFamily="34" charset="0"/>
+                        </a:rPr>
+                        <a:t>Results</a:t>
+                      </a:r>
+                      <a:endParaRPr lang="en-US" sz="1600" b="0" i="0" u="none" strike="noStrike" dirty="0">
+                        <a:solidFill>
+                          <a:schemeClr val="tx1"/>
+                        </a:solidFill>
+                        <a:effectLst/>
+                        <a:latin typeface="Calibri" panose="020F0502020204030204" pitchFamily="34" charset="0"/>
+                      </a:endParaRPr>
+                    </a:p>
+                  </a:txBody>
+                  <a:tcPr marL="7620" marR="7620" marT="7620" marB="0" anchor="ctr">
+                    <a:noFill/>
+                  </a:tcPr>
+                </a:tc>
+                <a:tc rowSpan="2" hMerge="1">
+                  <a:txBody>
+                    <a:bodyPr/>
+                    <a:lstStyle/>
+                    <a:p>
+                      <a:pPr algn="l" fontAlgn="b"/>
+                      <a:endParaRPr lang="en-US" sz="1100" b="0" i="0" u="none" strike="noStrike" dirty="0">
+                        <a:solidFill>
+                          <a:srgbClr val="000000"/>
+                        </a:solidFill>
+                        <a:effectLst/>
+                        <a:latin typeface="Calibri" panose="020F0502020204030204" pitchFamily="34" charset="0"/>
+                      </a:endParaRPr>
+                    </a:p>
+                  </a:txBody>
+                  <a:tcPr marL="7620" marR="7620" marT="7620" marB="0" anchor="b"/>
+                </a:tc>
+                <a:tc rowSpan="2" hMerge="1">
+                  <a:txBody>
+                    <a:bodyPr/>
+                    <a:lstStyle/>
+                    <a:p>
+                      <a:pPr algn="l" fontAlgn="b"/>
+                      <a:endParaRPr lang="en-US" sz="1100" b="0" i="0" u="none" strike="noStrike">
+                        <a:solidFill>
+                          <a:srgbClr val="000000"/>
+                        </a:solidFill>
+                        <a:effectLst/>
+                        <a:latin typeface="Calibri" panose="020F0502020204030204" pitchFamily="34" charset="0"/>
+                      </a:endParaRPr>
+                    </a:p>
+                  </a:txBody>
+                  <a:tcPr marL="7620" marR="7620" marT="7620" marB="0" anchor="b"/>
+                </a:tc>
+                <a:tc gridSpan="4">
+                  <a:txBody>
+                    <a:bodyPr/>
+                    <a:lstStyle/>
+                    <a:p>
+                      <a:pPr algn="l" fontAlgn="b"/>
+                      <a:r>
+                        <a:rPr lang="en-US" sz="1100" b="1" u="none" strike="noStrike" dirty="0">
+                          <a:effectLst/>
+                        </a:rPr>
+                        <a:t>Reducers</a:t>
+                      </a:r>
+                      <a:endParaRPr lang="en-US" sz="1100" b="1" i="0" u="none" strike="noStrike" dirty="0">
+                        <a:solidFill>
+                          <a:srgbClr val="000000"/>
+                        </a:solidFill>
+                        <a:effectLst/>
+                        <a:latin typeface="Calibri" panose="020F0502020204030204" pitchFamily="34" charset="0"/>
+                      </a:endParaRPr>
+                    </a:p>
+                  </a:txBody>
+                  <a:tcPr marL="7620" marR="7620" marT="7620" marB="0" anchor="b"/>
+                </a:tc>
+                <a:tc hMerge="1">
+                  <a:txBody>
+                    <a:bodyPr/>
+                    <a:lstStyle/>
+                    <a:p>
+                      <a:endParaRPr lang="en-US"/>
+                    </a:p>
+                  </a:txBody>
+                  <a:tcPr/>
+                </a:tc>
+                <a:tc hMerge="1">
+                  <a:txBody>
+                    <a:bodyPr/>
+                    <a:lstStyle/>
+                    <a:p>
+                      <a:endParaRPr lang="en-US"/>
+                    </a:p>
+                  </a:txBody>
+                  <a:tcPr/>
+                </a:tc>
+                <a:tc hMerge="1">
+                  <a:txBody>
+                    <a:bodyPr/>
+                    <a:lstStyle/>
+                    <a:p>
+                      <a:endParaRPr lang="en-US"/>
+                    </a:p>
+                  </a:txBody>
+                  <a:tcPr/>
+                </a:tc>
+                <a:extLst>
+                  <a:ext uri="{0D108BD9-81ED-4DB2-BD59-A6C34878D82A}">
+                    <a16:rowId xmlns:a16="http://schemas.microsoft.com/office/drawing/2014/main" val="3122412823"/>
+                  </a:ext>
+                </a:extLst>
+              </a:tr>
+              <a:tr h="190500">
+                <a:tc gridSpan="3" vMerge="1">
+                  <a:txBody>
+                    <a:bodyPr/>
+                    <a:lstStyle/>
+                    <a:p>
+                      <a:pPr algn="l" fontAlgn="b"/>
+                      <a:endParaRPr lang="en-US" sz="1100" b="0" i="0" u="none" strike="noStrike">
+                        <a:solidFill>
+                          <a:srgbClr val="000000"/>
+                        </a:solidFill>
+                        <a:effectLst/>
+                        <a:latin typeface="Calibri" panose="020F0502020204030204" pitchFamily="34" charset="0"/>
+                      </a:endParaRPr>
+                    </a:p>
+                  </a:txBody>
+                  <a:tcPr marL="7620" marR="7620" marT="7620" marB="0" anchor="b"/>
+                </a:tc>
+                <a:tc hMerge="1" vMerge="1">
+                  <a:txBody>
+                    <a:bodyPr/>
+                    <a:lstStyle/>
+                    <a:p>
+                      <a:pPr algn="l" fontAlgn="b"/>
+                      <a:endParaRPr lang="en-US" sz="1100" b="0" i="0" u="none" strike="noStrike">
+                        <a:solidFill>
+                          <a:srgbClr val="000000"/>
+                        </a:solidFill>
+                        <a:effectLst/>
+                        <a:latin typeface="Calibri" panose="020F0502020204030204" pitchFamily="34" charset="0"/>
+                      </a:endParaRPr>
+                    </a:p>
+                  </a:txBody>
+                  <a:tcPr marL="7620" marR="7620" marT="7620" marB="0" anchor="b"/>
+                </a:tc>
+                <a:tc hMerge="1" vMerge="1">
+                  <a:txBody>
+                    <a:bodyPr/>
+                    <a:lstStyle/>
+                    <a:p>
+                      <a:pPr algn="l" fontAlgn="b"/>
+                      <a:endParaRPr lang="en-US" sz="1100" b="0" i="0" u="none" strike="noStrike" dirty="0">
+                        <a:solidFill>
+                          <a:srgbClr val="000000"/>
+                        </a:solidFill>
+                        <a:effectLst/>
+                        <a:latin typeface="Calibri" panose="020F0502020204030204" pitchFamily="34" charset="0"/>
+                      </a:endParaRPr>
+                    </a:p>
+                  </a:txBody>
+                  <a:tcPr marL="7620" marR="7620" marT="7620" marB="0" anchor="b"/>
+                </a:tc>
+                <a:tc>
+                  <a:txBody>
+                    <a:bodyPr/>
+                    <a:lstStyle/>
+                    <a:p>
+                      <a:pPr algn="l" fontAlgn="b"/>
+                      <a:r>
+                        <a:rPr lang="en-US" sz="1100" u="none" strike="noStrike">
+                          <a:effectLst/>
+                        </a:rPr>
+                        <a:t>none</a:t>
+                      </a:r>
+                      <a:endParaRPr lang="en-US" sz="1100" b="0" i="0" u="none" strike="noStrike">
+                        <a:solidFill>
+                          <a:srgbClr val="000000"/>
+                        </a:solidFill>
+                        <a:effectLst/>
+                        <a:latin typeface="Calibri" panose="020F0502020204030204" pitchFamily="34" charset="0"/>
+                      </a:endParaRPr>
+                    </a:p>
+                  </a:txBody>
+                  <a:tcPr marL="7620" marR="7620" marT="7620" marB="0" anchor="b"/>
+                </a:tc>
+                <a:tc>
+                  <a:txBody>
+                    <a:bodyPr/>
+                    <a:lstStyle/>
+                    <a:p>
+                      <a:pPr algn="l" fontAlgn="b"/>
+                      <a:r>
+                        <a:rPr lang="en-US" sz="1100" u="none" strike="noStrike">
+                          <a:effectLst/>
+                        </a:rPr>
+                        <a:t>pca (ref. 80%)</a:t>
+                      </a:r>
+                      <a:endParaRPr lang="en-US" sz="1100" b="0" i="0" u="none" strike="noStrike">
+                        <a:solidFill>
+                          <a:srgbClr val="000000"/>
+                        </a:solidFill>
+                        <a:effectLst/>
+                        <a:latin typeface="Calibri" panose="020F0502020204030204" pitchFamily="34" charset="0"/>
+                      </a:endParaRPr>
+                    </a:p>
+                  </a:txBody>
+                  <a:tcPr marL="7620" marR="7620" marT="7620" marB="0" anchor="b"/>
+                </a:tc>
+                <a:tc>
+                  <a:txBody>
+                    <a:bodyPr/>
+                    <a:lstStyle/>
+                    <a:p>
+                      <a:pPr algn="l" fontAlgn="b"/>
+                      <a:r>
+                        <a:rPr lang="en-US" sz="1100" u="none" strike="noStrike">
+                          <a:effectLst/>
+                        </a:rPr>
+                        <a:t>pca 2 PC</a:t>
+                      </a:r>
+                      <a:endParaRPr lang="en-US" sz="1100" b="0" i="0" u="none" strike="noStrike">
+                        <a:solidFill>
+                          <a:srgbClr val="000000"/>
+                        </a:solidFill>
+                        <a:effectLst/>
+                        <a:latin typeface="Calibri" panose="020F0502020204030204" pitchFamily="34" charset="0"/>
+                      </a:endParaRPr>
+                    </a:p>
+                  </a:txBody>
+                  <a:tcPr marL="7620" marR="7620" marT="7620" marB="0" anchor="b"/>
+                </a:tc>
+                <a:tc>
+                  <a:txBody>
+                    <a:bodyPr/>
+                    <a:lstStyle/>
+                    <a:p>
+                      <a:pPr algn="l" fontAlgn="b"/>
+                      <a:r>
+                        <a:rPr lang="en-US" sz="1100" u="none" strike="noStrike" dirty="0" err="1">
+                          <a:effectLst/>
+                        </a:rPr>
+                        <a:t>Tsne</a:t>
+                      </a:r>
+                      <a:endParaRPr lang="en-US" sz="1100" b="0" i="0" u="none" strike="noStrike" dirty="0">
+                        <a:solidFill>
+                          <a:srgbClr val="000000"/>
+                        </a:solidFill>
+                        <a:effectLst/>
+                        <a:latin typeface="Calibri" panose="020F0502020204030204" pitchFamily="34" charset="0"/>
+                      </a:endParaRPr>
+                    </a:p>
+                  </a:txBody>
+                  <a:tcPr marL="7620" marR="7620" marT="7620" marB="0" anchor="b"/>
+                </a:tc>
+                <a:extLst>
+                  <a:ext uri="{0D108BD9-81ED-4DB2-BD59-A6C34878D82A}">
+                    <a16:rowId xmlns:a16="http://schemas.microsoft.com/office/drawing/2014/main" val="3110607055"/>
+                  </a:ext>
+                </a:extLst>
+              </a:tr>
+              <a:tr h="381000">
+                <a:tc rowSpan="4">
+                  <a:txBody>
+                    <a:bodyPr/>
+                    <a:lstStyle/>
+                    <a:p>
+                      <a:pPr algn="l" fontAlgn="b"/>
+                      <a:r>
+                        <a:rPr lang="en-US" sz="1100" b="1" u="none" strike="noStrike" dirty="0" err="1">
+                          <a:effectLst/>
+                        </a:rPr>
+                        <a:t>Clusterer</a:t>
+                      </a:r>
+                      <a:endParaRPr lang="en-US" sz="1100" b="1" i="0" u="none" strike="noStrike" dirty="0">
+                        <a:solidFill>
+                          <a:srgbClr val="000000"/>
+                        </a:solidFill>
+                        <a:effectLst/>
+                        <a:latin typeface="Calibri" panose="020F0502020204030204" pitchFamily="34" charset="0"/>
+                      </a:endParaRPr>
+                    </a:p>
+                  </a:txBody>
+                  <a:tcPr marL="7620" marR="7620" marT="7620" marB="0" vert="vert270" anchor="b"/>
+                </a:tc>
+                <a:tc rowSpan="2">
+                  <a:txBody>
+                    <a:bodyPr/>
+                    <a:lstStyle/>
+                    <a:p>
+                      <a:pPr algn="ctr" fontAlgn="b"/>
+                      <a:r>
+                        <a:rPr lang="en-US" sz="1100" u="none" strike="noStrike">
+                          <a:effectLst/>
+                        </a:rPr>
+                        <a:t>K-means</a:t>
+                      </a:r>
+                      <a:endParaRPr lang="en-US" sz="1100" b="0" i="0" u="none" strike="noStrike">
+                        <a:solidFill>
+                          <a:srgbClr val="000000"/>
+                        </a:solidFill>
+                        <a:effectLst/>
+                        <a:latin typeface="Calibri" panose="020F0502020204030204" pitchFamily="34" charset="0"/>
+                      </a:endParaRPr>
+                    </a:p>
+                  </a:txBody>
+                  <a:tcPr marL="7620" marR="7620" marT="7620" marB="0" vert="vert270" anchor="b"/>
+                </a:tc>
+                <a:tc>
+                  <a:txBody>
+                    <a:bodyPr/>
+                    <a:lstStyle/>
+                    <a:p>
+                      <a:pPr algn="l" fontAlgn="ctr"/>
+                      <a:r>
+                        <a:rPr lang="en-US" sz="1100" u="none" strike="noStrike">
+                          <a:effectLst/>
+                        </a:rPr>
+                        <a:t>clusters</a:t>
+                      </a:r>
+                      <a:endParaRPr lang="en-US" sz="1100" b="0" i="0" u="none" strike="noStrike">
+                        <a:solidFill>
+                          <a:srgbClr val="000000"/>
+                        </a:solidFill>
+                        <a:effectLst/>
+                        <a:latin typeface="Calibri" panose="020F0502020204030204" pitchFamily="34" charset="0"/>
+                      </a:endParaRPr>
+                    </a:p>
+                  </a:txBody>
+                  <a:tcPr marL="7620" marR="7620" marT="7620" marB="0" anchor="ctr"/>
+                </a:tc>
+                <a:tc>
+                  <a:txBody>
+                    <a:bodyPr/>
+                    <a:lstStyle/>
+                    <a:p>
+                      <a:pPr algn="ctr" fontAlgn="ctr"/>
+                      <a:r>
+                        <a:rPr lang="en-US" sz="1100" u="none" strike="noStrike">
+                          <a:effectLst/>
+                        </a:rPr>
+                        <a:t>6</a:t>
+                      </a:r>
+                      <a:endParaRPr lang="en-US" sz="1100" b="0" i="0" u="none" strike="noStrike">
+                        <a:solidFill>
+                          <a:srgbClr val="000000"/>
+                        </a:solidFill>
+                        <a:effectLst/>
+                        <a:latin typeface="Calibri" panose="020F0502020204030204" pitchFamily="34" charset="0"/>
+                      </a:endParaRPr>
+                    </a:p>
+                  </a:txBody>
+                  <a:tcPr marL="7620" marR="7620" marT="7620" marB="0" anchor="ctr"/>
+                </a:tc>
+                <a:tc>
+                  <a:txBody>
+                    <a:bodyPr/>
+                    <a:lstStyle/>
+                    <a:p>
+                      <a:pPr algn="ctr" fontAlgn="ctr"/>
+                      <a:r>
+                        <a:rPr lang="en-US" sz="1100" u="none" strike="noStrike">
+                          <a:effectLst/>
+                        </a:rPr>
+                        <a:t>6</a:t>
+                      </a:r>
+                      <a:endParaRPr lang="en-US" sz="1100" b="0" i="0" u="none" strike="noStrike">
+                        <a:solidFill>
+                          <a:srgbClr val="000000"/>
+                        </a:solidFill>
+                        <a:effectLst/>
+                        <a:latin typeface="Calibri" panose="020F0502020204030204" pitchFamily="34" charset="0"/>
+                      </a:endParaRPr>
+                    </a:p>
+                  </a:txBody>
+                  <a:tcPr marL="7620" marR="7620" marT="7620" marB="0" anchor="ctr"/>
+                </a:tc>
+                <a:tc>
+                  <a:txBody>
+                    <a:bodyPr/>
+                    <a:lstStyle/>
+                    <a:p>
+                      <a:pPr algn="ctr" fontAlgn="ctr"/>
+                      <a:r>
+                        <a:rPr lang="en-US" sz="1100" b="1" u="none" strike="noStrike" dirty="0">
+                          <a:solidFill>
+                            <a:srgbClr val="00B050"/>
+                          </a:solidFill>
+                          <a:effectLst/>
+                        </a:rPr>
+                        <a:t>6</a:t>
+                      </a:r>
+                      <a:endParaRPr lang="en-US" sz="1100" b="1" i="0" u="none" strike="noStrike" dirty="0">
+                        <a:solidFill>
+                          <a:srgbClr val="00B050"/>
+                        </a:solidFill>
+                        <a:effectLst/>
+                        <a:latin typeface="Calibri" panose="020F0502020204030204" pitchFamily="34" charset="0"/>
+                      </a:endParaRPr>
+                    </a:p>
+                  </a:txBody>
+                  <a:tcPr marL="7620" marR="7620" marT="7620" marB="0" anchor="ctr"/>
+                </a:tc>
+                <a:tc>
+                  <a:txBody>
+                    <a:bodyPr/>
+                    <a:lstStyle/>
+                    <a:p>
+                      <a:pPr algn="ctr" fontAlgn="ctr"/>
+                      <a:r>
+                        <a:rPr lang="en-US" sz="1100" u="none" strike="noStrike">
+                          <a:effectLst/>
+                        </a:rPr>
+                        <a:t>9</a:t>
+                      </a:r>
+                      <a:endParaRPr lang="en-US" sz="1100" b="0" i="0" u="none" strike="noStrike">
+                        <a:solidFill>
+                          <a:srgbClr val="000000"/>
+                        </a:solidFill>
+                        <a:effectLst/>
+                        <a:latin typeface="Calibri" panose="020F0502020204030204" pitchFamily="34" charset="0"/>
+                      </a:endParaRPr>
+                    </a:p>
+                  </a:txBody>
+                  <a:tcPr marL="7620" marR="7620" marT="7620" marB="0" anchor="ctr"/>
+                </a:tc>
+                <a:extLst>
+                  <a:ext uri="{0D108BD9-81ED-4DB2-BD59-A6C34878D82A}">
+                    <a16:rowId xmlns:a16="http://schemas.microsoft.com/office/drawing/2014/main" val="3854644993"/>
+                  </a:ext>
+                </a:extLst>
+              </a:tr>
+              <a:tr h="381000">
+                <a:tc vMerge="1">
+                  <a:txBody>
+                    <a:bodyPr/>
+                    <a:lstStyle/>
+                    <a:p>
+                      <a:endParaRPr lang="en-US"/>
+                    </a:p>
+                  </a:txBody>
+                  <a:tcPr/>
+                </a:tc>
+                <a:tc vMerge="1">
+                  <a:txBody>
+                    <a:bodyPr/>
+                    <a:lstStyle/>
+                    <a:p>
+                      <a:endParaRPr lang="en-US"/>
+                    </a:p>
+                  </a:txBody>
+                  <a:tcPr/>
+                </a:tc>
+                <a:tc>
+                  <a:txBody>
+                    <a:bodyPr/>
+                    <a:lstStyle/>
+                    <a:p>
+                      <a:pPr algn="l" fontAlgn="ctr"/>
+                      <a:r>
+                        <a:rPr lang="en-US" sz="1100" u="none" strike="noStrike">
+                          <a:effectLst/>
+                        </a:rPr>
+                        <a:t>silhouette</a:t>
+                      </a:r>
+                      <a:endParaRPr lang="en-US" sz="1100" b="0" i="0" u="none" strike="noStrike">
+                        <a:solidFill>
+                          <a:srgbClr val="000000"/>
+                        </a:solidFill>
+                        <a:effectLst/>
+                        <a:latin typeface="Calibri" panose="020F0502020204030204" pitchFamily="34" charset="0"/>
+                      </a:endParaRPr>
+                    </a:p>
+                  </a:txBody>
+                  <a:tcPr marL="7620" marR="7620" marT="7620" marB="0" anchor="ctr"/>
+                </a:tc>
+                <a:tc>
+                  <a:txBody>
+                    <a:bodyPr/>
+                    <a:lstStyle/>
+                    <a:p>
+                      <a:pPr algn="ctr" fontAlgn="ctr"/>
+                      <a:r>
+                        <a:rPr lang="en-US" sz="1100" u="none" strike="noStrike">
+                          <a:effectLst/>
+                        </a:rPr>
+                        <a:t>0.257372</a:t>
+                      </a:r>
+                      <a:endParaRPr lang="en-US" sz="1100" b="0" i="0" u="none" strike="noStrike">
+                        <a:solidFill>
+                          <a:srgbClr val="000000"/>
+                        </a:solidFill>
+                        <a:effectLst/>
+                        <a:latin typeface="Calibri" panose="020F0502020204030204" pitchFamily="34" charset="0"/>
+                      </a:endParaRPr>
+                    </a:p>
+                  </a:txBody>
+                  <a:tcPr marL="7620" marR="7620" marT="7620" marB="0" anchor="ctr"/>
+                </a:tc>
+                <a:tc>
+                  <a:txBody>
+                    <a:bodyPr/>
+                    <a:lstStyle/>
+                    <a:p>
+                      <a:pPr algn="ctr" fontAlgn="ctr"/>
+                      <a:r>
+                        <a:rPr lang="en-US" sz="1100" u="none" strike="noStrike">
+                          <a:effectLst/>
+                        </a:rPr>
+                        <a:t>0.326331</a:t>
+                      </a:r>
+                      <a:endParaRPr lang="en-US" sz="1100" b="0" i="0" u="none" strike="noStrike">
+                        <a:solidFill>
+                          <a:srgbClr val="000000"/>
+                        </a:solidFill>
+                        <a:effectLst/>
+                        <a:latin typeface="Calibri" panose="020F0502020204030204" pitchFamily="34" charset="0"/>
+                      </a:endParaRPr>
+                    </a:p>
+                  </a:txBody>
+                  <a:tcPr marL="7620" marR="7620" marT="7620" marB="0" anchor="ctr"/>
+                </a:tc>
+                <a:tc>
+                  <a:txBody>
+                    <a:bodyPr/>
+                    <a:lstStyle/>
+                    <a:p>
+                      <a:pPr algn="ctr" fontAlgn="ctr"/>
+                      <a:r>
+                        <a:rPr lang="en-US" sz="1100" b="1" u="none" strike="noStrike" dirty="0">
+                          <a:solidFill>
+                            <a:srgbClr val="00B050"/>
+                          </a:solidFill>
+                          <a:effectLst/>
+                        </a:rPr>
+                        <a:t>0.904481</a:t>
+                      </a:r>
+                      <a:endParaRPr lang="en-US" sz="1100" b="1" i="0" u="none" strike="noStrike" dirty="0">
+                        <a:solidFill>
+                          <a:srgbClr val="00B050"/>
+                        </a:solidFill>
+                        <a:effectLst/>
+                        <a:latin typeface="Calibri" panose="020F0502020204030204" pitchFamily="34" charset="0"/>
+                      </a:endParaRPr>
+                    </a:p>
+                  </a:txBody>
+                  <a:tcPr marL="7620" marR="7620" marT="7620" marB="0" anchor="ctr"/>
+                </a:tc>
+                <a:tc>
+                  <a:txBody>
+                    <a:bodyPr/>
+                    <a:lstStyle/>
+                    <a:p>
+                      <a:pPr algn="ctr" fontAlgn="ctr"/>
+                      <a:r>
+                        <a:rPr lang="en-US" sz="1100" u="none" strike="noStrike">
+                          <a:effectLst/>
+                        </a:rPr>
+                        <a:t>0.404643</a:t>
+                      </a:r>
+                      <a:endParaRPr lang="en-US" sz="1100" b="0" i="0" u="none" strike="noStrike">
+                        <a:solidFill>
+                          <a:srgbClr val="000000"/>
+                        </a:solidFill>
+                        <a:effectLst/>
+                        <a:latin typeface="Calibri" panose="020F0502020204030204" pitchFamily="34" charset="0"/>
+                      </a:endParaRPr>
+                    </a:p>
+                  </a:txBody>
+                  <a:tcPr marL="7620" marR="7620" marT="7620" marB="0" anchor="ctr"/>
+                </a:tc>
+                <a:extLst>
+                  <a:ext uri="{0D108BD9-81ED-4DB2-BD59-A6C34878D82A}">
+                    <a16:rowId xmlns:a16="http://schemas.microsoft.com/office/drawing/2014/main" val="2329784206"/>
+                  </a:ext>
+                </a:extLst>
+              </a:tr>
+              <a:tr h="381000">
+                <a:tc vMerge="1">
+                  <a:txBody>
+                    <a:bodyPr/>
+                    <a:lstStyle/>
+                    <a:p>
+                      <a:endParaRPr lang="en-US"/>
+                    </a:p>
+                  </a:txBody>
+                  <a:tcPr/>
+                </a:tc>
+                <a:tc rowSpan="2">
+                  <a:txBody>
+                    <a:bodyPr/>
+                    <a:lstStyle/>
+                    <a:p>
+                      <a:pPr algn="ctr" fontAlgn="b"/>
+                      <a:r>
+                        <a:rPr lang="en-US" sz="1100" u="none" strike="noStrike">
+                          <a:effectLst/>
+                        </a:rPr>
+                        <a:t>HDBSCAN</a:t>
+                      </a:r>
+                      <a:endParaRPr lang="en-US" sz="1100" b="0" i="0" u="none" strike="noStrike">
+                        <a:solidFill>
+                          <a:srgbClr val="000000"/>
+                        </a:solidFill>
+                        <a:effectLst/>
+                        <a:latin typeface="Calibri" panose="020F0502020204030204" pitchFamily="34" charset="0"/>
+                      </a:endParaRPr>
+                    </a:p>
+                  </a:txBody>
+                  <a:tcPr marL="7620" marR="7620" marT="7620" marB="0" vert="vert270" anchor="b"/>
+                </a:tc>
+                <a:tc>
+                  <a:txBody>
+                    <a:bodyPr/>
+                    <a:lstStyle/>
+                    <a:p>
+                      <a:pPr algn="l" fontAlgn="ctr"/>
+                      <a:r>
+                        <a:rPr lang="en-US" sz="1100" u="none" strike="noStrike">
+                          <a:effectLst/>
+                        </a:rPr>
+                        <a:t>clusters</a:t>
+                      </a:r>
+                      <a:endParaRPr lang="en-US" sz="1100" b="0" i="0" u="none" strike="noStrike">
+                        <a:solidFill>
+                          <a:srgbClr val="000000"/>
+                        </a:solidFill>
+                        <a:effectLst/>
+                        <a:latin typeface="Calibri" panose="020F0502020204030204" pitchFamily="34" charset="0"/>
+                      </a:endParaRPr>
+                    </a:p>
+                  </a:txBody>
+                  <a:tcPr marL="7620" marR="7620" marT="7620" marB="0" anchor="ctr"/>
+                </a:tc>
+                <a:tc>
+                  <a:txBody>
+                    <a:bodyPr/>
+                    <a:lstStyle/>
+                    <a:p>
+                      <a:pPr algn="ctr" fontAlgn="ctr"/>
+                      <a:r>
+                        <a:rPr lang="en-US" sz="1100" u="none" strike="noStrike">
+                          <a:effectLst/>
+                        </a:rPr>
+                        <a:t>20</a:t>
+                      </a:r>
+                      <a:endParaRPr lang="en-US" sz="1100" b="0" i="0" u="none" strike="noStrike">
+                        <a:solidFill>
+                          <a:srgbClr val="000000"/>
+                        </a:solidFill>
+                        <a:effectLst/>
+                        <a:latin typeface="Calibri" panose="020F0502020204030204" pitchFamily="34" charset="0"/>
+                      </a:endParaRPr>
+                    </a:p>
+                  </a:txBody>
+                  <a:tcPr marL="7620" marR="7620" marT="7620" marB="0" anchor="ctr"/>
+                </a:tc>
+                <a:tc>
+                  <a:txBody>
+                    <a:bodyPr/>
+                    <a:lstStyle/>
+                    <a:p>
+                      <a:pPr algn="ctr" fontAlgn="ctr"/>
+                      <a:r>
+                        <a:rPr lang="en-US" sz="1100" u="none" strike="noStrike">
+                          <a:effectLst/>
+                        </a:rPr>
+                        <a:t>10</a:t>
+                      </a:r>
+                      <a:endParaRPr lang="en-US" sz="1100" b="0" i="0" u="none" strike="noStrike">
+                        <a:solidFill>
+                          <a:srgbClr val="000000"/>
+                        </a:solidFill>
+                        <a:effectLst/>
+                        <a:latin typeface="Calibri" panose="020F0502020204030204" pitchFamily="34" charset="0"/>
+                      </a:endParaRPr>
+                    </a:p>
+                  </a:txBody>
+                  <a:tcPr marL="7620" marR="7620" marT="7620" marB="0" anchor="ctr"/>
+                </a:tc>
+                <a:tc>
+                  <a:txBody>
+                    <a:bodyPr/>
+                    <a:lstStyle/>
+                    <a:p>
+                      <a:pPr algn="ctr" fontAlgn="ctr"/>
+                      <a:r>
+                        <a:rPr lang="en-US" sz="1100" u="none" strike="noStrike">
+                          <a:effectLst/>
+                        </a:rPr>
+                        <a:t>2</a:t>
+                      </a:r>
+                      <a:endParaRPr lang="en-US" sz="1100" b="0" i="0" u="none" strike="noStrike">
+                        <a:solidFill>
+                          <a:srgbClr val="000000"/>
+                        </a:solidFill>
+                        <a:effectLst/>
+                        <a:latin typeface="Calibri" panose="020F0502020204030204" pitchFamily="34" charset="0"/>
+                      </a:endParaRPr>
+                    </a:p>
+                  </a:txBody>
+                  <a:tcPr marL="7620" marR="7620" marT="7620" marB="0" anchor="ctr"/>
+                </a:tc>
+                <a:tc>
+                  <a:txBody>
+                    <a:bodyPr/>
+                    <a:lstStyle/>
+                    <a:p>
+                      <a:pPr algn="ctr" fontAlgn="ctr"/>
+                      <a:r>
+                        <a:rPr lang="en-US" sz="1100" u="none" strike="noStrike">
+                          <a:effectLst/>
+                        </a:rPr>
+                        <a:t>11</a:t>
+                      </a:r>
+                      <a:endParaRPr lang="en-US" sz="1100" b="0" i="0" u="none" strike="noStrike">
+                        <a:solidFill>
+                          <a:srgbClr val="000000"/>
+                        </a:solidFill>
+                        <a:effectLst/>
+                        <a:latin typeface="Calibri" panose="020F0502020204030204" pitchFamily="34" charset="0"/>
+                      </a:endParaRPr>
+                    </a:p>
+                  </a:txBody>
+                  <a:tcPr marL="7620" marR="7620" marT="7620" marB="0" anchor="ctr"/>
+                </a:tc>
+                <a:extLst>
+                  <a:ext uri="{0D108BD9-81ED-4DB2-BD59-A6C34878D82A}">
+                    <a16:rowId xmlns:a16="http://schemas.microsoft.com/office/drawing/2014/main" val="2159790473"/>
+                  </a:ext>
+                </a:extLst>
+              </a:tr>
+              <a:tr h="381000">
+                <a:tc vMerge="1">
+                  <a:txBody>
+                    <a:bodyPr/>
+                    <a:lstStyle/>
+                    <a:p>
+                      <a:endParaRPr lang="en-US"/>
+                    </a:p>
+                  </a:txBody>
+                  <a:tcPr/>
+                </a:tc>
+                <a:tc vMerge="1">
+                  <a:txBody>
+                    <a:bodyPr/>
+                    <a:lstStyle/>
+                    <a:p>
+                      <a:endParaRPr lang="en-US"/>
+                    </a:p>
+                  </a:txBody>
+                  <a:tcPr/>
+                </a:tc>
+                <a:tc>
+                  <a:txBody>
+                    <a:bodyPr/>
+                    <a:lstStyle/>
+                    <a:p>
+                      <a:pPr algn="l" fontAlgn="ctr"/>
+                      <a:r>
+                        <a:rPr lang="en-US" sz="1100" u="none" strike="noStrike">
+                          <a:effectLst/>
+                        </a:rPr>
+                        <a:t>silhouette</a:t>
+                      </a:r>
+                      <a:endParaRPr lang="en-US" sz="1100" b="0" i="0" u="none" strike="noStrike">
+                        <a:solidFill>
+                          <a:srgbClr val="000000"/>
+                        </a:solidFill>
+                        <a:effectLst/>
+                        <a:latin typeface="Calibri" panose="020F0502020204030204" pitchFamily="34" charset="0"/>
+                      </a:endParaRPr>
+                    </a:p>
+                  </a:txBody>
+                  <a:tcPr marL="7620" marR="7620" marT="7620" marB="0" anchor="ctr"/>
+                </a:tc>
+                <a:tc>
+                  <a:txBody>
+                    <a:bodyPr/>
+                    <a:lstStyle/>
+                    <a:p>
+                      <a:pPr algn="ctr" fontAlgn="ctr"/>
+                      <a:r>
+                        <a:rPr lang="en-US" sz="1100" u="none" strike="noStrike">
+                          <a:effectLst/>
+                        </a:rPr>
+                        <a:t>0.130021</a:t>
+                      </a:r>
+                      <a:endParaRPr lang="en-US" sz="1100" b="0" i="0" u="none" strike="noStrike">
+                        <a:solidFill>
+                          <a:srgbClr val="000000"/>
+                        </a:solidFill>
+                        <a:effectLst/>
+                        <a:latin typeface="Calibri" panose="020F0502020204030204" pitchFamily="34" charset="0"/>
+                      </a:endParaRPr>
+                    </a:p>
+                  </a:txBody>
+                  <a:tcPr marL="7620" marR="7620" marT="7620" marB="0" anchor="ctr"/>
+                </a:tc>
+                <a:tc>
+                  <a:txBody>
+                    <a:bodyPr/>
+                    <a:lstStyle/>
+                    <a:p>
+                      <a:pPr algn="ctr" fontAlgn="ctr"/>
+                      <a:r>
+                        <a:rPr lang="en-US" sz="1100" u="none" strike="noStrike">
+                          <a:effectLst/>
+                        </a:rPr>
+                        <a:t>0.399960</a:t>
+                      </a:r>
+                      <a:endParaRPr lang="en-US" sz="1100" b="0" i="0" u="none" strike="noStrike">
+                        <a:solidFill>
+                          <a:srgbClr val="000000"/>
+                        </a:solidFill>
+                        <a:effectLst/>
+                        <a:latin typeface="Calibri" panose="020F0502020204030204" pitchFamily="34" charset="0"/>
+                      </a:endParaRPr>
+                    </a:p>
+                  </a:txBody>
+                  <a:tcPr marL="7620" marR="7620" marT="7620" marB="0" anchor="ctr"/>
+                </a:tc>
+                <a:tc>
+                  <a:txBody>
+                    <a:bodyPr/>
+                    <a:lstStyle/>
+                    <a:p>
+                      <a:pPr algn="ctr" fontAlgn="ctr"/>
+                      <a:r>
+                        <a:rPr lang="en-US" sz="1100" u="none" strike="noStrike">
+                          <a:effectLst/>
+                        </a:rPr>
+                        <a:t>0.634935</a:t>
+                      </a:r>
+                      <a:endParaRPr lang="en-US" sz="1100" b="0" i="0" u="none" strike="noStrike">
+                        <a:solidFill>
+                          <a:srgbClr val="000000"/>
+                        </a:solidFill>
+                        <a:effectLst/>
+                        <a:latin typeface="Calibri" panose="020F0502020204030204" pitchFamily="34" charset="0"/>
+                      </a:endParaRPr>
+                    </a:p>
+                  </a:txBody>
+                  <a:tcPr marL="7620" marR="7620" marT="7620" marB="0" anchor="ctr"/>
+                </a:tc>
+                <a:tc>
+                  <a:txBody>
+                    <a:bodyPr/>
+                    <a:lstStyle/>
+                    <a:p>
+                      <a:pPr algn="ctr" fontAlgn="ctr"/>
+                      <a:r>
+                        <a:rPr lang="en-US" sz="1100" u="none" strike="noStrike" dirty="0">
+                          <a:effectLst/>
+                        </a:rPr>
+                        <a:t>0.006387</a:t>
+                      </a:r>
+                      <a:endParaRPr lang="en-US" sz="1100" b="0" i="0" u="none" strike="noStrike" dirty="0">
+                        <a:solidFill>
+                          <a:srgbClr val="000000"/>
+                        </a:solidFill>
+                        <a:effectLst/>
+                        <a:latin typeface="Calibri" panose="020F0502020204030204" pitchFamily="34" charset="0"/>
+                      </a:endParaRPr>
+                    </a:p>
+                  </a:txBody>
+                  <a:tcPr marL="7620" marR="7620" marT="7620" marB="0" anchor="ctr"/>
+                </a:tc>
+                <a:extLst>
+                  <a:ext uri="{0D108BD9-81ED-4DB2-BD59-A6C34878D82A}">
+                    <a16:rowId xmlns:a16="http://schemas.microsoft.com/office/drawing/2014/main" val="896975095"/>
+                  </a:ext>
+                </a:extLst>
+              </a:tr>
+            </a:tbl>
+          </a:graphicData>
+        </a:graphic>
+      </p:graphicFrame>
+      <p:sp>
+        <p:nvSpPr>
+          <p:cNvPr id="12" name="Espace réservé du contenu 2">
+            <a:extLst>
+              <a:ext uri="{FF2B5EF4-FFF2-40B4-BE49-F238E27FC236}">
+                <a16:creationId xmlns:a16="http://schemas.microsoft.com/office/drawing/2014/main" id="{34FE5D38-C5E9-4E50-8C72-17279CB5B6A2}"/>
+              </a:ext>
+            </a:extLst>
+          </p:cNvPr>
+          <p:cNvSpPr txBox="1">
+            <a:spLocks/>
+          </p:cNvSpPr>
+          <p:nvPr/>
+        </p:nvSpPr>
+        <p:spPr>
+          <a:xfrm>
+            <a:off x="87765" y="3970649"/>
+            <a:ext cx="11342236" cy="1407459"/>
+          </a:xfrm>
+          <a:prstGeom prst="rect">
+            <a:avLst/>
+          </a:prstGeom>
+          <a:effectLst>
+            <a:outerShdw blurRad="50800" dir="14400000">
+              <a:srgbClr val="000000">
+                <a:alpha val="40000"/>
+              </a:srgbClr>
+            </a:outerShdw>
+          </a:effectLst>
+        </p:spPr>
+        <p:txBody>
+          <a:bodyPr vert="horz" lIns="91440" tIns="45720" rIns="91440" bIns="45720" rtlCol="0" anchor="ctr">
+            <a:normAutofit/>
+          </a:bodyPr>
+          <a:lstStyle>
+            <a:lvl1pPr marL="342900" indent="-342900" algn="l" defTabSz="457200" rtl="0" eaLnBrk="1" latinLnBrk="0" hangingPunct="1">
+              <a:spcBef>
+                <a:spcPct val="20000"/>
+              </a:spcBef>
+              <a:spcAft>
+                <a:spcPts val="600"/>
+              </a:spcAft>
+              <a:buClr>
+                <a:schemeClr val="accent1"/>
+              </a:buClr>
+              <a:buFont typeface="Wingdings 2" charset="2"/>
+              <a:buChar char=""/>
+              <a:defRPr sz="1800" kern="1200">
+                <a:solidFill>
+                  <a:schemeClr val="tx1"/>
+                </a:solidFill>
+                <a:latin typeface="+mn-lt"/>
+                <a:ea typeface="+mn-ea"/>
+                <a:cs typeface="+mn-cs"/>
+              </a:defRPr>
+            </a:lvl1pPr>
+            <a:lvl2pPr marL="742950" indent="-285750" algn="l" defTabSz="457200" rtl="0" eaLnBrk="1" latinLnBrk="0" hangingPunct="1">
+              <a:spcBef>
+                <a:spcPct val="20000"/>
+              </a:spcBef>
+              <a:spcAft>
+                <a:spcPts val="600"/>
+              </a:spcAft>
+              <a:buClr>
+                <a:schemeClr val="accent1"/>
+              </a:buClr>
+              <a:buFont typeface="Wingdings 2" charset="2"/>
+              <a:buChar char=""/>
+              <a:defRPr sz="1600" kern="1200">
+                <a:solidFill>
+                  <a:schemeClr val="tx1"/>
+                </a:solidFill>
+                <a:latin typeface="+mn-lt"/>
+                <a:ea typeface="+mn-ea"/>
+                <a:cs typeface="+mn-cs"/>
+              </a:defRPr>
+            </a:lvl2pPr>
+            <a:lvl3pPr marL="1143000" indent="-228600" algn="l" defTabSz="457200" rtl="0" eaLnBrk="1" latinLnBrk="0" hangingPunct="1">
+              <a:spcBef>
+                <a:spcPct val="20000"/>
+              </a:spcBef>
+              <a:spcAft>
+                <a:spcPts val="600"/>
+              </a:spcAft>
+              <a:buClr>
+                <a:schemeClr val="accent1"/>
+              </a:buClr>
+              <a:buFont typeface="Wingdings 2" charset="2"/>
+              <a:buChar char=""/>
+              <a:defRPr sz="1400" kern="1200">
+                <a:solidFill>
+                  <a:schemeClr val="tx1"/>
+                </a:solidFill>
+                <a:latin typeface="+mn-lt"/>
+                <a:ea typeface="+mn-ea"/>
+                <a:cs typeface="+mn-cs"/>
+              </a:defRPr>
+            </a:lvl3pPr>
+            <a:lvl4pPr marL="1600200" indent="-228600" algn="l" defTabSz="457200" rtl="0" eaLnBrk="1" latinLnBrk="0" hangingPunct="1">
+              <a:spcBef>
+                <a:spcPct val="20000"/>
+              </a:spcBef>
+              <a:spcAft>
+                <a:spcPts val="600"/>
+              </a:spcAft>
+              <a:buClr>
+                <a:schemeClr val="accent1"/>
+              </a:buClr>
+              <a:buFont typeface="Wingdings 2" charset="2"/>
+              <a:buChar char=""/>
+              <a:defRPr sz="1200" kern="1200">
+                <a:solidFill>
+                  <a:schemeClr val="tx1"/>
+                </a:solidFill>
+                <a:latin typeface="+mn-lt"/>
+                <a:ea typeface="+mn-ea"/>
+                <a:cs typeface="+mn-cs"/>
+              </a:defRPr>
+            </a:lvl4pPr>
+            <a:lvl5pPr marL="2057400" indent="-228600" algn="l" defTabSz="457200" rtl="0" eaLnBrk="1" latinLnBrk="0" hangingPunct="1">
+              <a:spcBef>
+                <a:spcPct val="20000"/>
+              </a:spcBef>
+              <a:spcAft>
+                <a:spcPts val="600"/>
+              </a:spcAft>
+              <a:buClr>
+                <a:schemeClr val="accent1"/>
+              </a:buClr>
+              <a:buFont typeface="Wingdings 2" charset="2"/>
+              <a:buChar char=""/>
+              <a:defRPr sz="1200" kern="1200">
+                <a:solidFill>
+                  <a:schemeClr val="tx1"/>
+                </a:solidFill>
+                <a:latin typeface="+mn-lt"/>
+                <a:ea typeface="+mn-ea"/>
+                <a:cs typeface="+mn-cs"/>
+              </a:defRPr>
+            </a:lvl5pPr>
+            <a:lvl6pPr marL="2400000" indent="-228600" algn="l" defTabSz="457200" rtl="0" eaLnBrk="1" latinLnBrk="0" hangingPunct="1">
+              <a:spcBef>
+                <a:spcPct val="20000"/>
+              </a:spcBef>
+              <a:spcAft>
+                <a:spcPts val="600"/>
+              </a:spcAft>
+              <a:buClr>
+                <a:schemeClr val="accent1"/>
+              </a:buClr>
+              <a:buFont typeface="Wingdings 2" charset="2"/>
+              <a:buChar char=""/>
+              <a:defRPr sz="1200" kern="1200">
+                <a:solidFill>
+                  <a:schemeClr val="tx1"/>
+                </a:solidFill>
+                <a:latin typeface="+mn-lt"/>
+                <a:ea typeface="+mn-ea"/>
+                <a:cs typeface="+mn-cs"/>
+              </a:defRPr>
+            </a:lvl6pPr>
+            <a:lvl7pPr marL="2800000" indent="-228600" algn="l" defTabSz="457200" rtl="0" eaLnBrk="1" latinLnBrk="0" hangingPunct="1">
+              <a:spcBef>
+                <a:spcPct val="20000"/>
+              </a:spcBef>
+              <a:spcAft>
+                <a:spcPts val="600"/>
+              </a:spcAft>
+              <a:buClr>
+                <a:schemeClr val="accent1"/>
+              </a:buClr>
+              <a:buFont typeface="Wingdings 2" charset="2"/>
+              <a:buChar char=""/>
+              <a:defRPr sz="1200" kern="1200">
+                <a:solidFill>
+                  <a:schemeClr val="tx1"/>
+                </a:solidFill>
+                <a:latin typeface="+mn-lt"/>
+                <a:ea typeface="+mn-ea"/>
+                <a:cs typeface="+mn-cs"/>
+              </a:defRPr>
+            </a:lvl7pPr>
+            <a:lvl8pPr marL="3200000" indent="-228600" algn="l" defTabSz="457200" rtl="0" eaLnBrk="1" latinLnBrk="0" hangingPunct="1">
+              <a:spcBef>
+                <a:spcPct val="20000"/>
+              </a:spcBef>
+              <a:spcAft>
+                <a:spcPts val="600"/>
+              </a:spcAft>
+              <a:buClr>
+                <a:schemeClr val="accent1"/>
+              </a:buClr>
+              <a:buFont typeface="Wingdings 2" charset="2"/>
+              <a:buChar char=""/>
+              <a:defRPr sz="1200" kern="1200">
+                <a:solidFill>
+                  <a:schemeClr val="tx1"/>
+                </a:solidFill>
+                <a:latin typeface="+mn-lt"/>
+                <a:ea typeface="+mn-ea"/>
+                <a:cs typeface="+mn-cs"/>
+              </a:defRPr>
+            </a:lvl8pPr>
+            <a:lvl9pPr marL="3600000" indent="-228600" algn="l" defTabSz="457200" rtl="0" eaLnBrk="1" latinLnBrk="0" hangingPunct="1">
+              <a:spcBef>
+                <a:spcPct val="20000"/>
+              </a:spcBef>
+              <a:spcAft>
+                <a:spcPts val="600"/>
+              </a:spcAft>
+              <a:buClr>
+                <a:schemeClr val="accent1"/>
+              </a:buClr>
+              <a:buFont typeface="Wingdings 2" charset="2"/>
+              <a:buChar char=""/>
+              <a:defRPr sz="1200" kern="1200">
+                <a:solidFill>
+                  <a:schemeClr val="tx1"/>
+                </a:solidFill>
+                <a:latin typeface="+mn-lt"/>
+                <a:ea typeface="+mn-ea"/>
+                <a:cs typeface="+mn-cs"/>
+              </a:defRPr>
+            </a:lvl9pPr>
+          </a:lstStyle>
+          <a:p>
+            <a:r>
+              <a:rPr lang="fr-FR" dirty="0" err="1"/>
+              <a:t>Alternate</a:t>
+            </a:r>
+            <a:r>
+              <a:rPr lang="fr-FR" dirty="0"/>
+              <a:t> set of technique can </a:t>
+            </a:r>
+            <a:r>
+              <a:rPr lang="fr-FR" dirty="0" err="1"/>
+              <a:t>be</a:t>
+            </a:r>
+            <a:r>
+              <a:rPr lang="fr-FR" dirty="0"/>
+              <a:t> </a:t>
+            </a:r>
+            <a:r>
+              <a:rPr lang="fr-FR" dirty="0" err="1"/>
+              <a:t>found</a:t>
+            </a:r>
+            <a:r>
+              <a:rPr lang="fr-FR" dirty="0"/>
+              <a:t> </a:t>
+            </a:r>
+            <a:r>
+              <a:rPr lang="fr-FR" dirty="0" err="1"/>
+              <a:t>with</a:t>
+            </a:r>
+            <a:r>
+              <a:rPr lang="fr-FR" dirty="0"/>
+              <a:t> K-</a:t>
+            </a:r>
+            <a:r>
+              <a:rPr lang="fr-FR" dirty="0" err="1"/>
+              <a:t>Means</a:t>
+            </a:r>
+            <a:r>
+              <a:rPr lang="fr-FR" dirty="0"/>
+              <a:t> extensions K-Modes (or </a:t>
+            </a:r>
+            <a:r>
+              <a:rPr lang="fr-FR" dirty="0" err="1"/>
+              <a:t>even</a:t>
+            </a:r>
+            <a:r>
+              <a:rPr lang="fr-FR" dirty="0"/>
+              <a:t> K-Prototype)</a:t>
+            </a:r>
+          </a:p>
+          <a:p>
+            <a:r>
+              <a:rPr lang="fr-FR" dirty="0"/>
+              <a:t>This case, </a:t>
+            </a:r>
+            <a:r>
+              <a:rPr lang="fr-FR" dirty="0" err="1"/>
+              <a:t>we</a:t>
+            </a:r>
+            <a:r>
+              <a:rPr lang="fr-FR" dirty="0"/>
+              <a:t> can </a:t>
+            </a:r>
+            <a:r>
+              <a:rPr lang="fr-FR" dirty="0" err="1"/>
+              <a:t>assert</a:t>
+            </a:r>
+            <a:r>
+              <a:rPr lang="fr-FR" dirty="0"/>
+              <a:t> action </a:t>
+            </a:r>
+            <a:r>
+              <a:rPr lang="fr-FR" dirty="0" err="1"/>
+              <a:t>from</a:t>
+            </a:r>
+            <a:r>
+              <a:rPr lang="fr-FR" dirty="0"/>
+              <a:t> mixed inputs types</a:t>
+            </a:r>
+          </a:p>
+          <a:p>
+            <a:r>
+              <a:rPr lang="fr-FR" dirty="0"/>
+              <a:t>Silhouette Score loose </a:t>
+            </a:r>
+            <a:r>
+              <a:rPr lang="fr-FR" dirty="0" err="1"/>
+              <a:t>its</a:t>
+            </a:r>
+            <a:r>
+              <a:rPr lang="fr-FR" dirty="0"/>
+              <a:t> </a:t>
+            </a:r>
+            <a:r>
+              <a:rPr lang="fr-FR" dirty="0" err="1"/>
+              <a:t>interest</a:t>
+            </a:r>
+            <a:endParaRPr lang="fr-FR" dirty="0"/>
+          </a:p>
+        </p:txBody>
+      </p:sp>
+    </p:spTree>
+    <p:extLst>
+      <p:ext uri="{BB962C8B-B14F-4D97-AF65-F5344CB8AC3E}">
+        <p14:creationId xmlns:p14="http://schemas.microsoft.com/office/powerpoint/2010/main" val="3256530443"/>
+      </p:ext>
+    </p:extLst>
+  </p:cSld>
+  <p:clrMapOvr>
+    <a:masterClrMapping/>
+  </p:clrMapOvr>
+</p:sld>
+</file>
+
+<file path=ppt/slides/slide11.xml><?xml version="1.0" encoding="utf-8"?>
+<p:sld xmlns:a="http://schemas.openxmlformats.org/drawingml/2006/main" xmlns:r="http://schemas.openxmlformats.org/officeDocument/2006/relationships" xmlns:p="http://schemas.openxmlformats.org/presentationml/2006/main">
+  <p:cSld>
+    <p:spTree>
+      <p:nvGrpSpPr>
+        <p:cNvPr id="1" name=""/>
+        <p:cNvGrpSpPr/>
+        <p:nvPr/>
+      </p:nvGrpSpPr>
+      <p:grpSpPr>
+        <a:xfrm>
+          <a:off x="0" y="0"/>
+          <a:ext cx="0" cy="0"/>
+          <a:chOff x="0" y="0"/>
+          <a:chExt cx="0" cy="0"/>
+        </a:xfrm>
+      </p:grpSpPr>
+      <p:sp>
+        <p:nvSpPr>
+          <p:cNvPr id="2" name="Titre 1">
+            <a:extLst>
+              <a:ext uri="{FF2B5EF4-FFF2-40B4-BE49-F238E27FC236}">
                 <a16:creationId xmlns:a16="http://schemas.microsoft.com/office/drawing/2014/main" id="{1C1F4F0F-44C5-48E6-9D4B-913A4451E53F}"/>
               </a:ext>
             </a:extLst>
@@ -8225,7 +9865,7 @@
 </p:sld>
 </file>
 
-<file path=ppt/slides/slide11.xml><?xml version="1.0" encoding="utf-8"?>
+<file path=ppt/slides/slide12.xml><?xml version="1.0" encoding="utf-8"?>
 <p:sld xmlns:a="http://schemas.openxmlformats.org/drawingml/2006/main" xmlns:r="http://schemas.openxmlformats.org/officeDocument/2006/relationships" xmlns:p="http://schemas.openxmlformats.org/presentationml/2006/main">
   <p:cSld>
     <p:spTree>
@@ -8272,6 +9912,10 @@
               <a:rPr lang="fr-FR" dirty="0" err="1"/>
               <a:t>Actionability</a:t>
             </a:r>
+            <a:r>
+              <a:rPr lang="fr-FR" dirty="0"/>
+              <a:t> (1/3)</a:t>
+            </a:r>
             <a:br>
               <a:rPr lang="fr-FR" dirty="0"/>
             </a:br>
@@ -8512,36 +10156,6 @@
           </a:p>
         </p:txBody>
       </p:sp>
-      <p:pic>
-        <p:nvPicPr>
-          <p:cNvPr id="5" name="Image 4">
-            <a:extLst>
-              <a:ext uri="{FF2B5EF4-FFF2-40B4-BE49-F238E27FC236}">
-                <a16:creationId xmlns:a16="http://schemas.microsoft.com/office/drawing/2014/main" id="{21629247-6381-48E4-AC4F-2583B7C5E3BE}"/>
-              </a:ext>
-            </a:extLst>
-          </p:cNvPr>
-          <p:cNvPicPr>
-            <a:picLocks noChangeAspect="1"/>
-          </p:cNvPicPr>
-          <p:nvPr/>
-        </p:nvPicPr>
-        <p:blipFill>
-          <a:blip r:embed="rId3"/>
-          <a:stretch>
-            <a:fillRect/>
-          </a:stretch>
-        </p:blipFill>
-        <p:spPr>
-          <a:xfrm>
-            <a:off x="-590830" y="0"/>
-            <a:ext cx="2880988" cy="1649018"/>
-          </a:xfrm>
-          <a:prstGeom prst="rect">
-            <a:avLst/>
-          </a:prstGeom>
-        </p:spPr>
-      </p:pic>
       <p:sp>
         <p:nvSpPr>
           <p:cNvPr id="8" name="Rectangle 7">
@@ -9116,7 +10730,7 @@
         </p:nvGrpSpPr>
         <p:grpSpPr>
           <a:xfrm>
-            <a:off x="6295069" y="2284931"/>
+            <a:off x="6286586" y="2380875"/>
             <a:ext cx="1037315" cy="686474"/>
             <a:chOff x="8556674" y="2227061"/>
             <a:chExt cx="1268958" cy="812981"/>
@@ -9137,7 +10751,7 @@
             <p:nvPr/>
           </p:nvPicPr>
           <p:blipFill>
-            <a:blip r:embed="rId4"/>
+            <a:blip r:embed="rId3"/>
             <a:stretch>
               <a:fillRect/>
             </a:stretch>
@@ -9463,7 +11077,7 @@
           <p:nvPr/>
         </p:nvPicPr>
         <p:blipFill>
-          <a:blip r:embed="rId5"/>
+          <a:blip r:embed="rId4"/>
           <a:stretch>
             <a:fillRect/>
           </a:stretch>
@@ -9493,14 +11107,14 @@
           <p:nvPr/>
         </p:nvPicPr>
         <p:blipFill>
-          <a:blip r:embed="rId6"/>
+          <a:blip r:embed="rId5"/>
           <a:stretch>
             <a:fillRect/>
           </a:stretch>
         </p:blipFill>
         <p:spPr>
           <a:xfrm>
-            <a:off x="10522226" y="2231407"/>
+            <a:off x="10519743" y="2243562"/>
             <a:ext cx="1388827" cy="989739"/>
           </a:xfrm>
           <a:prstGeom prst="rect">
@@ -9524,8 +11138,8 @@
         </p:nvSpPr>
         <p:spPr>
           <a:xfrm>
-            <a:off x="9493328" y="2357603"/>
-            <a:ext cx="1098886" cy="341643"/>
+            <a:off x="9470765" y="2098584"/>
+            <a:ext cx="1098886" cy="772845"/>
           </a:xfrm>
           <a:prstGeom prst="rect">
             <a:avLst/>
@@ -9740,7 +11354,7 @@
             </a:pPr>
             <a:r>
               <a:rPr lang="fr-FR" sz="1200" b="1" dirty="0"/>
-              <a:t>Goal : </a:t>
+              <a:t>Goal: </a:t>
             </a:r>
             <a:r>
               <a:rPr lang="fr-FR" sz="1200" b="1" dirty="0" err="1"/>
@@ -10022,7 +11636,7 @@
           <p:nvPr/>
         </p:nvPicPr>
         <p:blipFill>
-          <a:blip r:embed="rId7"/>
+          <a:blip r:embed="rId6"/>
           <a:stretch>
             <a:fillRect/>
           </a:stretch>
@@ -10052,7 +11666,7 @@
           <p:nvPr/>
         </p:nvPicPr>
         <p:blipFill>
-          <a:blip r:embed="rId8"/>
+          <a:blip r:embed="rId7"/>
           <a:stretch>
             <a:fillRect/>
           </a:stretch>
@@ -10082,7 +11696,7 @@
           <p:nvPr/>
         </p:nvPicPr>
         <p:blipFill>
-          <a:blip r:embed="rId9"/>
+          <a:blip r:embed="rId8"/>
           <a:stretch>
             <a:fillRect/>
           </a:stretch>
@@ -10112,7 +11726,7 @@
           <p:nvPr/>
         </p:nvPicPr>
         <p:blipFill>
-          <a:blip r:embed="rId10"/>
+          <a:blip r:embed="rId9"/>
           <a:stretch>
             <a:fillRect/>
           </a:stretch>
@@ -10142,7 +11756,7 @@
           <p:nvPr/>
         </p:nvPicPr>
         <p:blipFill>
-          <a:blip r:embed="rId11"/>
+          <a:blip r:embed="rId10"/>
           <a:stretch>
             <a:fillRect/>
           </a:stretch>
@@ -10172,7 +11786,7 @@
           <p:nvPr/>
         </p:nvPicPr>
         <p:blipFill>
-          <a:blip r:embed="rId12"/>
+          <a:blip r:embed="rId11"/>
           <a:stretch>
             <a:fillRect/>
           </a:stretch>
@@ -10187,299 +11801,36 @@
           </a:prstGeom>
         </p:spPr>
       </p:pic>
-      <p:sp>
-        <p:nvSpPr>
-          <p:cNvPr id="37" name="Espace réservé du contenu 2">
+      <p:pic>
+        <p:nvPicPr>
+          <p:cNvPr id="4" name="Image 3">
             <a:extLst>
               <a:ext uri="{FF2B5EF4-FFF2-40B4-BE49-F238E27FC236}">
-                <a16:creationId xmlns:a16="http://schemas.microsoft.com/office/drawing/2014/main" id="{CD9E364A-2178-4762-9361-DD02C4861ACA}"/>
+                <a16:creationId xmlns:a16="http://schemas.microsoft.com/office/drawing/2014/main" id="{65AD38C1-3B32-4426-9DE6-7809DB933253}"/>
               </a:ext>
             </a:extLst>
           </p:cNvPr>
-          <p:cNvSpPr txBox="1">
-            <a:spLocks/>
-          </p:cNvSpPr>
+          <p:cNvPicPr>
+            <a:picLocks noChangeAspect="1"/>
+          </p:cNvPicPr>
           <p:nvPr/>
-        </p:nvSpPr>
+        </p:nvPicPr>
+        <p:blipFill>
+          <a:blip r:embed="rId12"/>
+          <a:stretch>
+            <a:fillRect/>
+          </a:stretch>
+        </p:blipFill>
         <p:spPr>
           <a:xfrm>
-            <a:off x="4492063" y="6097331"/>
-            <a:ext cx="3128387" cy="341643"/>
+            <a:off x="195284" y="118714"/>
+            <a:ext cx="1904823" cy="1428617"/>
           </a:xfrm>
           <a:prstGeom prst="rect">
             <a:avLst/>
           </a:prstGeom>
-          <a:effectLst>
-            <a:outerShdw blurRad="50800" dir="14400000">
-              <a:srgbClr val="000000">
-                <a:alpha val="40000"/>
-              </a:srgbClr>
-            </a:outerShdw>
-          </a:effectLst>
         </p:spPr>
-        <p:txBody>
-          <a:bodyPr vert="horz" lIns="91440" tIns="45720" rIns="91440" bIns="45720" rtlCol="0" anchor="ctr">
-            <a:normAutofit lnSpcReduction="10000"/>
-          </a:bodyPr>
-          <a:lstStyle>
-            <a:lvl1pPr marL="342900" indent="-342900" algn="l" defTabSz="457200" rtl="0" eaLnBrk="1" latinLnBrk="0" hangingPunct="1">
-              <a:spcBef>
-                <a:spcPct val="20000"/>
-              </a:spcBef>
-              <a:spcAft>
-                <a:spcPts val="600"/>
-              </a:spcAft>
-              <a:buClr>
-                <a:schemeClr val="accent1"/>
-              </a:buClr>
-              <a:buFont typeface="Wingdings 2" charset="2"/>
-              <a:buChar char=""/>
-              <a:defRPr sz="1800" kern="1200">
-                <a:solidFill>
-                  <a:schemeClr val="tx1"/>
-                </a:solidFill>
-                <a:latin typeface="+mn-lt"/>
-                <a:ea typeface="+mn-ea"/>
-                <a:cs typeface="+mn-cs"/>
-              </a:defRPr>
-            </a:lvl1pPr>
-            <a:lvl2pPr marL="742950" indent="-285750" algn="l" defTabSz="457200" rtl="0" eaLnBrk="1" latinLnBrk="0" hangingPunct="1">
-              <a:spcBef>
-                <a:spcPct val="20000"/>
-              </a:spcBef>
-              <a:spcAft>
-                <a:spcPts val="600"/>
-              </a:spcAft>
-              <a:buClr>
-                <a:schemeClr val="accent1"/>
-              </a:buClr>
-              <a:buFont typeface="Wingdings 2" charset="2"/>
-              <a:buChar char=""/>
-              <a:defRPr sz="1600" kern="1200">
-                <a:solidFill>
-                  <a:schemeClr val="tx1"/>
-                </a:solidFill>
-                <a:latin typeface="+mn-lt"/>
-                <a:ea typeface="+mn-ea"/>
-                <a:cs typeface="+mn-cs"/>
-              </a:defRPr>
-            </a:lvl2pPr>
-            <a:lvl3pPr marL="1143000" indent="-228600" algn="l" defTabSz="457200" rtl="0" eaLnBrk="1" latinLnBrk="0" hangingPunct="1">
-              <a:spcBef>
-                <a:spcPct val="20000"/>
-              </a:spcBef>
-              <a:spcAft>
-                <a:spcPts val="600"/>
-              </a:spcAft>
-              <a:buClr>
-                <a:schemeClr val="accent1"/>
-              </a:buClr>
-              <a:buFont typeface="Wingdings 2" charset="2"/>
-              <a:buChar char=""/>
-              <a:defRPr sz="1400" kern="1200">
-                <a:solidFill>
-                  <a:schemeClr val="tx1"/>
-                </a:solidFill>
-                <a:latin typeface="+mn-lt"/>
-                <a:ea typeface="+mn-ea"/>
-                <a:cs typeface="+mn-cs"/>
-              </a:defRPr>
-            </a:lvl3pPr>
-            <a:lvl4pPr marL="1600200" indent="-228600" algn="l" defTabSz="457200" rtl="0" eaLnBrk="1" latinLnBrk="0" hangingPunct="1">
-              <a:spcBef>
-                <a:spcPct val="20000"/>
-              </a:spcBef>
-              <a:spcAft>
-                <a:spcPts val="600"/>
-              </a:spcAft>
-              <a:buClr>
-                <a:schemeClr val="accent1"/>
-              </a:buClr>
-              <a:buFont typeface="Wingdings 2" charset="2"/>
-              <a:buChar char=""/>
-              <a:defRPr sz="1200" kern="1200">
-                <a:solidFill>
-                  <a:schemeClr val="tx1"/>
-                </a:solidFill>
-                <a:latin typeface="+mn-lt"/>
-                <a:ea typeface="+mn-ea"/>
-                <a:cs typeface="+mn-cs"/>
-              </a:defRPr>
-            </a:lvl4pPr>
-            <a:lvl5pPr marL="2057400" indent="-228600" algn="l" defTabSz="457200" rtl="0" eaLnBrk="1" latinLnBrk="0" hangingPunct="1">
-              <a:spcBef>
-                <a:spcPct val="20000"/>
-              </a:spcBef>
-              <a:spcAft>
-                <a:spcPts val="600"/>
-              </a:spcAft>
-              <a:buClr>
-                <a:schemeClr val="accent1"/>
-              </a:buClr>
-              <a:buFont typeface="Wingdings 2" charset="2"/>
-              <a:buChar char=""/>
-              <a:defRPr sz="1200" kern="1200">
-                <a:solidFill>
-                  <a:schemeClr val="tx1"/>
-                </a:solidFill>
-                <a:latin typeface="+mn-lt"/>
-                <a:ea typeface="+mn-ea"/>
-                <a:cs typeface="+mn-cs"/>
-              </a:defRPr>
-            </a:lvl5pPr>
-            <a:lvl6pPr marL="2400000" indent="-228600" algn="l" defTabSz="457200" rtl="0" eaLnBrk="1" latinLnBrk="0" hangingPunct="1">
-              <a:spcBef>
-                <a:spcPct val="20000"/>
-              </a:spcBef>
-              <a:spcAft>
-                <a:spcPts val="600"/>
-              </a:spcAft>
-              <a:buClr>
-                <a:schemeClr val="accent1"/>
-              </a:buClr>
-              <a:buFont typeface="Wingdings 2" charset="2"/>
-              <a:buChar char=""/>
-              <a:defRPr sz="1200" kern="1200">
-                <a:solidFill>
-                  <a:schemeClr val="tx1"/>
-                </a:solidFill>
-                <a:latin typeface="+mn-lt"/>
-                <a:ea typeface="+mn-ea"/>
-                <a:cs typeface="+mn-cs"/>
-              </a:defRPr>
-            </a:lvl6pPr>
-            <a:lvl7pPr marL="2800000" indent="-228600" algn="l" defTabSz="457200" rtl="0" eaLnBrk="1" latinLnBrk="0" hangingPunct="1">
-              <a:spcBef>
-                <a:spcPct val="20000"/>
-              </a:spcBef>
-              <a:spcAft>
-                <a:spcPts val="600"/>
-              </a:spcAft>
-              <a:buClr>
-                <a:schemeClr val="accent1"/>
-              </a:buClr>
-              <a:buFont typeface="Wingdings 2" charset="2"/>
-              <a:buChar char=""/>
-              <a:defRPr sz="1200" kern="1200">
-                <a:solidFill>
-                  <a:schemeClr val="tx1"/>
-                </a:solidFill>
-                <a:latin typeface="+mn-lt"/>
-                <a:ea typeface="+mn-ea"/>
-                <a:cs typeface="+mn-cs"/>
-              </a:defRPr>
-            </a:lvl7pPr>
-            <a:lvl8pPr marL="3200000" indent="-228600" algn="l" defTabSz="457200" rtl="0" eaLnBrk="1" latinLnBrk="0" hangingPunct="1">
-              <a:spcBef>
-                <a:spcPct val="20000"/>
-              </a:spcBef>
-              <a:spcAft>
-                <a:spcPts val="600"/>
-              </a:spcAft>
-              <a:buClr>
-                <a:schemeClr val="accent1"/>
-              </a:buClr>
-              <a:buFont typeface="Wingdings 2" charset="2"/>
-              <a:buChar char=""/>
-              <a:defRPr sz="1200" kern="1200">
-                <a:solidFill>
-                  <a:schemeClr val="tx1"/>
-                </a:solidFill>
-                <a:latin typeface="+mn-lt"/>
-                <a:ea typeface="+mn-ea"/>
-                <a:cs typeface="+mn-cs"/>
-              </a:defRPr>
-            </a:lvl8pPr>
-            <a:lvl9pPr marL="3600000" indent="-228600" algn="l" defTabSz="457200" rtl="0" eaLnBrk="1" latinLnBrk="0" hangingPunct="1">
-              <a:spcBef>
-                <a:spcPct val="20000"/>
-              </a:spcBef>
-              <a:spcAft>
-                <a:spcPts val="600"/>
-              </a:spcAft>
-              <a:buClr>
-                <a:schemeClr val="accent1"/>
-              </a:buClr>
-              <a:buFont typeface="Wingdings 2" charset="2"/>
-              <a:buChar char=""/>
-              <a:defRPr sz="1200" kern="1200">
-                <a:solidFill>
-                  <a:schemeClr val="tx1"/>
-                </a:solidFill>
-                <a:latin typeface="+mn-lt"/>
-                <a:ea typeface="+mn-ea"/>
-                <a:cs typeface="+mn-cs"/>
-              </a:defRPr>
-            </a:lvl9pPr>
-          </a:lstStyle>
-          <a:p>
-            <a:pPr>
-              <a:buFont typeface="Wingdings" panose="05000000000000000000" pitchFamily="2" charset="2"/>
-              <a:buChar char="Ø"/>
-            </a:pPr>
-            <a:r>
-              <a:rPr lang="fr-FR" sz="900" b="1" dirty="0"/>
-              <a:t>Watch for an </a:t>
-            </a:r>
-            <a:r>
-              <a:rPr lang="fr-FR" sz="900" b="1" dirty="0" err="1"/>
-              <a:t>unbalanced</a:t>
-            </a:r>
-            <a:r>
-              <a:rPr lang="fr-FR" sz="900" b="1" dirty="0"/>
-              <a:t> </a:t>
-            </a:r>
-            <a:r>
-              <a:rPr lang="fr-FR" sz="900" b="1" dirty="0" err="1"/>
-              <a:t>between</a:t>
-            </a:r>
-            <a:r>
-              <a:rPr lang="fr-FR" sz="900" b="1" dirty="0"/>
-              <a:t> </a:t>
-            </a:r>
-            <a:r>
-              <a:rPr lang="fr-FR" sz="900" b="1" dirty="0" err="1"/>
-              <a:t>products</a:t>
-            </a:r>
-            <a:r>
-              <a:rPr lang="fr-FR" sz="900" b="1" dirty="0"/>
-              <a:t> </a:t>
-            </a:r>
-            <a:r>
-              <a:rPr lang="fr-FR" sz="900" b="1" dirty="0" err="1"/>
-              <a:t>categories</a:t>
-            </a:r>
-            <a:r>
-              <a:rPr lang="fr-FR" sz="900" b="1" dirty="0"/>
-              <a:t>. (</a:t>
-            </a:r>
-            <a:r>
-              <a:rPr lang="fr-FR" sz="900" b="1" dirty="0" err="1"/>
-              <a:t>they</a:t>
-            </a:r>
-            <a:r>
-              <a:rPr lang="fr-FR" sz="900" b="1" dirty="0"/>
-              <a:t> </a:t>
-            </a:r>
-            <a:r>
-              <a:rPr lang="fr-FR" sz="900" b="1" dirty="0" err="1"/>
-              <a:t>buy</a:t>
-            </a:r>
-            <a:r>
-              <a:rPr lang="fr-FR" sz="900" b="1" dirty="0"/>
-              <a:t> the </a:t>
-            </a:r>
-            <a:r>
-              <a:rPr lang="fr-FR" sz="900" b="1" dirty="0" err="1"/>
-              <a:t>same</a:t>
-            </a:r>
-            <a:r>
-              <a:rPr lang="fr-FR" sz="900" b="1" dirty="0"/>
-              <a:t>).</a:t>
-            </a:r>
-          </a:p>
-        </p:txBody>
-      </p:sp>
+      </p:pic>
     </p:spTree>
     <p:extLst>
       <p:ext uri="{BB962C8B-B14F-4D97-AF65-F5344CB8AC3E}">
@@ -10493,7 +11844,7 @@
 </p:sld>
 </file>
 
-<file path=ppt/slides/slide12.xml><?xml version="1.0" encoding="utf-8"?>
+<file path=ppt/slides/slide13.xml><?xml version="1.0" encoding="utf-8"?>
 <p:sld xmlns:a="http://schemas.openxmlformats.org/drawingml/2006/main" xmlns:r="http://schemas.openxmlformats.org/officeDocument/2006/relationships" xmlns:p="http://schemas.openxmlformats.org/presentationml/2006/main">
   <p:cSld>
     <p:spTree>
@@ -10526,12 +11877,36 @@
             <p:ph type="title"/>
           </p:nvPr>
         </p:nvSpPr>
-        <p:spPr/>
+        <p:spPr>
+          <a:xfrm>
+            <a:off x="2100107" y="347797"/>
+            <a:ext cx="9619586" cy="970450"/>
+          </a:xfrm>
+        </p:spPr>
         <p:txBody>
           <a:bodyPr/>
           <a:lstStyle/>
           <a:p>
-            <a:endParaRPr lang="en-US"/>
+            <a:r>
+              <a:rPr lang="fr-FR" dirty="0" err="1"/>
+              <a:t>Actionability</a:t>
+            </a:r>
+            <a:r>
+              <a:rPr lang="fr-FR" dirty="0"/>
+              <a:t> (2/3)</a:t>
+            </a:r>
+            <a:br>
+              <a:rPr lang="fr-FR" dirty="0"/>
+            </a:br>
+            <a:r>
+              <a:rPr lang="fr-FR" dirty="0"/>
+              <a:t>K-Modes </a:t>
+            </a:r>
+            <a:r>
+              <a:rPr lang="fr-FR" dirty="0" err="1"/>
+              <a:t>results</a:t>
+            </a:r>
+            <a:endParaRPr lang="en-US" dirty="0"/>
           </a:p>
         </p:txBody>
       </p:sp>
@@ -10553,7 +11928,7 @@
         </p:nvSpPr>
         <p:spPr>
           <a:xfrm>
-            <a:off x="475812" y="1610744"/>
+            <a:off x="485337" y="1776414"/>
             <a:ext cx="10554574" cy="5128542"/>
           </a:xfrm>
         </p:spPr>
@@ -10564,7 +11939,7 @@
           <a:lstStyle/>
           <a:p>
             <a:r>
-              <a:rPr lang="fr-FR" dirty="0"/>
+              <a:rPr lang="fr-FR" b="1" dirty="0"/>
               <a:t>Cluster 0 : </a:t>
             </a:r>
           </a:p>
@@ -10632,7 +12007,7 @@
           </a:p>
           <a:p>
             <a:r>
-              <a:rPr lang="en-US" dirty="0"/>
+              <a:rPr lang="en-US" b="1" dirty="0"/>
               <a:t>Cluster 1 : </a:t>
             </a:r>
           </a:p>
@@ -10700,7 +12075,7 @@
           </a:p>
           <a:p>
             <a:r>
-              <a:rPr lang="fr-FR" dirty="0"/>
+              <a:rPr lang="fr-FR" b="1" dirty="0"/>
               <a:t>Cluster 2 : </a:t>
             </a:r>
           </a:p>
@@ -11092,7 +12467,7 @@
           </a:p>
           <a:p>
             <a:r>
-              <a:rPr lang="fr-FR" dirty="0"/>
+              <a:rPr lang="fr-FR" b="1" dirty="0"/>
               <a:t>Cluster 3 : </a:t>
             </a:r>
           </a:p>
@@ -11399,26 +12774,29 @@
             <a:endParaRPr lang="fr-FR" dirty="0"/>
           </a:p>
           <a:p>
-            <a:r>
-              <a:rPr lang="fr-FR" dirty="0" err="1"/>
+            <a:pPr marL="0" indent="0">
+              <a:buNone/>
+            </a:pPr>
+            <a:r>
+              <a:rPr lang="fr-FR" b="1" dirty="0" err="1"/>
               <a:t>With</a:t>
             </a:r>
             <a:r>
-              <a:rPr lang="fr-FR" dirty="0"/>
+              <a:rPr lang="fr-FR" b="1" dirty="0"/>
               <a:t> basic goal of sales </a:t>
             </a:r>
             <a:r>
-              <a:rPr lang="fr-FR" dirty="0" err="1"/>
+              <a:rPr lang="fr-FR" b="1" dirty="0" err="1"/>
               <a:t>increase</a:t>
             </a:r>
             <a:r>
-              <a:rPr lang="fr-FR" dirty="0"/>
+              <a:rPr lang="fr-FR" b="1" dirty="0"/>
               <a:t> : </a:t>
             </a:r>
           </a:p>
           <a:p>
             <a:r>
-              <a:rPr lang="fr-FR" dirty="0"/>
+              <a:rPr lang="fr-FR" b="1" dirty="0"/>
               <a:t>Action 1 : </a:t>
             </a:r>
             <a:r>
@@ -11688,7 +13066,7 @@
           </a:p>
           <a:p>
             <a:r>
-              <a:rPr lang="fr-FR" dirty="0"/>
+              <a:rPr lang="fr-FR" b="1" dirty="0"/>
               <a:t>Action 2 : </a:t>
             </a:r>
             <a:r>
@@ -11865,6 +13243,36 @@
           </a:p>
         </p:txBody>
       </p:sp>
+      <p:pic>
+        <p:nvPicPr>
+          <p:cNvPr id="5" name="Image 4">
+            <a:extLst>
+              <a:ext uri="{FF2B5EF4-FFF2-40B4-BE49-F238E27FC236}">
+                <a16:creationId xmlns:a16="http://schemas.microsoft.com/office/drawing/2014/main" id="{E7E16FF5-0DED-4776-AD0C-6FAF6C87834F}"/>
+              </a:ext>
+            </a:extLst>
+          </p:cNvPr>
+          <p:cNvPicPr>
+            <a:picLocks noChangeAspect="1"/>
+          </p:cNvPicPr>
+          <p:nvPr/>
+        </p:nvPicPr>
+        <p:blipFill>
+          <a:blip r:embed="rId2"/>
+          <a:stretch>
+            <a:fillRect/>
+          </a:stretch>
+        </p:blipFill>
+        <p:spPr>
+          <a:xfrm>
+            <a:off x="195284" y="118714"/>
+            <a:ext cx="1904823" cy="1428617"/>
+          </a:xfrm>
+          <a:prstGeom prst="rect">
+            <a:avLst/>
+          </a:prstGeom>
+        </p:spPr>
+      </p:pic>
     </p:spTree>
     <p:extLst>
       <p:ext uri="{BB962C8B-B14F-4D97-AF65-F5344CB8AC3E}">
@@ -11878,7 +13286,7 @@
 </p:sld>
 </file>
 
-<file path=ppt/slides/slide13.xml><?xml version="1.0" encoding="utf-8"?>
+<file path=ppt/slides/slide14.xml><?xml version="1.0" encoding="utf-8"?>
 <p:sld xmlns:a="http://schemas.openxmlformats.org/drawingml/2006/main" xmlns:r="http://schemas.openxmlformats.org/officeDocument/2006/relationships" xmlns:p="http://schemas.openxmlformats.org/presentationml/2006/main">
   <p:cSld>
     <p:spTree>
@@ -11926,224 +13334,6 @@
               <a:t>K-Mode</a:t>
             </a:r>
             <a:endParaRPr lang="en-US" dirty="0"/>
-          </a:p>
-        </p:txBody>
-      </p:sp>
-      <p:sp>
-        <p:nvSpPr>
-          <p:cNvPr id="3" name="Espace réservé du contenu 2">
-            <a:extLst>
-              <a:ext uri="{FF2B5EF4-FFF2-40B4-BE49-F238E27FC236}">
-                <a16:creationId xmlns:a16="http://schemas.microsoft.com/office/drawing/2014/main" id="{AF3CD896-BA35-43A7-8374-BC42C4A24EBB}"/>
-              </a:ext>
-            </a:extLst>
-          </p:cNvPr>
-          <p:cNvSpPr>
-            <a:spLocks noGrp="1"/>
-          </p:cNvSpPr>
-          <p:nvPr>
-            <p:ph idx="1"/>
-          </p:nvPr>
-        </p:nvSpPr>
-        <p:spPr>
-          <a:xfrm>
-            <a:off x="343335" y="1988302"/>
-            <a:ext cx="10554574" cy="2631065"/>
-          </a:xfrm>
-        </p:spPr>
-        <p:txBody>
-          <a:bodyPr>
-            <a:normAutofit fontScale="92500" lnSpcReduction="20000"/>
-          </a:bodyPr>
-          <a:lstStyle/>
-          <a:p>
-            <a:r>
-              <a:rPr lang="fr-FR" dirty="0" err="1"/>
-              <a:t>Idea</a:t>
-            </a:r>
-            <a:r>
-              <a:rPr lang="fr-FR" dirty="0"/>
-              <a:t> </a:t>
-            </a:r>
-            <a:r>
-              <a:rPr lang="fr-FR" dirty="0" err="1"/>
-              <a:t>is</a:t>
-            </a:r>
-            <a:r>
-              <a:rPr lang="fr-FR" dirty="0"/>
-              <a:t> to </a:t>
-            </a:r>
-            <a:r>
-              <a:rPr lang="fr-FR" dirty="0" err="1"/>
-              <a:t>perform</a:t>
-            </a:r>
-            <a:r>
-              <a:rPr lang="fr-FR" dirty="0"/>
-              <a:t> K-Modes technique, </a:t>
-            </a:r>
-            <a:r>
-              <a:rPr lang="fr-FR" dirty="0" err="1"/>
-              <a:t>dedicated</a:t>
-            </a:r>
-            <a:r>
-              <a:rPr lang="fr-FR" dirty="0"/>
-              <a:t> to </a:t>
-            </a:r>
-            <a:r>
-              <a:rPr lang="fr-FR" dirty="0" err="1"/>
-              <a:t>categorical</a:t>
-            </a:r>
-            <a:r>
-              <a:rPr lang="fr-FR" dirty="0"/>
-              <a:t> </a:t>
-            </a:r>
-            <a:r>
-              <a:rPr lang="fr-FR" dirty="0" err="1"/>
-              <a:t>features</a:t>
-            </a:r>
-            <a:r>
-              <a:rPr lang="fr-FR" dirty="0"/>
-              <a:t>, on </a:t>
-            </a:r>
-            <a:r>
-              <a:rPr lang="fr-FR" dirty="0" err="1"/>
-              <a:t>level</a:t>
-            </a:r>
-            <a:r>
-              <a:rPr lang="fr-FR" dirty="0"/>
-              <a:t> </a:t>
-            </a:r>
-            <a:r>
-              <a:rPr lang="fr-FR" dirty="0" err="1"/>
-              <a:t>features</a:t>
-            </a:r>
-            <a:r>
-              <a:rPr lang="fr-FR" dirty="0"/>
-              <a:t>.</a:t>
-            </a:r>
-          </a:p>
-          <a:p>
-            <a:pPr lvl="1"/>
-            <a:r>
-              <a:rPr lang="fr-FR" dirty="0"/>
-              <a:t>Pros : </a:t>
-            </a:r>
-            <a:r>
-              <a:rPr lang="fr-FR" dirty="0" err="1"/>
-              <a:t>get</a:t>
-            </a:r>
-            <a:r>
-              <a:rPr lang="fr-FR" dirty="0"/>
-              <a:t> </a:t>
-            </a:r>
-            <a:r>
-              <a:rPr lang="fr-FR" dirty="0" err="1"/>
-              <a:t>clear</a:t>
-            </a:r>
-            <a:r>
-              <a:rPr lang="fr-FR" dirty="0"/>
-              <a:t> </a:t>
-            </a:r>
-            <a:r>
-              <a:rPr lang="fr-FR" dirty="0" err="1"/>
-              <a:t>centroïd</a:t>
-            </a:r>
-            <a:r>
-              <a:rPr lang="fr-FR" dirty="0"/>
-              <a:t> </a:t>
-            </a:r>
-            <a:r>
-              <a:rPr lang="fr-FR" dirty="0" err="1"/>
-              <a:t>details</a:t>
-            </a:r>
-            <a:r>
-              <a:rPr lang="fr-FR" dirty="0"/>
-              <a:t> and cluster description</a:t>
-            </a:r>
-          </a:p>
-          <a:p>
-            <a:pPr lvl="1"/>
-            <a:r>
-              <a:rPr lang="fr-FR" dirty="0"/>
-              <a:t>Cons : </a:t>
-            </a:r>
-            <a:r>
-              <a:rPr lang="fr-FR" dirty="0" err="1"/>
-              <a:t>consider</a:t>
-            </a:r>
-            <a:r>
-              <a:rPr lang="fr-FR" dirty="0"/>
-              <a:t> ordinal as </a:t>
-            </a:r>
-            <a:r>
-              <a:rPr lang="fr-FR" dirty="0" err="1"/>
-              <a:t>categorical</a:t>
-            </a:r>
-            <a:r>
-              <a:rPr lang="fr-FR" dirty="0"/>
-              <a:t> </a:t>
-            </a:r>
-            <a:r>
-              <a:rPr lang="fr-FR" dirty="0" err="1"/>
-              <a:t>features</a:t>
-            </a:r>
-            <a:r>
-              <a:rPr lang="fr-FR" dirty="0"/>
-              <a:t>, </a:t>
-            </a:r>
-            <a:r>
-              <a:rPr lang="fr-FR" dirty="0" err="1"/>
-              <a:t>losing</a:t>
-            </a:r>
-            <a:r>
-              <a:rPr lang="fr-FR" dirty="0"/>
-              <a:t> the « real » distance </a:t>
-            </a:r>
-            <a:r>
-              <a:rPr lang="fr-FR" dirty="0" err="1"/>
-              <a:t>between</a:t>
-            </a:r>
-            <a:r>
-              <a:rPr lang="fr-FR" dirty="0"/>
-              <a:t> </a:t>
-            </a:r>
-            <a:r>
-              <a:rPr lang="fr-FR" dirty="0" err="1"/>
-              <a:t>levels</a:t>
-            </a:r>
-            <a:endParaRPr lang="en-US" dirty="0"/>
-          </a:p>
-          <a:p>
-            <a:pPr lvl="1"/>
-            <a:r>
-              <a:rPr lang="en-US" dirty="0"/>
-              <a:t>Method : starting with an initial centroids seed, refine clusters by minimizing dissimilarity (Hamming distance from cluster mode).</a:t>
-            </a:r>
-          </a:p>
-          <a:p>
-            <a:pPr lvl="1"/>
-            <a:r>
-              <a:rPr lang="en-US" dirty="0"/>
-              <a:t>! Currently a research topic, to find the most efficient technique.</a:t>
-            </a:r>
-          </a:p>
-          <a:p>
-            <a:pPr lvl="1"/>
-            <a:r>
-              <a:rPr lang="en-US" dirty="0"/>
-              <a:t>Basics : many seeds, few clusters, and of course few features and especially few categories (prevent having too small populated categories)</a:t>
-            </a:r>
-          </a:p>
-          <a:p>
-            <a:pPr lvl="1"/>
-            <a:r>
-              <a:rPr lang="en-US" dirty="0"/>
-              <a:t>Evaluation : the lowest cost gives the best clustering.</a:t>
-            </a:r>
-          </a:p>
-          <a:p>
-            <a:pPr lvl="1"/>
-            <a:endParaRPr lang="fr-FR" dirty="0"/>
           </a:p>
         </p:txBody>
       </p:sp>
@@ -12190,7 +13380,7 @@
 </p:sld>
 </file>
 
-<file path=ppt/slides/slide14.xml><?xml version="1.0" encoding="utf-8"?>
+<file path=ppt/slides/slide15.xml><?xml version="1.0" encoding="utf-8"?>
 <p:sld xmlns:a="http://schemas.openxmlformats.org/drawingml/2006/main" xmlns:r="http://schemas.openxmlformats.org/officeDocument/2006/relationships" xmlns:p="http://schemas.openxmlformats.org/presentationml/2006/main">
   <p:cSld>
     <p:spTree>
@@ -13202,7 +14392,7 @@
 </p:sld>
 </file>
 
-<file path=ppt/slides/slide15.xml><?xml version="1.0" encoding="utf-8"?>
+<file path=ppt/slides/slide16.xml><?xml version="1.0" encoding="utf-8"?>
 <p:sld xmlns:a="http://schemas.openxmlformats.org/drawingml/2006/main" xmlns:r="http://schemas.openxmlformats.org/officeDocument/2006/relationships" xmlns:p="http://schemas.openxmlformats.org/presentationml/2006/main">
   <p:cSld>
     <p:spTree>
@@ -13565,7 +14755,7 @@
 </p:sld>
 </file>
 
-<file path=ppt/slides/slide16.xml><?xml version="1.0" encoding="utf-8"?>
+<file path=ppt/slides/slide17.xml><?xml version="1.0" encoding="utf-8"?>
 <p:sld xmlns:a="http://schemas.openxmlformats.org/drawingml/2006/main" xmlns:r="http://schemas.openxmlformats.org/officeDocument/2006/relationships" xmlns:p="http://schemas.openxmlformats.org/presentationml/2006/main">
   <p:cSld>
     <p:spTree>
@@ -14386,7 +15576,7 @@
 </p:sld>
 </file>
 
-<file path=ppt/slides/slide17.xml><?xml version="1.0" encoding="utf-8"?>
+<file path=ppt/slides/slide18.xml><?xml version="1.0" encoding="utf-8"?>
 <p:sld xmlns:a="http://schemas.openxmlformats.org/drawingml/2006/main" xmlns:r="http://schemas.openxmlformats.org/officeDocument/2006/relationships" xmlns:p="http://schemas.openxmlformats.org/presentationml/2006/main">
   <p:cSld>
     <p:spTree>
@@ -15247,7 +16437,7 @@
 </p:sld>
 </file>
 
-<file path=ppt/slides/slide18.xml><?xml version="1.0" encoding="utf-8"?>
+<file path=ppt/slides/slide19.xml><?xml version="1.0" encoding="utf-8"?>
 <p:sld xmlns:a="http://schemas.openxmlformats.org/drawingml/2006/main" xmlns:r="http://schemas.openxmlformats.org/officeDocument/2006/relationships" xmlns:p="http://schemas.openxmlformats.org/presentationml/2006/main">
   <p:cSld>
     <p:spTree>
@@ -24428,68 +25618,6 @@
       </p:grpSpPr>
       <p:sp>
         <p:nvSpPr>
-          <p:cNvPr id="4" name="Rectangle 3">
-            <a:extLst>
-              <a:ext uri="{FF2B5EF4-FFF2-40B4-BE49-F238E27FC236}">
-                <a16:creationId xmlns:a16="http://schemas.microsoft.com/office/drawing/2014/main" id="{2EAD75B4-A5FA-45B2-8388-04A3E9F672DA}"/>
-              </a:ext>
-            </a:extLst>
-          </p:cNvPr>
-          <p:cNvSpPr/>
-          <p:nvPr/>
-        </p:nvSpPr>
-        <p:spPr>
-          <a:xfrm>
-            <a:off x="101600" y="2683010"/>
-            <a:ext cx="11992440" cy="3282739"/>
-          </a:xfrm>
-          <a:prstGeom prst="rect">
-            <a:avLst/>
-          </a:prstGeom>
-          <a:solidFill>
-            <a:schemeClr val="bg2">
-              <a:lumMod val="75000"/>
-              <a:lumOff val="25000"/>
-            </a:schemeClr>
-          </a:solidFill>
-          <a:ln>
-            <a:noFill/>
-          </a:ln>
-          <a:scene3d>
-            <a:camera prst="orthographicFront"/>
-            <a:lightRig rig="threePt" dir="t"/>
-          </a:scene3d>
-          <a:sp3d>
-            <a:bevelT/>
-          </a:sp3d>
-        </p:spPr>
-        <p:style>
-          <a:lnRef idx="2">
-            <a:schemeClr val="accent1">
-              <a:shade val="50000"/>
-            </a:schemeClr>
-          </a:lnRef>
-          <a:fillRef idx="1">
-            <a:schemeClr val="accent1"/>
-          </a:fillRef>
-          <a:effectRef idx="0">
-            <a:schemeClr val="accent1"/>
-          </a:effectRef>
-          <a:fontRef idx="minor">
-            <a:schemeClr val="lt1"/>
-          </a:fontRef>
-        </p:style>
-        <p:txBody>
-          <a:bodyPr rtlCol="0" anchor="ctr"/>
-          <a:lstStyle/>
-          <a:p>
-            <a:pPr algn="ctr"/>
-            <a:endParaRPr lang="fr-FR" sz="1400" dirty="0"/>
-          </a:p>
-        </p:txBody>
-      </p:sp>
-      <p:sp>
-        <p:nvSpPr>
           <p:cNvPr id="2" name="Titre 1">
             <a:extLst>
               <a:ext uri="{FF2B5EF4-FFF2-40B4-BE49-F238E27FC236}">
@@ -29503,7 +30631,7 @@
             </a:r>
             <a:r>
               <a:rPr lang="fr-FR" sz="1400" b="1" i="1" dirty="0" err="1"/>
-              <a:t>interacting</a:t>
+              <a:t>interdependent</a:t>
             </a:r>
             <a:r>
               <a:rPr lang="fr-FR" sz="1400" b="1" i="1" dirty="0"/>
@@ -29826,7 +30954,7 @@
         <p:spPr>
           <a:xfrm>
             <a:off x="1973428" y="370062"/>
-            <a:ext cx="8245144" cy="970450"/>
+            <a:ext cx="8942222" cy="970450"/>
           </a:xfrm>
         </p:spPr>
         <p:txBody>
@@ -29839,19 +30967,11 @@
             </a:r>
             <a:r>
               <a:rPr lang="fr-FR" sz="3600" dirty="0" err="1"/>
-              <a:t>What</a:t>
+              <a:t>Toward</a:t>
             </a:r>
             <a:r>
               <a:rPr lang="fr-FR" sz="3600" dirty="0"/>
-              <a:t> </a:t>
-            </a:r>
-            <a:r>
-              <a:rPr lang="fr-FR" sz="3600" dirty="0" err="1"/>
-              <a:t>is</a:t>
-            </a:r>
-            <a:r>
-              <a:rPr lang="fr-FR" sz="3600" dirty="0"/>
-              <a:t> a good segmentation?</a:t>
+              <a:t> the best segmentation (1/2) </a:t>
             </a:r>
             <a:br>
               <a:rPr lang="fr-FR" sz="3600" dirty="0"/>
@@ -30581,86 +31701,6 @@
           </a:p>
         </p:txBody>
       </p:sp>
-      <p:sp>
-        <p:nvSpPr>
-          <p:cNvPr id="31" name="ZoneTexte 30">
-            <a:extLst>
-              <a:ext uri="{FF2B5EF4-FFF2-40B4-BE49-F238E27FC236}">
-                <a16:creationId xmlns:a16="http://schemas.microsoft.com/office/drawing/2014/main" id="{E868ACF6-13AF-4FE6-9B46-C9D529B429A6}"/>
-              </a:ext>
-            </a:extLst>
-          </p:cNvPr>
-          <p:cNvSpPr txBox="1"/>
-          <p:nvPr/>
-        </p:nvSpPr>
-        <p:spPr>
-          <a:xfrm>
-            <a:off x="5398468" y="6032244"/>
-            <a:ext cx="6456017" cy="646331"/>
-          </a:xfrm>
-          <a:prstGeom prst="rect">
-            <a:avLst/>
-          </a:prstGeom>
-          <a:noFill/>
-        </p:spPr>
-        <p:txBody>
-          <a:bodyPr wrap="square">
-            <a:spAutoFit/>
-          </a:bodyPr>
-          <a:lstStyle/>
-          <a:p>
-            <a:r>
-              <a:rPr lang="en-US" sz="1200" i="1" dirty="0"/>
-              <a:t>Assuming that any topology should be handled (mixed type of features), and dimension reduction is key for </a:t>
-            </a:r>
-            <a:r>
-              <a:rPr lang="en-US" sz="1200" b="1" i="1" dirty="0"/>
-              <a:t>optimal clustering : </a:t>
-            </a:r>
-            <a:r>
-              <a:rPr lang="en-US" sz="1200" i="1" dirty="0"/>
-              <a:t>relevant </a:t>
-            </a:r>
-            <a:r>
-              <a:rPr lang="en-US" sz="1200" b="1" i="1" dirty="0"/>
-              <a:t>transformers</a:t>
-            </a:r>
-            <a:r>
-              <a:rPr lang="en-US" sz="1200" i="1" dirty="0"/>
-              <a:t> and </a:t>
-            </a:r>
-            <a:r>
-              <a:rPr lang="en-US" sz="1200" b="1" i="1" dirty="0"/>
-              <a:t>reducers</a:t>
-            </a:r>
-            <a:r>
-              <a:rPr lang="en-US" sz="1200" i="1" dirty="0"/>
-              <a:t> can be </a:t>
-            </a:r>
-            <a:r>
-              <a:rPr lang="en-US" sz="1200" b="1" i="1" dirty="0"/>
-              <a:t>chosen</a:t>
-            </a:r>
-            <a:r>
-              <a:rPr lang="en-US" sz="1200" i="1" dirty="0"/>
-              <a:t> and </a:t>
-            </a:r>
-            <a:r>
-              <a:rPr lang="en-US" sz="1200" b="1" i="1" dirty="0"/>
-              <a:t>tuned</a:t>
-            </a:r>
-            <a:r>
-              <a:rPr lang="en-US" sz="1200" i="1" dirty="0"/>
-              <a:t> to get to </a:t>
-            </a:r>
-            <a:r>
-              <a:rPr lang="en-US" sz="1200" b="1" i="1" dirty="0"/>
-              <a:t>enhance results</a:t>
-            </a:r>
-            <a:endParaRPr lang="en-US" sz="1600" b="1" i="1" dirty="0"/>
-          </a:p>
-        </p:txBody>
-      </p:sp>
       <p:pic>
         <p:nvPicPr>
           <p:cNvPr id="35" name="Image 34">
@@ -31032,7 +32072,7 @@
         </p:nvSpPr>
         <p:spPr>
           <a:xfrm>
-            <a:off x="5290627" y="3401556"/>
+            <a:off x="5299426" y="3221251"/>
             <a:ext cx="4311779" cy="415498"/>
           </a:xfrm>
           <a:prstGeom prst="rect">
@@ -31047,26 +32087,38 @@
           <a:lstStyle/>
           <a:p>
             <a:r>
-              <a:rPr lang="fr-FR" sz="1050" b="1" dirty="0" err="1"/>
-              <a:t>Alternate</a:t>
-            </a:r>
-            <a:r>
-              <a:rPr lang="fr-FR" sz="1050" b="1" dirty="0"/>
-              <a:t> « </a:t>
-            </a:r>
-            <a:r>
-              <a:rPr lang="fr-FR" sz="1050" b="1" dirty="0" err="1"/>
-              <a:t>reduction</a:t>
-            </a:r>
-            <a:r>
-              <a:rPr lang="fr-FR" sz="1050" b="1" dirty="0"/>
-              <a:t> » : </a:t>
+              <a:rPr lang="fr-FR" sz="1050" b="1" u="sng" dirty="0"/>
+              <a:t>Use Case : </a:t>
+            </a:r>
+            <a:r>
+              <a:rPr lang="fr-FR" sz="1050" b="1" u="sng" dirty="0" err="1"/>
+              <a:t>alternate</a:t>
+            </a:r>
+            <a:r>
+              <a:rPr lang="fr-FR" sz="1050" b="1" u="sng" dirty="0"/>
+              <a:t> </a:t>
+            </a:r>
+            <a:r>
+              <a:rPr lang="fr-FR" sz="1050" b="1" u="sng" dirty="0" err="1"/>
+              <a:t>clusterer</a:t>
+            </a:r>
+            <a:r>
+              <a:rPr lang="fr-FR" sz="1050" b="1" u="sng" dirty="0"/>
+              <a:t> or dimension « </a:t>
+            </a:r>
+            <a:r>
+              <a:rPr lang="fr-FR" sz="1050" b="1" u="sng" dirty="0" err="1"/>
+              <a:t>reducers</a:t>
+            </a:r>
+            <a:r>
+              <a:rPr lang="fr-FR" sz="1050" b="1" u="sng" dirty="0"/>
+              <a:t> » </a:t>
             </a:r>
           </a:p>
           <a:p>
             <a:r>
               <a:rPr lang="fr-FR" sz="1050" dirty="0"/>
-              <a:t>t-SNE 2d			     Optimal  : 4 or 7</a:t>
+              <a:t>t-SNE 2d			     </a:t>
             </a:r>
             <a:endParaRPr lang="en-US" sz="1050" dirty="0"/>
           </a:p>
@@ -31094,8 +32146,8 @@
         </p:blipFill>
         <p:spPr>
           <a:xfrm>
-            <a:off x="5361825" y="3815252"/>
-            <a:ext cx="1782504" cy="1323340"/>
+            <a:off x="5335297" y="3598615"/>
+            <a:ext cx="1511453" cy="1122110"/>
           </a:xfrm>
           <a:prstGeom prst="rect">
             <a:avLst/>
@@ -31171,7 +32223,7 @@
         </p:blipFill>
         <p:spPr>
           <a:xfrm>
-            <a:off x="5350704" y="2210272"/>
+            <a:off x="5335297" y="2029735"/>
             <a:ext cx="1989815" cy="1187534"/>
           </a:xfrm>
           <a:prstGeom prst="rect">
@@ -31201,7 +32253,7 @@
         </p:blipFill>
         <p:spPr>
           <a:xfrm>
-            <a:off x="7531239" y="2211608"/>
+            <a:off x="7714443" y="2031718"/>
             <a:ext cx="1880085" cy="1163303"/>
           </a:xfrm>
           <a:prstGeom prst="rect">
@@ -31223,8 +32275,8 @@
         </p:nvSpPr>
         <p:spPr>
           <a:xfrm>
-            <a:off x="5331061" y="1780456"/>
-            <a:ext cx="6572207" cy="415498"/>
+            <a:off x="5315654" y="1599919"/>
+            <a:ext cx="6788580" cy="415498"/>
           </a:xfrm>
           <a:prstGeom prst="rect">
             <a:avLst/>
@@ -31238,8 +32290,24 @@
           <a:lstStyle/>
           <a:p>
             <a:r>
-              <a:rPr lang="fr-FR" sz="1050" b="1" dirty="0"/>
-              <a:t>Use Case Focus :</a:t>
+              <a:rPr lang="fr-FR" sz="1050" b="1" u="sng" dirty="0"/>
+              <a:t>Use Case : </a:t>
+            </a:r>
+            <a:r>
+              <a:rPr lang="fr-FR" sz="1050" b="1" u="sng" dirty="0" err="1"/>
+              <a:t>Kmeans</a:t>
+            </a:r>
+            <a:r>
+              <a:rPr lang="fr-FR" sz="1050" b="1" u="sng" dirty="0"/>
+              <a:t> </a:t>
+            </a:r>
+            <a:r>
+              <a:rPr lang="fr-FR" sz="1050" b="1" u="sng" dirty="0" err="1"/>
+              <a:t>after</a:t>
+            </a:r>
+            <a:r>
+              <a:rPr lang="fr-FR" sz="1050" b="1" u="sng" dirty="0"/>
+              <a:t> PCA</a:t>
             </a:r>
           </a:p>
           <a:p>
@@ -31253,7 +32321,7 @@
             </a:r>
             <a:r>
               <a:rPr lang="fr-FR" sz="1050" dirty="0"/>
-              <a:t> : 6		         Optimal </a:t>
+              <a:t> : 6		             Optimal </a:t>
             </a:r>
             <a:r>
               <a:rPr lang="fr-FR" sz="1050" dirty="0" err="1"/>
@@ -31261,7 +32329,7 @@
             </a:r>
             <a:r>
               <a:rPr lang="fr-FR" sz="1050" dirty="0"/>
-              <a:t> : 2	  6 clusters projection PC1-PC2</a:t>
+              <a:t> : 2	              6 clusters projection PC1-PC2</a:t>
             </a:r>
             <a:endParaRPr lang="en-US" sz="1050" dirty="0"/>
           </a:p>
@@ -31281,7 +32349,7 @@
         </p:nvSpPr>
         <p:spPr>
           <a:xfrm>
-            <a:off x="6420898" y="2826527"/>
+            <a:off x="6405491" y="2645990"/>
             <a:ext cx="150725" cy="106289"/>
           </a:xfrm>
           <a:prstGeom prst="downArrow">
@@ -31327,7 +32395,7 @@
         </p:nvSpPr>
         <p:spPr>
           <a:xfrm>
-            <a:off x="7715506" y="2970963"/>
+            <a:off x="7700099" y="2790426"/>
             <a:ext cx="150725" cy="106289"/>
           </a:xfrm>
           <a:prstGeom prst="downArrow">
@@ -31381,7 +32449,7 @@
         </p:blipFill>
         <p:spPr>
           <a:xfrm>
-            <a:off x="9602406" y="2203182"/>
+            <a:off x="10119186" y="2033290"/>
             <a:ext cx="1768675" cy="1180424"/>
           </a:xfrm>
           <a:prstGeom prst="rect">
@@ -31411,8 +32479,8 @@
         </p:blipFill>
         <p:spPr>
           <a:xfrm>
-            <a:off x="7350995" y="3829006"/>
-            <a:ext cx="2251411" cy="1309586"/>
+            <a:off x="7517682" y="3596031"/>
+            <a:ext cx="1941264" cy="1129182"/>
           </a:xfrm>
           <a:prstGeom prst="rect">
             <a:avLst/>
@@ -31433,7 +32501,7 @@
         </p:nvSpPr>
         <p:spPr>
           <a:xfrm>
-            <a:off x="8786562" y="4638231"/>
+            <a:off x="8724715" y="4327463"/>
             <a:ext cx="150725" cy="106289"/>
           </a:xfrm>
           <a:prstGeom prst="downArrow">
@@ -31479,7 +32547,7 @@
         </p:nvSpPr>
         <p:spPr>
           <a:xfrm flipV="1">
-            <a:off x="8142325" y="4806867"/>
+            <a:off x="8209944" y="4446143"/>
             <a:ext cx="111483" cy="135662"/>
           </a:xfrm>
           <a:prstGeom prst="downArrow">
@@ -31513,10 +32581,10 @@
       </p:sp>
       <p:pic>
         <p:nvPicPr>
-          <p:cNvPr id="55" name="Image 54">
+          <p:cNvPr id="56" name="Image 55">
             <a:extLst>
               <a:ext uri="{FF2B5EF4-FFF2-40B4-BE49-F238E27FC236}">
-                <a16:creationId xmlns:a16="http://schemas.microsoft.com/office/drawing/2014/main" id="{BE78ED71-34A9-443B-B3E7-8C4436E1072D}"/>
+                <a16:creationId xmlns:a16="http://schemas.microsoft.com/office/drawing/2014/main" id="{81D9B78F-049B-4197-A01E-FD8B37D5A0F0}"/>
               </a:ext>
             </a:extLst>
           </p:cNvPr>
@@ -31533,20 +32601,465 @@
         </p:blipFill>
         <p:spPr>
           <a:xfrm>
-            <a:off x="9962004" y="3520166"/>
-            <a:ext cx="1941264" cy="1277035"/>
+            <a:off x="9828220" y="3587521"/>
+            <a:ext cx="1803083" cy="1179550"/>
           </a:xfrm>
           <a:prstGeom prst="rect">
             <a:avLst/>
           </a:prstGeom>
         </p:spPr>
       </p:pic>
+      <p:sp>
+        <p:nvSpPr>
+          <p:cNvPr id="59" name="ZoneTexte 58">
+            <a:extLst>
+              <a:ext uri="{FF2B5EF4-FFF2-40B4-BE49-F238E27FC236}">
+                <a16:creationId xmlns:a16="http://schemas.microsoft.com/office/drawing/2014/main" id="{0726D6C8-B3BC-4E96-A0D9-7EC4CA11CCF9}"/>
+              </a:ext>
+            </a:extLst>
+          </p:cNvPr>
+          <p:cNvSpPr txBox="1"/>
+          <p:nvPr/>
+        </p:nvSpPr>
+        <p:spPr>
+          <a:xfrm>
+            <a:off x="9757999" y="3356614"/>
+            <a:ext cx="1252631" cy="246221"/>
+          </a:xfrm>
+          <a:prstGeom prst="rect">
+            <a:avLst/>
+          </a:prstGeom>
+          <a:noFill/>
+        </p:spPr>
+        <p:txBody>
+          <a:bodyPr wrap="square">
+            <a:spAutoFit/>
+          </a:bodyPr>
+          <a:lstStyle/>
+          <a:p>
+            <a:r>
+              <a:rPr lang="fr-FR" sz="1000" dirty="0"/>
+              <a:t>t-SNE 9 Clusters</a:t>
+            </a:r>
+            <a:endParaRPr lang="en-US" sz="1000" dirty="0"/>
+          </a:p>
+        </p:txBody>
+      </p:sp>
+      <p:sp>
+        <p:nvSpPr>
+          <p:cNvPr id="15" name="Rectangle 14">
+            <a:extLst>
+              <a:ext uri="{FF2B5EF4-FFF2-40B4-BE49-F238E27FC236}">
+                <a16:creationId xmlns:a16="http://schemas.microsoft.com/office/drawing/2014/main" id="{D4306EDD-03D6-402D-A588-FF9EF2A7703F}"/>
+              </a:ext>
+            </a:extLst>
+          </p:cNvPr>
+          <p:cNvSpPr/>
+          <p:nvPr/>
+        </p:nvSpPr>
+        <p:spPr>
+          <a:xfrm>
+            <a:off x="87766" y="6068822"/>
+            <a:ext cx="11700859" cy="665207"/>
+          </a:xfrm>
+          <a:prstGeom prst="rect">
+            <a:avLst/>
+          </a:prstGeom>
+          <a:solidFill>
+            <a:schemeClr val="bg2">
+              <a:lumMod val="75000"/>
+              <a:lumOff val="25000"/>
+            </a:schemeClr>
+          </a:solidFill>
+          <a:ln>
+            <a:noFill/>
+          </a:ln>
+          <a:scene3d>
+            <a:camera prst="orthographicFront"/>
+            <a:lightRig rig="threePt" dir="t"/>
+          </a:scene3d>
+          <a:sp3d>
+            <a:bevelT/>
+          </a:sp3d>
+        </p:spPr>
+        <p:style>
+          <a:lnRef idx="2">
+            <a:schemeClr val="accent1">
+              <a:shade val="50000"/>
+            </a:schemeClr>
+          </a:lnRef>
+          <a:fillRef idx="1">
+            <a:schemeClr val="accent1"/>
+          </a:fillRef>
+          <a:effectRef idx="0">
+            <a:schemeClr val="accent1"/>
+          </a:effectRef>
+          <a:fontRef idx="minor">
+            <a:schemeClr val="lt1"/>
+          </a:fontRef>
+        </p:style>
+        <p:txBody>
+          <a:bodyPr rtlCol="0" anchor="ctr"/>
+          <a:lstStyle/>
+          <a:p>
+            <a:pPr algn="ctr"/>
+            <a:r>
+              <a:rPr lang="en-US" sz="1600" i="1" dirty="0"/>
+              <a:t>Assuming that </a:t>
+            </a:r>
+            <a:r>
+              <a:rPr lang="en-US" sz="1600" b="1" i="1" dirty="0"/>
+              <a:t>any topology</a:t>
+            </a:r>
+            <a:r>
+              <a:rPr lang="en-US" sz="1600" i="1" dirty="0"/>
+              <a:t> should be handled (mixed type of features), and dimension reduction is key for </a:t>
+            </a:r>
+          </a:p>
+          <a:p>
+            <a:pPr algn="ctr"/>
+            <a:r>
+              <a:rPr lang="en-US" sz="1600" b="1" i="1" dirty="0"/>
+              <a:t>optimal clustering : </a:t>
+            </a:r>
+            <a:r>
+              <a:rPr lang="en-US" sz="1600" i="1" dirty="0"/>
+              <a:t>relevant </a:t>
+            </a:r>
+            <a:r>
+              <a:rPr lang="en-US" sz="1600" b="1" i="1" dirty="0"/>
+              <a:t>transformers</a:t>
+            </a:r>
+            <a:r>
+              <a:rPr lang="en-US" sz="1600" i="1" dirty="0"/>
+              <a:t> and </a:t>
+            </a:r>
+            <a:r>
+              <a:rPr lang="en-US" sz="1600" b="1" i="1" dirty="0"/>
+              <a:t>reducers</a:t>
+            </a:r>
+            <a:r>
+              <a:rPr lang="en-US" sz="1600" i="1" dirty="0"/>
+              <a:t> can be </a:t>
+            </a:r>
+            <a:r>
+              <a:rPr lang="en-US" sz="1600" b="1" i="1" dirty="0"/>
+              <a:t>chosen</a:t>
+            </a:r>
+            <a:r>
+              <a:rPr lang="en-US" sz="1600" i="1" dirty="0"/>
+              <a:t> and </a:t>
+            </a:r>
+            <a:r>
+              <a:rPr lang="en-US" sz="1600" b="1" i="1" dirty="0"/>
+              <a:t>tuned</a:t>
+            </a:r>
+            <a:r>
+              <a:rPr lang="en-US" sz="1600" i="1" dirty="0"/>
+              <a:t> to get to </a:t>
+            </a:r>
+            <a:r>
+              <a:rPr lang="en-US" sz="1600" b="1" i="1" dirty="0"/>
+              <a:t>enhance results</a:t>
+            </a:r>
+            <a:endParaRPr lang="en-US" sz="2000" b="1" i="1" dirty="0"/>
+          </a:p>
+        </p:txBody>
+      </p:sp>
+      <p:sp>
+        <p:nvSpPr>
+          <p:cNvPr id="48" name="ZoneTexte 47">
+            <a:extLst>
+              <a:ext uri="{FF2B5EF4-FFF2-40B4-BE49-F238E27FC236}">
+                <a16:creationId xmlns:a16="http://schemas.microsoft.com/office/drawing/2014/main" id="{5703940F-9229-4CDA-B3DF-0F51A4C4FE4B}"/>
+              </a:ext>
+            </a:extLst>
+          </p:cNvPr>
+          <p:cNvSpPr txBox="1"/>
+          <p:nvPr/>
+        </p:nvSpPr>
+        <p:spPr>
+          <a:xfrm>
+            <a:off x="7275686" y="3380638"/>
+            <a:ext cx="1700663" cy="230832"/>
+          </a:xfrm>
+          <a:prstGeom prst="rect">
+            <a:avLst/>
+          </a:prstGeom>
+          <a:noFill/>
+        </p:spPr>
+        <p:txBody>
+          <a:bodyPr wrap="square">
+            <a:spAutoFit/>
+          </a:bodyPr>
+          <a:lstStyle/>
+          <a:p>
+            <a:r>
+              <a:rPr lang="fr-FR" sz="900" dirty="0"/>
+              <a:t>t-SNE 2d Optimal  k : 4 or 9</a:t>
+            </a:r>
+            <a:endParaRPr lang="en-US" sz="900" dirty="0"/>
+          </a:p>
+        </p:txBody>
+      </p:sp>
+      <p:sp>
+        <p:nvSpPr>
+          <p:cNvPr id="18" name="ZoneTexte 17">
+            <a:extLst>
+              <a:ext uri="{FF2B5EF4-FFF2-40B4-BE49-F238E27FC236}">
+                <a16:creationId xmlns:a16="http://schemas.microsoft.com/office/drawing/2014/main" id="{BA4916B0-30BA-4310-9F80-64A99F7CC240}"/>
+              </a:ext>
+            </a:extLst>
+          </p:cNvPr>
+          <p:cNvSpPr txBox="1"/>
+          <p:nvPr/>
+        </p:nvSpPr>
+        <p:spPr>
+          <a:xfrm>
+            <a:off x="5265425" y="4713041"/>
+            <a:ext cx="4853761" cy="230832"/>
+          </a:xfrm>
+          <a:prstGeom prst="rect">
+            <a:avLst/>
+          </a:prstGeom>
+          <a:noFill/>
+        </p:spPr>
+        <p:txBody>
+          <a:bodyPr wrap="square">
+            <a:spAutoFit/>
+          </a:bodyPr>
+          <a:lstStyle/>
+          <a:p>
+            <a:r>
+              <a:rPr lang="fr-FR" sz="900" b="1" u="sng" dirty="0"/>
+              <a:t>HDBSCAN</a:t>
+            </a:r>
+            <a:r>
+              <a:rPr lang="fr-FR" sz="900" dirty="0"/>
+              <a:t> : </a:t>
+            </a:r>
+            <a:r>
+              <a:rPr lang="fr-FR" sz="900" dirty="0" err="1"/>
+              <a:t>after</a:t>
+            </a:r>
+            <a:r>
+              <a:rPr lang="fr-FR" sz="900" dirty="0"/>
+              <a:t> PCA	PCA 2PCs			t-</a:t>
+            </a:r>
+            <a:r>
+              <a:rPr lang="fr-FR" sz="900" dirty="0" err="1"/>
+              <a:t>sne</a:t>
+            </a:r>
+            <a:r>
+              <a:rPr lang="fr-FR" sz="900" dirty="0"/>
+              <a:t>		</a:t>
+            </a:r>
+            <a:endParaRPr lang="en-US" sz="900" dirty="0"/>
+          </a:p>
+        </p:txBody>
+      </p:sp>
+      <p:sp>
+        <p:nvSpPr>
+          <p:cNvPr id="19" name="Flèche : droite 18">
+            <a:extLst>
+              <a:ext uri="{FF2B5EF4-FFF2-40B4-BE49-F238E27FC236}">
+                <a16:creationId xmlns:a16="http://schemas.microsoft.com/office/drawing/2014/main" id="{7E8A4973-1129-41BD-B302-23D4E8743140}"/>
+              </a:ext>
+            </a:extLst>
+          </p:cNvPr>
+          <p:cNvSpPr/>
+          <p:nvPr/>
+        </p:nvSpPr>
+        <p:spPr>
+          <a:xfrm>
+            <a:off x="6917446" y="4095750"/>
+            <a:ext cx="230962" cy="197811"/>
+          </a:xfrm>
+          <a:prstGeom prst="rightArrow">
+            <a:avLst/>
+          </a:prstGeom>
+          <a:solidFill>
+            <a:schemeClr val="tx1"/>
+          </a:solidFill>
+          <a:ln>
+            <a:solidFill>
+              <a:schemeClr val="tx1"/>
+            </a:solidFill>
+          </a:ln>
+        </p:spPr>
+        <p:style>
+          <a:lnRef idx="2">
+            <a:schemeClr val="accent1">
+              <a:shade val="50000"/>
+            </a:schemeClr>
+          </a:lnRef>
+          <a:fillRef idx="1">
+            <a:schemeClr val="accent1"/>
+          </a:fillRef>
+          <a:effectRef idx="0">
+            <a:schemeClr val="accent1"/>
+          </a:effectRef>
+          <a:fontRef idx="minor">
+            <a:schemeClr val="lt1"/>
+          </a:fontRef>
+        </p:style>
+        <p:txBody>
+          <a:bodyPr rtlCol="0" anchor="ctr"/>
+          <a:lstStyle/>
+          <a:p>
+            <a:pPr algn="ctr"/>
+            <a:endParaRPr lang="en-US"/>
+          </a:p>
+        </p:txBody>
+      </p:sp>
+      <p:sp>
+        <p:nvSpPr>
+          <p:cNvPr id="53" name="Flèche : droite 52">
+            <a:extLst>
+              <a:ext uri="{FF2B5EF4-FFF2-40B4-BE49-F238E27FC236}">
+                <a16:creationId xmlns:a16="http://schemas.microsoft.com/office/drawing/2014/main" id="{741E357F-B916-47A9-8B0A-36D72C7774B2}"/>
+              </a:ext>
+            </a:extLst>
+          </p:cNvPr>
+          <p:cNvSpPr/>
+          <p:nvPr/>
+        </p:nvSpPr>
+        <p:spPr>
+          <a:xfrm>
+            <a:off x="9509521" y="4095750"/>
+            <a:ext cx="230962" cy="197811"/>
+          </a:xfrm>
+          <a:prstGeom prst="rightArrow">
+            <a:avLst/>
+          </a:prstGeom>
+          <a:solidFill>
+            <a:schemeClr val="tx1"/>
+          </a:solidFill>
+          <a:ln>
+            <a:solidFill>
+              <a:schemeClr val="tx1"/>
+            </a:solidFill>
+          </a:ln>
+        </p:spPr>
+        <p:style>
+          <a:lnRef idx="2">
+            <a:schemeClr val="accent1">
+              <a:shade val="50000"/>
+            </a:schemeClr>
+          </a:lnRef>
+          <a:fillRef idx="1">
+            <a:schemeClr val="accent1"/>
+          </a:fillRef>
+          <a:effectRef idx="0">
+            <a:schemeClr val="accent1"/>
+          </a:effectRef>
+          <a:fontRef idx="minor">
+            <a:schemeClr val="lt1"/>
+          </a:fontRef>
+        </p:style>
+        <p:txBody>
+          <a:bodyPr rtlCol="0" anchor="ctr"/>
+          <a:lstStyle/>
+          <a:p>
+            <a:pPr algn="ctr"/>
+            <a:endParaRPr lang="en-US"/>
+          </a:p>
+        </p:txBody>
+      </p:sp>
+      <p:sp>
+        <p:nvSpPr>
+          <p:cNvPr id="20" name="ZoneTexte 19">
+            <a:extLst>
+              <a:ext uri="{FF2B5EF4-FFF2-40B4-BE49-F238E27FC236}">
+                <a16:creationId xmlns:a16="http://schemas.microsoft.com/office/drawing/2014/main" id="{0BD65DB2-44B0-4F86-9AC0-E07027766326}"/>
+              </a:ext>
+            </a:extLst>
+          </p:cNvPr>
+          <p:cNvSpPr txBox="1"/>
+          <p:nvPr/>
+        </p:nvSpPr>
+        <p:spPr>
+          <a:xfrm>
+            <a:off x="10046097" y="2982882"/>
+            <a:ext cx="631904" cy="230832"/>
+          </a:xfrm>
+          <a:prstGeom prst="rect">
+            <a:avLst/>
+          </a:prstGeom>
+          <a:noFill/>
+        </p:spPr>
+        <p:txBody>
+          <a:bodyPr wrap="none" rtlCol="0">
+            <a:spAutoFit/>
+          </a:bodyPr>
+          <a:lstStyle/>
+          <a:p>
+            <a:r>
+              <a:rPr lang="fr-FR" sz="900" b="1" dirty="0" err="1">
+                <a:solidFill>
+                  <a:schemeClr val="bg1"/>
+                </a:solidFill>
+              </a:rPr>
+              <a:t>kmeans</a:t>
+            </a:r>
+            <a:endParaRPr lang="en-US" sz="900" b="1" dirty="0">
+              <a:solidFill>
+                <a:schemeClr val="bg1"/>
+              </a:solidFill>
+            </a:endParaRPr>
+          </a:p>
+        </p:txBody>
+      </p:sp>
+      <p:sp>
+        <p:nvSpPr>
+          <p:cNvPr id="57" name="ZoneTexte 56">
+            <a:extLst>
+              <a:ext uri="{FF2B5EF4-FFF2-40B4-BE49-F238E27FC236}">
+                <a16:creationId xmlns:a16="http://schemas.microsoft.com/office/drawing/2014/main" id="{03C6D732-A2A4-48CF-95E6-98CE87BA70D1}"/>
+              </a:ext>
+            </a:extLst>
+          </p:cNvPr>
+          <p:cNvSpPr txBox="1"/>
+          <p:nvPr/>
+        </p:nvSpPr>
+        <p:spPr>
+          <a:xfrm>
+            <a:off x="9803234" y="4536239"/>
+            <a:ext cx="631904" cy="230832"/>
+          </a:xfrm>
+          <a:prstGeom prst="rect">
+            <a:avLst/>
+          </a:prstGeom>
+          <a:noFill/>
+        </p:spPr>
+        <p:txBody>
+          <a:bodyPr wrap="none" rtlCol="0">
+            <a:spAutoFit/>
+          </a:bodyPr>
+          <a:lstStyle/>
+          <a:p>
+            <a:r>
+              <a:rPr lang="fr-FR" sz="900" b="1" dirty="0" err="1">
+                <a:solidFill>
+                  <a:schemeClr val="bg1"/>
+                </a:solidFill>
+              </a:rPr>
+              <a:t>kmeans</a:t>
+            </a:r>
+            <a:endParaRPr lang="en-US" sz="900" b="1" dirty="0">
+              <a:solidFill>
+                <a:schemeClr val="bg1"/>
+              </a:solidFill>
+            </a:endParaRPr>
+          </a:p>
+        </p:txBody>
+      </p:sp>
       <p:pic>
         <p:nvPicPr>
-          <p:cNvPr id="56" name="Image 55">
+          <p:cNvPr id="21" name="Image 20">
             <a:extLst>
               <a:ext uri="{FF2B5EF4-FFF2-40B4-BE49-F238E27FC236}">
-                <a16:creationId xmlns:a16="http://schemas.microsoft.com/office/drawing/2014/main" id="{81D9B78F-049B-4197-A01E-FD8B37D5A0F0}"/>
+                <a16:creationId xmlns:a16="http://schemas.microsoft.com/office/drawing/2014/main" id="{54BA488C-A381-4A7B-9FE8-DB0130BCA1D3}"/>
               </a:ext>
             </a:extLst>
           </p:cNvPr>
@@ -31563,8 +33076,68 @@
         </p:blipFill>
         <p:spPr>
           <a:xfrm>
-            <a:off x="9962004" y="4755209"/>
-            <a:ext cx="1941264" cy="1269946"/>
+            <a:off x="6624939" y="4963612"/>
+            <a:ext cx="1557811" cy="1060862"/>
+          </a:xfrm>
+          <a:prstGeom prst="rect">
+            <a:avLst/>
+          </a:prstGeom>
+        </p:spPr>
+      </p:pic>
+      <p:pic>
+        <p:nvPicPr>
+          <p:cNvPr id="22" name="Image 21">
+            <a:extLst>
+              <a:ext uri="{FF2B5EF4-FFF2-40B4-BE49-F238E27FC236}">
+                <a16:creationId xmlns:a16="http://schemas.microsoft.com/office/drawing/2014/main" id="{25666B75-25BF-4D22-AF09-934A5AF70C29}"/>
+              </a:ext>
+            </a:extLst>
+          </p:cNvPr>
+          <p:cNvPicPr>
+            <a:picLocks noChangeAspect="1"/>
+          </p:cNvPicPr>
+          <p:nvPr/>
+        </p:nvPicPr>
+        <p:blipFill>
+          <a:blip r:embed="rId17"/>
+          <a:stretch>
+            <a:fillRect/>
+          </a:stretch>
+        </p:blipFill>
+        <p:spPr>
+          <a:xfrm>
+            <a:off x="5322525" y="4963612"/>
+            <a:ext cx="1213444" cy="1064991"/>
+          </a:xfrm>
+          <a:prstGeom prst="rect">
+            <a:avLst/>
+          </a:prstGeom>
+        </p:spPr>
+      </p:pic>
+      <p:pic>
+        <p:nvPicPr>
+          <p:cNvPr id="28" name="Image 27">
+            <a:extLst>
+              <a:ext uri="{FF2B5EF4-FFF2-40B4-BE49-F238E27FC236}">
+                <a16:creationId xmlns:a16="http://schemas.microsoft.com/office/drawing/2014/main" id="{91FEABAA-AE36-47E0-A9DF-6C98E2A8E88C}"/>
+              </a:ext>
+            </a:extLst>
+          </p:cNvPr>
+          <p:cNvPicPr>
+            <a:picLocks noChangeAspect="1"/>
+          </p:cNvPicPr>
+          <p:nvPr/>
+        </p:nvPicPr>
+        <p:blipFill>
+          <a:blip r:embed="rId18"/>
+          <a:stretch>
+            <a:fillRect/>
+          </a:stretch>
+        </p:blipFill>
+        <p:spPr>
+          <a:xfrm>
+            <a:off x="8256673" y="4954927"/>
+            <a:ext cx="1658852" cy="1078254"/>
           </a:xfrm>
           <a:prstGeom prst="rect">
             <a:avLst/>
@@ -31573,10 +33146,10 @@
       </p:pic>
       <p:sp>
         <p:nvSpPr>
-          <p:cNvPr id="58" name="ZoneTexte 57">
+          <p:cNvPr id="60" name="ZoneTexte 59">
             <a:extLst>
               <a:ext uri="{FF2B5EF4-FFF2-40B4-BE49-F238E27FC236}">
-                <a16:creationId xmlns:a16="http://schemas.microsoft.com/office/drawing/2014/main" id="{84DE100B-7863-426D-B4DB-A67937CCC91D}"/>
+                <a16:creationId xmlns:a16="http://schemas.microsoft.com/office/drawing/2014/main" id="{5D897D7E-912B-4031-A8A9-FC869CA759C2}"/>
               </a:ext>
             </a:extLst>
           </p:cNvPr>
@@ -31584,9 +33157,9 @@
           <p:nvPr/>
         </p:nvSpPr>
         <p:spPr>
-          <a:xfrm rot="16200000">
-            <a:off x="9272235" y="3935824"/>
-            <a:ext cx="1078752" cy="261610"/>
+          <a:xfrm>
+            <a:off x="5297343" y="5815816"/>
+            <a:ext cx="678391" cy="230832"/>
           </a:xfrm>
           <a:prstGeom prst="rect">
             <a:avLst/>
@@ -31594,25 +33167,33 @@
           <a:noFill/>
         </p:spPr>
         <p:txBody>
-          <a:bodyPr wrap="square">
+          <a:bodyPr wrap="none" rtlCol="0">
             <a:spAutoFit/>
           </a:bodyPr>
           <a:lstStyle/>
           <a:p>
             <a:r>
-              <a:rPr lang="fr-FR" sz="1100" dirty="0"/>
-              <a:t>4 Clusters</a:t>
-            </a:r>
-            <a:endParaRPr lang="en-US" sz="1100" dirty="0"/>
+              <a:rPr lang="fr-FR" sz="900" b="1" dirty="0" err="1">
+                <a:solidFill>
+                  <a:schemeClr val="bg1"/>
+                </a:solidFill>
+              </a:rPr>
+              <a:t>hdbscan</a:t>
+            </a:r>
+            <a:endParaRPr lang="en-US" sz="900" b="1" dirty="0">
+              <a:solidFill>
+                <a:schemeClr val="bg1"/>
+              </a:solidFill>
+            </a:endParaRPr>
           </a:p>
         </p:txBody>
       </p:sp>
       <p:sp>
         <p:nvSpPr>
-          <p:cNvPr id="59" name="ZoneTexte 58">
+          <p:cNvPr id="61" name="ZoneTexte 60">
             <a:extLst>
               <a:ext uri="{FF2B5EF4-FFF2-40B4-BE49-F238E27FC236}">
-                <a16:creationId xmlns:a16="http://schemas.microsoft.com/office/drawing/2014/main" id="{0726D6C8-B3BC-4E96-A0D9-7EC4CA11CCF9}"/>
+                <a16:creationId xmlns:a16="http://schemas.microsoft.com/office/drawing/2014/main" id="{FE6CB304-1C4C-4424-ADD1-3C87ABFF5DD3}"/>
               </a:ext>
             </a:extLst>
           </p:cNvPr>
@@ -31620,9 +33201,9 @@
           <p:nvPr/>
         </p:nvSpPr>
         <p:spPr>
-          <a:xfrm rot="16200000">
-            <a:off x="9249939" y="5149749"/>
-            <a:ext cx="1078752" cy="261610"/>
+          <a:xfrm>
+            <a:off x="6624939" y="5815816"/>
+            <a:ext cx="678391" cy="230832"/>
           </a:xfrm>
           <a:prstGeom prst="rect">
             <a:avLst/>
@@ -31630,16 +33211,68 @@
           <a:noFill/>
         </p:spPr>
         <p:txBody>
-          <a:bodyPr wrap="square">
+          <a:bodyPr wrap="none" rtlCol="0">
             <a:spAutoFit/>
           </a:bodyPr>
           <a:lstStyle/>
           <a:p>
             <a:r>
-              <a:rPr lang="fr-FR" sz="1100" dirty="0"/>
-              <a:t>6 Clusters</a:t>
-            </a:r>
-            <a:endParaRPr lang="en-US" sz="1100" dirty="0"/>
+              <a:rPr lang="fr-FR" sz="900" b="1" dirty="0" err="1">
+                <a:solidFill>
+                  <a:schemeClr val="bg1"/>
+                </a:solidFill>
+              </a:rPr>
+              <a:t>hdbscan</a:t>
+            </a:r>
+            <a:endParaRPr lang="en-US" sz="900" b="1" dirty="0">
+              <a:solidFill>
+                <a:schemeClr val="bg1"/>
+              </a:solidFill>
+            </a:endParaRPr>
+          </a:p>
+        </p:txBody>
+      </p:sp>
+      <p:sp>
+        <p:nvSpPr>
+          <p:cNvPr id="62" name="ZoneTexte 61">
+            <a:extLst>
+              <a:ext uri="{FF2B5EF4-FFF2-40B4-BE49-F238E27FC236}">
+                <a16:creationId xmlns:a16="http://schemas.microsoft.com/office/drawing/2014/main" id="{C0D32F2A-A4D8-4078-B6A7-0B7504A67014}"/>
+              </a:ext>
+            </a:extLst>
+          </p:cNvPr>
+          <p:cNvSpPr txBox="1"/>
+          <p:nvPr/>
+        </p:nvSpPr>
+        <p:spPr>
+          <a:xfrm>
+            <a:off x="8209944" y="5824523"/>
+            <a:ext cx="678391" cy="230832"/>
+          </a:xfrm>
+          <a:prstGeom prst="rect">
+            <a:avLst/>
+          </a:prstGeom>
+          <a:noFill/>
+        </p:spPr>
+        <p:txBody>
+          <a:bodyPr wrap="none" rtlCol="0">
+            <a:spAutoFit/>
+          </a:bodyPr>
+          <a:lstStyle/>
+          <a:p>
+            <a:r>
+              <a:rPr lang="fr-FR" sz="900" b="1" dirty="0" err="1">
+                <a:solidFill>
+                  <a:schemeClr val="bg1"/>
+                </a:solidFill>
+              </a:rPr>
+              <a:t>hdbscan</a:t>
+            </a:r>
+            <a:endParaRPr lang="en-US" sz="900" b="1" dirty="0">
+              <a:solidFill>
+                <a:schemeClr val="bg1"/>
+              </a:solidFill>
+            </a:endParaRPr>
           </a:p>
         </p:txBody>
       </p:sp>
